--- a/ift/assets/slides/ift615-03-Formes apprentissage et knn.pptx
+++ b/ift/assets/slides/ift615-03-Formes apprentissage et knn.pptx
@@ -237,6 +237,141 @@
             <ac:graphicFrameMk id="8" creationId="{9CA9F5F4-E5C0-A22E-D1AC-3E9526229466}"/>
           </ac:graphicFrameMkLst>
         </pc:graphicFrameChg>
+      </pc:sldChg>
+    </pc:docChg>
+  </pc:docChgLst>
+  <pc:docChgLst>
+    <pc:chgData name="Froduald Kabanza" userId="edf393d0-642b-4b9e-8c75-f62133241689" providerId="ADAL" clId="{07D49425-C8A0-45E3-93E8-4488914EDBE2}"/>
+    <pc:docChg chg="modSld">
+      <pc:chgData name="Froduald Kabanza" userId="edf393d0-642b-4b9e-8c75-f62133241689" providerId="ADAL" clId="{07D49425-C8A0-45E3-93E8-4488914EDBE2}" dt="2023-01-06T13:18:52.363" v="5" actId="729"/>
+      <pc:docMkLst>
+        <pc:docMk/>
+      </pc:docMkLst>
+      <pc:sldChg chg="mod modShow">
+        <pc:chgData name="Froduald Kabanza" userId="edf393d0-642b-4b9e-8c75-f62133241689" providerId="ADAL" clId="{07D49425-C8A0-45E3-93E8-4488914EDBE2}" dt="2023-01-06T13:17:13.589" v="0" actId="729"/>
+        <pc:sldMkLst>
+          <pc:docMk/>
+          <pc:sldMk cId="3233877371" sldId="292"/>
+        </pc:sldMkLst>
+      </pc:sldChg>
+      <pc:sldChg chg="mod modShow">
+        <pc:chgData name="Froduald Kabanza" userId="edf393d0-642b-4b9e-8c75-f62133241689" providerId="ADAL" clId="{07D49425-C8A0-45E3-93E8-4488914EDBE2}" dt="2023-01-06T13:17:13.589" v="0" actId="729"/>
+        <pc:sldMkLst>
+          <pc:docMk/>
+          <pc:sldMk cId="154423500" sldId="332"/>
+        </pc:sldMkLst>
+      </pc:sldChg>
+      <pc:sldChg chg="mod modShow">
+        <pc:chgData name="Froduald Kabanza" userId="edf393d0-642b-4b9e-8c75-f62133241689" providerId="ADAL" clId="{07D49425-C8A0-45E3-93E8-4488914EDBE2}" dt="2023-01-06T13:17:13.589" v="0" actId="729"/>
+        <pc:sldMkLst>
+          <pc:docMk/>
+          <pc:sldMk cId="2174123187" sldId="333"/>
+        </pc:sldMkLst>
+      </pc:sldChg>
+      <pc:sldChg chg="mod modShow">
+        <pc:chgData name="Froduald Kabanza" userId="edf393d0-642b-4b9e-8c75-f62133241689" providerId="ADAL" clId="{07D49425-C8A0-45E3-93E8-4488914EDBE2}" dt="2023-01-06T13:17:44.499" v="1" actId="729"/>
+        <pc:sldMkLst>
+          <pc:docMk/>
+          <pc:sldMk cId="1824756835" sldId="335"/>
+        </pc:sldMkLst>
+      </pc:sldChg>
+      <pc:sldChg chg="mod modShow">
+        <pc:chgData name="Froduald Kabanza" userId="edf393d0-642b-4b9e-8c75-f62133241689" providerId="ADAL" clId="{07D49425-C8A0-45E3-93E8-4488914EDBE2}" dt="2023-01-06T13:17:44.499" v="1" actId="729"/>
+        <pc:sldMkLst>
+          <pc:docMk/>
+          <pc:sldMk cId="33821689" sldId="344"/>
+        </pc:sldMkLst>
+      </pc:sldChg>
+      <pc:sldChg chg="mod modShow">
+        <pc:chgData name="Froduald Kabanza" userId="edf393d0-642b-4b9e-8c75-f62133241689" providerId="ADAL" clId="{07D49425-C8A0-45E3-93E8-4488914EDBE2}" dt="2023-01-06T13:18:52.363" v="5" actId="729"/>
+        <pc:sldMkLst>
+          <pc:docMk/>
+          <pc:sldMk cId="2508412678" sldId="349"/>
+        </pc:sldMkLst>
+      </pc:sldChg>
+      <pc:sldChg chg="mod modShow">
+        <pc:chgData name="Froduald Kabanza" userId="edf393d0-642b-4b9e-8c75-f62133241689" providerId="ADAL" clId="{07D49425-C8A0-45E3-93E8-4488914EDBE2}" dt="2023-01-06T13:17:13.589" v="0" actId="729"/>
+        <pc:sldMkLst>
+          <pc:docMk/>
+          <pc:sldMk cId="2428490300" sldId="434"/>
+        </pc:sldMkLst>
+      </pc:sldChg>
+      <pc:sldChg chg="mod modShow">
+        <pc:chgData name="Froduald Kabanza" userId="edf393d0-642b-4b9e-8c75-f62133241689" providerId="ADAL" clId="{07D49425-C8A0-45E3-93E8-4488914EDBE2}" dt="2023-01-06T13:17:13.589" v="0" actId="729"/>
+        <pc:sldMkLst>
+          <pc:docMk/>
+          <pc:sldMk cId="4107579451" sldId="438"/>
+        </pc:sldMkLst>
+      </pc:sldChg>
+      <pc:sldChg chg="mod modShow">
+        <pc:chgData name="Froduald Kabanza" userId="edf393d0-642b-4b9e-8c75-f62133241689" providerId="ADAL" clId="{07D49425-C8A0-45E3-93E8-4488914EDBE2}" dt="2023-01-06T13:17:13.589" v="0" actId="729"/>
+        <pc:sldMkLst>
+          <pc:docMk/>
+          <pc:sldMk cId="2526814027" sldId="439"/>
+        </pc:sldMkLst>
+      </pc:sldChg>
+      <pc:sldChg chg="mod modShow">
+        <pc:chgData name="Froduald Kabanza" userId="edf393d0-642b-4b9e-8c75-f62133241689" providerId="ADAL" clId="{07D49425-C8A0-45E3-93E8-4488914EDBE2}" dt="2023-01-06T13:17:13.589" v="0" actId="729"/>
+        <pc:sldMkLst>
+          <pc:docMk/>
+          <pc:sldMk cId="3735234146" sldId="440"/>
+        </pc:sldMkLst>
+      </pc:sldChg>
+      <pc:sldChg chg="mod modShow">
+        <pc:chgData name="Froduald Kabanza" userId="edf393d0-642b-4b9e-8c75-f62133241689" providerId="ADAL" clId="{07D49425-C8A0-45E3-93E8-4488914EDBE2}" dt="2023-01-06T13:17:13.589" v="0" actId="729"/>
+        <pc:sldMkLst>
+          <pc:docMk/>
+          <pc:sldMk cId="2285799096" sldId="448"/>
+        </pc:sldMkLst>
+      </pc:sldChg>
+      <pc:sldChg chg="mod modShow">
+        <pc:chgData name="Froduald Kabanza" userId="edf393d0-642b-4b9e-8c75-f62133241689" providerId="ADAL" clId="{07D49425-C8A0-45E3-93E8-4488914EDBE2}" dt="2023-01-06T13:17:13.589" v="0" actId="729"/>
+        <pc:sldMkLst>
+          <pc:docMk/>
+          <pc:sldMk cId="3128973846" sldId="449"/>
+        </pc:sldMkLst>
+      </pc:sldChg>
+      <pc:sldChg chg="mod modShow">
+        <pc:chgData name="Froduald Kabanza" userId="edf393d0-642b-4b9e-8c75-f62133241689" providerId="ADAL" clId="{07D49425-C8A0-45E3-93E8-4488914EDBE2}" dt="2023-01-06T13:18:07.056" v="3" actId="729"/>
+        <pc:sldMkLst>
+          <pc:docMk/>
+          <pc:sldMk cId="289569629" sldId="451"/>
+        </pc:sldMkLst>
+      </pc:sldChg>
+      <pc:sldChg chg="mod modShow">
+        <pc:chgData name="Froduald Kabanza" userId="edf393d0-642b-4b9e-8c75-f62133241689" providerId="ADAL" clId="{07D49425-C8A0-45E3-93E8-4488914EDBE2}" dt="2023-01-06T13:17:57.243" v="2" actId="729"/>
+        <pc:sldMkLst>
+          <pc:docMk/>
+          <pc:sldMk cId="484085780" sldId="452"/>
+        </pc:sldMkLst>
+      </pc:sldChg>
+      <pc:sldChg chg="mod modShow">
+        <pc:chgData name="Froduald Kabanza" userId="edf393d0-642b-4b9e-8c75-f62133241689" providerId="ADAL" clId="{07D49425-C8A0-45E3-93E8-4488914EDBE2}" dt="2023-01-06T13:18:37.770" v="4" actId="729"/>
+        <pc:sldMkLst>
+          <pc:docMk/>
+          <pc:sldMk cId="2206116280" sldId="458"/>
+        </pc:sldMkLst>
+      </pc:sldChg>
+      <pc:sldChg chg="mod modShow">
+        <pc:chgData name="Froduald Kabanza" userId="edf393d0-642b-4b9e-8c75-f62133241689" providerId="ADAL" clId="{07D49425-C8A0-45E3-93E8-4488914EDBE2}" dt="2023-01-06T13:18:37.770" v="4" actId="729"/>
+        <pc:sldMkLst>
+          <pc:docMk/>
+          <pc:sldMk cId="410796776" sldId="459"/>
+        </pc:sldMkLst>
+      </pc:sldChg>
+      <pc:sldChg chg="mod modShow">
+        <pc:chgData name="Froduald Kabanza" userId="edf393d0-642b-4b9e-8c75-f62133241689" providerId="ADAL" clId="{07D49425-C8A0-45E3-93E8-4488914EDBE2}" dt="2023-01-06T13:18:37.770" v="4" actId="729"/>
+        <pc:sldMkLst>
+          <pc:docMk/>
+          <pc:sldMk cId="594361505" sldId="460"/>
+        </pc:sldMkLst>
+      </pc:sldChg>
+      <pc:sldChg chg="mod modShow">
+        <pc:chgData name="Froduald Kabanza" userId="edf393d0-642b-4b9e-8c75-f62133241689" providerId="ADAL" clId="{07D49425-C8A0-45E3-93E8-4488914EDBE2}" dt="2023-01-06T13:18:37.770" v="4" actId="729"/>
+        <pc:sldMkLst>
+          <pc:docMk/>
+          <pc:sldMk cId="1497002319" sldId="461"/>
+        </pc:sldMkLst>
       </pc:sldChg>
     </pc:docChg>
   </pc:docChgLst>
@@ -2104,7 +2239,7 @@
           <a:p>
             <a:fld id="{418B900B-4E04-444A-912F-CE20CE57486D}" type="datetimeFigureOut">
               <a:rPr lang="fr-CA" smtClean="0"/>
-              <a:t>2023-01-05</a:t>
+              <a:t>2023-01-06</a:t>
             </a:fld>
             <a:endParaRPr lang="fr-CA"/>
           </a:p>
@@ -3027,7 +3162,7 @@
           <a:p>
             <a:fld id="{244EA38E-80BD-3344-8C29-F9C1736B78D2}" type="datetimeFigureOut">
               <a:rPr lang="fr-CA" smtClean="0"/>
-              <a:t>2023-01-05</a:t>
+              <a:t>2023-01-06</a:t>
             </a:fld>
             <a:endParaRPr lang="fr-CA"/>
           </a:p>
@@ -3360,7 +3495,7 @@
               </a14:hiddenLine>
             </a:ext>
             <a:ext uri="{FAA26D3D-D897-4be2-8F04-BA451C77F1D7}">
-              <ma14:placeholderFlag xmlns:ma14="http://schemas.microsoft.com/office/mac/drawingml/2011/main" xmlns="" val="1"/>
+              <ma14:placeholderFlag xmlns="" xmlns:ma14="http://schemas.microsoft.com/office/mac/drawingml/2011/main" val="1"/>
             </a:ext>
           </a:extLst>
         </p:spPr>
@@ -5784,7 +5919,7 @@
               </a14:hiddenLine>
             </a:ext>
             <a:ext uri="{FAA26D3D-D897-4be2-8F04-BA451C77F1D7}">
-              <ma14:placeholderFlag xmlns:ma14="http://schemas.microsoft.com/office/mac/drawingml/2011/main" xmlns="" val="1"/>
+              <ma14:placeholderFlag xmlns="" xmlns:ma14="http://schemas.microsoft.com/office/mac/drawingml/2011/main" val="1"/>
             </a:ext>
           </a:extLst>
         </p:spPr>
@@ -8270,7 +8405,7 @@
               </a14:hiddenLine>
             </a:ext>
             <a:ext uri="{FAA26D3D-D897-4be2-8F04-BA451C77F1D7}">
-              <ma14:placeholderFlag xmlns:ma14="http://schemas.microsoft.com/office/mac/drawingml/2011/main" xmlns="" val="1"/>
+              <ma14:placeholderFlag xmlns="" xmlns:ma14="http://schemas.microsoft.com/office/mac/drawingml/2011/main" val="1"/>
             </a:ext>
           </a:extLst>
         </p:spPr>
@@ -8331,7 +8466,7 @@
               </a14:hiddenLine>
             </a:ext>
             <a:ext uri="{FAA26D3D-D897-4be2-8F04-BA451C77F1D7}">
-              <ma14:placeholderFlag xmlns:ma14="http://schemas.microsoft.com/office/mac/drawingml/2011/main" xmlns="" val="1"/>
+              <ma14:placeholderFlag xmlns="" xmlns:ma14="http://schemas.microsoft.com/office/mac/drawingml/2011/main" val="1"/>
             </a:ext>
           </a:extLst>
         </p:spPr>
@@ -9149,7 +9284,7 @@
 </file>
 
 <file path=ppt/slides/slide1.xml><?xml version="1.0" encoding="utf-8"?>
-<p:sld xmlns:a="http://schemas.openxmlformats.org/drawingml/2006/main" xmlns:r="http://schemas.openxmlformats.org/officeDocument/2006/relationships" xmlns:p="http://schemas.openxmlformats.org/presentationml/2006/main">
+<p:sld xmlns:a="http://schemas.openxmlformats.org/drawingml/2006/main" xmlns:r="http://schemas.openxmlformats.org/officeDocument/2006/relationships" xmlns:p="http://schemas.openxmlformats.org/presentationml/2006/main" show="0">
   <p:cSld>
     <p:spTree>
       <p:nvGrpSpPr>
@@ -9372,7 +9507,7 @@
 </file>
 
 <file path=ppt/slides/slide10.xml><?xml version="1.0" encoding="utf-8"?>
-<p:sld xmlns:a="http://schemas.openxmlformats.org/drawingml/2006/main" xmlns:r="http://schemas.openxmlformats.org/officeDocument/2006/relationships" xmlns:p="http://schemas.openxmlformats.org/presentationml/2006/main">
+<p:sld xmlns:a="http://schemas.openxmlformats.org/drawingml/2006/main" xmlns:r="http://schemas.openxmlformats.org/officeDocument/2006/relationships" xmlns:p="http://schemas.openxmlformats.org/presentationml/2006/main" show="0">
   <p:cSld>
     <p:spTree>
       <p:nvGrpSpPr>
@@ -10552,7 +10687,7 @@
 </file>
 
 <file path=ppt/slides/slide11.xml><?xml version="1.0" encoding="utf-8"?>
-<p:sld xmlns:a="http://schemas.openxmlformats.org/drawingml/2006/main" xmlns:r="http://schemas.openxmlformats.org/officeDocument/2006/relationships" xmlns:p="http://schemas.openxmlformats.org/presentationml/2006/main">
+<p:sld xmlns:a="http://schemas.openxmlformats.org/drawingml/2006/main" xmlns:r="http://schemas.openxmlformats.org/officeDocument/2006/relationships" xmlns:p="http://schemas.openxmlformats.org/presentationml/2006/main" show="0">
   <p:cSld>
     <p:spTree>
       <p:nvGrpSpPr>
@@ -12211,7 +12346,7 @@
 </file>
 
 <file path=ppt/slides/slide14.xml><?xml version="1.0" encoding="utf-8"?>
-<p:sld xmlns:a="http://schemas.openxmlformats.org/drawingml/2006/main" xmlns:r="http://schemas.openxmlformats.org/officeDocument/2006/relationships" xmlns:p="http://schemas.openxmlformats.org/presentationml/2006/main">
+<p:sld xmlns:a="http://schemas.openxmlformats.org/drawingml/2006/main" xmlns:r="http://schemas.openxmlformats.org/officeDocument/2006/relationships" xmlns:p="http://schemas.openxmlformats.org/presentationml/2006/main" show="0">
   <p:cSld>
     <p:spTree>
       <p:nvGrpSpPr>
@@ -12836,7 +12971,7 @@
 </file>
 
 <file path=ppt/slides/slide16.xml><?xml version="1.0" encoding="utf-8"?>
-<p:sld xmlns:a="http://schemas.openxmlformats.org/drawingml/2006/main" xmlns:r="http://schemas.openxmlformats.org/officeDocument/2006/relationships" xmlns:p="http://schemas.openxmlformats.org/presentationml/2006/main">
+<p:sld xmlns:a="http://schemas.openxmlformats.org/drawingml/2006/main" xmlns:r="http://schemas.openxmlformats.org/officeDocument/2006/relationships" xmlns:p="http://schemas.openxmlformats.org/presentationml/2006/main" show="0">
   <p:cSld>
     <p:spTree>
       <p:nvGrpSpPr>
@@ -14628,7 +14763,7 @@
 </file>
 
 <file path=ppt/slides/slide2.xml><?xml version="1.0" encoding="utf-8"?>
-<p:sld xmlns:a="http://schemas.openxmlformats.org/drawingml/2006/main" xmlns:r="http://schemas.openxmlformats.org/officeDocument/2006/relationships" xmlns:p="http://schemas.openxmlformats.org/presentationml/2006/main">
+<p:sld xmlns:a="http://schemas.openxmlformats.org/drawingml/2006/main" xmlns:r="http://schemas.openxmlformats.org/officeDocument/2006/relationships" xmlns:p="http://schemas.openxmlformats.org/presentationml/2006/main" show="0">
   <p:cSld>
     <p:spTree>
       <p:nvGrpSpPr>
@@ -15341,7 +15476,7 @@
 </file>
 
 <file path=ppt/slides/slide21.xml><?xml version="1.0" encoding="utf-8"?>
-<p:sld xmlns:a="http://schemas.openxmlformats.org/drawingml/2006/main" xmlns:r="http://schemas.openxmlformats.org/officeDocument/2006/relationships" xmlns:p="http://schemas.openxmlformats.org/presentationml/2006/main">
+<p:sld xmlns:a="http://schemas.openxmlformats.org/drawingml/2006/main" xmlns:r="http://schemas.openxmlformats.org/officeDocument/2006/relationships" xmlns:p="http://schemas.openxmlformats.org/presentationml/2006/main" show="0">
   <p:cSld>
     <p:spTree>
       <p:nvGrpSpPr>
@@ -15876,7 +16011,7 @@
 </file>
 
 <file path=ppt/slides/slide22.xml><?xml version="1.0" encoding="utf-8"?>
-<p:sld xmlns:a="http://schemas.openxmlformats.org/drawingml/2006/main" xmlns:r="http://schemas.openxmlformats.org/officeDocument/2006/relationships" xmlns:p="http://schemas.openxmlformats.org/presentationml/2006/main">
+<p:sld xmlns:a="http://schemas.openxmlformats.org/drawingml/2006/main" xmlns:r="http://schemas.openxmlformats.org/officeDocument/2006/relationships" xmlns:p="http://schemas.openxmlformats.org/presentationml/2006/main" show="0">
   <p:cSld>
     <p:spTree>
       <p:nvGrpSpPr>
@@ -16381,7 +16516,7 @@
 </file>
 
 <file path=ppt/slides/slide23.xml><?xml version="1.0" encoding="utf-8"?>
-<p:sld xmlns:a="http://schemas.openxmlformats.org/drawingml/2006/main" xmlns:r="http://schemas.openxmlformats.org/officeDocument/2006/relationships" xmlns:p="http://schemas.openxmlformats.org/presentationml/2006/main">
+<p:sld xmlns:a="http://schemas.openxmlformats.org/drawingml/2006/main" xmlns:r="http://schemas.openxmlformats.org/officeDocument/2006/relationships" xmlns:p="http://schemas.openxmlformats.org/presentationml/2006/main" show="0">
   <p:cSld>
     <p:spTree>
       <p:nvGrpSpPr>
@@ -17098,7 +17233,7 @@
 </file>
 
 <file path=ppt/slides/slide24.xml><?xml version="1.0" encoding="utf-8"?>
-<p:sld xmlns:a="http://schemas.openxmlformats.org/drawingml/2006/main" xmlns:r="http://schemas.openxmlformats.org/officeDocument/2006/relationships" xmlns:p="http://schemas.openxmlformats.org/presentationml/2006/main">
+<p:sld xmlns:a="http://schemas.openxmlformats.org/drawingml/2006/main" xmlns:r="http://schemas.openxmlformats.org/officeDocument/2006/relationships" xmlns:p="http://schemas.openxmlformats.org/presentationml/2006/main" show="0">
   <p:cSld>
     <p:spTree>
       <p:nvGrpSpPr>
@@ -17371,7 +17506,7 @@
 </file>
 
 <file path=ppt/slides/slide25.xml><?xml version="1.0" encoding="utf-8"?>
-<p:sld xmlns:a="http://schemas.openxmlformats.org/drawingml/2006/main" xmlns:r="http://schemas.openxmlformats.org/officeDocument/2006/relationships" xmlns:p="http://schemas.openxmlformats.org/presentationml/2006/main">
+<p:sld xmlns:a="http://schemas.openxmlformats.org/drawingml/2006/main" xmlns:r="http://schemas.openxmlformats.org/officeDocument/2006/relationships" xmlns:p="http://schemas.openxmlformats.org/presentationml/2006/main" show="0">
   <p:cSld>
     <p:spTree>
       <p:nvGrpSpPr>
@@ -17442,14 +17577,14 @@
           <a:noFill/>
           <a:extLst>
             <a:ext uri="{909E8E84-426E-40dd-AFC4-6F175D3DCCD1}">
-              <a14:hiddenFill xmlns:a14="http://schemas.microsoft.com/office/drawing/2010/main" xmlns="">
+              <a14:hiddenFill xmlns="" xmlns:a14="http://schemas.microsoft.com/office/drawing/2010/main">
                 <a:solidFill>
                   <a:srgbClr val="FFFFFF"/>
                 </a:solidFill>
               </a14:hiddenFill>
             </a:ext>
             <a:ext uri="{91240B29-F687-4f45-9708-019B960494DF}">
-              <a14:hiddenLine xmlns:a14="http://schemas.microsoft.com/office/drawing/2010/main" xmlns="" w="9525">
+              <a14:hiddenLine xmlns="" xmlns:a14="http://schemas.microsoft.com/office/drawing/2010/main" w="9525">
                 <a:solidFill>
                   <a:srgbClr val="000000"/>
                 </a:solidFill>
@@ -17609,14 +17744,14 @@
           <a:noFill/>
           <a:extLst>
             <a:ext uri="{909E8E84-426E-40dd-AFC4-6F175D3DCCD1}">
-              <a14:hiddenFill xmlns:a14="http://schemas.microsoft.com/office/drawing/2010/main" xmlns="">
+              <a14:hiddenFill xmlns="" xmlns:a14="http://schemas.microsoft.com/office/drawing/2010/main">
                 <a:solidFill>
                   <a:srgbClr val="FFFFFF"/>
                 </a:solidFill>
               </a14:hiddenFill>
             </a:ext>
             <a:ext uri="{91240B29-F687-4f45-9708-019B960494DF}">
-              <a14:hiddenLine xmlns:a14="http://schemas.microsoft.com/office/drawing/2010/main" xmlns="" w="9525">
+              <a14:hiddenLine xmlns="" xmlns:a14="http://schemas.microsoft.com/office/drawing/2010/main" w="9525">
                 <a:solidFill>
                   <a:srgbClr val="000000"/>
                 </a:solidFill>
@@ -17781,14 +17916,14 @@
           <a:noFill/>
           <a:extLst>
             <a:ext uri="{909E8E84-426E-40dd-AFC4-6F175D3DCCD1}">
-              <a14:hiddenFill xmlns:a14="http://schemas.microsoft.com/office/drawing/2010/main" xmlns="">
+              <a14:hiddenFill xmlns="" xmlns:a14="http://schemas.microsoft.com/office/drawing/2010/main">
                 <a:solidFill>
                   <a:srgbClr val="FFFFFF"/>
                 </a:solidFill>
               </a14:hiddenFill>
             </a:ext>
             <a:ext uri="{91240B29-F687-4f45-9708-019B960494DF}">
-              <a14:hiddenLine xmlns:a14="http://schemas.microsoft.com/office/drawing/2010/main" xmlns="" w="9525">
+              <a14:hiddenLine xmlns="" xmlns:a14="http://schemas.microsoft.com/office/drawing/2010/main" w="9525">
                 <a:solidFill>
                   <a:srgbClr val="000000"/>
                 </a:solidFill>
@@ -17962,14 +18097,14 @@
           </a:ln>
           <a:extLst>
             <a:ext uri="{909E8E84-426E-40dd-AFC4-6F175D3DCCD1}">
-              <a14:hiddenFill xmlns:a14="http://schemas.microsoft.com/office/drawing/2010/main" xmlns="">
+              <a14:hiddenFill xmlns="" xmlns:a14="http://schemas.microsoft.com/office/drawing/2010/main">
                 <a:solidFill>
                   <a:srgbClr val="FFFFFF"/>
                 </a:solidFill>
               </a14:hiddenFill>
             </a:ext>
             <a:ext uri="{91240B29-F687-4f45-9708-019B960494DF}">
-              <a14:hiddenLine xmlns:a14="http://schemas.microsoft.com/office/drawing/2010/main" xmlns="" w="9525">
+              <a14:hiddenLine xmlns="" xmlns:a14="http://schemas.microsoft.com/office/drawing/2010/main" w="9525">
                 <a:solidFill>
                   <a:srgbClr val="000000"/>
                 </a:solidFill>
@@ -18018,14 +18153,14 @@
           </a:ln>
           <a:extLst>
             <a:ext uri="{909E8E84-426E-40dd-AFC4-6F175D3DCCD1}">
-              <a14:hiddenFill xmlns:a14="http://schemas.microsoft.com/office/drawing/2010/main" xmlns="">
+              <a14:hiddenFill xmlns="" xmlns:a14="http://schemas.microsoft.com/office/drawing/2010/main">
                 <a:solidFill>
                   <a:srgbClr val="FFFFFF"/>
                 </a:solidFill>
               </a14:hiddenFill>
             </a:ext>
             <a:ext uri="{91240B29-F687-4f45-9708-019B960494DF}">
-              <a14:hiddenLine xmlns:a14="http://schemas.microsoft.com/office/drawing/2010/main" xmlns="" w="9525">
+              <a14:hiddenLine xmlns="" xmlns:a14="http://schemas.microsoft.com/office/drawing/2010/main" w="9525">
                 <a:solidFill>
                   <a:srgbClr val="000000"/>
                 </a:solidFill>
@@ -18074,14 +18209,14 @@
           </a:ln>
           <a:extLst>
             <a:ext uri="{909E8E84-426E-40dd-AFC4-6F175D3DCCD1}">
-              <a14:hiddenFill xmlns:a14="http://schemas.microsoft.com/office/drawing/2010/main" xmlns="">
+              <a14:hiddenFill xmlns="" xmlns:a14="http://schemas.microsoft.com/office/drawing/2010/main">
                 <a:solidFill>
                   <a:srgbClr val="FFFFFF"/>
                 </a:solidFill>
               </a14:hiddenFill>
             </a:ext>
             <a:ext uri="{91240B29-F687-4f45-9708-019B960494DF}">
-              <a14:hiddenLine xmlns:a14="http://schemas.microsoft.com/office/drawing/2010/main" xmlns="" w="9525">
+              <a14:hiddenLine xmlns="" xmlns:a14="http://schemas.microsoft.com/office/drawing/2010/main" w="9525">
                 <a:solidFill>
                   <a:srgbClr val="000000"/>
                 </a:solidFill>
@@ -18130,14 +18265,14 @@
           </a:ln>
           <a:extLst>
             <a:ext uri="{909E8E84-426E-40dd-AFC4-6F175D3DCCD1}">
-              <a14:hiddenFill xmlns:a14="http://schemas.microsoft.com/office/drawing/2010/main" xmlns="">
+              <a14:hiddenFill xmlns="" xmlns:a14="http://schemas.microsoft.com/office/drawing/2010/main">
                 <a:solidFill>
                   <a:srgbClr val="FFFFFF"/>
                 </a:solidFill>
               </a14:hiddenFill>
             </a:ext>
             <a:ext uri="{91240B29-F687-4f45-9708-019B960494DF}">
-              <a14:hiddenLine xmlns:a14="http://schemas.microsoft.com/office/drawing/2010/main" xmlns="" w="9525">
+              <a14:hiddenLine xmlns="" xmlns:a14="http://schemas.microsoft.com/office/drawing/2010/main" w="9525">
                 <a:solidFill>
                   <a:srgbClr val="000000"/>
                 </a:solidFill>
@@ -19147,7 +19282,7 @@
 </file>
 
 <file path=ppt/slides/slide3.xml><?xml version="1.0" encoding="utf-8"?>
-<p:sld xmlns:a="http://schemas.openxmlformats.org/drawingml/2006/main" xmlns:r="http://schemas.openxmlformats.org/officeDocument/2006/relationships" xmlns:p="http://schemas.openxmlformats.org/presentationml/2006/main">
+<p:sld xmlns:a="http://schemas.openxmlformats.org/drawingml/2006/main" xmlns:r="http://schemas.openxmlformats.org/officeDocument/2006/relationships" xmlns:p="http://schemas.openxmlformats.org/presentationml/2006/main" show="0">
   <p:cSld>
     <p:spTree>
       <p:nvGrpSpPr>
@@ -21564,7 +21699,7 @@
 </file>
 
 <file path=ppt/slides/slide4.xml><?xml version="1.0" encoding="utf-8"?>
-<p:sld xmlns:a="http://schemas.openxmlformats.org/drawingml/2006/main" xmlns:r="http://schemas.openxmlformats.org/officeDocument/2006/relationships" xmlns:p="http://schemas.openxmlformats.org/presentationml/2006/main">
+<p:sld xmlns:a="http://schemas.openxmlformats.org/drawingml/2006/main" xmlns:r="http://schemas.openxmlformats.org/officeDocument/2006/relationships" xmlns:p="http://schemas.openxmlformats.org/presentationml/2006/main" show="0">
   <p:cSld>
     <p:spTree>
       <p:nvGrpSpPr>
@@ -23589,7 +23724,7 @@
 </file>
 
 <file path=ppt/slides/slide5.xml><?xml version="1.0" encoding="utf-8"?>
-<p:sld xmlns:a="http://schemas.openxmlformats.org/drawingml/2006/main" xmlns:r="http://schemas.openxmlformats.org/officeDocument/2006/relationships" xmlns:p="http://schemas.openxmlformats.org/presentationml/2006/main">
+<p:sld xmlns:a="http://schemas.openxmlformats.org/drawingml/2006/main" xmlns:r="http://schemas.openxmlformats.org/officeDocument/2006/relationships" xmlns:p="http://schemas.openxmlformats.org/presentationml/2006/main" show="0">
   <p:cSld>
     <p:spTree>
       <p:nvGrpSpPr>
@@ -23750,7 +23885,7 @@
 </file>
 
 <file path=ppt/slides/slide6.xml><?xml version="1.0" encoding="utf-8"?>
-<p:sld xmlns:a="http://schemas.openxmlformats.org/drawingml/2006/main" xmlns:r="http://schemas.openxmlformats.org/officeDocument/2006/relationships" xmlns:p="http://schemas.openxmlformats.org/presentationml/2006/main">
+<p:sld xmlns:a="http://schemas.openxmlformats.org/drawingml/2006/main" xmlns:r="http://schemas.openxmlformats.org/officeDocument/2006/relationships" xmlns:p="http://schemas.openxmlformats.org/presentationml/2006/main" show="0">
   <p:cSld>
     <p:spTree>
       <p:nvGrpSpPr>
@@ -23952,7 +24087,7 @@
 </file>
 
 <file path=ppt/slides/slide7.xml><?xml version="1.0" encoding="utf-8"?>
-<p:sld xmlns:a="http://schemas.openxmlformats.org/drawingml/2006/main" xmlns:r="http://schemas.openxmlformats.org/officeDocument/2006/relationships" xmlns:p="http://schemas.openxmlformats.org/presentationml/2006/main">
+<p:sld xmlns:a="http://schemas.openxmlformats.org/drawingml/2006/main" xmlns:r="http://schemas.openxmlformats.org/officeDocument/2006/relationships" xmlns:p="http://schemas.openxmlformats.org/presentationml/2006/main" show="0">
   <p:cSld>
     <p:spTree>
       <p:nvGrpSpPr>
@@ -24242,7 +24377,7 @@
 </file>
 
 <file path=ppt/slides/slide8.xml><?xml version="1.0" encoding="utf-8"?>
-<p:sld xmlns:a="http://schemas.openxmlformats.org/drawingml/2006/main" xmlns:r="http://schemas.openxmlformats.org/officeDocument/2006/relationships" xmlns:p="http://schemas.openxmlformats.org/presentationml/2006/main">
+<p:sld xmlns:a="http://schemas.openxmlformats.org/drawingml/2006/main" xmlns:r="http://schemas.openxmlformats.org/officeDocument/2006/relationships" xmlns:p="http://schemas.openxmlformats.org/presentationml/2006/main" show="0">
   <p:cSld>
     <p:spTree>
       <p:nvGrpSpPr>
@@ -24444,7 +24579,7 @@
 </file>
 
 <file path=ppt/slides/slide9.xml><?xml version="1.0" encoding="utf-8"?>
-<p:sld xmlns:a="http://schemas.openxmlformats.org/drawingml/2006/main" xmlns:r="http://schemas.openxmlformats.org/officeDocument/2006/relationships" xmlns:p="http://schemas.openxmlformats.org/presentationml/2006/main">
+<p:sld xmlns:a="http://schemas.openxmlformats.org/drawingml/2006/main" xmlns:r="http://schemas.openxmlformats.org/officeDocument/2006/relationships" xmlns:p="http://schemas.openxmlformats.org/presentationml/2006/main" show="0">
   <p:cSld>
     <p:spTree>
       <p:nvGrpSpPr>
@@ -25581,17 +25716,6 @@
 </file>
 
 <file path=customXml/item2.xml><?xml version="1.0" encoding="utf-8"?>
-<p:properties xmlns:p="http://schemas.microsoft.com/office/2006/metadata/properties" xmlns:xsi="http://www.w3.org/2001/XMLSchema-instance" xmlns:pc="http://schemas.microsoft.com/office/infopath/2007/PartnerControls">
-  <documentManagement>
-    <lcf76f155ced4ddcb4097134ff3c332f xmlns="be95ad7f-f2d3-4ad5-827d-a3392f6d419f">
-      <Terms xmlns="http://schemas.microsoft.com/office/infopath/2007/PartnerControls"/>
-    </lcf76f155ced4ddcb4097134ff3c332f>
-    <TaxCatchAll xmlns="461e6b72-1c26-445f-8625-322369705492" xsi:nil="true"/>
-  </documentManagement>
-</p:properties>
-</file>
-
-<file path=customXml/item3.xml><?xml version="1.0" encoding="utf-8"?>
 <ct:contentTypeSchema xmlns:ct="http://schemas.microsoft.com/office/2006/metadata/contentType" xmlns:ma="http://schemas.microsoft.com/office/2006/metadata/properties/metaAttributes" ct:_="" ma:_="" ma:contentTypeName="Document" ma:contentTypeID="0x01010081A5D1C58639CC438A0985A5163AD7E3" ma:contentTypeVersion="16" ma:contentTypeDescription="Crée un document." ma:contentTypeScope="" ma:versionID="adde1713dad0237bebe5b7f0a48ecfba">
   <xsd:schema xmlns:xsd="http://www.w3.org/2001/XMLSchema" xmlns:xs="http://www.w3.org/2001/XMLSchema" xmlns:p="http://schemas.microsoft.com/office/2006/metadata/properties" xmlns:ns2="be95ad7f-f2d3-4ad5-827d-a3392f6d419f" xmlns:ns3="461e6b72-1c26-445f-8625-322369705492" targetNamespace="http://schemas.microsoft.com/office/2006/metadata/properties" ma:root="true" ma:fieldsID="34d9627e19b6e0ed2eb421ed6e1fb46a" ns2:_="" ns3:_="">
     <xsd:import namespace="be95ad7f-f2d3-4ad5-827d-a3392f6d419f"/>
@@ -25828,6 +25952,17 @@
 </ct:contentTypeSchema>
 </file>
 
+<file path=customXml/item3.xml><?xml version="1.0" encoding="utf-8"?>
+<p:properties xmlns:p="http://schemas.microsoft.com/office/2006/metadata/properties" xmlns:xsi="http://www.w3.org/2001/XMLSchema-instance" xmlns:pc="http://schemas.microsoft.com/office/infopath/2007/PartnerControls">
+  <documentManagement>
+    <lcf76f155ced4ddcb4097134ff3c332f xmlns="be95ad7f-f2d3-4ad5-827d-a3392f6d419f">
+      <Terms xmlns="http://schemas.microsoft.com/office/infopath/2007/PartnerControls"/>
+    </lcf76f155ced4ddcb4097134ff3c332f>
+    <TaxCatchAll xmlns="461e6b72-1c26-445f-8625-322369705492" xsi:nil="true"/>
+  </documentManagement>
+</p:properties>
+</file>
+
 <file path=customXml/itemProps1.xml><?xml version="1.0" encoding="utf-8"?>
 <ds:datastoreItem xmlns:ds="http://schemas.openxmlformats.org/officeDocument/2006/customXml" ds:itemID="{82A3A9FA-B6DA-49AF-AC07-798E93FF609B}">
   <ds:schemaRefs>
@@ -25837,23 +25972,6 @@
 </file>
 
 <file path=customXml/itemProps2.xml><?xml version="1.0" encoding="utf-8"?>
-<ds:datastoreItem xmlns:ds="http://schemas.openxmlformats.org/officeDocument/2006/customXml" ds:itemID="{92761995-0805-481C-9F56-7903233CFB6A}">
-  <ds:schemaRefs>
-    <ds:schemaRef ds:uri="http://purl.org/dc/elements/1.1/"/>
-    <ds:schemaRef ds:uri="http://schemas.microsoft.com/office/2006/metadata/properties"/>
-    <ds:schemaRef ds:uri="http://www.w3.org/XML/1998/namespace"/>
-    <ds:schemaRef ds:uri="http://schemas.openxmlformats.org/package/2006/metadata/core-properties"/>
-    <ds:schemaRef ds:uri="http://purl.org/dc/terms/"/>
-    <ds:schemaRef ds:uri="http://purl.org/dc/dcmitype/"/>
-    <ds:schemaRef ds:uri="http://schemas.microsoft.com/office/2006/documentManagement/types"/>
-    <ds:schemaRef ds:uri="http://schemas.microsoft.com/office/infopath/2007/PartnerControls"/>
-    <ds:schemaRef ds:uri="be95ad7f-f2d3-4ad5-827d-a3392f6d419f"/>
-    <ds:schemaRef ds:uri="461e6b72-1c26-445f-8625-322369705492"/>
-  </ds:schemaRefs>
-</ds:datastoreItem>
-</file>
-
-<file path=customXml/itemProps3.xml><?xml version="1.0" encoding="utf-8"?>
 <ds:datastoreItem xmlns:ds="http://schemas.openxmlformats.org/officeDocument/2006/customXml" ds:itemID="{3F35DFF9-D67F-41E0-9BF1-98A6C89DCC46}">
   <ds:schemaRefs>
     <ds:schemaRef ds:uri="http://schemas.microsoft.com/office/2006/metadata/contentType"/>
@@ -25870,4 +25988,21 @@
     <ds:schemaRef ds:uri="http://schemas.microsoft.com/internal/obd"/>
   </ds:schemaRefs>
 </ds:datastoreItem>
+</file>
+
+<file path=customXml/itemProps3.xml><?xml version="1.0" encoding="utf-8"?>
+<ds:datastoreItem xmlns:ds="http://schemas.openxmlformats.org/officeDocument/2006/customXml" ds:itemID="{92761995-0805-481C-9F56-7903233CFB6A}">
+  <ds:schemaRefs>
+    <ds:schemaRef ds:uri="http://purl.org/dc/elements/1.1/"/>
+    <ds:schemaRef ds:uri="http://schemas.microsoft.com/office/2006/metadata/properties"/>
+    <ds:schemaRef ds:uri="http://www.w3.org/XML/1998/namespace"/>
+    <ds:schemaRef ds:uri="http://schemas.openxmlformats.org/package/2006/metadata/core-properties"/>
+    <ds:schemaRef ds:uri="http://purl.org/dc/terms/"/>
+    <ds:schemaRef ds:uri="http://purl.org/dc/dcmitype/"/>
+    <ds:schemaRef ds:uri="http://schemas.microsoft.com/office/2006/documentManagement/types"/>
+    <ds:schemaRef ds:uri="http://schemas.microsoft.com/office/infopath/2007/PartnerControls"/>
+    <ds:schemaRef ds:uri="be95ad7f-f2d3-4ad5-827d-a3392f6d419f"/>
+    <ds:schemaRef ds:uri="461e6b72-1c26-445f-8625-322369705492"/>
+  </ds:schemaRefs>
+</ds:datastoreItem>
 </file>
--- a/ift/assets/slides/ift615-03-Formes apprentissage et knn.pptx
+++ b/ift/assets/slides/ift615-03-Formes apprentissage et knn.pptx
@@ -1787,6 +1787,205 @@
     </pc:docChg>
   </pc:docChgLst>
   <pc:docChgLst>
+    <pc:chgData name="Froduald Kabanza" userId="edf393d0-642b-4b9e-8c75-f62133241689" providerId="ADAL" clId="{45384A45-E6C5-4B4A-94EC-4FBBBF368FE5}"/>
+    <pc:docChg chg="custSel modSld">
+      <pc:chgData name="Froduald Kabanza" userId="edf393d0-642b-4b9e-8c75-f62133241689" providerId="ADAL" clId="{45384A45-E6C5-4B4A-94EC-4FBBBF368FE5}" dt="2023-05-01T10:18:08.491" v="6" actId="729"/>
+      <pc:docMkLst>
+        <pc:docMk/>
+      </pc:docMkLst>
+      <pc:sldChg chg="mod modShow">
+        <pc:chgData name="Froduald Kabanza" userId="edf393d0-642b-4b9e-8c75-f62133241689" providerId="ADAL" clId="{45384A45-E6C5-4B4A-94EC-4FBBBF368FE5}" dt="2023-05-01T10:16:28.273" v="5" actId="729"/>
+        <pc:sldMkLst>
+          <pc:docMk/>
+          <pc:sldMk cId="3233877371" sldId="292"/>
+        </pc:sldMkLst>
+      </pc:sldChg>
+      <pc:sldChg chg="mod modShow">
+        <pc:chgData name="Froduald Kabanza" userId="edf393d0-642b-4b9e-8c75-f62133241689" providerId="ADAL" clId="{45384A45-E6C5-4B4A-94EC-4FBBBF368FE5}" dt="2023-05-01T10:16:28.273" v="5" actId="729"/>
+        <pc:sldMkLst>
+          <pc:docMk/>
+          <pc:sldMk cId="154423500" sldId="332"/>
+        </pc:sldMkLst>
+      </pc:sldChg>
+      <pc:sldChg chg="mod modShow">
+        <pc:chgData name="Froduald Kabanza" userId="edf393d0-642b-4b9e-8c75-f62133241689" providerId="ADAL" clId="{45384A45-E6C5-4B4A-94EC-4FBBBF368FE5}" dt="2023-05-01T10:16:28.273" v="5" actId="729"/>
+        <pc:sldMkLst>
+          <pc:docMk/>
+          <pc:sldMk cId="2174123187" sldId="333"/>
+        </pc:sldMkLst>
+      </pc:sldChg>
+      <pc:sldChg chg="mod modShow">
+        <pc:chgData name="Froduald Kabanza" userId="edf393d0-642b-4b9e-8c75-f62133241689" providerId="ADAL" clId="{45384A45-E6C5-4B4A-94EC-4FBBBF368FE5}" dt="2023-05-01T10:16:28.273" v="5" actId="729"/>
+        <pc:sldMkLst>
+          <pc:docMk/>
+          <pc:sldMk cId="1824756835" sldId="335"/>
+        </pc:sldMkLst>
+      </pc:sldChg>
+      <pc:sldChg chg="mod modShow">
+        <pc:chgData name="Froduald Kabanza" userId="edf393d0-642b-4b9e-8c75-f62133241689" providerId="ADAL" clId="{45384A45-E6C5-4B4A-94EC-4FBBBF368FE5}" dt="2023-05-01T10:16:28.273" v="5" actId="729"/>
+        <pc:sldMkLst>
+          <pc:docMk/>
+          <pc:sldMk cId="2381963916" sldId="340"/>
+        </pc:sldMkLst>
+      </pc:sldChg>
+      <pc:sldChg chg="mod modShow">
+        <pc:chgData name="Froduald Kabanza" userId="edf393d0-642b-4b9e-8c75-f62133241689" providerId="ADAL" clId="{45384A45-E6C5-4B4A-94EC-4FBBBF368FE5}" dt="2023-05-01T10:16:28.273" v="5" actId="729"/>
+        <pc:sldMkLst>
+          <pc:docMk/>
+          <pc:sldMk cId="2969230571" sldId="342"/>
+        </pc:sldMkLst>
+      </pc:sldChg>
+      <pc:sldChg chg="mod modShow">
+        <pc:chgData name="Froduald Kabanza" userId="edf393d0-642b-4b9e-8c75-f62133241689" providerId="ADAL" clId="{45384A45-E6C5-4B4A-94EC-4FBBBF368FE5}" dt="2023-05-01T10:16:28.273" v="5" actId="729"/>
+        <pc:sldMkLst>
+          <pc:docMk/>
+          <pc:sldMk cId="33821689" sldId="344"/>
+        </pc:sldMkLst>
+      </pc:sldChg>
+      <pc:sldChg chg="mod modShow">
+        <pc:chgData name="Froduald Kabanza" userId="edf393d0-642b-4b9e-8c75-f62133241689" providerId="ADAL" clId="{45384A45-E6C5-4B4A-94EC-4FBBBF368FE5}" dt="2023-05-01T10:16:28.273" v="5" actId="729"/>
+        <pc:sldMkLst>
+          <pc:docMk/>
+          <pc:sldMk cId="2508412678" sldId="349"/>
+        </pc:sldMkLst>
+      </pc:sldChg>
+      <pc:sldChg chg="modSp mod modShow">
+        <pc:chgData name="Froduald Kabanza" userId="edf393d0-642b-4b9e-8c75-f62133241689" providerId="ADAL" clId="{45384A45-E6C5-4B4A-94EC-4FBBBF368FE5}" dt="2023-05-01T10:16:28.273" v="5" actId="729"/>
+        <pc:sldMkLst>
+          <pc:docMk/>
+          <pc:sldMk cId="1784342540" sldId="404"/>
+        </pc:sldMkLst>
+        <pc:spChg chg="mod">
+          <ac:chgData name="Froduald Kabanza" userId="edf393d0-642b-4b9e-8c75-f62133241689" providerId="ADAL" clId="{45384A45-E6C5-4B4A-94EC-4FBBBF368FE5}" dt="2023-05-01T10:13:39.853" v="0" actId="313"/>
+          <ac:spMkLst>
+            <pc:docMk/>
+            <pc:sldMk cId="1784342540" sldId="404"/>
+            <ac:spMk id="73730" creationId="{00000000-0000-0000-0000-000000000000}"/>
+          </ac:spMkLst>
+        </pc:spChg>
+      </pc:sldChg>
+      <pc:sldChg chg="mod modShow">
+        <pc:chgData name="Froduald Kabanza" userId="edf393d0-642b-4b9e-8c75-f62133241689" providerId="ADAL" clId="{45384A45-E6C5-4B4A-94EC-4FBBBF368FE5}" dt="2023-05-01T10:16:28.273" v="5" actId="729"/>
+        <pc:sldMkLst>
+          <pc:docMk/>
+          <pc:sldMk cId="2428490300" sldId="434"/>
+        </pc:sldMkLst>
+      </pc:sldChg>
+      <pc:sldChg chg="mod modShow">
+        <pc:chgData name="Froduald Kabanza" userId="edf393d0-642b-4b9e-8c75-f62133241689" providerId="ADAL" clId="{45384A45-E6C5-4B4A-94EC-4FBBBF368FE5}" dt="2023-05-01T10:16:28.273" v="5" actId="729"/>
+        <pc:sldMkLst>
+          <pc:docMk/>
+          <pc:sldMk cId="4107579451" sldId="438"/>
+        </pc:sldMkLst>
+      </pc:sldChg>
+      <pc:sldChg chg="mod modShow">
+        <pc:chgData name="Froduald Kabanza" userId="edf393d0-642b-4b9e-8c75-f62133241689" providerId="ADAL" clId="{45384A45-E6C5-4B4A-94EC-4FBBBF368FE5}" dt="2023-05-01T10:16:28.273" v="5" actId="729"/>
+        <pc:sldMkLst>
+          <pc:docMk/>
+          <pc:sldMk cId="2526814027" sldId="439"/>
+        </pc:sldMkLst>
+      </pc:sldChg>
+      <pc:sldChg chg="mod modShow">
+        <pc:chgData name="Froduald Kabanza" userId="edf393d0-642b-4b9e-8c75-f62133241689" providerId="ADAL" clId="{45384A45-E6C5-4B4A-94EC-4FBBBF368FE5}" dt="2023-05-01T10:16:28.273" v="5" actId="729"/>
+        <pc:sldMkLst>
+          <pc:docMk/>
+          <pc:sldMk cId="3735234146" sldId="440"/>
+        </pc:sldMkLst>
+      </pc:sldChg>
+      <pc:sldChg chg="mod modShow">
+        <pc:chgData name="Froduald Kabanza" userId="edf393d0-642b-4b9e-8c75-f62133241689" providerId="ADAL" clId="{45384A45-E6C5-4B4A-94EC-4FBBBF368FE5}" dt="2023-05-01T10:16:28.273" v="5" actId="729"/>
+        <pc:sldMkLst>
+          <pc:docMk/>
+          <pc:sldMk cId="2285799096" sldId="448"/>
+        </pc:sldMkLst>
+      </pc:sldChg>
+      <pc:sldChg chg="mod modShow">
+        <pc:chgData name="Froduald Kabanza" userId="edf393d0-642b-4b9e-8c75-f62133241689" providerId="ADAL" clId="{45384A45-E6C5-4B4A-94EC-4FBBBF368FE5}" dt="2023-05-01T10:16:28.273" v="5" actId="729"/>
+        <pc:sldMkLst>
+          <pc:docMk/>
+          <pc:sldMk cId="3128973846" sldId="449"/>
+        </pc:sldMkLst>
+      </pc:sldChg>
+      <pc:sldChg chg="mod modShow">
+        <pc:chgData name="Froduald Kabanza" userId="edf393d0-642b-4b9e-8c75-f62133241689" providerId="ADAL" clId="{45384A45-E6C5-4B4A-94EC-4FBBBF368FE5}" dt="2023-05-01T10:16:28.273" v="5" actId="729"/>
+        <pc:sldMkLst>
+          <pc:docMk/>
+          <pc:sldMk cId="2415921121" sldId="450"/>
+        </pc:sldMkLst>
+      </pc:sldChg>
+      <pc:sldChg chg="mod modShow">
+        <pc:chgData name="Froduald Kabanza" userId="edf393d0-642b-4b9e-8c75-f62133241689" providerId="ADAL" clId="{45384A45-E6C5-4B4A-94EC-4FBBBF368FE5}" dt="2023-05-01T10:16:28.273" v="5" actId="729"/>
+        <pc:sldMkLst>
+          <pc:docMk/>
+          <pc:sldMk cId="289569629" sldId="451"/>
+        </pc:sldMkLst>
+      </pc:sldChg>
+      <pc:sldChg chg="mod modShow">
+        <pc:chgData name="Froduald Kabanza" userId="edf393d0-642b-4b9e-8c75-f62133241689" providerId="ADAL" clId="{45384A45-E6C5-4B4A-94EC-4FBBBF368FE5}" dt="2023-05-01T10:16:28.273" v="5" actId="729"/>
+        <pc:sldMkLst>
+          <pc:docMk/>
+          <pc:sldMk cId="484085780" sldId="452"/>
+        </pc:sldMkLst>
+      </pc:sldChg>
+      <pc:sldChg chg="mod modShow">
+        <pc:chgData name="Froduald Kabanza" userId="edf393d0-642b-4b9e-8c75-f62133241689" providerId="ADAL" clId="{45384A45-E6C5-4B4A-94EC-4FBBBF368FE5}" dt="2023-05-01T10:16:28.273" v="5" actId="729"/>
+        <pc:sldMkLst>
+          <pc:docMk/>
+          <pc:sldMk cId="1548884957" sldId="454"/>
+        </pc:sldMkLst>
+      </pc:sldChg>
+      <pc:sldChg chg="mod modShow">
+        <pc:chgData name="Froduald Kabanza" userId="edf393d0-642b-4b9e-8c75-f62133241689" providerId="ADAL" clId="{45384A45-E6C5-4B4A-94EC-4FBBBF368FE5}" dt="2023-05-01T10:16:28.273" v="5" actId="729"/>
+        <pc:sldMkLst>
+          <pc:docMk/>
+          <pc:sldMk cId="1067939651" sldId="455"/>
+        </pc:sldMkLst>
+      </pc:sldChg>
+      <pc:sldChg chg="mod modShow">
+        <pc:chgData name="Froduald Kabanza" userId="edf393d0-642b-4b9e-8c75-f62133241689" providerId="ADAL" clId="{45384A45-E6C5-4B4A-94EC-4FBBBF368FE5}" dt="2023-05-01T10:16:28.273" v="5" actId="729"/>
+        <pc:sldMkLst>
+          <pc:docMk/>
+          <pc:sldMk cId="1576209210" sldId="456"/>
+        </pc:sldMkLst>
+      </pc:sldChg>
+      <pc:sldChg chg="mod modShow">
+        <pc:chgData name="Froduald Kabanza" userId="edf393d0-642b-4b9e-8c75-f62133241689" providerId="ADAL" clId="{45384A45-E6C5-4B4A-94EC-4FBBBF368FE5}" dt="2023-05-01T10:16:28.273" v="5" actId="729"/>
+        <pc:sldMkLst>
+          <pc:docMk/>
+          <pc:sldMk cId="1482272059" sldId="457"/>
+        </pc:sldMkLst>
+      </pc:sldChg>
+      <pc:sldChg chg="mod modShow">
+        <pc:chgData name="Froduald Kabanza" userId="edf393d0-642b-4b9e-8c75-f62133241689" providerId="ADAL" clId="{45384A45-E6C5-4B4A-94EC-4FBBBF368FE5}" dt="2023-05-01T10:16:28.273" v="5" actId="729"/>
+        <pc:sldMkLst>
+          <pc:docMk/>
+          <pc:sldMk cId="2206116280" sldId="458"/>
+        </pc:sldMkLst>
+      </pc:sldChg>
+      <pc:sldChg chg="mod modShow">
+        <pc:chgData name="Froduald Kabanza" userId="edf393d0-642b-4b9e-8c75-f62133241689" providerId="ADAL" clId="{45384A45-E6C5-4B4A-94EC-4FBBBF368FE5}" dt="2023-05-01T10:18:08.491" v="6" actId="729"/>
+        <pc:sldMkLst>
+          <pc:docMk/>
+          <pc:sldMk cId="410796776" sldId="459"/>
+        </pc:sldMkLst>
+      </pc:sldChg>
+      <pc:sldChg chg="mod modShow">
+        <pc:chgData name="Froduald Kabanza" userId="edf393d0-642b-4b9e-8c75-f62133241689" providerId="ADAL" clId="{45384A45-E6C5-4B4A-94EC-4FBBBF368FE5}" dt="2023-05-01T10:18:08.491" v="6" actId="729"/>
+        <pc:sldMkLst>
+          <pc:docMk/>
+          <pc:sldMk cId="594361505" sldId="460"/>
+        </pc:sldMkLst>
+      </pc:sldChg>
+      <pc:sldChg chg="mod modShow">
+        <pc:chgData name="Froduald Kabanza" userId="edf393d0-642b-4b9e-8c75-f62133241689" providerId="ADAL" clId="{45384A45-E6C5-4B4A-94EC-4FBBBF368FE5}" dt="2023-05-01T10:16:28.273" v="5" actId="729"/>
+        <pc:sldMkLst>
+          <pc:docMk/>
+          <pc:sldMk cId="1497002319" sldId="461"/>
+        </pc:sldMkLst>
+      </pc:sldChg>
+    </pc:docChg>
+  </pc:docChgLst>
+  <pc:docChgLst>
     <pc:chgData name="Froduald Kabanza" userId="edf393d0-642b-4b9e-8c75-f62133241689" providerId="ADAL" clId="{17A44A23-842A-45CD-96B7-638D3AE29590}"/>
     <pc:docChg chg="custSel modSld">
       <pc:chgData name="Froduald Kabanza" userId="edf393d0-642b-4b9e-8c75-f62133241689" providerId="ADAL" clId="{17A44A23-842A-45CD-96B7-638D3AE29590}" dt="2022-01-06T12:57:21.445" v="31" actId="5793"/>
@@ -2239,7 +2438,7 @@
           <a:p>
             <a:fld id="{418B900B-4E04-444A-912F-CE20CE57486D}" type="datetimeFigureOut">
               <a:rPr lang="fr-CA" smtClean="0"/>
-              <a:t>2023-01-06</a:t>
+              <a:t>2023-05-01</a:t>
             </a:fld>
             <a:endParaRPr lang="fr-CA"/>
           </a:p>
@@ -3162,7 +3361,7 @@
           <a:p>
             <a:fld id="{244EA38E-80BD-3344-8C29-F9C1736B78D2}" type="datetimeFigureOut">
               <a:rPr lang="fr-CA" smtClean="0"/>
-              <a:t>2023-01-06</a:t>
+              <a:t>2023-05-01</a:t>
             </a:fld>
             <a:endParaRPr lang="fr-CA"/>
           </a:p>
@@ -9284,7 +9483,7 @@
 </file>
 
 <file path=ppt/slides/slide1.xml><?xml version="1.0" encoding="utf-8"?>
-<p:sld xmlns:a="http://schemas.openxmlformats.org/drawingml/2006/main" xmlns:r="http://schemas.openxmlformats.org/officeDocument/2006/relationships" xmlns:p="http://schemas.openxmlformats.org/presentationml/2006/main" show="0">
+<p:sld xmlns:a="http://schemas.openxmlformats.org/drawingml/2006/main" xmlns:r="http://schemas.openxmlformats.org/officeDocument/2006/relationships" xmlns:p="http://schemas.openxmlformats.org/presentationml/2006/main">
   <p:cSld>
     <p:spTree>
       <p:nvGrpSpPr>
@@ -9507,7 +9706,7 @@
 </file>
 
 <file path=ppt/slides/slide10.xml><?xml version="1.0" encoding="utf-8"?>
-<p:sld xmlns:a="http://schemas.openxmlformats.org/drawingml/2006/main" xmlns:r="http://schemas.openxmlformats.org/officeDocument/2006/relationships" xmlns:p="http://schemas.openxmlformats.org/presentationml/2006/main" show="0">
+<p:sld xmlns:a="http://schemas.openxmlformats.org/drawingml/2006/main" xmlns:r="http://schemas.openxmlformats.org/officeDocument/2006/relationships" xmlns:p="http://schemas.openxmlformats.org/presentationml/2006/main">
   <p:cSld>
     <p:spTree>
       <p:nvGrpSpPr>
@@ -10687,7 +10886,7 @@
 </file>
 
 <file path=ppt/slides/slide11.xml><?xml version="1.0" encoding="utf-8"?>
-<p:sld xmlns:a="http://schemas.openxmlformats.org/drawingml/2006/main" xmlns:r="http://schemas.openxmlformats.org/officeDocument/2006/relationships" xmlns:p="http://schemas.openxmlformats.org/presentationml/2006/main" show="0">
+<p:sld xmlns:a="http://schemas.openxmlformats.org/drawingml/2006/main" xmlns:r="http://schemas.openxmlformats.org/officeDocument/2006/relationships" xmlns:p="http://schemas.openxmlformats.org/presentationml/2006/main">
   <p:cSld>
     <p:spTree>
       <p:nvGrpSpPr>
@@ -12346,7 +12545,7 @@
 </file>
 
 <file path=ppt/slides/slide14.xml><?xml version="1.0" encoding="utf-8"?>
-<p:sld xmlns:a="http://schemas.openxmlformats.org/drawingml/2006/main" xmlns:r="http://schemas.openxmlformats.org/officeDocument/2006/relationships" xmlns:p="http://schemas.openxmlformats.org/presentationml/2006/main" show="0">
+<p:sld xmlns:a="http://schemas.openxmlformats.org/drawingml/2006/main" xmlns:r="http://schemas.openxmlformats.org/officeDocument/2006/relationships" xmlns:p="http://schemas.openxmlformats.org/presentationml/2006/main">
   <p:cSld>
     <p:spTree>
       <p:nvGrpSpPr>
@@ -12971,7 +13170,7 @@
 </file>
 
 <file path=ppt/slides/slide16.xml><?xml version="1.0" encoding="utf-8"?>
-<p:sld xmlns:a="http://schemas.openxmlformats.org/drawingml/2006/main" xmlns:r="http://schemas.openxmlformats.org/officeDocument/2006/relationships" xmlns:p="http://schemas.openxmlformats.org/presentationml/2006/main" show="0">
+<p:sld xmlns:a="http://schemas.openxmlformats.org/drawingml/2006/main" xmlns:r="http://schemas.openxmlformats.org/officeDocument/2006/relationships" xmlns:p="http://schemas.openxmlformats.org/presentationml/2006/main">
   <p:cSld>
     <p:spTree>
       <p:nvGrpSpPr>
@@ -14763,7 +14962,7 @@
 </file>
 
 <file path=ppt/slides/slide2.xml><?xml version="1.0" encoding="utf-8"?>
-<p:sld xmlns:a="http://schemas.openxmlformats.org/drawingml/2006/main" xmlns:r="http://schemas.openxmlformats.org/officeDocument/2006/relationships" xmlns:p="http://schemas.openxmlformats.org/presentationml/2006/main" show="0">
+<p:sld xmlns:a="http://schemas.openxmlformats.org/drawingml/2006/main" xmlns:r="http://schemas.openxmlformats.org/officeDocument/2006/relationships" xmlns:p="http://schemas.openxmlformats.org/presentationml/2006/main">
   <p:cSld>
     <p:spTree>
       <p:nvGrpSpPr>
@@ -16516,7 +16715,7 @@
 </file>
 
 <file path=ppt/slides/slide23.xml><?xml version="1.0" encoding="utf-8"?>
-<p:sld xmlns:a="http://schemas.openxmlformats.org/drawingml/2006/main" xmlns:r="http://schemas.openxmlformats.org/officeDocument/2006/relationships" xmlns:p="http://schemas.openxmlformats.org/presentationml/2006/main" show="0">
+<p:sld xmlns:a="http://schemas.openxmlformats.org/drawingml/2006/main" xmlns:r="http://schemas.openxmlformats.org/officeDocument/2006/relationships" xmlns:p="http://schemas.openxmlformats.org/presentationml/2006/main">
   <p:cSld>
     <p:spTree>
       <p:nvGrpSpPr>
@@ -17233,7 +17432,7 @@
 </file>
 
 <file path=ppt/slides/slide24.xml><?xml version="1.0" encoding="utf-8"?>
-<p:sld xmlns:a="http://schemas.openxmlformats.org/drawingml/2006/main" xmlns:r="http://schemas.openxmlformats.org/officeDocument/2006/relationships" xmlns:p="http://schemas.openxmlformats.org/presentationml/2006/main" show="0">
+<p:sld xmlns:a="http://schemas.openxmlformats.org/drawingml/2006/main" xmlns:r="http://schemas.openxmlformats.org/officeDocument/2006/relationships" xmlns:p="http://schemas.openxmlformats.org/presentationml/2006/main">
   <p:cSld>
     <p:spTree>
       <p:nvGrpSpPr>
@@ -17506,7 +17705,7 @@
 </file>
 
 <file path=ppt/slides/slide25.xml><?xml version="1.0" encoding="utf-8"?>
-<p:sld xmlns:a="http://schemas.openxmlformats.org/drawingml/2006/main" xmlns:r="http://schemas.openxmlformats.org/officeDocument/2006/relationships" xmlns:p="http://schemas.openxmlformats.org/presentationml/2006/main" show="0">
+<p:sld xmlns:a="http://schemas.openxmlformats.org/drawingml/2006/main" xmlns:r="http://schemas.openxmlformats.org/officeDocument/2006/relationships" xmlns:p="http://schemas.openxmlformats.org/presentationml/2006/main">
   <p:cSld>
     <p:spTree>
       <p:nvGrpSpPr>
@@ -18699,16 +18898,10 @@
               <a:defRPr/>
             </a:pPr>
             <a:r>
-              <a:rPr lang="fr-CA" dirty="0" err="1">
-                <a:latin typeface="Calibri" charset="0"/>
-              </a:rPr>
-              <a:t>Nomer</a:t>
-            </a:r>
-            <a:r>
               <a:rPr lang="fr-CA" dirty="0">
                 <a:latin typeface="Calibri" charset="0"/>
               </a:rPr>
-              <a:t> les trois formes d’apprentissage: supervisé, non supervisé, par renforcement</a:t>
+              <a:t>Nommer les trois formes d’apprentissage: supervisé, non supervisé, par renforcement</a:t>
             </a:r>
           </a:p>
           <a:p>
@@ -19282,7 +19475,7 @@
 </file>
 
 <file path=ppt/slides/slide3.xml><?xml version="1.0" encoding="utf-8"?>
-<p:sld xmlns:a="http://schemas.openxmlformats.org/drawingml/2006/main" xmlns:r="http://schemas.openxmlformats.org/officeDocument/2006/relationships" xmlns:p="http://schemas.openxmlformats.org/presentationml/2006/main" show="0">
+<p:sld xmlns:a="http://schemas.openxmlformats.org/drawingml/2006/main" xmlns:r="http://schemas.openxmlformats.org/officeDocument/2006/relationships" xmlns:p="http://schemas.openxmlformats.org/presentationml/2006/main">
   <p:cSld>
     <p:spTree>
       <p:nvGrpSpPr>
@@ -21699,7 +21892,7 @@
 </file>
 
 <file path=ppt/slides/slide4.xml><?xml version="1.0" encoding="utf-8"?>
-<p:sld xmlns:a="http://schemas.openxmlformats.org/drawingml/2006/main" xmlns:r="http://schemas.openxmlformats.org/officeDocument/2006/relationships" xmlns:p="http://schemas.openxmlformats.org/presentationml/2006/main" show="0">
+<p:sld xmlns:a="http://schemas.openxmlformats.org/drawingml/2006/main" xmlns:r="http://schemas.openxmlformats.org/officeDocument/2006/relationships" xmlns:p="http://schemas.openxmlformats.org/presentationml/2006/main">
   <p:cSld>
     <p:spTree>
       <p:nvGrpSpPr>
@@ -23724,7 +23917,7 @@
 </file>
 
 <file path=ppt/slides/slide5.xml><?xml version="1.0" encoding="utf-8"?>
-<p:sld xmlns:a="http://schemas.openxmlformats.org/drawingml/2006/main" xmlns:r="http://schemas.openxmlformats.org/officeDocument/2006/relationships" xmlns:p="http://schemas.openxmlformats.org/presentationml/2006/main" show="0">
+<p:sld xmlns:a="http://schemas.openxmlformats.org/drawingml/2006/main" xmlns:r="http://schemas.openxmlformats.org/officeDocument/2006/relationships" xmlns:p="http://schemas.openxmlformats.org/presentationml/2006/main">
   <p:cSld>
     <p:spTree>
       <p:nvGrpSpPr>
@@ -23885,7 +24078,7 @@
 </file>
 
 <file path=ppt/slides/slide6.xml><?xml version="1.0" encoding="utf-8"?>
-<p:sld xmlns:a="http://schemas.openxmlformats.org/drawingml/2006/main" xmlns:r="http://schemas.openxmlformats.org/officeDocument/2006/relationships" xmlns:p="http://schemas.openxmlformats.org/presentationml/2006/main" show="0">
+<p:sld xmlns:a="http://schemas.openxmlformats.org/drawingml/2006/main" xmlns:r="http://schemas.openxmlformats.org/officeDocument/2006/relationships" xmlns:p="http://schemas.openxmlformats.org/presentationml/2006/main">
   <p:cSld>
     <p:spTree>
       <p:nvGrpSpPr>
@@ -24087,7 +24280,7 @@
 </file>
 
 <file path=ppt/slides/slide7.xml><?xml version="1.0" encoding="utf-8"?>
-<p:sld xmlns:a="http://schemas.openxmlformats.org/drawingml/2006/main" xmlns:r="http://schemas.openxmlformats.org/officeDocument/2006/relationships" xmlns:p="http://schemas.openxmlformats.org/presentationml/2006/main" show="0">
+<p:sld xmlns:a="http://schemas.openxmlformats.org/drawingml/2006/main" xmlns:r="http://schemas.openxmlformats.org/officeDocument/2006/relationships" xmlns:p="http://schemas.openxmlformats.org/presentationml/2006/main">
   <p:cSld>
     <p:spTree>
       <p:nvGrpSpPr>
@@ -24254,15 +24447,7 @@
             </a:r>
             <a:r>
               <a:rPr lang="fr-CA" dirty="0"/>
-              <a:t>: Finalement, on évalue la qualité du </a:t>
-            </a:r>
-            <a:r>
-              <a:rPr lang="fr-CA" dirty="0" err="1"/>
-              <a:t>classifieur</a:t>
-            </a:r>
-            <a:r>
-              <a:rPr lang="fr-CA" dirty="0"/>
-              <a:t> en lui demandant de prédire les étiquettes pour un ensemble d’images vues pour la première fois.</a:t>
+              <a:t>: Finalement, on évalue la qualité du classifieur en lui demandant de prédire les étiquettes pour un ensemble d’images vues pour la première fois.</a:t>
             </a:r>
           </a:p>
           <a:p>
@@ -24377,7 +24562,7 @@
 </file>
 
 <file path=ppt/slides/slide8.xml><?xml version="1.0" encoding="utf-8"?>
-<p:sld xmlns:a="http://schemas.openxmlformats.org/drawingml/2006/main" xmlns:r="http://schemas.openxmlformats.org/officeDocument/2006/relationships" xmlns:p="http://schemas.openxmlformats.org/presentationml/2006/main" show="0">
+<p:sld xmlns:a="http://schemas.openxmlformats.org/drawingml/2006/main" xmlns:r="http://schemas.openxmlformats.org/officeDocument/2006/relationships" xmlns:p="http://schemas.openxmlformats.org/presentationml/2006/main">
   <p:cSld>
     <p:spTree>
       <p:nvGrpSpPr>
@@ -24579,7 +24764,7 @@
 </file>
 
 <file path=ppt/slides/slide9.xml><?xml version="1.0" encoding="utf-8"?>
-<p:sld xmlns:a="http://schemas.openxmlformats.org/drawingml/2006/main" xmlns:r="http://schemas.openxmlformats.org/officeDocument/2006/relationships" xmlns:p="http://schemas.openxmlformats.org/presentationml/2006/main" show="0">
+<p:sld xmlns:a="http://schemas.openxmlformats.org/drawingml/2006/main" xmlns:r="http://schemas.openxmlformats.org/officeDocument/2006/relationships" xmlns:p="http://schemas.openxmlformats.org/presentationml/2006/main">
   <p:cSld>
     <p:spTree>
       <p:nvGrpSpPr>
@@ -25707,15 +25892,6 @@
 </file>
 
 <file path=customXml/item1.xml><?xml version="1.0" encoding="utf-8"?>
-<?mso-contentType ?>
-<FormTemplates xmlns="http://schemas.microsoft.com/sharepoint/v3/contenttype/forms">
-  <Display>DocumentLibraryForm</Display>
-  <Edit>DocumentLibraryForm</Edit>
-  <New>DocumentLibraryForm</New>
-</FormTemplates>
-</file>
-
-<file path=customXml/item2.xml><?xml version="1.0" encoding="utf-8"?>
 <ct:contentTypeSchema xmlns:ct="http://schemas.microsoft.com/office/2006/metadata/contentType" xmlns:ma="http://schemas.microsoft.com/office/2006/metadata/properties/metaAttributes" ct:_="" ma:_="" ma:contentTypeName="Document" ma:contentTypeID="0x01010081A5D1C58639CC438A0985A5163AD7E3" ma:contentTypeVersion="16" ma:contentTypeDescription="Crée un document." ma:contentTypeScope="" ma:versionID="adde1713dad0237bebe5b7f0a48ecfba">
   <xsd:schema xmlns:xsd="http://www.w3.org/2001/XMLSchema" xmlns:xs="http://www.w3.org/2001/XMLSchema" xmlns:p="http://schemas.microsoft.com/office/2006/metadata/properties" xmlns:ns2="be95ad7f-f2d3-4ad5-827d-a3392f6d419f" xmlns:ns3="461e6b72-1c26-445f-8625-322369705492" targetNamespace="http://schemas.microsoft.com/office/2006/metadata/properties" ma:root="true" ma:fieldsID="34d9627e19b6e0ed2eb421ed6e1fb46a" ns2:_="" ns3:_="">
     <xsd:import namespace="be95ad7f-f2d3-4ad5-827d-a3392f6d419f"/>
@@ -25952,7 +26128,7 @@
 </ct:contentTypeSchema>
 </file>
 
-<file path=customXml/item3.xml><?xml version="1.0" encoding="utf-8"?>
+<file path=customXml/item2.xml><?xml version="1.0" encoding="utf-8"?>
 <p:properties xmlns:p="http://schemas.microsoft.com/office/2006/metadata/properties" xmlns:xsi="http://www.w3.org/2001/XMLSchema-instance" xmlns:pc="http://schemas.microsoft.com/office/infopath/2007/PartnerControls">
   <documentManagement>
     <lcf76f155ced4ddcb4097134ff3c332f xmlns="be95ad7f-f2d3-4ad5-827d-a3392f6d419f">
@@ -25963,15 +26139,16 @@
 </p:properties>
 </file>
 
-<file path=customXml/itemProps1.xml><?xml version="1.0" encoding="utf-8"?>
-<ds:datastoreItem xmlns:ds="http://schemas.openxmlformats.org/officeDocument/2006/customXml" ds:itemID="{82A3A9FA-B6DA-49AF-AC07-798E93FF609B}">
-  <ds:schemaRefs>
-    <ds:schemaRef ds:uri="http://schemas.microsoft.com/sharepoint/v3/contenttype/forms"/>
-  </ds:schemaRefs>
-</ds:datastoreItem>
+<file path=customXml/item3.xml><?xml version="1.0" encoding="utf-8"?>
+<?mso-contentType ?>
+<FormTemplates xmlns="http://schemas.microsoft.com/sharepoint/v3/contenttype/forms">
+  <Display>DocumentLibraryForm</Display>
+  <Edit>DocumentLibraryForm</Edit>
+  <New>DocumentLibraryForm</New>
+</FormTemplates>
 </file>
 
-<file path=customXml/itemProps2.xml><?xml version="1.0" encoding="utf-8"?>
+<file path=customXml/itemProps1.xml><?xml version="1.0" encoding="utf-8"?>
 <ds:datastoreItem xmlns:ds="http://schemas.openxmlformats.org/officeDocument/2006/customXml" ds:itemID="{3F35DFF9-D67F-41E0-9BF1-98A6C89DCC46}">
   <ds:schemaRefs>
     <ds:schemaRef ds:uri="http://schemas.microsoft.com/office/2006/metadata/contentType"/>
@@ -25990,7 +26167,7 @@
 </ds:datastoreItem>
 </file>
 
-<file path=customXml/itemProps3.xml><?xml version="1.0" encoding="utf-8"?>
+<file path=customXml/itemProps2.xml><?xml version="1.0" encoding="utf-8"?>
 <ds:datastoreItem xmlns:ds="http://schemas.openxmlformats.org/officeDocument/2006/customXml" ds:itemID="{92761995-0805-481C-9F56-7903233CFB6A}">
   <ds:schemaRefs>
     <ds:schemaRef ds:uri="http://purl.org/dc/elements/1.1/"/>
@@ -26005,4 +26182,12 @@
     <ds:schemaRef ds:uri="461e6b72-1c26-445f-8625-322369705492"/>
   </ds:schemaRefs>
 </ds:datastoreItem>
+</file>
+
+<file path=customXml/itemProps3.xml><?xml version="1.0" encoding="utf-8"?>
+<ds:datastoreItem xmlns:ds="http://schemas.openxmlformats.org/officeDocument/2006/customXml" ds:itemID="{82A3A9FA-B6DA-49AF-AC07-798E93FF609B}">
+  <ds:schemaRefs>
+    <ds:schemaRef ds:uri="http://schemas.microsoft.com/sharepoint/v3/contenttype/forms"/>
+  </ds:schemaRefs>
+</ds:datastoreItem>
 </file>
--- a/ift/assets/slides/ift615-03-Formes apprentissage et knn.pptx
+++ b/ift/assets/slides/ift615-03-Formes apprentissage et knn.pptx
@@ -5,10 +5,10 @@
     <p:sldMasterId id="2147483675" r:id="rId4"/>
   </p:sldMasterIdLst>
   <p:notesMasterIdLst>
-    <p:notesMasterId r:id="rId31"/>
+    <p:notesMasterId r:id="rId32"/>
   </p:notesMasterIdLst>
   <p:handoutMasterIdLst>
-    <p:handoutMasterId r:id="rId32"/>
+    <p:handoutMasterId r:id="rId33"/>
   </p:handoutMasterIdLst>
   <p:sldIdLst>
     <p:sldId id="332" r:id="rId5"/>
@@ -19,24 +19,25 @@
     <p:sldId id="438" r:id="rId10"/>
     <p:sldId id="440" r:id="rId11"/>
     <p:sldId id="439" r:id="rId12"/>
-    <p:sldId id="434" r:id="rId13"/>
-    <p:sldId id="335" r:id="rId14"/>
-    <p:sldId id="344" r:id="rId15"/>
-    <p:sldId id="342" r:id="rId16"/>
-    <p:sldId id="340" r:id="rId17"/>
-    <p:sldId id="452" r:id="rId18"/>
-    <p:sldId id="450" r:id="rId19"/>
-    <p:sldId id="451" r:id="rId20"/>
-    <p:sldId id="454" r:id="rId21"/>
+    <p:sldId id="462" r:id="rId13"/>
+    <p:sldId id="434" r:id="rId14"/>
+    <p:sldId id="335" r:id="rId15"/>
+    <p:sldId id="344" r:id="rId16"/>
+    <p:sldId id="342" r:id="rId17"/>
+    <p:sldId id="340" r:id="rId18"/>
+    <p:sldId id="452" r:id="rId19"/>
+    <p:sldId id="450" r:id="rId20"/>
+    <p:sldId id="451" r:id="rId21"/>
     <p:sldId id="455" r:id="rId22"/>
     <p:sldId id="456" r:id="rId23"/>
     <p:sldId id="457" r:id="rId24"/>
-    <p:sldId id="459" r:id="rId25"/>
-    <p:sldId id="460" r:id="rId26"/>
-    <p:sldId id="458" r:id="rId27"/>
-    <p:sldId id="461" r:id="rId28"/>
-    <p:sldId id="349" r:id="rId29"/>
-    <p:sldId id="404" r:id="rId30"/>
+    <p:sldId id="458" r:id="rId25"/>
+    <p:sldId id="454" r:id="rId26"/>
+    <p:sldId id="459" r:id="rId27"/>
+    <p:sldId id="460" r:id="rId28"/>
+    <p:sldId id="461" r:id="rId29"/>
+    <p:sldId id="349" r:id="rId30"/>
+    <p:sldId id="404" r:id="rId31"/>
   </p:sldIdLst>
   <p:sldSz cx="9144000" cy="6858000" type="screen4x3"/>
   <p:notesSz cx="7315200" cy="9601200"/>
@@ -154,220 +155,208 @@
 </p:presentation>
 </file>
 
+<file path=ppt/revisionInfo.xml><?xml version="1.0" encoding="utf-8"?>
+<p1510:revInfo xmlns:a="http://schemas.openxmlformats.org/drawingml/2006/main" xmlns:r="http://schemas.openxmlformats.org/officeDocument/2006/relationships" xmlns:p1510="http://schemas.microsoft.com/office/powerpoint/2015/10/main">
+  <p1510:revLst>
+    <p1510:client id="{3A45F4F6-9196-4B40-BE5E-037D41D71DE7}" v="16" dt="2024-01-10T23:56:17.450"/>
+  </p1510:revLst>
+</p1510:revInfo>
+</file>
+
 <file path=ppt/changesInfos/changesInfo1.xml><?xml version="1.0" encoding="utf-8"?>
 <pc:chgInfo xmlns:a="http://schemas.openxmlformats.org/drawingml/2006/main" xmlns:r="http://schemas.openxmlformats.org/officeDocument/2006/relationships" xmlns:ac="http://schemas.microsoft.com/office/drawing/2013/main/command" xmlns:pc="http://schemas.microsoft.com/office/powerpoint/2013/main/command">
   <pc:docChgLst>
-    <pc:chgData name="Froduald Kabanza" userId="edf393d0-642b-4b9e-8c75-f62133241689" providerId="ADAL" clId="{DCD23D3B-BB02-4CC8-A2A0-8B399731522C}"/>
-    <pc:docChg chg="undo custSel addSld delSld modSld addSection delSection modSection">
-      <pc:chgData name="Froduald Kabanza" userId="edf393d0-642b-4b9e-8c75-f62133241689" providerId="ADAL" clId="{DCD23D3B-BB02-4CC8-A2A0-8B399731522C}" dt="2023-01-05T18:01:15.151" v="20" actId="20577"/>
-      <pc:docMkLst>
-        <pc:docMk/>
-      </pc:docMkLst>
-      <pc:sldChg chg="modSp mod">
-        <pc:chgData name="Froduald Kabanza" userId="edf393d0-642b-4b9e-8c75-f62133241689" providerId="ADAL" clId="{DCD23D3B-BB02-4CC8-A2A0-8B399731522C}" dt="2023-01-05T18:01:15.151" v="20" actId="20577"/>
-        <pc:sldMkLst>
-          <pc:docMk/>
-          <pc:sldMk cId="154423500" sldId="332"/>
-        </pc:sldMkLst>
-        <pc:spChg chg="mod">
-          <ac:chgData name="Froduald Kabanza" userId="edf393d0-642b-4b9e-8c75-f62133241689" providerId="ADAL" clId="{DCD23D3B-BB02-4CC8-A2A0-8B399731522C}" dt="2023-01-05T18:01:02.633" v="18" actId="20577"/>
-          <ac:spMkLst>
-            <pc:docMk/>
-            <pc:sldMk cId="154423500" sldId="332"/>
-            <ac:spMk id="6" creationId="{50B0FB34-D872-45C2-9416-85ECF442F569}"/>
-          </ac:spMkLst>
-        </pc:spChg>
-        <pc:spChg chg="mod">
-          <ac:chgData name="Froduald Kabanza" userId="edf393d0-642b-4b9e-8c75-f62133241689" providerId="ADAL" clId="{DCD23D3B-BB02-4CC8-A2A0-8B399731522C}" dt="2023-01-05T18:01:15.151" v="20" actId="20577"/>
-          <ac:spMkLst>
-            <pc:docMk/>
-            <pc:sldMk cId="154423500" sldId="332"/>
-            <ac:spMk id="7" creationId="{9D9D7E22-6E14-4E34-957C-A91469454C2C}"/>
-          </ac:spMkLst>
-        </pc:spChg>
-      </pc:sldChg>
-      <pc:sldChg chg="mod modShow">
-        <pc:chgData name="Froduald Kabanza" userId="edf393d0-642b-4b9e-8c75-f62133241689" providerId="ADAL" clId="{DCD23D3B-BB02-4CC8-A2A0-8B399731522C}" dt="2023-01-05T06:49:49.065" v="1" actId="729"/>
-        <pc:sldMkLst>
-          <pc:docMk/>
-          <pc:sldMk cId="1824756835" sldId="335"/>
-        </pc:sldMkLst>
-      </pc:sldChg>
-      <pc:sldChg chg="del">
-        <pc:chgData name="Froduald Kabanza" userId="edf393d0-642b-4b9e-8c75-f62133241689" providerId="ADAL" clId="{DCD23D3B-BB02-4CC8-A2A0-8B399731522C}" dt="2023-01-05T06:51:02.060" v="2" actId="2696"/>
-        <pc:sldMkLst>
-          <pc:docMk/>
-          <pc:sldMk cId="3688654529" sldId="441"/>
-        </pc:sldMkLst>
-      </pc:sldChg>
-      <pc:sldChg chg="addSp modSp mod">
-        <pc:chgData name="Froduald Kabanza" userId="edf393d0-642b-4b9e-8c75-f62133241689" providerId="ADAL" clId="{DCD23D3B-BB02-4CC8-A2A0-8B399731522C}" dt="2023-01-05T06:53:50.903" v="16"/>
-        <pc:sldMkLst>
-          <pc:docMk/>
-          <pc:sldMk cId="1576209210" sldId="456"/>
-        </pc:sldMkLst>
-        <pc:graphicFrameChg chg="add mod modGraphic">
-          <ac:chgData name="Froduald Kabanza" userId="edf393d0-642b-4b9e-8c75-f62133241689" providerId="ADAL" clId="{DCD23D3B-BB02-4CC8-A2A0-8B399731522C}" dt="2023-01-05T06:53:33.951" v="12"/>
-          <ac:graphicFrameMkLst>
-            <pc:docMk/>
-            <pc:sldMk cId="1576209210" sldId="456"/>
-            <ac:graphicFrameMk id="10" creationId="{D591637A-1081-629B-C4D9-547D34C5C745}"/>
-          </ac:graphicFrameMkLst>
-        </pc:graphicFrameChg>
-        <pc:graphicFrameChg chg="add mod modGraphic">
-          <ac:chgData name="Froduald Kabanza" userId="edf393d0-642b-4b9e-8c75-f62133241689" providerId="ADAL" clId="{DCD23D3B-BB02-4CC8-A2A0-8B399731522C}" dt="2023-01-05T06:53:50.903" v="16"/>
-          <ac:graphicFrameMkLst>
-            <pc:docMk/>
-            <pc:sldMk cId="1576209210" sldId="456"/>
-            <ac:graphicFrameMk id="12" creationId="{11035484-3203-0D1F-1A83-763B41DDF675}"/>
-          </ac:graphicFrameMkLst>
-        </pc:graphicFrameChg>
-      </pc:sldChg>
-      <pc:sldChg chg="addSp delSp modSp new del mod">
-        <pc:chgData name="Froduald Kabanza" userId="edf393d0-642b-4b9e-8c75-f62133241689" providerId="ADAL" clId="{DCD23D3B-BB02-4CC8-A2A0-8B399731522C}" dt="2023-01-05T06:52:46.275" v="4" actId="27022"/>
-        <pc:sldMkLst>
-          <pc:docMk/>
-          <pc:sldMk cId="3783901869" sldId="462"/>
-        </pc:sldMkLst>
-        <pc:graphicFrameChg chg="add del modGraphic">
-          <ac:chgData name="Froduald Kabanza" userId="edf393d0-642b-4b9e-8c75-f62133241689" providerId="ADAL" clId="{DCD23D3B-BB02-4CC8-A2A0-8B399731522C}" dt="2023-01-05T06:52:46.275" v="4" actId="27022"/>
-          <ac:graphicFrameMkLst>
-            <pc:docMk/>
-            <pc:sldMk cId="3783901869" sldId="462"/>
-            <ac:graphicFrameMk id="8" creationId="{9CA9F5F4-E5C0-A22E-D1AC-3E9526229466}"/>
-          </ac:graphicFrameMkLst>
-        </pc:graphicFrameChg>
-      </pc:sldChg>
-    </pc:docChg>
-  </pc:docChgLst>
-  <pc:docChgLst>
-    <pc:chgData name="Froduald Kabanza" userId="edf393d0-642b-4b9e-8c75-f62133241689" providerId="ADAL" clId="{07D49425-C8A0-45E3-93E8-4488914EDBE2}"/>
-    <pc:docChg chg="modSld">
-      <pc:chgData name="Froduald Kabanza" userId="edf393d0-642b-4b9e-8c75-f62133241689" providerId="ADAL" clId="{07D49425-C8A0-45E3-93E8-4488914EDBE2}" dt="2023-01-06T13:18:52.363" v="5" actId="729"/>
+    <pc:chgData name="Froduald Kabanza" userId="edf393d0-642b-4b9e-8c75-f62133241689" providerId="ADAL" clId="{45384A45-E6C5-4B4A-94EC-4FBBBF368FE5}"/>
+    <pc:docChg chg="custSel modSld">
+      <pc:chgData name="Froduald Kabanza" userId="edf393d0-642b-4b9e-8c75-f62133241689" providerId="ADAL" clId="{45384A45-E6C5-4B4A-94EC-4FBBBF368FE5}" dt="2023-05-01T10:18:08.491" v="6" actId="729"/>
       <pc:docMkLst>
         <pc:docMk/>
       </pc:docMkLst>
       <pc:sldChg chg="mod modShow">
-        <pc:chgData name="Froduald Kabanza" userId="edf393d0-642b-4b9e-8c75-f62133241689" providerId="ADAL" clId="{07D49425-C8A0-45E3-93E8-4488914EDBE2}" dt="2023-01-06T13:17:13.589" v="0" actId="729"/>
+        <pc:chgData name="Froduald Kabanza" userId="edf393d0-642b-4b9e-8c75-f62133241689" providerId="ADAL" clId="{45384A45-E6C5-4B4A-94EC-4FBBBF368FE5}" dt="2023-05-01T10:16:28.273" v="5" actId="729"/>
         <pc:sldMkLst>
           <pc:docMk/>
           <pc:sldMk cId="3233877371" sldId="292"/>
         </pc:sldMkLst>
       </pc:sldChg>
       <pc:sldChg chg="mod modShow">
-        <pc:chgData name="Froduald Kabanza" userId="edf393d0-642b-4b9e-8c75-f62133241689" providerId="ADAL" clId="{07D49425-C8A0-45E3-93E8-4488914EDBE2}" dt="2023-01-06T13:17:13.589" v="0" actId="729"/>
+        <pc:chgData name="Froduald Kabanza" userId="edf393d0-642b-4b9e-8c75-f62133241689" providerId="ADAL" clId="{45384A45-E6C5-4B4A-94EC-4FBBBF368FE5}" dt="2023-05-01T10:16:28.273" v="5" actId="729"/>
         <pc:sldMkLst>
           <pc:docMk/>
           <pc:sldMk cId="154423500" sldId="332"/>
         </pc:sldMkLst>
       </pc:sldChg>
       <pc:sldChg chg="mod modShow">
-        <pc:chgData name="Froduald Kabanza" userId="edf393d0-642b-4b9e-8c75-f62133241689" providerId="ADAL" clId="{07D49425-C8A0-45E3-93E8-4488914EDBE2}" dt="2023-01-06T13:17:13.589" v="0" actId="729"/>
+        <pc:chgData name="Froduald Kabanza" userId="edf393d0-642b-4b9e-8c75-f62133241689" providerId="ADAL" clId="{45384A45-E6C5-4B4A-94EC-4FBBBF368FE5}" dt="2023-05-01T10:16:28.273" v="5" actId="729"/>
         <pc:sldMkLst>
           <pc:docMk/>
           <pc:sldMk cId="2174123187" sldId="333"/>
         </pc:sldMkLst>
       </pc:sldChg>
       <pc:sldChg chg="mod modShow">
-        <pc:chgData name="Froduald Kabanza" userId="edf393d0-642b-4b9e-8c75-f62133241689" providerId="ADAL" clId="{07D49425-C8A0-45E3-93E8-4488914EDBE2}" dt="2023-01-06T13:17:44.499" v="1" actId="729"/>
+        <pc:chgData name="Froduald Kabanza" userId="edf393d0-642b-4b9e-8c75-f62133241689" providerId="ADAL" clId="{45384A45-E6C5-4B4A-94EC-4FBBBF368FE5}" dt="2023-05-01T10:16:28.273" v="5" actId="729"/>
         <pc:sldMkLst>
           <pc:docMk/>
           <pc:sldMk cId="1824756835" sldId="335"/>
         </pc:sldMkLst>
       </pc:sldChg>
       <pc:sldChg chg="mod modShow">
-        <pc:chgData name="Froduald Kabanza" userId="edf393d0-642b-4b9e-8c75-f62133241689" providerId="ADAL" clId="{07D49425-C8A0-45E3-93E8-4488914EDBE2}" dt="2023-01-06T13:17:44.499" v="1" actId="729"/>
+        <pc:chgData name="Froduald Kabanza" userId="edf393d0-642b-4b9e-8c75-f62133241689" providerId="ADAL" clId="{45384A45-E6C5-4B4A-94EC-4FBBBF368FE5}" dt="2023-05-01T10:16:28.273" v="5" actId="729"/>
+        <pc:sldMkLst>
+          <pc:docMk/>
+          <pc:sldMk cId="2381963916" sldId="340"/>
+        </pc:sldMkLst>
+      </pc:sldChg>
+      <pc:sldChg chg="mod modShow">
+        <pc:chgData name="Froduald Kabanza" userId="edf393d0-642b-4b9e-8c75-f62133241689" providerId="ADAL" clId="{45384A45-E6C5-4B4A-94EC-4FBBBF368FE5}" dt="2023-05-01T10:16:28.273" v="5" actId="729"/>
+        <pc:sldMkLst>
+          <pc:docMk/>
+          <pc:sldMk cId="2969230571" sldId="342"/>
+        </pc:sldMkLst>
+      </pc:sldChg>
+      <pc:sldChg chg="mod modShow">
+        <pc:chgData name="Froduald Kabanza" userId="edf393d0-642b-4b9e-8c75-f62133241689" providerId="ADAL" clId="{45384A45-E6C5-4B4A-94EC-4FBBBF368FE5}" dt="2023-05-01T10:16:28.273" v="5" actId="729"/>
         <pc:sldMkLst>
           <pc:docMk/>
           <pc:sldMk cId="33821689" sldId="344"/>
         </pc:sldMkLst>
       </pc:sldChg>
       <pc:sldChg chg="mod modShow">
-        <pc:chgData name="Froduald Kabanza" userId="edf393d0-642b-4b9e-8c75-f62133241689" providerId="ADAL" clId="{07D49425-C8A0-45E3-93E8-4488914EDBE2}" dt="2023-01-06T13:18:52.363" v="5" actId="729"/>
+        <pc:chgData name="Froduald Kabanza" userId="edf393d0-642b-4b9e-8c75-f62133241689" providerId="ADAL" clId="{45384A45-E6C5-4B4A-94EC-4FBBBF368FE5}" dt="2023-05-01T10:16:28.273" v="5" actId="729"/>
         <pc:sldMkLst>
           <pc:docMk/>
           <pc:sldMk cId="2508412678" sldId="349"/>
         </pc:sldMkLst>
       </pc:sldChg>
+      <pc:sldChg chg="modSp mod modShow">
+        <pc:chgData name="Froduald Kabanza" userId="edf393d0-642b-4b9e-8c75-f62133241689" providerId="ADAL" clId="{45384A45-E6C5-4B4A-94EC-4FBBBF368FE5}" dt="2023-05-01T10:16:28.273" v="5" actId="729"/>
+        <pc:sldMkLst>
+          <pc:docMk/>
+          <pc:sldMk cId="1784342540" sldId="404"/>
+        </pc:sldMkLst>
+        <pc:spChg chg="mod">
+          <ac:chgData name="Froduald Kabanza" userId="edf393d0-642b-4b9e-8c75-f62133241689" providerId="ADAL" clId="{45384A45-E6C5-4B4A-94EC-4FBBBF368FE5}" dt="2023-05-01T10:13:39.853" v="0" actId="313"/>
+          <ac:spMkLst>
+            <pc:docMk/>
+            <pc:sldMk cId="1784342540" sldId="404"/>
+            <ac:spMk id="73730" creationId="{00000000-0000-0000-0000-000000000000}"/>
+          </ac:spMkLst>
+        </pc:spChg>
+      </pc:sldChg>
       <pc:sldChg chg="mod modShow">
-        <pc:chgData name="Froduald Kabanza" userId="edf393d0-642b-4b9e-8c75-f62133241689" providerId="ADAL" clId="{07D49425-C8A0-45E3-93E8-4488914EDBE2}" dt="2023-01-06T13:17:13.589" v="0" actId="729"/>
+        <pc:chgData name="Froduald Kabanza" userId="edf393d0-642b-4b9e-8c75-f62133241689" providerId="ADAL" clId="{45384A45-E6C5-4B4A-94EC-4FBBBF368FE5}" dt="2023-05-01T10:16:28.273" v="5" actId="729"/>
         <pc:sldMkLst>
           <pc:docMk/>
           <pc:sldMk cId="2428490300" sldId="434"/>
         </pc:sldMkLst>
       </pc:sldChg>
       <pc:sldChg chg="mod modShow">
-        <pc:chgData name="Froduald Kabanza" userId="edf393d0-642b-4b9e-8c75-f62133241689" providerId="ADAL" clId="{07D49425-C8A0-45E3-93E8-4488914EDBE2}" dt="2023-01-06T13:17:13.589" v="0" actId="729"/>
+        <pc:chgData name="Froduald Kabanza" userId="edf393d0-642b-4b9e-8c75-f62133241689" providerId="ADAL" clId="{45384A45-E6C5-4B4A-94EC-4FBBBF368FE5}" dt="2023-05-01T10:16:28.273" v="5" actId="729"/>
         <pc:sldMkLst>
           <pc:docMk/>
           <pc:sldMk cId="4107579451" sldId="438"/>
         </pc:sldMkLst>
       </pc:sldChg>
       <pc:sldChg chg="mod modShow">
-        <pc:chgData name="Froduald Kabanza" userId="edf393d0-642b-4b9e-8c75-f62133241689" providerId="ADAL" clId="{07D49425-C8A0-45E3-93E8-4488914EDBE2}" dt="2023-01-06T13:17:13.589" v="0" actId="729"/>
+        <pc:chgData name="Froduald Kabanza" userId="edf393d0-642b-4b9e-8c75-f62133241689" providerId="ADAL" clId="{45384A45-E6C5-4B4A-94EC-4FBBBF368FE5}" dt="2023-05-01T10:16:28.273" v="5" actId="729"/>
         <pc:sldMkLst>
           <pc:docMk/>
           <pc:sldMk cId="2526814027" sldId="439"/>
         </pc:sldMkLst>
       </pc:sldChg>
       <pc:sldChg chg="mod modShow">
-        <pc:chgData name="Froduald Kabanza" userId="edf393d0-642b-4b9e-8c75-f62133241689" providerId="ADAL" clId="{07D49425-C8A0-45E3-93E8-4488914EDBE2}" dt="2023-01-06T13:17:13.589" v="0" actId="729"/>
+        <pc:chgData name="Froduald Kabanza" userId="edf393d0-642b-4b9e-8c75-f62133241689" providerId="ADAL" clId="{45384A45-E6C5-4B4A-94EC-4FBBBF368FE5}" dt="2023-05-01T10:16:28.273" v="5" actId="729"/>
         <pc:sldMkLst>
           <pc:docMk/>
           <pc:sldMk cId="3735234146" sldId="440"/>
         </pc:sldMkLst>
       </pc:sldChg>
       <pc:sldChg chg="mod modShow">
-        <pc:chgData name="Froduald Kabanza" userId="edf393d0-642b-4b9e-8c75-f62133241689" providerId="ADAL" clId="{07D49425-C8A0-45E3-93E8-4488914EDBE2}" dt="2023-01-06T13:17:13.589" v="0" actId="729"/>
+        <pc:chgData name="Froduald Kabanza" userId="edf393d0-642b-4b9e-8c75-f62133241689" providerId="ADAL" clId="{45384A45-E6C5-4B4A-94EC-4FBBBF368FE5}" dt="2023-05-01T10:16:28.273" v="5" actId="729"/>
         <pc:sldMkLst>
           <pc:docMk/>
           <pc:sldMk cId="2285799096" sldId="448"/>
         </pc:sldMkLst>
       </pc:sldChg>
       <pc:sldChg chg="mod modShow">
-        <pc:chgData name="Froduald Kabanza" userId="edf393d0-642b-4b9e-8c75-f62133241689" providerId="ADAL" clId="{07D49425-C8A0-45E3-93E8-4488914EDBE2}" dt="2023-01-06T13:17:13.589" v="0" actId="729"/>
+        <pc:chgData name="Froduald Kabanza" userId="edf393d0-642b-4b9e-8c75-f62133241689" providerId="ADAL" clId="{45384A45-E6C5-4B4A-94EC-4FBBBF368FE5}" dt="2023-05-01T10:16:28.273" v="5" actId="729"/>
         <pc:sldMkLst>
           <pc:docMk/>
           <pc:sldMk cId="3128973846" sldId="449"/>
         </pc:sldMkLst>
       </pc:sldChg>
       <pc:sldChg chg="mod modShow">
-        <pc:chgData name="Froduald Kabanza" userId="edf393d0-642b-4b9e-8c75-f62133241689" providerId="ADAL" clId="{07D49425-C8A0-45E3-93E8-4488914EDBE2}" dt="2023-01-06T13:18:07.056" v="3" actId="729"/>
+        <pc:chgData name="Froduald Kabanza" userId="edf393d0-642b-4b9e-8c75-f62133241689" providerId="ADAL" clId="{45384A45-E6C5-4B4A-94EC-4FBBBF368FE5}" dt="2023-05-01T10:16:28.273" v="5" actId="729"/>
+        <pc:sldMkLst>
+          <pc:docMk/>
+          <pc:sldMk cId="2415921121" sldId="450"/>
+        </pc:sldMkLst>
+      </pc:sldChg>
+      <pc:sldChg chg="mod modShow">
+        <pc:chgData name="Froduald Kabanza" userId="edf393d0-642b-4b9e-8c75-f62133241689" providerId="ADAL" clId="{45384A45-E6C5-4B4A-94EC-4FBBBF368FE5}" dt="2023-05-01T10:16:28.273" v="5" actId="729"/>
         <pc:sldMkLst>
           <pc:docMk/>
           <pc:sldMk cId="289569629" sldId="451"/>
         </pc:sldMkLst>
       </pc:sldChg>
       <pc:sldChg chg="mod modShow">
-        <pc:chgData name="Froduald Kabanza" userId="edf393d0-642b-4b9e-8c75-f62133241689" providerId="ADAL" clId="{07D49425-C8A0-45E3-93E8-4488914EDBE2}" dt="2023-01-06T13:17:57.243" v="2" actId="729"/>
+        <pc:chgData name="Froduald Kabanza" userId="edf393d0-642b-4b9e-8c75-f62133241689" providerId="ADAL" clId="{45384A45-E6C5-4B4A-94EC-4FBBBF368FE5}" dt="2023-05-01T10:16:28.273" v="5" actId="729"/>
         <pc:sldMkLst>
           <pc:docMk/>
           <pc:sldMk cId="484085780" sldId="452"/>
         </pc:sldMkLst>
       </pc:sldChg>
       <pc:sldChg chg="mod modShow">
-        <pc:chgData name="Froduald Kabanza" userId="edf393d0-642b-4b9e-8c75-f62133241689" providerId="ADAL" clId="{07D49425-C8A0-45E3-93E8-4488914EDBE2}" dt="2023-01-06T13:18:37.770" v="4" actId="729"/>
+        <pc:chgData name="Froduald Kabanza" userId="edf393d0-642b-4b9e-8c75-f62133241689" providerId="ADAL" clId="{45384A45-E6C5-4B4A-94EC-4FBBBF368FE5}" dt="2023-05-01T10:16:28.273" v="5" actId="729"/>
+        <pc:sldMkLst>
+          <pc:docMk/>
+          <pc:sldMk cId="1548884957" sldId="454"/>
+        </pc:sldMkLst>
+      </pc:sldChg>
+      <pc:sldChg chg="mod modShow">
+        <pc:chgData name="Froduald Kabanza" userId="edf393d0-642b-4b9e-8c75-f62133241689" providerId="ADAL" clId="{45384A45-E6C5-4B4A-94EC-4FBBBF368FE5}" dt="2023-05-01T10:16:28.273" v="5" actId="729"/>
+        <pc:sldMkLst>
+          <pc:docMk/>
+          <pc:sldMk cId="1067939651" sldId="455"/>
+        </pc:sldMkLst>
+      </pc:sldChg>
+      <pc:sldChg chg="mod modShow">
+        <pc:chgData name="Froduald Kabanza" userId="edf393d0-642b-4b9e-8c75-f62133241689" providerId="ADAL" clId="{45384A45-E6C5-4B4A-94EC-4FBBBF368FE5}" dt="2023-05-01T10:16:28.273" v="5" actId="729"/>
+        <pc:sldMkLst>
+          <pc:docMk/>
+          <pc:sldMk cId="1576209210" sldId="456"/>
+        </pc:sldMkLst>
+      </pc:sldChg>
+      <pc:sldChg chg="mod modShow">
+        <pc:chgData name="Froduald Kabanza" userId="edf393d0-642b-4b9e-8c75-f62133241689" providerId="ADAL" clId="{45384A45-E6C5-4B4A-94EC-4FBBBF368FE5}" dt="2023-05-01T10:16:28.273" v="5" actId="729"/>
+        <pc:sldMkLst>
+          <pc:docMk/>
+          <pc:sldMk cId="1482272059" sldId="457"/>
+        </pc:sldMkLst>
+      </pc:sldChg>
+      <pc:sldChg chg="mod modShow">
+        <pc:chgData name="Froduald Kabanza" userId="edf393d0-642b-4b9e-8c75-f62133241689" providerId="ADAL" clId="{45384A45-E6C5-4B4A-94EC-4FBBBF368FE5}" dt="2023-05-01T10:16:28.273" v="5" actId="729"/>
         <pc:sldMkLst>
           <pc:docMk/>
           <pc:sldMk cId="2206116280" sldId="458"/>
         </pc:sldMkLst>
       </pc:sldChg>
       <pc:sldChg chg="mod modShow">
-        <pc:chgData name="Froduald Kabanza" userId="edf393d0-642b-4b9e-8c75-f62133241689" providerId="ADAL" clId="{07D49425-C8A0-45E3-93E8-4488914EDBE2}" dt="2023-01-06T13:18:37.770" v="4" actId="729"/>
+        <pc:chgData name="Froduald Kabanza" userId="edf393d0-642b-4b9e-8c75-f62133241689" providerId="ADAL" clId="{45384A45-E6C5-4B4A-94EC-4FBBBF368FE5}" dt="2023-05-01T10:18:08.491" v="6" actId="729"/>
         <pc:sldMkLst>
           <pc:docMk/>
           <pc:sldMk cId="410796776" sldId="459"/>
         </pc:sldMkLst>
       </pc:sldChg>
       <pc:sldChg chg="mod modShow">
-        <pc:chgData name="Froduald Kabanza" userId="edf393d0-642b-4b9e-8c75-f62133241689" providerId="ADAL" clId="{07D49425-C8A0-45E3-93E8-4488914EDBE2}" dt="2023-01-06T13:18:37.770" v="4" actId="729"/>
+        <pc:chgData name="Froduald Kabanza" userId="edf393d0-642b-4b9e-8c75-f62133241689" providerId="ADAL" clId="{45384A45-E6C5-4B4A-94EC-4FBBBF368FE5}" dt="2023-05-01T10:18:08.491" v="6" actId="729"/>
         <pc:sldMkLst>
           <pc:docMk/>
           <pc:sldMk cId="594361505" sldId="460"/>
         </pc:sldMkLst>
       </pc:sldChg>
       <pc:sldChg chg="mod modShow">
-        <pc:chgData name="Froduald Kabanza" userId="edf393d0-642b-4b9e-8c75-f62133241689" providerId="ADAL" clId="{07D49425-C8A0-45E3-93E8-4488914EDBE2}" dt="2023-01-06T13:18:37.770" v="4" actId="729"/>
+        <pc:chgData name="Froduald Kabanza" userId="edf393d0-642b-4b9e-8c75-f62133241689" providerId="ADAL" clId="{45384A45-E6C5-4B4A-94EC-4FBBBF368FE5}" dt="2023-05-01T10:16:28.273" v="5" actId="729"/>
         <pc:sldMkLst>
           <pc:docMk/>
           <pc:sldMk cId="1497002319" sldId="461"/>
@@ -1787,229 +1776,6 @@
     </pc:docChg>
   </pc:docChgLst>
   <pc:docChgLst>
-    <pc:chgData name="Froduald Kabanza" userId="edf393d0-642b-4b9e-8c75-f62133241689" providerId="ADAL" clId="{45384A45-E6C5-4B4A-94EC-4FBBBF368FE5}"/>
-    <pc:docChg chg="custSel modSld">
-      <pc:chgData name="Froduald Kabanza" userId="edf393d0-642b-4b9e-8c75-f62133241689" providerId="ADAL" clId="{45384A45-E6C5-4B4A-94EC-4FBBBF368FE5}" dt="2023-05-01T10:18:08.491" v="6" actId="729"/>
-      <pc:docMkLst>
-        <pc:docMk/>
-      </pc:docMkLst>
-      <pc:sldChg chg="mod modShow">
-        <pc:chgData name="Froduald Kabanza" userId="edf393d0-642b-4b9e-8c75-f62133241689" providerId="ADAL" clId="{45384A45-E6C5-4B4A-94EC-4FBBBF368FE5}" dt="2023-05-01T10:16:28.273" v="5" actId="729"/>
-        <pc:sldMkLst>
-          <pc:docMk/>
-          <pc:sldMk cId="3233877371" sldId="292"/>
-        </pc:sldMkLst>
-      </pc:sldChg>
-      <pc:sldChg chg="mod modShow">
-        <pc:chgData name="Froduald Kabanza" userId="edf393d0-642b-4b9e-8c75-f62133241689" providerId="ADAL" clId="{45384A45-E6C5-4B4A-94EC-4FBBBF368FE5}" dt="2023-05-01T10:16:28.273" v="5" actId="729"/>
-        <pc:sldMkLst>
-          <pc:docMk/>
-          <pc:sldMk cId="154423500" sldId="332"/>
-        </pc:sldMkLst>
-      </pc:sldChg>
-      <pc:sldChg chg="mod modShow">
-        <pc:chgData name="Froduald Kabanza" userId="edf393d0-642b-4b9e-8c75-f62133241689" providerId="ADAL" clId="{45384A45-E6C5-4B4A-94EC-4FBBBF368FE5}" dt="2023-05-01T10:16:28.273" v="5" actId="729"/>
-        <pc:sldMkLst>
-          <pc:docMk/>
-          <pc:sldMk cId="2174123187" sldId="333"/>
-        </pc:sldMkLst>
-      </pc:sldChg>
-      <pc:sldChg chg="mod modShow">
-        <pc:chgData name="Froduald Kabanza" userId="edf393d0-642b-4b9e-8c75-f62133241689" providerId="ADAL" clId="{45384A45-E6C5-4B4A-94EC-4FBBBF368FE5}" dt="2023-05-01T10:16:28.273" v="5" actId="729"/>
-        <pc:sldMkLst>
-          <pc:docMk/>
-          <pc:sldMk cId="1824756835" sldId="335"/>
-        </pc:sldMkLst>
-      </pc:sldChg>
-      <pc:sldChg chg="mod modShow">
-        <pc:chgData name="Froduald Kabanza" userId="edf393d0-642b-4b9e-8c75-f62133241689" providerId="ADAL" clId="{45384A45-E6C5-4B4A-94EC-4FBBBF368FE5}" dt="2023-05-01T10:16:28.273" v="5" actId="729"/>
-        <pc:sldMkLst>
-          <pc:docMk/>
-          <pc:sldMk cId="2381963916" sldId="340"/>
-        </pc:sldMkLst>
-      </pc:sldChg>
-      <pc:sldChg chg="mod modShow">
-        <pc:chgData name="Froduald Kabanza" userId="edf393d0-642b-4b9e-8c75-f62133241689" providerId="ADAL" clId="{45384A45-E6C5-4B4A-94EC-4FBBBF368FE5}" dt="2023-05-01T10:16:28.273" v="5" actId="729"/>
-        <pc:sldMkLst>
-          <pc:docMk/>
-          <pc:sldMk cId="2969230571" sldId="342"/>
-        </pc:sldMkLst>
-      </pc:sldChg>
-      <pc:sldChg chg="mod modShow">
-        <pc:chgData name="Froduald Kabanza" userId="edf393d0-642b-4b9e-8c75-f62133241689" providerId="ADAL" clId="{45384A45-E6C5-4B4A-94EC-4FBBBF368FE5}" dt="2023-05-01T10:16:28.273" v="5" actId="729"/>
-        <pc:sldMkLst>
-          <pc:docMk/>
-          <pc:sldMk cId="33821689" sldId="344"/>
-        </pc:sldMkLst>
-      </pc:sldChg>
-      <pc:sldChg chg="mod modShow">
-        <pc:chgData name="Froduald Kabanza" userId="edf393d0-642b-4b9e-8c75-f62133241689" providerId="ADAL" clId="{45384A45-E6C5-4B4A-94EC-4FBBBF368FE5}" dt="2023-05-01T10:16:28.273" v="5" actId="729"/>
-        <pc:sldMkLst>
-          <pc:docMk/>
-          <pc:sldMk cId="2508412678" sldId="349"/>
-        </pc:sldMkLst>
-      </pc:sldChg>
-      <pc:sldChg chg="modSp mod modShow">
-        <pc:chgData name="Froduald Kabanza" userId="edf393d0-642b-4b9e-8c75-f62133241689" providerId="ADAL" clId="{45384A45-E6C5-4B4A-94EC-4FBBBF368FE5}" dt="2023-05-01T10:16:28.273" v="5" actId="729"/>
-        <pc:sldMkLst>
-          <pc:docMk/>
-          <pc:sldMk cId="1784342540" sldId="404"/>
-        </pc:sldMkLst>
-        <pc:spChg chg="mod">
-          <ac:chgData name="Froduald Kabanza" userId="edf393d0-642b-4b9e-8c75-f62133241689" providerId="ADAL" clId="{45384A45-E6C5-4B4A-94EC-4FBBBF368FE5}" dt="2023-05-01T10:13:39.853" v="0" actId="313"/>
-          <ac:spMkLst>
-            <pc:docMk/>
-            <pc:sldMk cId="1784342540" sldId="404"/>
-            <ac:spMk id="73730" creationId="{00000000-0000-0000-0000-000000000000}"/>
-          </ac:spMkLst>
-        </pc:spChg>
-      </pc:sldChg>
-      <pc:sldChg chg="mod modShow">
-        <pc:chgData name="Froduald Kabanza" userId="edf393d0-642b-4b9e-8c75-f62133241689" providerId="ADAL" clId="{45384A45-E6C5-4B4A-94EC-4FBBBF368FE5}" dt="2023-05-01T10:16:28.273" v="5" actId="729"/>
-        <pc:sldMkLst>
-          <pc:docMk/>
-          <pc:sldMk cId="2428490300" sldId="434"/>
-        </pc:sldMkLst>
-      </pc:sldChg>
-      <pc:sldChg chg="mod modShow">
-        <pc:chgData name="Froduald Kabanza" userId="edf393d0-642b-4b9e-8c75-f62133241689" providerId="ADAL" clId="{45384A45-E6C5-4B4A-94EC-4FBBBF368FE5}" dt="2023-05-01T10:16:28.273" v="5" actId="729"/>
-        <pc:sldMkLst>
-          <pc:docMk/>
-          <pc:sldMk cId="4107579451" sldId="438"/>
-        </pc:sldMkLst>
-      </pc:sldChg>
-      <pc:sldChg chg="mod modShow">
-        <pc:chgData name="Froduald Kabanza" userId="edf393d0-642b-4b9e-8c75-f62133241689" providerId="ADAL" clId="{45384A45-E6C5-4B4A-94EC-4FBBBF368FE5}" dt="2023-05-01T10:16:28.273" v="5" actId="729"/>
-        <pc:sldMkLst>
-          <pc:docMk/>
-          <pc:sldMk cId="2526814027" sldId="439"/>
-        </pc:sldMkLst>
-      </pc:sldChg>
-      <pc:sldChg chg="mod modShow">
-        <pc:chgData name="Froduald Kabanza" userId="edf393d0-642b-4b9e-8c75-f62133241689" providerId="ADAL" clId="{45384A45-E6C5-4B4A-94EC-4FBBBF368FE5}" dt="2023-05-01T10:16:28.273" v="5" actId="729"/>
-        <pc:sldMkLst>
-          <pc:docMk/>
-          <pc:sldMk cId="3735234146" sldId="440"/>
-        </pc:sldMkLst>
-      </pc:sldChg>
-      <pc:sldChg chg="mod modShow">
-        <pc:chgData name="Froduald Kabanza" userId="edf393d0-642b-4b9e-8c75-f62133241689" providerId="ADAL" clId="{45384A45-E6C5-4B4A-94EC-4FBBBF368FE5}" dt="2023-05-01T10:16:28.273" v="5" actId="729"/>
-        <pc:sldMkLst>
-          <pc:docMk/>
-          <pc:sldMk cId="2285799096" sldId="448"/>
-        </pc:sldMkLst>
-      </pc:sldChg>
-      <pc:sldChg chg="mod modShow">
-        <pc:chgData name="Froduald Kabanza" userId="edf393d0-642b-4b9e-8c75-f62133241689" providerId="ADAL" clId="{45384A45-E6C5-4B4A-94EC-4FBBBF368FE5}" dt="2023-05-01T10:16:28.273" v="5" actId="729"/>
-        <pc:sldMkLst>
-          <pc:docMk/>
-          <pc:sldMk cId="3128973846" sldId="449"/>
-        </pc:sldMkLst>
-      </pc:sldChg>
-      <pc:sldChg chg="mod modShow">
-        <pc:chgData name="Froduald Kabanza" userId="edf393d0-642b-4b9e-8c75-f62133241689" providerId="ADAL" clId="{45384A45-E6C5-4B4A-94EC-4FBBBF368FE5}" dt="2023-05-01T10:16:28.273" v="5" actId="729"/>
-        <pc:sldMkLst>
-          <pc:docMk/>
-          <pc:sldMk cId="2415921121" sldId="450"/>
-        </pc:sldMkLst>
-      </pc:sldChg>
-      <pc:sldChg chg="mod modShow">
-        <pc:chgData name="Froduald Kabanza" userId="edf393d0-642b-4b9e-8c75-f62133241689" providerId="ADAL" clId="{45384A45-E6C5-4B4A-94EC-4FBBBF368FE5}" dt="2023-05-01T10:16:28.273" v="5" actId="729"/>
-        <pc:sldMkLst>
-          <pc:docMk/>
-          <pc:sldMk cId="289569629" sldId="451"/>
-        </pc:sldMkLst>
-      </pc:sldChg>
-      <pc:sldChg chg="mod modShow">
-        <pc:chgData name="Froduald Kabanza" userId="edf393d0-642b-4b9e-8c75-f62133241689" providerId="ADAL" clId="{45384A45-E6C5-4B4A-94EC-4FBBBF368FE5}" dt="2023-05-01T10:16:28.273" v="5" actId="729"/>
-        <pc:sldMkLst>
-          <pc:docMk/>
-          <pc:sldMk cId="484085780" sldId="452"/>
-        </pc:sldMkLst>
-      </pc:sldChg>
-      <pc:sldChg chg="mod modShow">
-        <pc:chgData name="Froduald Kabanza" userId="edf393d0-642b-4b9e-8c75-f62133241689" providerId="ADAL" clId="{45384A45-E6C5-4B4A-94EC-4FBBBF368FE5}" dt="2023-05-01T10:16:28.273" v="5" actId="729"/>
-        <pc:sldMkLst>
-          <pc:docMk/>
-          <pc:sldMk cId="1548884957" sldId="454"/>
-        </pc:sldMkLst>
-      </pc:sldChg>
-      <pc:sldChg chg="mod modShow">
-        <pc:chgData name="Froduald Kabanza" userId="edf393d0-642b-4b9e-8c75-f62133241689" providerId="ADAL" clId="{45384A45-E6C5-4B4A-94EC-4FBBBF368FE5}" dt="2023-05-01T10:16:28.273" v="5" actId="729"/>
-        <pc:sldMkLst>
-          <pc:docMk/>
-          <pc:sldMk cId="1067939651" sldId="455"/>
-        </pc:sldMkLst>
-      </pc:sldChg>
-      <pc:sldChg chg="mod modShow">
-        <pc:chgData name="Froduald Kabanza" userId="edf393d0-642b-4b9e-8c75-f62133241689" providerId="ADAL" clId="{45384A45-E6C5-4B4A-94EC-4FBBBF368FE5}" dt="2023-05-01T10:16:28.273" v="5" actId="729"/>
-        <pc:sldMkLst>
-          <pc:docMk/>
-          <pc:sldMk cId="1576209210" sldId="456"/>
-        </pc:sldMkLst>
-      </pc:sldChg>
-      <pc:sldChg chg="mod modShow">
-        <pc:chgData name="Froduald Kabanza" userId="edf393d0-642b-4b9e-8c75-f62133241689" providerId="ADAL" clId="{45384A45-E6C5-4B4A-94EC-4FBBBF368FE5}" dt="2023-05-01T10:16:28.273" v="5" actId="729"/>
-        <pc:sldMkLst>
-          <pc:docMk/>
-          <pc:sldMk cId="1482272059" sldId="457"/>
-        </pc:sldMkLst>
-      </pc:sldChg>
-      <pc:sldChg chg="mod modShow">
-        <pc:chgData name="Froduald Kabanza" userId="edf393d0-642b-4b9e-8c75-f62133241689" providerId="ADAL" clId="{45384A45-E6C5-4B4A-94EC-4FBBBF368FE5}" dt="2023-05-01T10:16:28.273" v="5" actId="729"/>
-        <pc:sldMkLst>
-          <pc:docMk/>
-          <pc:sldMk cId="2206116280" sldId="458"/>
-        </pc:sldMkLst>
-      </pc:sldChg>
-      <pc:sldChg chg="mod modShow">
-        <pc:chgData name="Froduald Kabanza" userId="edf393d0-642b-4b9e-8c75-f62133241689" providerId="ADAL" clId="{45384A45-E6C5-4B4A-94EC-4FBBBF368FE5}" dt="2023-05-01T10:18:08.491" v="6" actId="729"/>
-        <pc:sldMkLst>
-          <pc:docMk/>
-          <pc:sldMk cId="410796776" sldId="459"/>
-        </pc:sldMkLst>
-      </pc:sldChg>
-      <pc:sldChg chg="mod modShow">
-        <pc:chgData name="Froduald Kabanza" userId="edf393d0-642b-4b9e-8c75-f62133241689" providerId="ADAL" clId="{45384A45-E6C5-4B4A-94EC-4FBBBF368FE5}" dt="2023-05-01T10:18:08.491" v="6" actId="729"/>
-        <pc:sldMkLst>
-          <pc:docMk/>
-          <pc:sldMk cId="594361505" sldId="460"/>
-        </pc:sldMkLst>
-      </pc:sldChg>
-      <pc:sldChg chg="mod modShow">
-        <pc:chgData name="Froduald Kabanza" userId="edf393d0-642b-4b9e-8c75-f62133241689" providerId="ADAL" clId="{45384A45-E6C5-4B4A-94EC-4FBBBF368FE5}" dt="2023-05-01T10:16:28.273" v="5" actId="729"/>
-        <pc:sldMkLst>
-          <pc:docMk/>
-          <pc:sldMk cId="1497002319" sldId="461"/>
-        </pc:sldMkLst>
-      </pc:sldChg>
-    </pc:docChg>
-  </pc:docChgLst>
-  <pc:docChgLst>
-    <pc:chgData name="Froduald Kabanza" userId="edf393d0-642b-4b9e-8c75-f62133241689" providerId="ADAL" clId="{17A44A23-842A-45CD-96B7-638D3AE29590}"/>
-    <pc:docChg chg="custSel modSld">
-      <pc:chgData name="Froduald Kabanza" userId="edf393d0-642b-4b9e-8c75-f62133241689" providerId="ADAL" clId="{17A44A23-842A-45CD-96B7-638D3AE29590}" dt="2022-01-06T12:57:21.445" v="31" actId="5793"/>
-      <pc:docMkLst>
-        <pc:docMk/>
-      </pc:docMkLst>
-      <pc:sldChg chg="modSp mod">
-        <pc:chgData name="Froduald Kabanza" userId="edf393d0-642b-4b9e-8c75-f62133241689" providerId="ADAL" clId="{17A44A23-842A-45CD-96B7-638D3AE29590}" dt="2022-01-06T12:57:21.445" v="31" actId="5793"/>
-        <pc:sldMkLst>
-          <pc:docMk/>
-          <pc:sldMk cId="2174123187" sldId="333"/>
-        </pc:sldMkLst>
-        <pc:spChg chg="mod">
-          <ac:chgData name="Froduald Kabanza" userId="edf393d0-642b-4b9e-8c75-f62133241689" providerId="ADAL" clId="{17A44A23-842A-45CD-96B7-638D3AE29590}" dt="2022-01-06T12:57:21.445" v="31" actId="5793"/>
-          <ac:spMkLst>
-            <pc:docMk/>
-            <pc:sldMk cId="2174123187" sldId="333"/>
-            <ac:spMk id="3" creationId="{00000000-0000-0000-0000-000000000000}"/>
-          </ac:spMkLst>
-        </pc:spChg>
-      </pc:sldChg>
-    </pc:docChg>
-  </pc:docChgLst>
-  <pc:docChgLst>
     <pc:chgData name="DJeff Kanda Nkashama" userId="c3c87171-fd8c-4e2b-8ca8-32e7de6ccf7b" providerId="ADAL" clId="{8C6C9111-30AF-8647-80A2-9D3CD58F167F}"/>
     <pc:docChg chg="custSel modSld">
       <pc:chgData name="DJeff Kanda Nkashama" userId="c3c87171-fd8c-4e2b-8ca8-32e7de6ccf7b" providerId="ADAL" clId="{8C6C9111-30AF-8647-80A2-9D3CD58F167F}" dt="2022-01-13T05:31:38.533" v="1080" actId="20577"/>
@@ -2353,6 +2119,783 @@
       </pc:sldChg>
     </pc:docChg>
   </pc:docChgLst>
+  <pc:docChgLst>
+    <pc:chgData name="Froduald Kabanza" userId="edf393d0-642b-4b9e-8c75-f62133241689" providerId="ADAL" clId="{07D49425-C8A0-45E3-93E8-4488914EDBE2}"/>
+    <pc:docChg chg="modSld">
+      <pc:chgData name="Froduald Kabanza" userId="edf393d0-642b-4b9e-8c75-f62133241689" providerId="ADAL" clId="{07D49425-C8A0-45E3-93E8-4488914EDBE2}" dt="2023-01-06T13:18:52.363" v="5" actId="729"/>
+      <pc:docMkLst>
+        <pc:docMk/>
+      </pc:docMkLst>
+      <pc:sldChg chg="mod modShow">
+        <pc:chgData name="Froduald Kabanza" userId="edf393d0-642b-4b9e-8c75-f62133241689" providerId="ADAL" clId="{07D49425-C8A0-45E3-93E8-4488914EDBE2}" dt="2023-01-06T13:17:13.589" v="0" actId="729"/>
+        <pc:sldMkLst>
+          <pc:docMk/>
+          <pc:sldMk cId="3233877371" sldId="292"/>
+        </pc:sldMkLst>
+      </pc:sldChg>
+      <pc:sldChg chg="mod modShow">
+        <pc:chgData name="Froduald Kabanza" userId="edf393d0-642b-4b9e-8c75-f62133241689" providerId="ADAL" clId="{07D49425-C8A0-45E3-93E8-4488914EDBE2}" dt="2023-01-06T13:17:13.589" v="0" actId="729"/>
+        <pc:sldMkLst>
+          <pc:docMk/>
+          <pc:sldMk cId="154423500" sldId="332"/>
+        </pc:sldMkLst>
+      </pc:sldChg>
+      <pc:sldChg chg="mod modShow">
+        <pc:chgData name="Froduald Kabanza" userId="edf393d0-642b-4b9e-8c75-f62133241689" providerId="ADAL" clId="{07D49425-C8A0-45E3-93E8-4488914EDBE2}" dt="2023-01-06T13:17:13.589" v="0" actId="729"/>
+        <pc:sldMkLst>
+          <pc:docMk/>
+          <pc:sldMk cId="2174123187" sldId="333"/>
+        </pc:sldMkLst>
+      </pc:sldChg>
+      <pc:sldChg chg="mod modShow">
+        <pc:chgData name="Froduald Kabanza" userId="edf393d0-642b-4b9e-8c75-f62133241689" providerId="ADAL" clId="{07D49425-C8A0-45E3-93E8-4488914EDBE2}" dt="2023-01-06T13:17:44.499" v="1" actId="729"/>
+        <pc:sldMkLst>
+          <pc:docMk/>
+          <pc:sldMk cId="1824756835" sldId="335"/>
+        </pc:sldMkLst>
+      </pc:sldChg>
+      <pc:sldChg chg="mod modShow">
+        <pc:chgData name="Froduald Kabanza" userId="edf393d0-642b-4b9e-8c75-f62133241689" providerId="ADAL" clId="{07D49425-C8A0-45E3-93E8-4488914EDBE2}" dt="2023-01-06T13:17:44.499" v="1" actId="729"/>
+        <pc:sldMkLst>
+          <pc:docMk/>
+          <pc:sldMk cId="33821689" sldId="344"/>
+        </pc:sldMkLst>
+      </pc:sldChg>
+      <pc:sldChg chg="mod modShow">
+        <pc:chgData name="Froduald Kabanza" userId="edf393d0-642b-4b9e-8c75-f62133241689" providerId="ADAL" clId="{07D49425-C8A0-45E3-93E8-4488914EDBE2}" dt="2023-01-06T13:18:52.363" v="5" actId="729"/>
+        <pc:sldMkLst>
+          <pc:docMk/>
+          <pc:sldMk cId="2508412678" sldId="349"/>
+        </pc:sldMkLst>
+      </pc:sldChg>
+      <pc:sldChg chg="mod modShow">
+        <pc:chgData name="Froduald Kabanza" userId="edf393d0-642b-4b9e-8c75-f62133241689" providerId="ADAL" clId="{07D49425-C8A0-45E3-93E8-4488914EDBE2}" dt="2023-01-06T13:17:13.589" v="0" actId="729"/>
+        <pc:sldMkLst>
+          <pc:docMk/>
+          <pc:sldMk cId="2428490300" sldId="434"/>
+        </pc:sldMkLst>
+      </pc:sldChg>
+      <pc:sldChg chg="mod modShow">
+        <pc:chgData name="Froduald Kabanza" userId="edf393d0-642b-4b9e-8c75-f62133241689" providerId="ADAL" clId="{07D49425-C8A0-45E3-93E8-4488914EDBE2}" dt="2023-01-06T13:17:13.589" v="0" actId="729"/>
+        <pc:sldMkLst>
+          <pc:docMk/>
+          <pc:sldMk cId="4107579451" sldId="438"/>
+        </pc:sldMkLst>
+      </pc:sldChg>
+      <pc:sldChg chg="mod modShow">
+        <pc:chgData name="Froduald Kabanza" userId="edf393d0-642b-4b9e-8c75-f62133241689" providerId="ADAL" clId="{07D49425-C8A0-45E3-93E8-4488914EDBE2}" dt="2023-01-06T13:17:13.589" v="0" actId="729"/>
+        <pc:sldMkLst>
+          <pc:docMk/>
+          <pc:sldMk cId="2526814027" sldId="439"/>
+        </pc:sldMkLst>
+      </pc:sldChg>
+      <pc:sldChg chg="mod modShow">
+        <pc:chgData name="Froduald Kabanza" userId="edf393d0-642b-4b9e-8c75-f62133241689" providerId="ADAL" clId="{07D49425-C8A0-45E3-93E8-4488914EDBE2}" dt="2023-01-06T13:17:13.589" v="0" actId="729"/>
+        <pc:sldMkLst>
+          <pc:docMk/>
+          <pc:sldMk cId="3735234146" sldId="440"/>
+        </pc:sldMkLst>
+      </pc:sldChg>
+      <pc:sldChg chg="mod modShow">
+        <pc:chgData name="Froduald Kabanza" userId="edf393d0-642b-4b9e-8c75-f62133241689" providerId="ADAL" clId="{07D49425-C8A0-45E3-93E8-4488914EDBE2}" dt="2023-01-06T13:17:13.589" v="0" actId="729"/>
+        <pc:sldMkLst>
+          <pc:docMk/>
+          <pc:sldMk cId="2285799096" sldId="448"/>
+        </pc:sldMkLst>
+      </pc:sldChg>
+      <pc:sldChg chg="mod modShow">
+        <pc:chgData name="Froduald Kabanza" userId="edf393d0-642b-4b9e-8c75-f62133241689" providerId="ADAL" clId="{07D49425-C8A0-45E3-93E8-4488914EDBE2}" dt="2023-01-06T13:17:13.589" v="0" actId="729"/>
+        <pc:sldMkLst>
+          <pc:docMk/>
+          <pc:sldMk cId="3128973846" sldId="449"/>
+        </pc:sldMkLst>
+      </pc:sldChg>
+      <pc:sldChg chg="mod modShow">
+        <pc:chgData name="Froduald Kabanza" userId="edf393d0-642b-4b9e-8c75-f62133241689" providerId="ADAL" clId="{07D49425-C8A0-45E3-93E8-4488914EDBE2}" dt="2023-01-06T13:18:07.056" v="3" actId="729"/>
+        <pc:sldMkLst>
+          <pc:docMk/>
+          <pc:sldMk cId="289569629" sldId="451"/>
+        </pc:sldMkLst>
+      </pc:sldChg>
+      <pc:sldChg chg="mod modShow">
+        <pc:chgData name="Froduald Kabanza" userId="edf393d0-642b-4b9e-8c75-f62133241689" providerId="ADAL" clId="{07D49425-C8A0-45E3-93E8-4488914EDBE2}" dt="2023-01-06T13:17:57.243" v="2" actId="729"/>
+        <pc:sldMkLst>
+          <pc:docMk/>
+          <pc:sldMk cId="484085780" sldId="452"/>
+        </pc:sldMkLst>
+      </pc:sldChg>
+      <pc:sldChg chg="mod modShow">
+        <pc:chgData name="Froduald Kabanza" userId="edf393d0-642b-4b9e-8c75-f62133241689" providerId="ADAL" clId="{07D49425-C8A0-45E3-93E8-4488914EDBE2}" dt="2023-01-06T13:18:37.770" v="4" actId="729"/>
+        <pc:sldMkLst>
+          <pc:docMk/>
+          <pc:sldMk cId="2206116280" sldId="458"/>
+        </pc:sldMkLst>
+      </pc:sldChg>
+      <pc:sldChg chg="mod modShow">
+        <pc:chgData name="Froduald Kabanza" userId="edf393d0-642b-4b9e-8c75-f62133241689" providerId="ADAL" clId="{07D49425-C8A0-45E3-93E8-4488914EDBE2}" dt="2023-01-06T13:18:37.770" v="4" actId="729"/>
+        <pc:sldMkLst>
+          <pc:docMk/>
+          <pc:sldMk cId="410796776" sldId="459"/>
+        </pc:sldMkLst>
+      </pc:sldChg>
+      <pc:sldChg chg="mod modShow">
+        <pc:chgData name="Froduald Kabanza" userId="edf393d0-642b-4b9e-8c75-f62133241689" providerId="ADAL" clId="{07D49425-C8A0-45E3-93E8-4488914EDBE2}" dt="2023-01-06T13:18:37.770" v="4" actId="729"/>
+        <pc:sldMkLst>
+          <pc:docMk/>
+          <pc:sldMk cId="594361505" sldId="460"/>
+        </pc:sldMkLst>
+      </pc:sldChg>
+      <pc:sldChg chg="mod modShow">
+        <pc:chgData name="Froduald Kabanza" userId="edf393d0-642b-4b9e-8c75-f62133241689" providerId="ADAL" clId="{07D49425-C8A0-45E3-93E8-4488914EDBE2}" dt="2023-01-06T13:18:37.770" v="4" actId="729"/>
+        <pc:sldMkLst>
+          <pc:docMk/>
+          <pc:sldMk cId="1497002319" sldId="461"/>
+        </pc:sldMkLst>
+      </pc:sldChg>
+    </pc:docChg>
+  </pc:docChgLst>
+  <pc:docChgLst>
+    <pc:chgData name="Froduald Kabanza" userId="edf393d0-642b-4b9e-8c75-f62133241689" providerId="ADAL" clId="{3A45F4F6-9196-4B40-BE5E-037D41D71DE7}"/>
+    <pc:docChg chg="undo custSel addSld modSld sldOrd">
+      <pc:chgData name="Froduald Kabanza" userId="edf393d0-642b-4b9e-8c75-f62133241689" providerId="ADAL" clId="{3A45F4F6-9196-4B40-BE5E-037D41D71DE7}" dt="2024-01-10T23:59:02.056" v="357" actId="729"/>
+      <pc:docMkLst>
+        <pc:docMk/>
+      </pc:docMkLst>
+      <pc:sldChg chg="modSp mod modShow">
+        <pc:chgData name="Froduald Kabanza" userId="edf393d0-642b-4b9e-8c75-f62133241689" providerId="ADAL" clId="{3A45F4F6-9196-4B40-BE5E-037D41D71DE7}" dt="2024-01-10T23:57:27.708" v="353" actId="729"/>
+        <pc:sldMkLst>
+          <pc:docMk/>
+          <pc:sldMk cId="3233877371" sldId="292"/>
+        </pc:sldMkLst>
+        <pc:spChg chg="mod">
+          <ac:chgData name="Froduald Kabanza" userId="edf393d0-642b-4b9e-8c75-f62133241689" providerId="ADAL" clId="{3A45F4F6-9196-4B40-BE5E-037D41D71DE7}" dt="2024-01-10T23:37:21.061" v="258" actId="1076"/>
+          <ac:spMkLst>
+            <pc:docMk/>
+            <pc:sldMk cId="3233877371" sldId="292"/>
+            <ac:spMk id="138" creationId="{BAC28436-4332-45C9-87E7-A7FAF52DBFD0}"/>
+          </ac:spMkLst>
+        </pc:spChg>
+        <pc:spChg chg="mod">
+          <ac:chgData name="Froduald Kabanza" userId="edf393d0-642b-4b9e-8c75-f62133241689" providerId="ADAL" clId="{3A45F4F6-9196-4B40-BE5E-037D41D71DE7}" dt="2024-01-10T23:38:57.468" v="283" actId="14100"/>
+          <ac:spMkLst>
+            <pc:docMk/>
+            <pc:sldMk cId="3233877371" sldId="292"/>
+            <ac:spMk id="143" creationId="{8786E60E-2F80-4894-824A-089CA98B0D97}"/>
+          </ac:spMkLst>
+        </pc:spChg>
+        <pc:spChg chg="mod">
+          <ac:chgData name="Froduald Kabanza" userId="edf393d0-642b-4b9e-8c75-f62133241689" providerId="ADAL" clId="{3A45F4F6-9196-4B40-BE5E-037D41D71DE7}" dt="2024-01-10T23:36:36.389" v="256" actId="1076"/>
+          <ac:spMkLst>
+            <pc:docMk/>
+            <pc:sldMk cId="3233877371" sldId="292"/>
+            <ac:spMk id="144" creationId="{57FFC868-CED2-4EDE-8BB3-92E08A62A3B3}"/>
+          </ac:spMkLst>
+        </pc:spChg>
+        <pc:cxnChg chg="mod">
+          <ac:chgData name="Froduald Kabanza" userId="edf393d0-642b-4b9e-8c75-f62133241689" providerId="ADAL" clId="{3A45F4F6-9196-4B40-BE5E-037D41D71DE7}" dt="2024-01-10T23:36:16.751" v="251" actId="1076"/>
+          <ac:cxnSpMkLst>
+            <pc:docMk/>
+            <pc:sldMk cId="3233877371" sldId="292"/>
+            <ac:cxnSpMk id="135" creationId="{EA787536-7073-4D66-9031-A3E01D498CDB}"/>
+          </ac:cxnSpMkLst>
+        </pc:cxnChg>
+        <pc:cxnChg chg="mod">
+          <ac:chgData name="Froduald Kabanza" userId="edf393d0-642b-4b9e-8c75-f62133241689" providerId="ADAL" clId="{3A45F4F6-9196-4B40-BE5E-037D41D71DE7}" dt="2024-01-10T23:37:33.057" v="260" actId="1076"/>
+          <ac:cxnSpMkLst>
+            <pc:docMk/>
+            <pc:sldMk cId="3233877371" sldId="292"/>
+            <ac:cxnSpMk id="141" creationId="{DA93E1C9-CEAB-46C1-AB5D-44D827EDF179}"/>
+          </ac:cxnSpMkLst>
+        </pc:cxnChg>
+        <pc:cxnChg chg="mod">
+          <ac:chgData name="Froduald Kabanza" userId="edf393d0-642b-4b9e-8c75-f62133241689" providerId="ADAL" clId="{3A45F4F6-9196-4B40-BE5E-037D41D71DE7}" dt="2024-01-10T23:36:51.908" v="257" actId="14100"/>
+          <ac:cxnSpMkLst>
+            <pc:docMk/>
+            <pc:sldMk cId="3233877371" sldId="292"/>
+            <ac:cxnSpMk id="142" creationId="{7505A25B-6E78-45EB-8740-9BD86EF3D50E}"/>
+          </ac:cxnSpMkLst>
+        </pc:cxnChg>
+      </pc:sldChg>
+      <pc:sldChg chg="mod modShow">
+        <pc:chgData name="Froduald Kabanza" userId="edf393d0-642b-4b9e-8c75-f62133241689" providerId="ADAL" clId="{3A45F4F6-9196-4B40-BE5E-037D41D71DE7}" dt="2024-01-10T23:57:27.708" v="353" actId="729"/>
+        <pc:sldMkLst>
+          <pc:docMk/>
+          <pc:sldMk cId="154423500" sldId="332"/>
+        </pc:sldMkLst>
+      </pc:sldChg>
+      <pc:sldChg chg="mod modShow">
+        <pc:chgData name="Froduald Kabanza" userId="edf393d0-642b-4b9e-8c75-f62133241689" providerId="ADAL" clId="{3A45F4F6-9196-4B40-BE5E-037D41D71DE7}" dt="2024-01-10T23:57:27.708" v="353" actId="729"/>
+        <pc:sldMkLst>
+          <pc:docMk/>
+          <pc:sldMk cId="2174123187" sldId="333"/>
+        </pc:sldMkLst>
+      </pc:sldChg>
+      <pc:sldChg chg="modSp mod modShow">
+        <pc:chgData name="Froduald Kabanza" userId="edf393d0-642b-4b9e-8c75-f62133241689" providerId="ADAL" clId="{3A45F4F6-9196-4B40-BE5E-037D41D71DE7}" dt="2024-01-10T23:58:42.808" v="355" actId="729"/>
+        <pc:sldMkLst>
+          <pc:docMk/>
+          <pc:sldMk cId="1824756835" sldId="335"/>
+        </pc:sldMkLst>
+        <pc:spChg chg="mod">
+          <ac:chgData name="Froduald Kabanza" userId="edf393d0-642b-4b9e-8c75-f62133241689" providerId="ADAL" clId="{3A45F4F6-9196-4B40-BE5E-037D41D71DE7}" dt="2024-01-10T23:15:09.695" v="77" actId="1076"/>
+          <ac:spMkLst>
+            <pc:docMk/>
+            <pc:sldMk cId="1824756835" sldId="335"/>
+            <ac:spMk id="8" creationId="{00000000-0000-0000-0000-000000000000}"/>
+          </ac:spMkLst>
+        </pc:spChg>
+        <pc:spChg chg="mod">
+          <ac:chgData name="Froduald Kabanza" userId="edf393d0-642b-4b9e-8c75-f62133241689" providerId="ADAL" clId="{3A45F4F6-9196-4B40-BE5E-037D41D71DE7}" dt="2024-01-10T23:17:09.395" v="159" actId="20577"/>
+          <ac:spMkLst>
+            <pc:docMk/>
+            <pc:sldMk cId="1824756835" sldId="335"/>
+            <ac:spMk id="14" creationId="{00000000-0000-0000-0000-000000000000}"/>
+          </ac:spMkLst>
+        </pc:spChg>
+        <pc:spChg chg="mod">
+          <ac:chgData name="Froduald Kabanza" userId="edf393d0-642b-4b9e-8c75-f62133241689" providerId="ADAL" clId="{3A45F4F6-9196-4B40-BE5E-037D41D71DE7}" dt="2024-01-10T23:21:00.981" v="162" actId="1076"/>
+          <ac:spMkLst>
+            <pc:docMk/>
+            <pc:sldMk cId="1824756835" sldId="335"/>
+            <ac:spMk id="22" creationId="{00000000-0000-0000-0000-000000000000}"/>
+          </ac:spMkLst>
+        </pc:spChg>
+        <pc:spChg chg="mod">
+          <ac:chgData name="Froduald Kabanza" userId="edf393d0-642b-4b9e-8c75-f62133241689" providerId="ADAL" clId="{3A45F4F6-9196-4B40-BE5E-037D41D71DE7}" dt="2024-01-10T23:21:00.981" v="162" actId="1076"/>
+          <ac:spMkLst>
+            <pc:docMk/>
+            <pc:sldMk cId="1824756835" sldId="335"/>
+            <ac:spMk id="24" creationId="{00000000-0000-0000-0000-000000000000}"/>
+          </ac:spMkLst>
+        </pc:spChg>
+        <pc:spChg chg="mod">
+          <ac:chgData name="Froduald Kabanza" userId="edf393d0-642b-4b9e-8c75-f62133241689" providerId="ADAL" clId="{3A45F4F6-9196-4B40-BE5E-037D41D71DE7}" dt="2024-01-10T23:21:00.981" v="162" actId="1076"/>
+          <ac:spMkLst>
+            <pc:docMk/>
+            <pc:sldMk cId="1824756835" sldId="335"/>
+            <ac:spMk id="25" creationId="{00000000-0000-0000-0000-000000000000}"/>
+          </ac:spMkLst>
+        </pc:spChg>
+        <pc:spChg chg="mod">
+          <ac:chgData name="Froduald Kabanza" userId="edf393d0-642b-4b9e-8c75-f62133241689" providerId="ADAL" clId="{3A45F4F6-9196-4B40-BE5E-037D41D71DE7}" dt="2024-01-10T23:21:00.981" v="162" actId="1076"/>
+          <ac:spMkLst>
+            <pc:docMk/>
+            <pc:sldMk cId="1824756835" sldId="335"/>
+            <ac:spMk id="26" creationId="{00000000-0000-0000-0000-000000000000}"/>
+          </ac:spMkLst>
+        </pc:spChg>
+        <pc:spChg chg="mod">
+          <ac:chgData name="Froduald Kabanza" userId="edf393d0-642b-4b9e-8c75-f62133241689" providerId="ADAL" clId="{3A45F4F6-9196-4B40-BE5E-037D41D71DE7}" dt="2024-01-10T23:21:00.981" v="162" actId="1076"/>
+          <ac:spMkLst>
+            <pc:docMk/>
+            <pc:sldMk cId="1824756835" sldId="335"/>
+            <ac:spMk id="27" creationId="{00000000-0000-0000-0000-000000000000}"/>
+          </ac:spMkLst>
+        </pc:spChg>
+        <pc:spChg chg="mod">
+          <ac:chgData name="Froduald Kabanza" userId="edf393d0-642b-4b9e-8c75-f62133241689" providerId="ADAL" clId="{3A45F4F6-9196-4B40-BE5E-037D41D71DE7}" dt="2024-01-10T23:21:00.981" v="162" actId="1076"/>
+          <ac:spMkLst>
+            <pc:docMk/>
+            <pc:sldMk cId="1824756835" sldId="335"/>
+            <ac:spMk id="28" creationId="{00000000-0000-0000-0000-000000000000}"/>
+          </ac:spMkLst>
+        </pc:spChg>
+        <pc:spChg chg="mod">
+          <ac:chgData name="Froduald Kabanza" userId="edf393d0-642b-4b9e-8c75-f62133241689" providerId="ADAL" clId="{3A45F4F6-9196-4B40-BE5E-037D41D71DE7}" dt="2024-01-10T23:21:00.981" v="162" actId="1076"/>
+          <ac:spMkLst>
+            <pc:docMk/>
+            <pc:sldMk cId="1824756835" sldId="335"/>
+            <ac:spMk id="29" creationId="{00000000-0000-0000-0000-000000000000}"/>
+          </ac:spMkLst>
+        </pc:spChg>
+        <pc:spChg chg="mod">
+          <ac:chgData name="Froduald Kabanza" userId="edf393d0-642b-4b9e-8c75-f62133241689" providerId="ADAL" clId="{3A45F4F6-9196-4B40-BE5E-037D41D71DE7}" dt="2024-01-10T23:21:00.981" v="162" actId="1076"/>
+          <ac:spMkLst>
+            <pc:docMk/>
+            <pc:sldMk cId="1824756835" sldId="335"/>
+            <ac:spMk id="30" creationId="{00000000-0000-0000-0000-000000000000}"/>
+          </ac:spMkLst>
+        </pc:spChg>
+        <pc:spChg chg="mod">
+          <ac:chgData name="Froduald Kabanza" userId="edf393d0-642b-4b9e-8c75-f62133241689" providerId="ADAL" clId="{3A45F4F6-9196-4B40-BE5E-037D41D71DE7}" dt="2024-01-10T23:21:00.981" v="162" actId="1076"/>
+          <ac:spMkLst>
+            <pc:docMk/>
+            <pc:sldMk cId="1824756835" sldId="335"/>
+            <ac:spMk id="31" creationId="{00000000-0000-0000-0000-000000000000}"/>
+          </ac:spMkLst>
+        </pc:spChg>
+        <pc:spChg chg="mod">
+          <ac:chgData name="Froduald Kabanza" userId="edf393d0-642b-4b9e-8c75-f62133241689" providerId="ADAL" clId="{3A45F4F6-9196-4B40-BE5E-037D41D71DE7}" dt="2024-01-10T23:21:00.981" v="162" actId="1076"/>
+          <ac:spMkLst>
+            <pc:docMk/>
+            <pc:sldMk cId="1824756835" sldId="335"/>
+            <ac:spMk id="32" creationId="{00000000-0000-0000-0000-000000000000}"/>
+          </ac:spMkLst>
+        </pc:spChg>
+        <pc:grpChg chg="mod">
+          <ac:chgData name="Froduald Kabanza" userId="edf393d0-642b-4b9e-8c75-f62133241689" providerId="ADAL" clId="{3A45F4F6-9196-4B40-BE5E-037D41D71DE7}" dt="2024-01-10T23:21:00.981" v="162" actId="1076"/>
+          <ac:grpSpMkLst>
+            <pc:docMk/>
+            <pc:sldMk cId="1824756835" sldId="335"/>
+            <ac:grpSpMk id="3" creationId="{00000000-0000-0000-0000-000000000000}"/>
+          </ac:grpSpMkLst>
+        </pc:grpChg>
+        <pc:picChg chg="mod">
+          <ac:chgData name="Froduald Kabanza" userId="edf393d0-642b-4b9e-8c75-f62133241689" providerId="ADAL" clId="{3A45F4F6-9196-4B40-BE5E-037D41D71DE7}" dt="2024-01-10T23:15:09.695" v="77" actId="1076"/>
+          <ac:picMkLst>
+            <pc:docMk/>
+            <pc:sldMk cId="1824756835" sldId="335"/>
+            <ac:picMk id="7" creationId="{00000000-0000-0000-0000-000000000000}"/>
+          </ac:picMkLst>
+        </pc:picChg>
+        <pc:picChg chg="mod">
+          <ac:chgData name="Froduald Kabanza" userId="edf393d0-642b-4b9e-8c75-f62133241689" providerId="ADAL" clId="{3A45F4F6-9196-4B40-BE5E-037D41D71DE7}" dt="2024-01-10T23:16:35.389" v="137" actId="1076"/>
+          <ac:picMkLst>
+            <pc:docMk/>
+            <pc:sldMk cId="1824756835" sldId="335"/>
+            <ac:picMk id="12" creationId="{00000000-0000-0000-0000-000000000000}"/>
+          </ac:picMkLst>
+        </pc:picChg>
+        <pc:picChg chg="mod">
+          <ac:chgData name="Froduald Kabanza" userId="edf393d0-642b-4b9e-8c75-f62133241689" providerId="ADAL" clId="{3A45F4F6-9196-4B40-BE5E-037D41D71DE7}" dt="2024-01-10T23:16:50.740" v="142" actId="1076"/>
+          <ac:picMkLst>
+            <pc:docMk/>
+            <pc:sldMk cId="1824756835" sldId="335"/>
+            <ac:picMk id="15" creationId="{00000000-0000-0000-0000-000000000000}"/>
+          </ac:picMkLst>
+        </pc:picChg>
+        <pc:picChg chg="mod">
+          <ac:chgData name="Froduald Kabanza" userId="edf393d0-642b-4b9e-8c75-f62133241689" providerId="ADAL" clId="{3A45F4F6-9196-4B40-BE5E-037D41D71DE7}" dt="2024-01-10T23:21:25.659" v="163" actId="1076"/>
+          <ac:picMkLst>
+            <pc:docMk/>
+            <pc:sldMk cId="1824756835" sldId="335"/>
+            <ac:picMk id="16" creationId="{00000000-0000-0000-0000-000000000000}"/>
+          </ac:picMkLst>
+        </pc:picChg>
+        <pc:picChg chg="mod">
+          <ac:chgData name="Froduald Kabanza" userId="edf393d0-642b-4b9e-8c75-f62133241689" providerId="ADAL" clId="{3A45F4F6-9196-4B40-BE5E-037D41D71DE7}" dt="2024-01-10T23:15:09.695" v="77" actId="1076"/>
+          <ac:picMkLst>
+            <pc:docMk/>
+            <pc:sldMk cId="1824756835" sldId="335"/>
+            <ac:picMk id="19" creationId="{00000000-0000-0000-0000-000000000000}"/>
+          </ac:picMkLst>
+        </pc:picChg>
+        <pc:picChg chg="mod">
+          <ac:chgData name="Froduald Kabanza" userId="edf393d0-642b-4b9e-8c75-f62133241689" providerId="ADAL" clId="{3A45F4F6-9196-4B40-BE5E-037D41D71DE7}" dt="2024-01-10T23:16:39.769" v="139" actId="1076"/>
+          <ac:picMkLst>
+            <pc:docMk/>
+            <pc:sldMk cId="1824756835" sldId="335"/>
+            <ac:picMk id="20" creationId="{00000000-0000-0000-0000-000000000000}"/>
+          </ac:picMkLst>
+        </pc:picChg>
+        <pc:picChg chg="mod">
+          <ac:chgData name="Froduald Kabanza" userId="edf393d0-642b-4b9e-8c75-f62133241689" providerId="ADAL" clId="{3A45F4F6-9196-4B40-BE5E-037D41D71DE7}" dt="2024-01-10T23:17:13.527" v="160" actId="1076"/>
+          <ac:picMkLst>
+            <pc:docMk/>
+            <pc:sldMk cId="1824756835" sldId="335"/>
+            <ac:picMk id="21" creationId="{00000000-0000-0000-0000-000000000000}"/>
+          </ac:picMkLst>
+        </pc:picChg>
+      </pc:sldChg>
+      <pc:sldChg chg="mod modShow">
+        <pc:chgData name="Froduald Kabanza" userId="edf393d0-642b-4b9e-8c75-f62133241689" providerId="ADAL" clId="{3A45F4F6-9196-4B40-BE5E-037D41D71DE7}" dt="2024-01-10T23:58:50.277" v="356" actId="729"/>
+        <pc:sldMkLst>
+          <pc:docMk/>
+          <pc:sldMk cId="2381963916" sldId="340"/>
+        </pc:sldMkLst>
+      </pc:sldChg>
+      <pc:sldChg chg="modSp mod modShow modNotesTx">
+        <pc:chgData name="Froduald Kabanza" userId="edf393d0-642b-4b9e-8c75-f62133241689" providerId="ADAL" clId="{3A45F4F6-9196-4B40-BE5E-037D41D71DE7}" dt="2024-01-10T23:57:27.708" v="353" actId="729"/>
+        <pc:sldMkLst>
+          <pc:docMk/>
+          <pc:sldMk cId="2969230571" sldId="342"/>
+        </pc:sldMkLst>
+        <pc:picChg chg="mod">
+          <ac:chgData name="Froduald Kabanza" userId="edf393d0-642b-4b9e-8c75-f62133241689" providerId="ADAL" clId="{3A45F4F6-9196-4B40-BE5E-037D41D71DE7}" dt="2024-01-10T23:21:50.740" v="164" actId="1076"/>
+          <ac:picMkLst>
+            <pc:docMk/>
+            <pc:sldMk cId="2969230571" sldId="342"/>
+            <ac:picMk id="21" creationId="{00000000-0000-0000-0000-000000000000}"/>
+          </ac:picMkLst>
+        </pc:picChg>
+      </pc:sldChg>
+      <pc:sldChg chg="modSp mod modShow">
+        <pc:chgData name="Froduald Kabanza" userId="edf393d0-642b-4b9e-8c75-f62133241689" providerId="ADAL" clId="{3A45F4F6-9196-4B40-BE5E-037D41D71DE7}" dt="2024-01-10T23:58:42.808" v="355" actId="729"/>
+        <pc:sldMkLst>
+          <pc:docMk/>
+          <pc:sldMk cId="33821689" sldId="344"/>
+        </pc:sldMkLst>
+        <pc:spChg chg="mod">
+          <ac:chgData name="Froduald Kabanza" userId="edf393d0-642b-4b9e-8c75-f62133241689" providerId="ADAL" clId="{3A45F4F6-9196-4B40-BE5E-037D41D71DE7}" dt="2024-01-10T23:10:53.477" v="3" actId="33524"/>
+          <ac:spMkLst>
+            <pc:docMk/>
+            <pc:sldMk cId="33821689" sldId="344"/>
+            <ac:spMk id="14" creationId="{00000000-0000-0000-0000-000000000000}"/>
+          </ac:spMkLst>
+        </pc:spChg>
+      </pc:sldChg>
+      <pc:sldChg chg="mod modShow">
+        <pc:chgData name="Froduald Kabanza" userId="edf393d0-642b-4b9e-8c75-f62133241689" providerId="ADAL" clId="{3A45F4F6-9196-4B40-BE5E-037D41D71DE7}" dt="2024-01-10T23:57:27.708" v="353" actId="729"/>
+        <pc:sldMkLst>
+          <pc:docMk/>
+          <pc:sldMk cId="2508412678" sldId="349"/>
+        </pc:sldMkLst>
+      </pc:sldChg>
+      <pc:sldChg chg="mod modShow">
+        <pc:chgData name="Froduald Kabanza" userId="edf393d0-642b-4b9e-8c75-f62133241689" providerId="ADAL" clId="{3A45F4F6-9196-4B40-BE5E-037D41D71DE7}" dt="2024-01-10T23:57:27.708" v="353" actId="729"/>
+        <pc:sldMkLst>
+          <pc:docMk/>
+          <pc:sldMk cId="1784342540" sldId="404"/>
+        </pc:sldMkLst>
+      </pc:sldChg>
+      <pc:sldChg chg="mod modShow">
+        <pc:chgData name="Froduald Kabanza" userId="edf393d0-642b-4b9e-8c75-f62133241689" providerId="ADAL" clId="{3A45F4F6-9196-4B40-BE5E-037D41D71DE7}" dt="2024-01-10T23:57:27.708" v="353" actId="729"/>
+        <pc:sldMkLst>
+          <pc:docMk/>
+          <pc:sldMk cId="2428490300" sldId="434"/>
+        </pc:sldMkLst>
+      </pc:sldChg>
+      <pc:sldChg chg="mod modShow">
+        <pc:chgData name="Froduald Kabanza" userId="edf393d0-642b-4b9e-8c75-f62133241689" providerId="ADAL" clId="{3A45F4F6-9196-4B40-BE5E-037D41D71DE7}" dt="2024-01-10T23:58:30.645" v="354" actId="729"/>
+        <pc:sldMkLst>
+          <pc:docMk/>
+          <pc:sldMk cId="4107579451" sldId="438"/>
+        </pc:sldMkLst>
+      </pc:sldChg>
+      <pc:sldChg chg="modSp mod modShow">
+        <pc:chgData name="Froduald Kabanza" userId="edf393d0-642b-4b9e-8c75-f62133241689" providerId="ADAL" clId="{3A45F4F6-9196-4B40-BE5E-037D41D71DE7}" dt="2024-01-10T23:57:27.708" v="353" actId="729"/>
+        <pc:sldMkLst>
+          <pc:docMk/>
+          <pc:sldMk cId="2526814027" sldId="439"/>
+        </pc:sldMkLst>
+        <pc:spChg chg="mod">
+          <ac:chgData name="Froduald Kabanza" userId="edf393d0-642b-4b9e-8c75-f62133241689" providerId="ADAL" clId="{3A45F4F6-9196-4B40-BE5E-037D41D71DE7}" dt="2024-01-10T23:57:16.813" v="351" actId="20577"/>
+          <ac:spMkLst>
+            <pc:docMk/>
+            <pc:sldMk cId="2526814027" sldId="439"/>
+            <ac:spMk id="2" creationId="{00000000-0000-0000-0000-000000000000}"/>
+          </ac:spMkLst>
+        </pc:spChg>
+      </pc:sldChg>
+      <pc:sldChg chg="modSp mod modShow">
+        <pc:chgData name="Froduald Kabanza" userId="edf393d0-642b-4b9e-8c75-f62133241689" providerId="ADAL" clId="{3A45F4F6-9196-4B40-BE5E-037D41D71DE7}" dt="2024-01-10T23:58:30.645" v="354" actId="729"/>
+        <pc:sldMkLst>
+          <pc:docMk/>
+          <pc:sldMk cId="3735234146" sldId="440"/>
+        </pc:sldMkLst>
+        <pc:spChg chg="mod">
+          <ac:chgData name="Froduald Kabanza" userId="edf393d0-642b-4b9e-8c75-f62133241689" providerId="ADAL" clId="{3A45F4F6-9196-4B40-BE5E-037D41D71DE7}" dt="2024-01-10T23:09:34.205" v="2" actId="20577"/>
+          <ac:spMkLst>
+            <pc:docMk/>
+            <pc:sldMk cId="3735234146" sldId="440"/>
+            <ac:spMk id="3" creationId="{00000000-0000-0000-0000-000000000000}"/>
+          </ac:spMkLst>
+        </pc:spChg>
+      </pc:sldChg>
+      <pc:sldChg chg="mod modShow">
+        <pc:chgData name="Froduald Kabanza" userId="edf393d0-642b-4b9e-8c75-f62133241689" providerId="ADAL" clId="{3A45F4F6-9196-4B40-BE5E-037D41D71DE7}" dt="2024-01-10T23:57:27.708" v="353" actId="729"/>
+        <pc:sldMkLst>
+          <pc:docMk/>
+          <pc:sldMk cId="2285799096" sldId="448"/>
+        </pc:sldMkLst>
+      </pc:sldChg>
+      <pc:sldChg chg="mod modShow">
+        <pc:chgData name="Froduald Kabanza" userId="edf393d0-642b-4b9e-8c75-f62133241689" providerId="ADAL" clId="{3A45F4F6-9196-4B40-BE5E-037D41D71DE7}" dt="2024-01-10T23:57:27.708" v="353" actId="729"/>
+        <pc:sldMkLst>
+          <pc:docMk/>
+          <pc:sldMk cId="3128973846" sldId="449"/>
+        </pc:sldMkLst>
+      </pc:sldChg>
+      <pc:sldChg chg="mod modShow">
+        <pc:chgData name="Froduald Kabanza" userId="edf393d0-642b-4b9e-8c75-f62133241689" providerId="ADAL" clId="{3A45F4F6-9196-4B40-BE5E-037D41D71DE7}" dt="2024-01-10T23:57:27.708" v="353" actId="729"/>
+        <pc:sldMkLst>
+          <pc:docMk/>
+          <pc:sldMk cId="2415921121" sldId="450"/>
+        </pc:sldMkLst>
+      </pc:sldChg>
+      <pc:sldChg chg="mod modShow">
+        <pc:chgData name="Froduald Kabanza" userId="edf393d0-642b-4b9e-8c75-f62133241689" providerId="ADAL" clId="{3A45F4F6-9196-4B40-BE5E-037D41D71DE7}" dt="2024-01-10T23:57:27.708" v="353" actId="729"/>
+        <pc:sldMkLst>
+          <pc:docMk/>
+          <pc:sldMk cId="289569629" sldId="451"/>
+        </pc:sldMkLst>
+      </pc:sldChg>
+      <pc:sldChg chg="mod modShow">
+        <pc:chgData name="Froduald Kabanza" userId="edf393d0-642b-4b9e-8c75-f62133241689" providerId="ADAL" clId="{3A45F4F6-9196-4B40-BE5E-037D41D71DE7}" dt="2024-01-10T23:57:27.708" v="353" actId="729"/>
+        <pc:sldMkLst>
+          <pc:docMk/>
+          <pc:sldMk cId="484085780" sldId="452"/>
+        </pc:sldMkLst>
+      </pc:sldChg>
+      <pc:sldChg chg="mod ord modShow">
+        <pc:chgData name="Froduald Kabanza" userId="edf393d0-642b-4b9e-8c75-f62133241689" providerId="ADAL" clId="{3A45F4F6-9196-4B40-BE5E-037D41D71DE7}" dt="2024-01-10T23:57:27.708" v="353" actId="729"/>
+        <pc:sldMkLst>
+          <pc:docMk/>
+          <pc:sldMk cId="1548884957" sldId="454"/>
+        </pc:sldMkLst>
+      </pc:sldChg>
+      <pc:sldChg chg="mod modShow">
+        <pc:chgData name="Froduald Kabanza" userId="edf393d0-642b-4b9e-8c75-f62133241689" providerId="ADAL" clId="{3A45F4F6-9196-4B40-BE5E-037D41D71DE7}" dt="2024-01-10T23:57:27.708" v="353" actId="729"/>
+        <pc:sldMkLst>
+          <pc:docMk/>
+          <pc:sldMk cId="1067939651" sldId="455"/>
+        </pc:sldMkLst>
+      </pc:sldChg>
+      <pc:sldChg chg="mod modShow">
+        <pc:chgData name="Froduald Kabanza" userId="edf393d0-642b-4b9e-8c75-f62133241689" providerId="ADAL" clId="{3A45F4F6-9196-4B40-BE5E-037D41D71DE7}" dt="2024-01-10T23:57:27.708" v="353" actId="729"/>
+        <pc:sldMkLst>
+          <pc:docMk/>
+          <pc:sldMk cId="1576209210" sldId="456"/>
+        </pc:sldMkLst>
+      </pc:sldChg>
+      <pc:sldChg chg="mod modShow">
+        <pc:chgData name="Froduald Kabanza" userId="edf393d0-642b-4b9e-8c75-f62133241689" providerId="ADAL" clId="{3A45F4F6-9196-4B40-BE5E-037D41D71DE7}" dt="2024-01-10T23:57:27.708" v="353" actId="729"/>
+        <pc:sldMkLst>
+          <pc:docMk/>
+          <pc:sldMk cId="1482272059" sldId="457"/>
+        </pc:sldMkLst>
+      </pc:sldChg>
+      <pc:sldChg chg="mod ord modShow">
+        <pc:chgData name="Froduald Kabanza" userId="edf393d0-642b-4b9e-8c75-f62133241689" providerId="ADAL" clId="{3A45F4F6-9196-4B40-BE5E-037D41D71DE7}" dt="2024-01-10T23:57:27.708" v="353" actId="729"/>
+        <pc:sldMkLst>
+          <pc:docMk/>
+          <pc:sldMk cId="2206116280" sldId="458"/>
+        </pc:sldMkLst>
+      </pc:sldChg>
+      <pc:sldChg chg="mod modShow">
+        <pc:chgData name="Froduald Kabanza" userId="edf393d0-642b-4b9e-8c75-f62133241689" providerId="ADAL" clId="{3A45F4F6-9196-4B40-BE5E-037D41D71DE7}" dt="2024-01-10T23:59:02.056" v="357" actId="729"/>
+        <pc:sldMkLst>
+          <pc:docMk/>
+          <pc:sldMk cId="410796776" sldId="459"/>
+        </pc:sldMkLst>
+      </pc:sldChg>
+      <pc:sldChg chg="modSp mod modShow">
+        <pc:chgData name="Froduald Kabanza" userId="edf393d0-642b-4b9e-8c75-f62133241689" providerId="ADAL" clId="{3A45F4F6-9196-4B40-BE5E-037D41D71DE7}" dt="2024-01-10T23:59:02.056" v="357" actId="729"/>
+        <pc:sldMkLst>
+          <pc:docMk/>
+          <pc:sldMk cId="594361505" sldId="460"/>
+        </pc:sldMkLst>
+        <pc:spChg chg="mod">
+          <ac:chgData name="Froduald Kabanza" userId="edf393d0-642b-4b9e-8c75-f62133241689" providerId="ADAL" clId="{3A45F4F6-9196-4B40-BE5E-037D41D71DE7}" dt="2024-01-10T23:28:58.966" v="170" actId="12"/>
+          <ac:spMkLst>
+            <pc:docMk/>
+            <pc:sldMk cId="594361505" sldId="460"/>
+            <ac:spMk id="18" creationId="{00000000-0000-0000-0000-000000000000}"/>
+          </ac:spMkLst>
+        </pc:spChg>
+      </pc:sldChg>
+      <pc:sldChg chg="modSp mod modShow">
+        <pc:chgData name="Froduald Kabanza" userId="edf393d0-642b-4b9e-8c75-f62133241689" providerId="ADAL" clId="{3A45F4F6-9196-4B40-BE5E-037D41D71DE7}" dt="2024-01-10T23:59:02.056" v="357" actId="729"/>
+        <pc:sldMkLst>
+          <pc:docMk/>
+          <pc:sldMk cId="1497002319" sldId="461"/>
+        </pc:sldMkLst>
+        <pc:spChg chg="mod">
+          <ac:chgData name="Froduald Kabanza" userId="edf393d0-642b-4b9e-8c75-f62133241689" providerId="ADAL" clId="{3A45F4F6-9196-4B40-BE5E-037D41D71DE7}" dt="2024-01-10T23:30:37.386" v="235" actId="20577"/>
+          <ac:spMkLst>
+            <pc:docMk/>
+            <pc:sldMk cId="1497002319" sldId="461"/>
+            <ac:spMk id="9" creationId="{00000000-0000-0000-0000-000000000000}"/>
+          </ac:spMkLst>
+        </pc:spChg>
+      </pc:sldChg>
+      <pc:sldChg chg="addSp delSp modSp add mod modShow">
+        <pc:chgData name="Froduald Kabanza" userId="edf393d0-642b-4b9e-8c75-f62133241689" providerId="ADAL" clId="{3A45F4F6-9196-4B40-BE5E-037D41D71DE7}" dt="2024-01-10T23:57:27.708" v="353" actId="729"/>
+        <pc:sldMkLst>
+          <pc:docMk/>
+          <pc:sldMk cId="2343792075" sldId="462"/>
+        </pc:sldMkLst>
+        <pc:spChg chg="mod">
+          <ac:chgData name="Froduald Kabanza" userId="edf393d0-642b-4b9e-8c75-f62133241689" providerId="ADAL" clId="{3A45F4F6-9196-4B40-BE5E-037D41D71DE7}" dt="2024-01-10T23:57:13.405" v="349" actId="20577"/>
+          <ac:spMkLst>
+            <pc:docMk/>
+            <pc:sldMk cId="2343792075" sldId="462"/>
+            <ac:spMk id="2" creationId="{00000000-0000-0000-0000-000000000000}"/>
+          </ac:spMkLst>
+        </pc:spChg>
+        <pc:spChg chg="add mod">
+          <ac:chgData name="Froduald Kabanza" userId="edf393d0-642b-4b9e-8c75-f62133241689" providerId="ADAL" clId="{3A45F4F6-9196-4B40-BE5E-037D41D71DE7}" dt="2024-01-10T23:56:32.060" v="333" actId="20577"/>
+          <ac:spMkLst>
+            <pc:docMk/>
+            <pc:sldMk cId="2343792075" sldId="462"/>
+            <ac:spMk id="3" creationId="{8B0BEFD6-8581-E761-5591-E7FAF0A1D454}"/>
+          </ac:spMkLst>
+        </pc:spChg>
+        <pc:spChg chg="del">
+          <ac:chgData name="Froduald Kabanza" userId="edf393d0-642b-4b9e-8c75-f62133241689" providerId="ADAL" clId="{3A45F4F6-9196-4B40-BE5E-037D41D71DE7}" dt="2024-01-10T23:55:47.018" v="320" actId="478"/>
+          <ac:spMkLst>
+            <pc:docMk/>
+            <pc:sldMk cId="2343792075" sldId="462"/>
+            <ac:spMk id="7" creationId="{00000000-0000-0000-0000-000000000000}"/>
+          </ac:spMkLst>
+        </pc:spChg>
+        <pc:spChg chg="add mod">
+          <ac:chgData name="Froduald Kabanza" userId="edf393d0-642b-4b9e-8c75-f62133241689" providerId="ADAL" clId="{3A45F4F6-9196-4B40-BE5E-037D41D71DE7}" dt="2024-01-10T23:56:17.450" v="321"/>
+          <ac:spMkLst>
+            <pc:docMk/>
+            <pc:sldMk cId="2343792075" sldId="462"/>
+            <ac:spMk id="9" creationId="{218FDAFC-F4C9-F05C-6EC3-551F2D8A447E}"/>
+          </ac:spMkLst>
+        </pc:spChg>
+        <pc:spChg chg="add mod">
+          <ac:chgData name="Froduald Kabanza" userId="edf393d0-642b-4b9e-8c75-f62133241689" providerId="ADAL" clId="{3A45F4F6-9196-4B40-BE5E-037D41D71DE7}" dt="2024-01-10T23:56:17.450" v="321"/>
+          <ac:spMkLst>
+            <pc:docMk/>
+            <pc:sldMk cId="2343792075" sldId="462"/>
+            <ac:spMk id="10" creationId="{F7CC0943-A5CF-BADB-7A56-BDBF9DD2BDC4}"/>
+          </ac:spMkLst>
+        </pc:spChg>
+        <pc:spChg chg="add mod">
+          <ac:chgData name="Froduald Kabanza" userId="edf393d0-642b-4b9e-8c75-f62133241689" providerId="ADAL" clId="{3A45F4F6-9196-4B40-BE5E-037D41D71DE7}" dt="2024-01-10T23:56:17.450" v="321"/>
+          <ac:spMkLst>
+            <pc:docMk/>
+            <pc:sldMk cId="2343792075" sldId="462"/>
+            <ac:spMk id="11" creationId="{32D55CFC-4C86-6818-05E3-AAB429AA150A}"/>
+          </ac:spMkLst>
+        </pc:spChg>
+        <pc:spChg chg="add mod">
+          <ac:chgData name="Froduald Kabanza" userId="edf393d0-642b-4b9e-8c75-f62133241689" providerId="ADAL" clId="{3A45F4F6-9196-4B40-BE5E-037D41D71DE7}" dt="2024-01-10T23:56:17.450" v="321"/>
+          <ac:spMkLst>
+            <pc:docMk/>
+            <pc:sldMk cId="2343792075" sldId="462"/>
+            <ac:spMk id="12" creationId="{39326534-F365-7847-AE61-B9A73DAE4F86}"/>
+          </ac:spMkLst>
+        </pc:spChg>
+        <pc:spChg chg="add mod">
+          <ac:chgData name="Froduald Kabanza" userId="edf393d0-642b-4b9e-8c75-f62133241689" providerId="ADAL" clId="{3A45F4F6-9196-4B40-BE5E-037D41D71DE7}" dt="2024-01-10T23:56:17.450" v="321"/>
+          <ac:spMkLst>
+            <pc:docMk/>
+            <pc:sldMk cId="2343792075" sldId="462"/>
+            <ac:spMk id="13" creationId="{C7A2AE9C-D954-E9A9-54EB-965C9DED13EA}"/>
+          </ac:spMkLst>
+        </pc:spChg>
+        <pc:picChg chg="add mod">
+          <ac:chgData name="Froduald Kabanza" userId="edf393d0-642b-4b9e-8c75-f62133241689" providerId="ADAL" clId="{3A45F4F6-9196-4B40-BE5E-037D41D71DE7}" dt="2024-01-10T23:56:17.450" v="321"/>
+          <ac:picMkLst>
+            <pc:docMk/>
+            <pc:sldMk cId="2343792075" sldId="462"/>
+            <ac:picMk id="8" creationId="{41A43DA9-4C45-6D14-D715-275A031551EB}"/>
+          </ac:picMkLst>
+        </pc:picChg>
+        <pc:picChg chg="del">
+          <ac:chgData name="Froduald Kabanza" userId="edf393d0-642b-4b9e-8c75-f62133241689" providerId="ADAL" clId="{3A45F4F6-9196-4B40-BE5E-037D41D71DE7}" dt="2024-01-10T23:55:47.018" v="320" actId="478"/>
+          <ac:picMkLst>
+            <pc:docMk/>
+            <pc:sldMk cId="2343792075" sldId="462"/>
+            <ac:picMk id="3074" creationId="{00000000-0000-0000-0000-000000000000}"/>
+          </ac:picMkLst>
+        </pc:picChg>
+      </pc:sldChg>
+    </pc:docChg>
+  </pc:docChgLst>
+  <pc:docChgLst>
+    <pc:chgData name="Froduald Kabanza" userId="edf393d0-642b-4b9e-8c75-f62133241689" providerId="ADAL" clId="{DCD23D3B-BB02-4CC8-A2A0-8B399731522C}"/>
+    <pc:docChg chg="undo custSel addSld delSld modSld addSection delSection modSection">
+      <pc:chgData name="Froduald Kabanza" userId="edf393d0-642b-4b9e-8c75-f62133241689" providerId="ADAL" clId="{DCD23D3B-BB02-4CC8-A2A0-8B399731522C}" dt="2023-01-05T18:01:15.151" v="20" actId="20577"/>
+      <pc:docMkLst>
+        <pc:docMk/>
+      </pc:docMkLst>
+      <pc:sldChg chg="modSp mod">
+        <pc:chgData name="Froduald Kabanza" userId="edf393d0-642b-4b9e-8c75-f62133241689" providerId="ADAL" clId="{DCD23D3B-BB02-4CC8-A2A0-8B399731522C}" dt="2023-01-05T18:01:15.151" v="20" actId="20577"/>
+        <pc:sldMkLst>
+          <pc:docMk/>
+          <pc:sldMk cId="154423500" sldId="332"/>
+        </pc:sldMkLst>
+        <pc:spChg chg="mod">
+          <ac:chgData name="Froduald Kabanza" userId="edf393d0-642b-4b9e-8c75-f62133241689" providerId="ADAL" clId="{DCD23D3B-BB02-4CC8-A2A0-8B399731522C}" dt="2023-01-05T18:01:02.633" v="18" actId="20577"/>
+          <ac:spMkLst>
+            <pc:docMk/>
+            <pc:sldMk cId="154423500" sldId="332"/>
+            <ac:spMk id="6" creationId="{50B0FB34-D872-45C2-9416-85ECF442F569}"/>
+          </ac:spMkLst>
+        </pc:spChg>
+        <pc:spChg chg="mod">
+          <ac:chgData name="Froduald Kabanza" userId="edf393d0-642b-4b9e-8c75-f62133241689" providerId="ADAL" clId="{DCD23D3B-BB02-4CC8-A2A0-8B399731522C}" dt="2023-01-05T18:01:15.151" v="20" actId="20577"/>
+          <ac:spMkLst>
+            <pc:docMk/>
+            <pc:sldMk cId="154423500" sldId="332"/>
+            <ac:spMk id="7" creationId="{9D9D7E22-6E14-4E34-957C-A91469454C2C}"/>
+          </ac:spMkLst>
+        </pc:spChg>
+      </pc:sldChg>
+      <pc:sldChg chg="mod modShow">
+        <pc:chgData name="Froduald Kabanza" userId="edf393d0-642b-4b9e-8c75-f62133241689" providerId="ADAL" clId="{DCD23D3B-BB02-4CC8-A2A0-8B399731522C}" dt="2023-01-05T06:49:49.065" v="1" actId="729"/>
+        <pc:sldMkLst>
+          <pc:docMk/>
+          <pc:sldMk cId="1824756835" sldId="335"/>
+        </pc:sldMkLst>
+      </pc:sldChg>
+      <pc:sldChg chg="del">
+        <pc:chgData name="Froduald Kabanza" userId="edf393d0-642b-4b9e-8c75-f62133241689" providerId="ADAL" clId="{DCD23D3B-BB02-4CC8-A2A0-8B399731522C}" dt="2023-01-05T06:51:02.060" v="2" actId="2696"/>
+        <pc:sldMkLst>
+          <pc:docMk/>
+          <pc:sldMk cId="3688654529" sldId="441"/>
+        </pc:sldMkLst>
+      </pc:sldChg>
+      <pc:sldChg chg="addSp modSp mod">
+        <pc:chgData name="Froduald Kabanza" userId="edf393d0-642b-4b9e-8c75-f62133241689" providerId="ADAL" clId="{DCD23D3B-BB02-4CC8-A2A0-8B399731522C}" dt="2023-01-05T06:53:50.903" v="16"/>
+        <pc:sldMkLst>
+          <pc:docMk/>
+          <pc:sldMk cId="1576209210" sldId="456"/>
+        </pc:sldMkLst>
+        <pc:graphicFrameChg chg="add mod modGraphic">
+          <ac:chgData name="Froduald Kabanza" userId="edf393d0-642b-4b9e-8c75-f62133241689" providerId="ADAL" clId="{DCD23D3B-BB02-4CC8-A2A0-8B399731522C}" dt="2023-01-05T06:53:33.951" v="12"/>
+          <ac:graphicFrameMkLst>
+            <pc:docMk/>
+            <pc:sldMk cId="1576209210" sldId="456"/>
+            <ac:graphicFrameMk id="10" creationId="{D591637A-1081-629B-C4D9-547D34C5C745}"/>
+          </ac:graphicFrameMkLst>
+        </pc:graphicFrameChg>
+        <pc:graphicFrameChg chg="add mod modGraphic">
+          <ac:chgData name="Froduald Kabanza" userId="edf393d0-642b-4b9e-8c75-f62133241689" providerId="ADAL" clId="{DCD23D3B-BB02-4CC8-A2A0-8B399731522C}" dt="2023-01-05T06:53:50.903" v="16"/>
+          <ac:graphicFrameMkLst>
+            <pc:docMk/>
+            <pc:sldMk cId="1576209210" sldId="456"/>
+            <ac:graphicFrameMk id="12" creationId="{11035484-3203-0D1F-1A83-763B41DDF675}"/>
+          </ac:graphicFrameMkLst>
+        </pc:graphicFrameChg>
+      </pc:sldChg>
+      <pc:sldChg chg="addSp delSp modSp new del mod">
+        <pc:chgData name="Froduald Kabanza" userId="edf393d0-642b-4b9e-8c75-f62133241689" providerId="ADAL" clId="{DCD23D3B-BB02-4CC8-A2A0-8B399731522C}" dt="2023-01-05T06:52:46.275" v="4" actId="27022"/>
+        <pc:sldMkLst>
+          <pc:docMk/>
+          <pc:sldMk cId="3783901869" sldId="462"/>
+        </pc:sldMkLst>
+        <pc:graphicFrameChg chg="add del modGraphic">
+          <ac:chgData name="Froduald Kabanza" userId="edf393d0-642b-4b9e-8c75-f62133241689" providerId="ADAL" clId="{DCD23D3B-BB02-4CC8-A2A0-8B399731522C}" dt="2023-01-05T06:52:46.275" v="4" actId="27022"/>
+          <ac:graphicFrameMkLst>
+            <pc:docMk/>
+            <pc:sldMk cId="3783901869" sldId="462"/>
+            <ac:graphicFrameMk id="8" creationId="{9CA9F5F4-E5C0-A22E-D1AC-3E9526229466}"/>
+          </ac:graphicFrameMkLst>
+        </pc:graphicFrameChg>
+      </pc:sldChg>
+    </pc:docChg>
+  </pc:docChgLst>
+  <pc:docChgLst>
+    <pc:chgData name="Froduald Kabanza" userId="edf393d0-642b-4b9e-8c75-f62133241689" providerId="ADAL" clId="{17A44A23-842A-45CD-96B7-638D3AE29590}"/>
+    <pc:docChg chg="custSel modSld">
+      <pc:chgData name="Froduald Kabanza" userId="edf393d0-642b-4b9e-8c75-f62133241689" providerId="ADAL" clId="{17A44A23-842A-45CD-96B7-638D3AE29590}" dt="2022-01-06T12:57:21.445" v="31" actId="5793"/>
+      <pc:docMkLst>
+        <pc:docMk/>
+      </pc:docMkLst>
+      <pc:sldChg chg="modSp mod">
+        <pc:chgData name="Froduald Kabanza" userId="edf393d0-642b-4b9e-8c75-f62133241689" providerId="ADAL" clId="{17A44A23-842A-45CD-96B7-638D3AE29590}" dt="2022-01-06T12:57:21.445" v="31" actId="5793"/>
+        <pc:sldMkLst>
+          <pc:docMk/>
+          <pc:sldMk cId="2174123187" sldId="333"/>
+        </pc:sldMkLst>
+        <pc:spChg chg="mod">
+          <ac:chgData name="Froduald Kabanza" userId="edf393d0-642b-4b9e-8c75-f62133241689" providerId="ADAL" clId="{17A44A23-842A-45CD-96B7-638D3AE29590}" dt="2022-01-06T12:57:21.445" v="31" actId="5793"/>
+          <ac:spMkLst>
+            <pc:docMk/>
+            <pc:sldMk cId="2174123187" sldId="333"/>
+            <ac:spMk id="3" creationId="{00000000-0000-0000-0000-000000000000}"/>
+          </ac:spMkLst>
+        </pc:spChg>
+      </pc:sldChg>
+    </pc:docChg>
+  </pc:docChgLst>
 </pc:chgInfo>
 </file>
 
@@ -2438,7 +2981,7 @@
           <a:p>
             <a:fld id="{418B900B-4E04-444A-912F-CE20CE57486D}" type="datetimeFigureOut">
               <a:rPr lang="fr-CA" smtClean="0"/>
-              <a:t>2023-05-01</a:t>
+              <a:t>2024-01-10</a:t>
             </a:fld>
             <a:endParaRPr lang="fr-CA"/>
           </a:p>
@@ -3361,7 +3904,7 @@
           <a:p>
             <a:fld id="{244EA38E-80BD-3344-8C29-F9C1736B78D2}" type="datetimeFigureOut">
               <a:rPr lang="fr-CA" smtClean="0"/>
-              <a:t>2023-05-01</a:t>
+              <a:t>2024-01-10</a:t>
             </a:fld>
             <a:endParaRPr lang="fr-CA"/>
           </a:p>
@@ -3694,7 +4237,7 @@
               </a14:hiddenLine>
             </a:ext>
             <a:ext uri="{FAA26D3D-D897-4be2-8F04-BA451C77F1D7}">
-              <ma14:placeholderFlag xmlns="" xmlns:ma14="http://schemas.microsoft.com/office/mac/drawingml/2011/main" val="1"/>
+              <ma14:placeholderFlag xmlns:ma14="http://schemas.microsoft.com/office/mac/drawingml/2011/main" xmlns="" val="1"/>
             </a:ext>
           </a:extLst>
         </p:spPr>
@@ -3765,111 +4308,7 @@
           <a:p>
             <a:r>
               <a:rPr lang="en-CA" dirty="0"/>
-              <a:t>Note :  </a:t>
-            </a:r>
-            <a:r>
-              <a:rPr lang="en-CA" dirty="0" err="1"/>
-              <a:t>chacun</a:t>
-            </a:r>
-            <a:r>
-              <a:rPr lang="en-CA" dirty="0"/>
-              <a:t> des </a:t>
-            </a:r>
-            <a:r>
-              <a:rPr lang="en-CA" dirty="0" err="1"/>
-              <a:t>x_i</a:t>
-            </a:r>
-            <a:r>
-              <a:rPr lang="en-CA" dirty="0"/>
-              <a:t>, </a:t>
-            </a:r>
-            <a:r>
-              <a:rPr lang="en-CA" dirty="0" err="1"/>
-              <a:t>y_i</a:t>
-            </a:r>
-            <a:r>
-              <a:rPr lang="en-CA" dirty="0"/>
-              <a:t> </a:t>
-            </a:r>
-            <a:r>
-              <a:rPr lang="en-CA" dirty="0" err="1"/>
-              <a:t>peut</a:t>
-            </a:r>
-            <a:r>
-              <a:rPr lang="en-CA" dirty="0"/>
-              <a:t> </a:t>
-            </a:r>
-            <a:r>
-              <a:rPr lang="en-CA" dirty="0" err="1"/>
-              <a:t>être</a:t>
-            </a:r>
-            <a:r>
-              <a:rPr lang="en-CA" dirty="0"/>
-              <a:t> un </a:t>
-            </a:r>
-            <a:r>
-              <a:rPr lang="en-CA" b="1" i="1" u="sng" dirty="0" err="1"/>
-              <a:t>vecteur</a:t>
-            </a:r>
-            <a:r>
-              <a:rPr lang="en-CA" dirty="0"/>
-              <a:t>. </a:t>
-            </a:r>
-            <a:r>
-              <a:rPr lang="en-CA" dirty="0" err="1"/>
-              <a:t>Dans</a:t>
-            </a:r>
-            <a:r>
-              <a:rPr lang="en-CA" dirty="0"/>
-              <a:t> </a:t>
-            </a:r>
-            <a:r>
-              <a:rPr lang="en-CA" dirty="0" err="1"/>
-              <a:t>ce</a:t>
-            </a:r>
-            <a:r>
-              <a:rPr lang="en-CA" dirty="0"/>
-              <a:t> </a:t>
-            </a:r>
-            <a:r>
-              <a:rPr lang="en-CA" dirty="0" err="1"/>
-              <a:t>cas</a:t>
-            </a:r>
-            <a:r>
-              <a:rPr lang="en-CA" dirty="0"/>
-              <a:t>, on</a:t>
-            </a:r>
-            <a:r>
-              <a:rPr lang="en-CA" baseline="0" dirty="0"/>
-              <a:t> </a:t>
-            </a:r>
-            <a:r>
-              <a:rPr lang="en-CA" baseline="0" dirty="0" err="1"/>
-              <a:t>notera</a:t>
-            </a:r>
-            <a:r>
-              <a:rPr lang="en-CA" baseline="0" dirty="0"/>
-              <a:t> </a:t>
-            </a:r>
-            <a:r>
-              <a:rPr lang="en-CA" baseline="0" dirty="0" err="1"/>
-              <a:t>x_i,j</a:t>
-            </a:r>
-            <a:r>
-              <a:rPr lang="en-CA" baseline="0" dirty="0"/>
-              <a:t> le j </a:t>
-            </a:r>
-            <a:r>
-              <a:rPr lang="en-CA" baseline="0" dirty="0" err="1"/>
-              <a:t>eme</a:t>
-            </a:r>
-            <a:r>
-              <a:rPr lang="en-CA" baseline="0" dirty="0"/>
-              <a:t> </a:t>
-            </a:r>
-            <a:r>
-              <a:rPr lang="en-CA" baseline="0" dirty="0" err="1"/>
-              <a:t>élément</a:t>
+              <a:t>Section 8.1</a:t>
             </a:r>
             <a:r>
               <a:rPr lang="en-CA" baseline="0" dirty="0"/>
@@ -3877,591 +4316,8 @@
             </a:r>
             <a:r>
               <a:rPr lang="en-CA" baseline="0" dirty="0" err="1"/>
-              <a:t>vecteur</a:t>
-            </a:r>
-            <a:r>
-              <a:rPr lang="en-CA" baseline="0" dirty="0"/>
-              <a:t>. Idem pour </a:t>
-            </a:r>
-            <a:r>
-              <a:rPr lang="en-CA" baseline="0" dirty="0" err="1"/>
-              <a:t>y_i,j</a:t>
-            </a:r>
-            <a:r>
-              <a:rPr lang="en-CA" baseline="0" dirty="0"/>
-              <a:t>.</a:t>
-            </a:r>
-          </a:p>
-          <a:p>
-            <a:endParaRPr lang="en-CA" baseline="0" dirty="0"/>
-          </a:p>
-          <a:p>
-            <a:pPr defTabSz="483306">
-              <a:defRPr/>
-            </a:pPr>
-            <a:r>
-              <a:rPr lang="en-CA" i="1" baseline="0" dirty="0"/>
-              <a:t>f  </a:t>
-            </a:r>
-            <a:r>
-              <a:rPr lang="en-CA" baseline="0" dirty="0" err="1"/>
-              <a:t>n’est</a:t>
-            </a:r>
-            <a:r>
-              <a:rPr lang="en-CA" baseline="0" dirty="0"/>
-              <a:t> pas </a:t>
-            </a:r>
-            <a:r>
-              <a:rPr lang="en-CA" baseline="0" dirty="0" err="1"/>
-              <a:t>généralement</a:t>
-            </a:r>
-            <a:r>
-              <a:rPr lang="en-CA" baseline="0" dirty="0"/>
-              <a:t> </a:t>
-            </a:r>
-            <a:r>
-              <a:rPr lang="en-CA" baseline="0" dirty="0" err="1"/>
-              <a:t>connu</a:t>
-            </a:r>
-            <a:r>
-              <a:rPr lang="en-CA" baseline="0" dirty="0"/>
-              <a:t>. On en </a:t>
-            </a:r>
-            <a:r>
-              <a:rPr lang="en-CA" baseline="0" dirty="0" err="1"/>
-              <a:t>connait</a:t>
-            </a:r>
-            <a:r>
-              <a:rPr lang="en-CA" baseline="0" dirty="0"/>
-              <a:t> </a:t>
-            </a:r>
-            <a:r>
-              <a:rPr lang="en-CA" baseline="0" dirty="0" err="1"/>
-              <a:t>une</a:t>
-            </a:r>
-            <a:r>
-              <a:rPr lang="en-CA" baseline="0" dirty="0"/>
-              <a:t> </a:t>
-            </a:r>
-            <a:r>
-              <a:rPr lang="en-CA" baseline="0" dirty="0" err="1"/>
-              <a:t>partie</a:t>
-            </a:r>
-            <a:r>
-              <a:rPr lang="en-CA" baseline="0" dirty="0"/>
-              <a:t> </a:t>
-            </a:r>
-            <a:r>
-              <a:rPr lang="en-CA" baseline="0" dirty="0" err="1"/>
-              <a:t>permettant</a:t>
-            </a:r>
-            <a:r>
-              <a:rPr lang="en-CA" baseline="0" dirty="0"/>
-              <a:t> de </a:t>
-            </a:r>
-            <a:r>
-              <a:rPr lang="en-CA" baseline="0" dirty="0" err="1"/>
-              <a:t>produire</a:t>
-            </a:r>
-            <a:r>
-              <a:rPr lang="en-CA" baseline="0" dirty="0"/>
-              <a:t> les </a:t>
-            </a:r>
-            <a:r>
-              <a:rPr lang="en-CA" baseline="0" dirty="0" err="1"/>
-              <a:t>exemples</a:t>
-            </a:r>
-            <a:r>
-              <a:rPr lang="en-CA" baseline="0" dirty="0"/>
-              <a:t> </a:t>
-            </a:r>
-            <a:r>
-              <a:rPr lang="en-CA" baseline="0" dirty="0" err="1"/>
-              <a:t>d’apprentissage</a:t>
-            </a:r>
-            <a:r>
-              <a:rPr lang="en-CA" baseline="0" dirty="0"/>
-              <a:t> et les </a:t>
-            </a:r>
-            <a:r>
-              <a:rPr lang="en-CA" baseline="0" dirty="0" err="1"/>
-              <a:t>exemples</a:t>
-            </a:r>
-            <a:r>
-              <a:rPr lang="en-CA" baseline="0" dirty="0"/>
-              <a:t> de test.</a:t>
-            </a:r>
-          </a:p>
-          <a:p>
-            <a:endParaRPr lang="en-CA" baseline="0" dirty="0"/>
-          </a:p>
-          <a:p>
-            <a:r>
-              <a:rPr lang="en-CA" baseline="0" dirty="0" err="1"/>
-              <a:t>Lorsque</a:t>
-            </a:r>
-            <a:r>
-              <a:rPr lang="en-CA" baseline="0" dirty="0"/>
-              <a:t> </a:t>
-            </a:r>
-            <a:r>
-              <a:rPr lang="en-CA" baseline="0" dirty="0" err="1"/>
-              <a:t>l’ensemble</a:t>
-            </a:r>
-            <a:r>
-              <a:rPr lang="en-CA" baseline="0" dirty="0"/>
-              <a:t> des </a:t>
-            </a:r>
-            <a:r>
-              <a:rPr lang="en-CA" baseline="0" dirty="0" err="1"/>
-              <a:t>valeurs</a:t>
-            </a:r>
-            <a:r>
-              <a:rPr lang="en-CA" baseline="0" dirty="0"/>
-              <a:t> des sorties </a:t>
-            </a:r>
-            <a:r>
-              <a:rPr lang="en-CA" baseline="0" dirty="0" err="1"/>
-              <a:t>est</a:t>
-            </a:r>
-            <a:r>
-              <a:rPr lang="en-CA" baseline="0" dirty="0"/>
-              <a:t> un ensemble </a:t>
-            </a:r>
-            <a:r>
-              <a:rPr lang="en-CA" baseline="0" dirty="0" err="1"/>
-              <a:t>fini</a:t>
-            </a:r>
-            <a:r>
-              <a:rPr lang="en-CA" baseline="0" dirty="0"/>
-              <a:t>, on </a:t>
-            </a:r>
-            <a:r>
-              <a:rPr lang="en-CA" baseline="0" dirty="0" err="1"/>
-              <a:t>parle</a:t>
-            </a:r>
-            <a:r>
-              <a:rPr lang="en-CA" baseline="0" dirty="0"/>
-              <a:t> de </a:t>
-            </a:r>
-            <a:r>
-              <a:rPr lang="en-CA" baseline="0" dirty="0" err="1"/>
-              <a:t>problème</a:t>
-            </a:r>
-            <a:r>
-              <a:rPr lang="en-CA" baseline="0" dirty="0"/>
-              <a:t> de </a:t>
-            </a:r>
-            <a:r>
-              <a:rPr lang="en-CA" b="1" i="1" u="sng" baseline="0" dirty="0"/>
-              <a:t>classification</a:t>
-            </a:r>
-            <a:r>
-              <a:rPr lang="en-CA" baseline="0" dirty="0"/>
-              <a:t>.  Par </a:t>
-            </a:r>
-            <a:r>
-              <a:rPr lang="en-CA" baseline="0" dirty="0" err="1"/>
-              <a:t>exemple</a:t>
-            </a:r>
-            <a:r>
-              <a:rPr lang="en-CA" baseline="0" dirty="0"/>
-              <a:t>, les </a:t>
-            </a:r>
-            <a:r>
-              <a:rPr lang="en-CA" baseline="0" dirty="0" err="1"/>
-              <a:t>différentes</a:t>
-            </a:r>
-            <a:r>
-              <a:rPr lang="en-CA" baseline="0" dirty="0"/>
-              <a:t> classes pour </a:t>
-            </a:r>
-            <a:r>
-              <a:rPr lang="en-CA" baseline="0" dirty="0" err="1"/>
-              <a:t>une</a:t>
-            </a:r>
-            <a:r>
-              <a:rPr lang="en-CA" baseline="0" dirty="0"/>
-              <a:t> image: chat, </a:t>
-            </a:r>
-            <a:r>
-              <a:rPr lang="en-CA" baseline="0" dirty="0" err="1"/>
-              <a:t>chien</a:t>
-            </a:r>
-            <a:r>
-              <a:rPr lang="en-CA" baseline="0" dirty="0"/>
-              <a:t>, </a:t>
-            </a:r>
-            <a:r>
-              <a:rPr lang="en-CA" baseline="0" dirty="0" err="1"/>
-              <a:t>personne</a:t>
-            </a:r>
-            <a:r>
-              <a:rPr lang="en-CA" baseline="0" dirty="0"/>
-              <a:t>.</a:t>
-            </a:r>
-          </a:p>
-          <a:p>
-            <a:endParaRPr lang="en-CA" baseline="0" dirty="0"/>
-          </a:p>
-          <a:p>
-            <a:r>
-              <a:rPr lang="en-CA" baseline="0" dirty="0" err="1"/>
-              <a:t>Lorsque</a:t>
-            </a:r>
-            <a:r>
-              <a:rPr lang="en-CA" baseline="0" dirty="0"/>
-              <a:t> y </a:t>
-            </a:r>
-            <a:r>
-              <a:rPr lang="en-CA" baseline="0" dirty="0" err="1"/>
-              <a:t>est</a:t>
-            </a:r>
-            <a:r>
-              <a:rPr lang="en-CA" baseline="0" dirty="0"/>
-              <a:t> un </a:t>
-            </a:r>
-            <a:r>
-              <a:rPr lang="en-CA" baseline="0" dirty="0" err="1"/>
-              <a:t>nombre</a:t>
-            </a:r>
-            <a:r>
-              <a:rPr lang="en-CA" baseline="0" dirty="0"/>
-              <a:t> </a:t>
-            </a:r>
-            <a:r>
-              <a:rPr lang="en-CA" baseline="0" dirty="0" err="1"/>
-              <a:t>réel</a:t>
-            </a:r>
-            <a:r>
-              <a:rPr lang="en-CA" baseline="0" dirty="0"/>
-              <a:t> (</a:t>
-            </a:r>
-            <a:r>
-              <a:rPr lang="en-CA" baseline="0" dirty="0" err="1"/>
-              <a:t>l’ensemble</a:t>
-            </a:r>
-            <a:r>
-              <a:rPr lang="en-CA" baseline="0" dirty="0"/>
-              <a:t> des </a:t>
-            </a:r>
-            <a:r>
-              <a:rPr lang="en-CA" baseline="0" dirty="0" err="1"/>
-              <a:t>valeurs</a:t>
-            </a:r>
-            <a:r>
-              <a:rPr lang="en-CA" baseline="0" dirty="0"/>
-              <a:t> de sortie </a:t>
-            </a:r>
-            <a:r>
-              <a:rPr lang="en-CA" baseline="0" dirty="0" err="1"/>
-              <a:t>est</a:t>
-            </a:r>
-            <a:r>
-              <a:rPr lang="en-CA" baseline="0" dirty="0"/>
-              <a:t> </a:t>
-            </a:r>
-            <a:r>
-              <a:rPr lang="en-CA" baseline="0" dirty="0" err="1"/>
-              <a:t>infini</a:t>
-            </a:r>
-            <a:r>
-              <a:rPr lang="en-CA" baseline="0" dirty="0"/>
-              <a:t>, par </a:t>
-            </a:r>
-            <a:r>
-              <a:rPr lang="en-CA" baseline="0" dirty="0" err="1"/>
-              <a:t>exemple</a:t>
-            </a:r>
-            <a:r>
-              <a:rPr lang="en-CA" baseline="0" dirty="0"/>
-              <a:t>: </a:t>
-            </a:r>
-            <a:r>
-              <a:rPr lang="en-CA" baseline="0" dirty="0" err="1"/>
-              <a:t>température</a:t>
-            </a:r>
-            <a:r>
-              <a:rPr lang="en-CA" baseline="0" dirty="0"/>
-              <a:t>), on </a:t>
-            </a:r>
-            <a:r>
-              <a:rPr lang="en-CA" baseline="0" dirty="0" err="1"/>
-              <a:t>parle</a:t>
-            </a:r>
-            <a:r>
-              <a:rPr lang="en-CA" baseline="0" dirty="0"/>
-              <a:t> de </a:t>
-            </a:r>
-            <a:r>
-              <a:rPr lang="en-CA" b="1" i="1" u="sng" baseline="0" dirty="0" err="1"/>
-              <a:t>régression</a:t>
-            </a:r>
-            <a:r>
-              <a:rPr lang="en-CA" baseline="0" dirty="0"/>
-              <a:t>. </a:t>
-            </a:r>
-          </a:p>
-          <a:p>
-            <a:endParaRPr lang="en-CA" baseline="0" dirty="0"/>
-          </a:p>
-          <a:p>
-            <a:r>
-              <a:rPr lang="en-CA" baseline="0" dirty="0"/>
-              <a:t>On </a:t>
-            </a:r>
-            <a:r>
-              <a:rPr lang="en-CA" baseline="0" dirty="0" err="1"/>
-              <a:t>dit</a:t>
-            </a:r>
-            <a:r>
-              <a:rPr lang="en-CA" baseline="0" dirty="0"/>
-              <a:t> </a:t>
-            </a:r>
-            <a:r>
-              <a:rPr lang="en-CA" baseline="0" dirty="0" err="1"/>
-              <a:t>qu’une</a:t>
-            </a:r>
-            <a:r>
-              <a:rPr lang="en-CA" baseline="0" dirty="0"/>
-              <a:t> </a:t>
-            </a:r>
-            <a:r>
-              <a:rPr lang="en-CA" baseline="0" dirty="0" err="1"/>
-              <a:t>hypothèse</a:t>
-            </a:r>
-            <a:r>
-              <a:rPr lang="en-CA" baseline="0" dirty="0"/>
-              <a:t> </a:t>
-            </a:r>
-            <a:r>
-              <a:rPr lang="en-CA" b="1" i="1" u="sng" baseline="0" dirty="0" err="1"/>
-              <a:t>généralise</a:t>
-            </a:r>
-            <a:r>
-              <a:rPr lang="en-CA" b="1" i="1" u="sng" baseline="0" dirty="0"/>
-              <a:t> </a:t>
-            </a:r>
-            <a:r>
-              <a:rPr lang="en-CA" baseline="0" dirty="0"/>
-              <a:t> </a:t>
-            </a:r>
-            <a:r>
-              <a:rPr lang="en-CA" baseline="0" dirty="0" err="1"/>
-              <a:t>bien</a:t>
-            </a:r>
-            <a:r>
-              <a:rPr lang="en-CA" baseline="0" dirty="0"/>
-              <a:t> </a:t>
-            </a:r>
-            <a:r>
-              <a:rPr lang="en-CA" baseline="0" dirty="0" err="1"/>
-              <a:t>si</a:t>
-            </a:r>
-            <a:r>
-              <a:rPr lang="en-CA" baseline="0" dirty="0"/>
-              <a:t> </a:t>
-            </a:r>
-            <a:r>
-              <a:rPr lang="en-CA" baseline="0" dirty="0" err="1"/>
-              <a:t>elle</a:t>
-            </a:r>
-            <a:r>
-              <a:rPr lang="en-CA" baseline="0" dirty="0"/>
-              <a:t> </a:t>
-            </a:r>
-            <a:r>
-              <a:rPr lang="en-CA" baseline="0" dirty="0" err="1"/>
-              <a:t>prédit</a:t>
-            </a:r>
-            <a:r>
-              <a:rPr lang="en-CA" baseline="0" dirty="0"/>
-              <a:t> </a:t>
-            </a:r>
-            <a:r>
-              <a:rPr lang="en-CA" baseline="0" dirty="0" err="1"/>
-              <a:t>correctement</a:t>
-            </a:r>
-            <a:r>
-              <a:rPr lang="en-CA" baseline="0" dirty="0"/>
-              <a:t> la </a:t>
-            </a:r>
-            <a:r>
-              <a:rPr lang="en-CA" baseline="0" dirty="0" err="1"/>
-              <a:t>valeur</a:t>
-            </a:r>
-            <a:r>
-              <a:rPr lang="en-CA" baseline="0" dirty="0"/>
-              <a:t> de y pour des </a:t>
-            </a:r>
-            <a:r>
-              <a:rPr lang="en-CA" baseline="0" dirty="0" err="1"/>
-              <a:t>exemples</a:t>
-            </a:r>
-            <a:r>
-              <a:rPr lang="en-CA" baseline="0" dirty="0"/>
-              <a:t> </a:t>
-            </a:r>
-            <a:r>
-              <a:rPr lang="en-CA" baseline="0" dirty="0" err="1"/>
-              <a:t>inédits</a:t>
-            </a:r>
-            <a:r>
-              <a:rPr lang="en-CA" baseline="0" dirty="0"/>
-              <a:t>.</a:t>
-            </a:r>
-          </a:p>
-          <a:p>
-            <a:endParaRPr lang="en-CA" baseline="0" dirty="0"/>
-          </a:p>
-          <a:p>
-            <a:r>
-              <a:rPr lang="en-CA" baseline="0" dirty="0"/>
-              <a:t>On </a:t>
-            </a:r>
-            <a:r>
-              <a:rPr lang="en-CA" baseline="0" dirty="0" err="1"/>
-              <a:t>dit</a:t>
-            </a:r>
-            <a:r>
-              <a:rPr lang="en-CA" baseline="0" dirty="0"/>
-              <a:t> </a:t>
-            </a:r>
-            <a:r>
-              <a:rPr lang="en-CA" baseline="0" dirty="0" err="1"/>
-              <a:t>qu’une</a:t>
-            </a:r>
-            <a:r>
-              <a:rPr lang="en-CA" baseline="0" dirty="0"/>
-              <a:t> </a:t>
-            </a:r>
-            <a:r>
-              <a:rPr lang="en-CA" baseline="0" dirty="0" err="1"/>
-              <a:t>hypothèse</a:t>
-            </a:r>
-            <a:r>
-              <a:rPr lang="en-CA" baseline="0" dirty="0"/>
-              <a:t> </a:t>
-            </a:r>
-            <a:r>
-              <a:rPr lang="en-CA" baseline="0" dirty="0" err="1"/>
-              <a:t>est</a:t>
-            </a:r>
-            <a:r>
-              <a:rPr lang="en-CA" baseline="0" dirty="0"/>
-              <a:t> </a:t>
-            </a:r>
-            <a:r>
-              <a:rPr lang="en-CA" b="1" i="1" u="sng" baseline="0" dirty="0" err="1"/>
-              <a:t>cohérente</a:t>
-            </a:r>
-            <a:r>
-              <a:rPr lang="en-CA" baseline="0" dirty="0"/>
-              <a:t> </a:t>
-            </a:r>
-            <a:r>
-              <a:rPr lang="en-CA" baseline="0" dirty="0" err="1"/>
-              <a:t>si</a:t>
-            </a:r>
-            <a:r>
-              <a:rPr lang="en-CA" baseline="0" dirty="0"/>
-              <a:t> </a:t>
-            </a:r>
-            <a:r>
-              <a:rPr lang="en-CA" baseline="0" dirty="0" err="1"/>
-              <a:t>elle</a:t>
-            </a:r>
-            <a:r>
-              <a:rPr lang="en-CA" baseline="0" dirty="0"/>
-              <a:t> </a:t>
-            </a:r>
-            <a:r>
-              <a:rPr lang="en-CA" baseline="0" dirty="0" err="1"/>
-              <a:t>prédit</a:t>
-            </a:r>
-            <a:r>
-              <a:rPr lang="en-CA" baseline="0" dirty="0"/>
-              <a:t> </a:t>
-            </a:r>
-            <a:r>
-              <a:rPr lang="en-CA" baseline="0" dirty="0" err="1"/>
-              <a:t>correctement</a:t>
-            </a:r>
-            <a:r>
-              <a:rPr lang="en-CA" baseline="0" dirty="0"/>
-              <a:t> la </a:t>
-            </a:r>
-            <a:r>
-              <a:rPr lang="en-CA" baseline="0" dirty="0" err="1"/>
-              <a:t>valeur</a:t>
-            </a:r>
-            <a:r>
-              <a:rPr lang="en-CA" baseline="0" dirty="0"/>
-              <a:t> de y pour les </a:t>
-            </a:r>
-            <a:r>
-              <a:rPr lang="en-CA" baseline="0" dirty="0" err="1"/>
-              <a:t>exemples</a:t>
-            </a:r>
-            <a:r>
-              <a:rPr lang="en-CA" baseline="0" dirty="0"/>
-              <a:t> </a:t>
-            </a:r>
-            <a:r>
-              <a:rPr lang="en-CA" baseline="0" dirty="0" err="1"/>
-              <a:t>d’entraînement</a:t>
-            </a:r>
-            <a:r>
-              <a:rPr lang="en-CA" baseline="0" dirty="0"/>
-              <a:t>.</a:t>
-            </a:r>
-          </a:p>
-          <a:p>
-            <a:endParaRPr lang="fr-CA" baseline="0" dirty="0"/>
-          </a:p>
-          <a:p>
-            <a:pPr defTabSz="483306">
-              <a:defRPr/>
-            </a:pPr>
-            <a:r>
-              <a:rPr lang="fr-CA" dirty="0"/>
-              <a:t>Le problème d’apprentissage est </a:t>
-            </a:r>
-            <a:r>
-              <a:rPr lang="fr-CA" b="1" dirty="0"/>
-              <a:t>réalisable </a:t>
-            </a:r>
-            <a:r>
-              <a:rPr lang="fr-CA" dirty="0"/>
-              <a:t>si </a:t>
-            </a:r>
-            <a:r>
-              <a:rPr lang="fr-CA" i="1" dirty="0"/>
-              <a:t>f(x) </a:t>
-            </a:r>
-            <a:r>
-              <a:rPr lang="el-GR" i="1" dirty="0">
-                <a:latin typeface="Times New Roman"/>
-                <a:cs typeface="Times New Roman"/>
-              </a:rPr>
-              <a:t>ϵ</a:t>
-            </a:r>
-            <a:r>
-              <a:rPr lang="en-CA" i="1" dirty="0">
-                <a:latin typeface="Times New Roman"/>
-                <a:cs typeface="Times New Roman"/>
-              </a:rPr>
-              <a:t> H</a:t>
-            </a:r>
-            <a:endParaRPr lang="fr-CA" i="1" dirty="0"/>
-          </a:p>
-          <a:p>
-            <a:endParaRPr lang="en-CA" baseline="0" dirty="0"/>
-          </a:p>
-          <a:p>
-            <a:endParaRPr lang="en-CA" baseline="0" dirty="0"/>
-          </a:p>
-          <a:p>
+              <a:t>livre</a:t>
+            </a:r>
             <a:endParaRPr lang="en-CA" dirty="0"/>
           </a:p>
         </p:txBody>
@@ -4492,7 +4348,7 @@
     </p:spTree>
     <p:extLst>
       <p:ext uri="{BB962C8B-B14F-4D97-AF65-F5344CB8AC3E}">
-        <p14:creationId xmlns:p14="http://schemas.microsoft.com/office/powerpoint/2010/main" val="1663102842"/>
+        <p14:creationId xmlns:p14="http://schemas.microsoft.com/office/powerpoint/2010/main" val="624077586"/>
       </p:ext>
     </p:extLst>
   </p:cSld>
@@ -4546,12 +4402,81 @@
           <a:bodyPr/>
           <a:lstStyle/>
           <a:p>
-            <a:endParaRPr lang="en-CA" baseline="0" dirty="0"/>
-          </a:p>
-          <a:p>
-            <a:r>
-              <a:rPr lang="en-CA" baseline="0" dirty="0" err="1"/>
-              <a:t>L’apprentissage</a:t>
+            <a:r>
+              <a:rPr lang="en-CA" dirty="0"/>
+              <a:t>Note :  </a:t>
+            </a:r>
+            <a:r>
+              <a:rPr lang="en-CA" dirty="0" err="1"/>
+              <a:t>chacun</a:t>
+            </a:r>
+            <a:r>
+              <a:rPr lang="en-CA" dirty="0"/>
+              <a:t> des </a:t>
+            </a:r>
+            <a:r>
+              <a:rPr lang="en-CA" dirty="0" err="1"/>
+              <a:t>x_i</a:t>
+            </a:r>
+            <a:r>
+              <a:rPr lang="en-CA" dirty="0"/>
+              <a:t>, </a:t>
+            </a:r>
+            <a:r>
+              <a:rPr lang="en-CA" dirty="0" err="1"/>
+              <a:t>y_i</a:t>
+            </a:r>
+            <a:r>
+              <a:rPr lang="en-CA" dirty="0"/>
+              <a:t> </a:t>
+            </a:r>
+            <a:r>
+              <a:rPr lang="en-CA" dirty="0" err="1"/>
+              <a:t>peut</a:t>
+            </a:r>
+            <a:r>
+              <a:rPr lang="en-CA" dirty="0"/>
+              <a:t> </a:t>
+            </a:r>
+            <a:r>
+              <a:rPr lang="en-CA" dirty="0" err="1"/>
+              <a:t>être</a:t>
+            </a:r>
+            <a:r>
+              <a:rPr lang="en-CA" dirty="0"/>
+              <a:t> un </a:t>
+            </a:r>
+            <a:r>
+              <a:rPr lang="en-CA" b="1" i="1" u="sng" dirty="0" err="1"/>
+              <a:t>vecteur</a:t>
+            </a:r>
+            <a:r>
+              <a:rPr lang="en-CA" dirty="0"/>
+              <a:t>. </a:t>
+            </a:r>
+            <a:r>
+              <a:rPr lang="en-CA" dirty="0" err="1"/>
+              <a:t>Dans</a:t>
+            </a:r>
+            <a:r>
+              <a:rPr lang="en-CA" dirty="0"/>
+              <a:t> </a:t>
+            </a:r>
+            <a:r>
+              <a:rPr lang="en-CA" dirty="0" err="1"/>
+              <a:t>ce</a:t>
+            </a:r>
+            <a:r>
+              <a:rPr lang="en-CA" dirty="0"/>
+              <a:t> </a:t>
+            </a:r>
+            <a:r>
+              <a:rPr lang="en-CA" dirty="0" err="1"/>
+              <a:t>cas</a:t>
+            </a:r>
+            <a:r>
+              <a:rPr lang="en-CA" dirty="0"/>
+              <a:t>, on</a:t>
             </a:r>
             <a:r>
               <a:rPr lang="en-CA" baseline="0" dirty="0"/>
@@ -4559,7 +4484,7 @@
             </a:r>
             <a:r>
               <a:rPr lang="en-CA" baseline="0" dirty="0" err="1"/>
-              <a:t>est</a:t>
+              <a:t>notera</a:t>
             </a:r>
             <a:r>
               <a:rPr lang="en-CA" baseline="0" dirty="0"/>
@@ -4567,7 +4492,15 @@
             </a:r>
             <a:r>
               <a:rPr lang="en-CA" baseline="0" dirty="0" err="1"/>
-              <a:t>une</a:t>
+              <a:t>x_i,j</a:t>
+            </a:r>
+            <a:r>
+              <a:rPr lang="en-CA" baseline="0" dirty="0"/>
+              <a:t> le j </a:t>
+            </a:r>
+            <a:r>
+              <a:rPr lang="en-CA" baseline="0" dirty="0" err="1"/>
+              <a:t>eme</a:t>
             </a:r>
             <a:r>
               <a:rPr lang="en-CA" baseline="0" dirty="0"/>
@@ -4575,7 +4508,51 @@
             </a:r>
             <a:r>
               <a:rPr lang="en-CA" baseline="0" dirty="0" err="1"/>
-              <a:t>recherche</a:t>
+              <a:t>élément</a:t>
+            </a:r>
+            <a:r>
+              <a:rPr lang="en-CA" baseline="0" dirty="0"/>
+              <a:t> du </a:t>
+            </a:r>
+            <a:r>
+              <a:rPr lang="en-CA" baseline="0" dirty="0" err="1"/>
+              <a:t>vecteur</a:t>
+            </a:r>
+            <a:r>
+              <a:rPr lang="en-CA" baseline="0" dirty="0"/>
+              <a:t>. Idem pour </a:t>
+            </a:r>
+            <a:r>
+              <a:rPr lang="en-CA" baseline="0" dirty="0" err="1"/>
+              <a:t>y_i,j</a:t>
+            </a:r>
+            <a:r>
+              <a:rPr lang="en-CA" baseline="0" dirty="0"/>
+              <a:t>.</a:t>
+            </a:r>
+          </a:p>
+          <a:p>
+            <a:endParaRPr lang="en-CA" baseline="0" dirty="0"/>
+          </a:p>
+          <a:p>
+            <a:pPr defTabSz="483306">
+              <a:defRPr/>
+            </a:pPr>
+            <a:r>
+              <a:rPr lang="en-CA" i="1" baseline="0" dirty="0"/>
+              <a:t>f  </a:t>
+            </a:r>
+            <a:r>
+              <a:rPr lang="en-CA" baseline="0" dirty="0" err="1"/>
+              <a:t>n’est</a:t>
+            </a:r>
+            <a:r>
+              <a:rPr lang="en-CA" baseline="0" dirty="0"/>
+              <a:t> pas </a:t>
+            </a:r>
+            <a:r>
+              <a:rPr lang="en-CA" baseline="0" dirty="0" err="1"/>
+              <a:t>généralement</a:t>
             </a:r>
             <a:r>
               <a:rPr lang="en-CA" baseline="0" dirty="0"/>
@@ -4583,57 +4560,328 @@
             </a:r>
             <a:r>
               <a:rPr lang="en-CA" baseline="0" dirty="0" err="1"/>
-              <a:t>dans</a:t>
+              <a:t>connu</a:t>
+            </a:r>
+            <a:r>
+              <a:rPr lang="en-CA" baseline="0" dirty="0"/>
+              <a:t>. On en </a:t>
+            </a:r>
+            <a:r>
+              <a:rPr lang="en-CA" baseline="0" dirty="0" err="1"/>
+              <a:t>connait</a:t>
+            </a:r>
+            <a:r>
+              <a:rPr lang="en-CA" baseline="0" dirty="0"/>
+              <a:t> </a:t>
+            </a:r>
+            <a:r>
+              <a:rPr lang="en-CA" baseline="0" dirty="0" err="1"/>
+              <a:t>une</a:t>
+            </a:r>
+            <a:r>
+              <a:rPr lang="en-CA" baseline="0" dirty="0"/>
+              <a:t> </a:t>
+            </a:r>
+            <a:r>
+              <a:rPr lang="en-CA" baseline="0" dirty="0" err="1"/>
+              <a:t>partie</a:t>
+            </a:r>
+            <a:r>
+              <a:rPr lang="en-CA" baseline="0" dirty="0"/>
+              <a:t> </a:t>
+            </a:r>
+            <a:r>
+              <a:rPr lang="en-CA" baseline="0" dirty="0" err="1"/>
+              <a:t>permettant</a:t>
+            </a:r>
+            <a:r>
+              <a:rPr lang="en-CA" baseline="0" dirty="0"/>
+              <a:t> de </a:t>
+            </a:r>
+            <a:r>
+              <a:rPr lang="en-CA" baseline="0" dirty="0" err="1"/>
+              <a:t>produire</a:t>
+            </a:r>
+            <a:r>
+              <a:rPr lang="en-CA" baseline="0" dirty="0"/>
+              <a:t> les </a:t>
+            </a:r>
+            <a:r>
+              <a:rPr lang="en-CA" baseline="0" dirty="0" err="1"/>
+              <a:t>exemples</a:t>
+            </a:r>
+            <a:r>
+              <a:rPr lang="en-CA" baseline="0" dirty="0"/>
+              <a:t> </a:t>
+            </a:r>
+            <a:r>
+              <a:rPr lang="en-CA" baseline="0" dirty="0" err="1"/>
+              <a:t>d’apprentissage</a:t>
+            </a:r>
+            <a:r>
+              <a:rPr lang="en-CA" baseline="0" dirty="0"/>
+              <a:t> et les </a:t>
+            </a:r>
+            <a:r>
+              <a:rPr lang="en-CA" baseline="0" dirty="0" err="1"/>
+              <a:t>exemples</a:t>
+            </a:r>
+            <a:r>
+              <a:rPr lang="en-CA" baseline="0" dirty="0"/>
+              <a:t> de test.</a:t>
+            </a:r>
+          </a:p>
+          <a:p>
+            <a:endParaRPr lang="en-CA" baseline="0" dirty="0"/>
+          </a:p>
+          <a:p>
+            <a:r>
+              <a:rPr lang="en-CA" baseline="0" dirty="0" err="1"/>
+              <a:t>Lorsque</a:t>
+            </a:r>
+            <a:r>
+              <a:rPr lang="en-CA" baseline="0" dirty="0"/>
+              <a:t> </a:t>
+            </a:r>
+            <a:r>
+              <a:rPr lang="en-CA" baseline="0" dirty="0" err="1"/>
+              <a:t>l’ensemble</a:t>
+            </a:r>
+            <a:r>
+              <a:rPr lang="en-CA" baseline="0" dirty="0"/>
+              <a:t> des </a:t>
+            </a:r>
+            <a:r>
+              <a:rPr lang="en-CA" baseline="0" dirty="0" err="1"/>
+              <a:t>valeurs</a:t>
+            </a:r>
+            <a:r>
+              <a:rPr lang="en-CA" baseline="0" dirty="0"/>
+              <a:t> des sorties </a:t>
+            </a:r>
+            <a:r>
+              <a:rPr lang="en-CA" baseline="0" dirty="0" err="1"/>
+              <a:t>est</a:t>
+            </a:r>
+            <a:r>
+              <a:rPr lang="en-CA" baseline="0" dirty="0"/>
+              <a:t> un ensemble </a:t>
+            </a:r>
+            <a:r>
+              <a:rPr lang="en-CA" baseline="0" dirty="0" err="1"/>
+              <a:t>fini</a:t>
+            </a:r>
+            <a:r>
+              <a:rPr lang="en-CA" baseline="0" dirty="0"/>
+              <a:t>, on </a:t>
+            </a:r>
+            <a:r>
+              <a:rPr lang="en-CA" baseline="0" dirty="0" err="1"/>
+              <a:t>parle</a:t>
+            </a:r>
+            <a:r>
+              <a:rPr lang="en-CA" baseline="0" dirty="0"/>
+              <a:t> de </a:t>
+            </a:r>
+            <a:r>
+              <a:rPr lang="en-CA" baseline="0" dirty="0" err="1"/>
+              <a:t>problème</a:t>
+            </a:r>
+            <a:r>
+              <a:rPr lang="en-CA" baseline="0" dirty="0"/>
+              <a:t> de </a:t>
+            </a:r>
+            <a:r>
+              <a:rPr lang="en-CA" b="1" i="1" u="sng" baseline="0" dirty="0"/>
+              <a:t>classification</a:t>
+            </a:r>
+            <a:r>
+              <a:rPr lang="en-CA" baseline="0" dirty="0"/>
+              <a:t>.  Par </a:t>
+            </a:r>
+            <a:r>
+              <a:rPr lang="en-CA" baseline="0" dirty="0" err="1"/>
+              <a:t>exemple</a:t>
+            </a:r>
+            <a:r>
+              <a:rPr lang="en-CA" baseline="0" dirty="0"/>
+              <a:t>, les </a:t>
+            </a:r>
+            <a:r>
+              <a:rPr lang="en-CA" baseline="0" dirty="0" err="1"/>
+              <a:t>différentes</a:t>
+            </a:r>
+            <a:r>
+              <a:rPr lang="en-CA" baseline="0" dirty="0"/>
+              <a:t> classes pour </a:t>
+            </a:r>
+            <a:r>
+              <a:rPr lang="en-CA" baseline="0" dirty="0" err="1"/>
+              <a:t>une</a:t>
+            </a:r>
+            <a:r>
+              <a:rPr lang="en-CA" baseline="0" dirty="0"/>
+              <a:t> image: chat, </a:t>
+            </a:r>
+            <a:r>
+              <a:rPr lang="en-CA" baseline="0" dirty="0" err="1"/>
+              <a:t>chien</a:t>
+            </a:r>
+            <a:r>
+              <a:rPr lang="en-CA" baseline="0" dirty="0"/>
+              <a:t>, </a:t>
+            </a:r>
+            <a:r>
+              <a:rPr lang="en-CA" baseline="0" dirty="0" err="1"/>
+              <a:t>personne</a:t>
+            </a:r>
+            <a:r>
+              <a:rPr lang="en-CA" baseline="0" dirty="0"/>
+              <a:t>.</a:t>
+            </a:r>
+          </a:p>
+          <a:p>
+            <a:endParaRPr lang="en-CA" baseline="0" dirty="0"/>
+          </a:p>
+          <a:p>
+            <a:r>
+              <a:rPr lang="en-CA" baseline="0" dirty="0" err="1"/>
+              <a:t>Lorsque</a:t>
+            </a:r>
+            <a:r>
+              <a:rPr lang="en-CA" baseline="0" dirty="0"/>
+              <a:t> y </a:t>
+            </a:r>
+            <a:r>
+              <a:rPr lang="en-CA" baseline="0" dirty="0" err="1"/>
+              <a:t>est</a:t>
             </a:r>
             <a:r>
               <a:rPr lang="en-CA" baseline="0" dirty="0"/>
               <a:t> un </a:t>
             </a:r>
             <a:r>
+              <a:rPr lang="en-CA" baseline="0" dirty="0" err="1"/>
+              <a:t>nombre</a:t>
+            </a:r>
+            <a:r>
+              <a:rPr lang="en-CA" baseline="0" dirty="0"/>
+              <a:t> </a:t>
+            </a:r>
+            <a:r>
+              <a:rPr lang="en-CA" baseline="0" dirty="0" err="1"/>
+              <a:t>réel</a:t>
+            </a:r>
+            <a:r>
+              <a:rPr lang="en-CA" baseline="0" dirty="0"/>
+              <a:t> (</a:t>
+            </a:r>
+            <a:r>
+              <a:rPr lang="en-CA" baseline="0" dirty="0" err="1"/>
+              <a:t>l’ensemble</a:t>
+            </a:r>
+            <a:r>
+              <a:rPr lang="en-CA" baseline="0" dirty="0"/>
+              <a:t> des </a:t>
+            </a:r>
+            <a:r>
+              <a:rPr lang="en-CA" baseline="0" dirty="0" err="1"/>
+              <a:t>valeurs</a:t>
+            </a:r>
+            <a:r>
+              <a:rPr lang="en-CA" baseline="0" dirty="0"/>
+              <a:t> de sortie </a:t>
+            </a:r>
+            <a:r>
+              <a:rPr lang="en-CA" baseline="0" dirty="0" err="1"/>
+              <a:t>est</a:t>
+            </a:r>
+            <a:r>
+              <a:rPr lang="en-CA" baseline="0" dirty="0"/>
+              <a:t> </a:t>
+            </a:r>
+            <a:r>
+              <a:rPr lang="en-CA" baseline="0" dirty="0" err="1"/>
+              <a:t>infini</a:t>
+            </a:r>
+            <a:r>
+              <a:rPr lang="en-CA" baseline="0" dirty="0"/>
+              <a:t>, par </a:t>
+            </a:r>
+            <a:r>
+              <a:rPr lang="en-CA" baseline="0" dirty="0" err="1"/>
+              <a:t>exemple</a:t>
+            </a:r>
+            <a:r>
+              <a:rPr lang="en-CA" baseline="0" dirty="0"/>
+              <a:t>: </a:t>
+            </a:r>
+            <a:r>
+              <a:rPr lang="en-CA" baseline="0" dirty="0" err="1"/>
+              <a:t>température</a:t>
+            </a:r>
+            <a:r>
+              <a:rPr lang="en-CA" baseline="0" dirty="0"/>
+              <a:t>), on </a:t>
+            </a:r>
+            <a:r>
+              <a:rPr lang="en-CA" baseline="0" dirty="0" err="1"/>
+              <a:t>parle</a:t>
+            </a:r>
+            <a:r>
+              <a:rPr lang="en-CA" baseline="0" dirty="0"/>
+              <a:t> de </a:t>
+            </a:r>
+            <a:r>
               <a:rPr lang="en-CA" b="1" i="1" u="sng" baseline="0" dirty="0" err="1"/>
-              <a:t>espace</a:t>
+              <a:t>régression</a:t>
+            </a:r>
+            <a:r>
+              <a:rPr lang="en-CA" baseline="0" dirty="0"/>
+              <a:t>. </a:t>
+            </a:r>
+          </a:p>
+          <a:p>
+            <a:endParaRPr lang="en-CA" baseline="0" dirty="0"/>
+          </a:p>
+          <a:p>
+            <a:r>
+              <a:rPr lang="en-CA" baseline="0" dirty="0"/>
+              <a:t>On </a:t>
+            </a:r>
+            <a:r>
+              <a:rPr lang="en-CA" baseline="0" dirty="0" err="1"/>
+              <a:t>dit</a:t>
+            </a:r>
+            <a:r>
+              <a:rPr lang="en-CA" baseline="0" dirty="0"/>
+              <a:t> </a:t>
+            </a:r>
+            <a:r>
+              <a:rPr lang="en-CA" baseline="0" dirty="0" err="1"/>
+              <a:t>qu’une</a:t>
+            </a:r>
+            <a:r>
+              <a:rPr lang="en-CA" baseline="0" dirty="0"/>
+              <a:t> </a:t>
+            </a:r>
+            <a:r>
+              <a:rPr lang="en-CA" baseline="0" dirty="0" err="1"/>
+              <a:t>hypothèse</a:t>
+            </a:r>
+            <a:r>
+              <a:rPr lang="en-CA" baseline="0" dirty="0"/>
+              <a:t> </a:t>
+            </a:r>
+            <a:r>
+              <a:rPr lang="en-CA" b="1" i="1" u="sng" baseline="0" dirty="0" err="1"/>
+              <a:t>généralise</a:t>
             </a:r>
             <a:r>
               <a:rPr lang="en-CA" b="1" i="1" u="sng" baseline="0" dirty="0"/>
               <a:t> </a:t>
             </a:r>
             <a:r>
-              <a:rPr lang="en-CA" b="1" i="1" u="sng" baseline="0" dirty="0" err="1"/>
-              <a:t>d’hypothèses</a:t>
-            </a:r>
-            <a:r>
-              <a:rPr lang="en-CA" b="1" i="1" u="sng" baseline="0" dirty="0"/>
-              <a:t> </a:t>
-            </a:r>
-            <a:r>
-              <a:rPr lang="en-CA" baseline="0" dirty="0" err="1"/>
-              <a:t>possibles</a:t>
-            </a:r>
-            <a:r>
-              <a:rPr lang="en-CA" baseline="0" dirty="0"/>
-              <a:t> pour </a:t>
-            </a:r>
-            <a:r>
-              <a:rPr lang="en-CA" baseline="0" dirty="0" err="1"/>
-              <a:t>trouver</a:t>
-            </a:r>
-            <a:r>
-              <a:rPr lang="en-CA" baseline="0" dirty="0"/>
-              <a:t>  </a:t>
-            </a:r>
-            <a:r>
-              <a:rPr lang="en-CA" baseline="0" dirty="0" err="1"/>
-              <a:t>l’hypothèse</a:t>
-            </a:r>
-            <a:r>
-              <a:rPr lang="en-CA" baseline="0" dirty="0"/>
-              <a:t> qui se </a:t>
-            </a:r>
-            <a:r>
-              <a:rPr lang="en-CA" baseline="0" dirty="0" err="1"/>
-              <a:t>comporte</a:t>
-            </a:r>
-            <a:r>
               <a:rPr lang="en-CA" baseline="0" dirty="0"/>
               <a:t> </a:t>
             </a:r>
@@ -4647,7 +4895,7 @@
             </a:r>
             <a:r>
               <a:rPr lang="en-CA" baseline="0" dirty="0" err="1"/>
-              <a:t>même</a:t>
+              <a:t>si</a:t>
             </a:r>
             <a:r>
               <a:rPr lang="en-CA" baseline="0" dirty="0"/>
@@ -4655,11 +4903,35 @@
             </a:r>
             <a:r>
               <a:rPr lang="en-CA" baseline="0" dirty="0" err="1"/>
-              <a:t>sur</a:t>
+              <a:t>elle</a:t>
             </a:r>
             <a:r>
               <a:rPr lang="en-CA" baseline="0" dirty="0"/>
-              <a:t> des </a:t>
+              <a:t> </a:t>
+            </a:r>
+            <a:r>
+              <a:rPr lang="en-CA" baseline="0" dirty="0" err="1"/>
+              <a:t>prédit</a:t>
+            </a:r>
+            <a:r>
+              <a:rPr lang="en-CA" baseline="0" dirty="0"/>
+              <a:t> </a:t>
+            </a:r>
+            <a:r>
+              <a:rPr lang="en-CA" baseline="0" dirty="0" err="1"/>
+              <a:t>correctement</a:t>
+            </a:r>
+            <a:r>
+              <a:rPr lang="en-CA" baseline="0" dirty="0"/>
+              <a:t> la </a:t>
+            </a:r>
+            <a:r>
+              <a:rPr lang="en-CA" baseline="0" dirty="0" err="1"/>
+              <a:t>valeur</a:t>
+            </a:r>
+            <a:r>
+              <a:rPr lang="en-CA" baseline="0" dirty="0"/>
+              <a:t> de y pour des </a:t>
             </a:r>
             <a:r>
               <a:rPr lang="en-CA" baseline="0" dirty="0" err="1"/>
@@ -4671,15 +4943,24 @@
             </a:r>
             <a:r>
               <a:rPr lang="en-CA" baseline="0" dirty="0" err="1"/>
-              <a:t>n’appartenant</a:t>
+              <a:t>inédits</a:t>
             </a:r>
             <a:r>
               <a:rPr lang="en-CA" baseline="0" dirty="0"/>
-              <a:t> pas à </a:t>
+              <a:t>.</a:t>
+            </a:r>
+          </a:p>
+          <a:p>
+            <a:endParaRPr lang="en-CA" baseline="0" dirty="0"/>
+          </a:p>
+          <a:p>
+            <a:r>
+              <a:rPr lang="en-CA" baseline="0" dirty="0"/>
+              <a:t>On </a:t>
             </a:r>
             <a:r>
               <a:rPr lang="en-CA" baseline="0" dirty="0" err="1"/>
-              <a:t>l’ensemble</a:t>
+              <a:t>dit</a:t>
             </a:r>
             <a:r>
               <a:rPr lang="en-CA" baseline="0" dirty="0"/>
@@ -4687,6 +4968,86 @@
             </a:r>
             <a:r>
               <a:rPr lang="en-CA" baseline="0" dirty="0" err="1"/>
+              <a:t>qu’une</a:t>
+            </a:r>
+            <a:r>
+              <a:rPr lang="en-CA" baseline="0" dirty="0"/>
+              <a:t> </a:t>
+            </a:r>
+            <a:r>
+              <a:rPr lang="en-CA" baseline="0" dirty="0" err="1"/>
+              <a:t>hypothèse</a:t>
+            </a:r>
+            <a:r>
+              <a:rPr lang="en-CA" baseline="0" dirty="0"/>
+              <a:t> </a:t>
+            </a:r>
+            <a:r>
+              <a:rPr lang="en-CA" baseline="0" dirty="0" err="1"/>
+              <a:t>est</a:t>
+            </a:r>
+            <a:r>
+              <a:rPr lang="en-CA" baseline="0" dirty="0"/>
+              <a:t> </a:t>
+            </a:r>
+            <a:r>
+              <a:rPr lang="en-CA" b="1" i="1" u="sng" baseline="0" dirty="0" err="1"/>
+              <a:t>cohérente</a:t>
+            </a:r>
+            <a:r>
+              <a:rPr lang="en-CA" baseline="0" dirty="0"/>
+              <a:t> </a:t>
+            </a:r>
+            <a:r>
+              <a:rPr lang="en-CA" baseline="0" dirty="0" err="1"/>
+              <a:t>si</a:t>
+            </a:r>
+            <a:r>
+              <a:rPr lang="en-CA" baseline="0" dirty="0"/>
+              <a:t> </a:t>
+            </a:r>
+            <a:r>
+              <a:rPr lang="en-CA" baseline="0" dirty="0" err="1"/>
+              <a:t>elle</a:t>
+            </a:r>
+            <a:r>
+              <a:rPr lang="en-CA" baseline="0" dirty="0"/>
+              <a:t> </a:t>
+            </a:r>
+            <a:r>
+              <a:rPr lang="en-CA" baseline="0" dirty="0" err="1"/>
+              <a:t>prédit</a:t>
+            </a:r>
+            <a:r>
+              <a:rPr lang="en-CA" baseline="0" dirty="0"/>
+              <a:t> </a:t>
+            </a:r>
+            <a:r>
+              <a:rPr lang="en-CA" baseline="0" dirty="0" err="1"/>
+              <a:t>correctement</a:t>
+            </a:r>
+            <a:r>
+              <a:rPr lang="en-CA" baseline="0" dirty="0"/>
+              <a:t> la </a:t>
+            </a:r>
+            <a:r>
+              <a:rPr lang="en-CA" baseline="0" dirty="0" err="1"/>
+              <a:t>valeur</a:t>
+            </a:r>
+            <a:r>
+              <a:rPr lang="en-CA" baseline="0" dirty="0"/>
+              <a:t> de y pour les </a:t>
+            </a:r>
+            <a:r>
+              <a:rPr lang="en-CA" baseline="0" dirty="0" err="1"/>
+              <a:t>exemples</a:t>
+            </a:r>
+            <a:r>
+              <a:rPr lang="en-CA" baseline="0" dirty="0"/>
+              <a:t> </a:t>
+            </a:r>
+            <a:r>
+              <a:rPr lang="en-CA" baseline="0" dirty="0" err="1"/>
               <a:t>d’entraînement</a:t>
             </a:r>
             <a:r>
@@ -4695,102 +5056,49 @@
             </a:r>
           </a:p>
           <a:p>
+            <a:endParaRPr lang="fr-CA" baseline="0" dirty="0"/>
+          </a:p>
+          <a:p>
+            <a:pPr defTabSz="483306">
+              <a:defRPr/>
+            </a:pPr>
+            <a:r>
+              <a:rPr lang="fr-CA" dirty="0"/>
+              <a:t>Le problème d’apprentissage est </a:t>
+            </a:r>
+            <a:r>
+              <a:rPr lang="fr-CA" b="1" dirty="0"/>
+              <a:t>réalisable </a:t>
+            </a:r>
+            <a:r>
+              <a:rPr lang="fr-CA" dirty="0"/>
+              <a:t>si </a:t>
+            </a:r>
+            <a:r>
+              <a:rPr lang="fr-CA" i="1" dirty="0"/>
+              <a:t>f(x) </a:t>
+            </a:r>
+            <a:r>
+              <a:rPr lang="el-GR" i="1" dirty="0">
+                <a:latin typeface="Times New Roman"/>
+                <a:cs typeface="Times New Roman"/>
+              </a:rPr>
+              <a:t>ϵ</a:t>
+            </a:r>
+            <a:r>
+              <a:rPr lang="en-CA" i="1" dirty="0">
+                <a:latin typeface="Times New Roman"/>
+                <a:cs typeface="Times New Roman"/>
+              </a:rPr>
+              <a:t> H</a:t>
+            </a:r>
+            <a:endParaRPr lang="fr-CA" i="1" dirty="0"/>
+          </a:p>
+          <a:p>
             <a:endParaRPr lang="en-CA" baseline="0" dirty="0"/>
           </a:p>
           <a:p>
-            <a:r>
-              <a:rPr lang="en-CA" dirty="0" err="1"/>
-              <a:t>Ici</a:t>
-            </a:r>
-            <a:r>
-              <a:rPr lang="en-CA" dirty="0"/>
-              <a:t>, on </a:t>
-            </a:r>
-            <a:r>
-              <a:rPr lang="en-CA" dirty="0" err="1"/>
-              <a:t>cherche</a:t>
-            </a:r>
-            <a:r>
-              <a:rPr lang="en-CA" dirty="0"/>
-              <a:t> à minimiser </a:t>
-            </a:r>
-            <a:r>
-              <a:rPr lang="en-CA" dirty="0" err="1"/>
-              <a:t>l’erreur</a:t>
-            </a:r>
-            <a:r>
-              <a:rPr lang="en-CA" dirty="0"/>
-              <a:t> </a:t>
-            </a:r>
-            <a:r>
-              <a:rPr lang="en-CA" dirty="0" err="1"/>
-              <a:t>généralisée</a:t>
-            </a:r>
-            <a:r>
-              <a:rPr lang="en-CA" dirty="0"/>
-              <a:t> (</a:t>
-            </a:r>
-            <a:r>
-              <a:rPr lang="en-CA" dirty="0" err="1"/>
-              <a:t>c.à</a:t>
-            </a:r>
-            <a:r>
-              <a:rPr lang="en-CA" dirty="0"/>
-              <a:t>-d., </a:t>
-            </a:r>
-            <a:r>
-              <a:rPr lang="en-CA" dirty="0" err="1"/>
-              <a:t>incluant</a:t>
-            </a:r>
-            <a:r>
-              <a:rPr lang="en-CA" dirty="0"/>
-              <a:t> les</a:t>
-            </a:r>
-            <a:r>
-              <a:rPr lang="en-CA" baseline="0" dirty="0"/>
-              <a:t> </a:t>
-            </a:r>
-            <a:r>
-              <a:rPr lang="en-CA" baseline="0" dirty="0" err="1"/>
-              <a:t>données</a:t>
-            </a:r>
-            <a:r>
-              <a:rPr lang="en-CA" baseline="0" dirty="0"/>
-              <a:t> à </a:t>
-            </a:r>
-            <a:r>
-              <a:rPr lang="en-CA" baseline="0" dirty="0" err="1"/>
-              <a:t>venir</a:t>
-            </a:r>
-            <a:r>
-              <a:rPr lang="en-CA" baseline="0" dirty="0"/>
-              <a:t>, pas </a:t>
-            </a:r>
-            <a:r>
-              <a:rPr lang="en-CA" baseline="0" dirty="0" err="1"/>
-              <a:t>juste</a:t>
-            </a:r>
-            <a:r>
-              <a:rPr lang="en-CA" baseline="0" dirty="0"/>
-              <a:t> les </a:t>
-            </a:r>
-            <a:r>
-              <a:rPr lang="en-CA" baseline="0" dirty="0" err="1"/>
-              <a:t>données</a:t>
-            </a:r>
-            <a:r>
-              <a:rPr lang="en-CA" baseline="0" dirty="0"/>
-              <a:t> </a:t>
-            </a:r>
-            <a:r>
-              <a:rPr lang="en-CA" baseline="0" dirty="0" err="1"/>
-              <a:t>d’entrainement</a:t>
-            </a:r>
-            <a:r>
-              <a:rPr lang="en-CA" baseline="0" dirty="0"/>
-              <a:t>).</a:t>
-            </a:r>
-            <a:endParaRPr lang="en-CA" dirty="0"/>
+            <a:endParaRPr lang="en-CA" baseline="0" dirty="0"/>
           </a:p>
           <a:p>
             <a:endParaRPr lang="en-CA" dirty="0"/>
@@ -4877,6 +5185,253 @@
           <a:bodyPr/>
           <a:lstStyle/>
           <a:p>
+            <a:endParaRPr lang="en-CA" baseline="0" dirty="0"/>
+          </a:p>
+          <a:p>
+            <a:r>
+              <a:rPr lang="en-CA" baseline="0" dirty="0" err="1"/>
+              <a:t>L’apprentissage</a:t>
+            </a:r>
+            <a:r>
+              <a:rPr lang="en-CA" baseline="0" dirty="0"/>
+              <a:t> </a:t>
+            </a:r>
+            <a:r>
+              <a:rPr lang="en-CA" baseline="0" dirty="0" err="1"/>
+              <a:t>est</a:t>
+            </a:r>
+            <a:r>
+              <a:rPr lang="en-CA" baseline="0" dirty="0"/>
+              <a:t> </a:t>
+            </a:r>
+            <a:r>
+              <a:rPr lang="en-CA" baseline="0" dirty="0" err="1"/>
+              <a:t>une</a:t>
+            </a:r>
+            <a:r>
+              <a:rPr lang="en-CA" baseline="0" dirty="0"/>
+              <a:t> </a:t>
+            </a:r>
+            <a:r>
+              <a:rPr lang="en-CA" baseline="0" dirty="0" err="1"/>
+              <a:t>recherche</a:t>
+            </a:r>
+            <a:r>
+              <a:rPr lang="en-CA" baseline="0" dirty="0"/>
+              <a:t> </a:t>
+            </a:r>
+            <a:r>
+              <a:rPr lang="en-CA" baseline="0" dirty="0" err="1"/>
+              <a:t>dans</a:t>
+            </a:r>
+            <a:r>
+              <a:rPr lang="en-CA" baseline="0" dirty="0"/>
+              <a:t> un </a:t>
+            </a:r>
+            <a:r>
+              <a:rPr lang="en-CA" b="1" i="1" u="sng" baseline="0" dirty="0" err="1"/>
+              <a:t>espace</a:t>
+            </a:r>
+            <a:r>
+              <a:rPr lang="en-CA" b="1" i="1" u="sng" baseline="0" dirty="0"/>
+              <a:t> </a:t>
+            </a:r>
+            <a:r>
+              <a:rPr lang="en-CA" b="1" i="1" u="sng" baseline="0" dirty="0" err="1"/>
+              <a:t>d’hypothèses</a:t>
+            </a:r>
+            <a:r>
+              <a:rPr lang="en-CA" b="1" i="1" u="sng" baseline="0" dirty="0"/>
+              <a:t> </a:t>
+            </a:r>
+            <a:r>
+              <a:rPr lang="en-CA" baseline="0" dirty="0" err="1"/>
+              <a:t>possibles</a:t>
+            </a:r>
+            <a:r>
+              <a:rPr lang="en-CA" baseline="0" dirty="0"/>
+              <a:t> pour </a:t>
+            </a:r>
+            <a:r>
+              <a:rPr lang="en-CA" baseline="0" dirty="0" err="1"/>
+              <a:t>trouver</a:t>
+            </a:r>
+            <a:r>
+              <a:rPr lang="en-CA" baseline="0" dirty="0"/>
+              <a:t>  </a:t>
+            </a:r>
+            <a:r>
+              <a:rPr lang="en-CA" baseline="0" dirty="0" err="1"/>
+              <a:t>l’hypothèse</a:t>
+            </a:r>
+            <a:r>
+              <a:rPr lang="en-CA" baseline="0" dirty="0"/>
+              <a:t> qui se </a:t>
+            </a:r>
+            <a:r>
+              <a:rPr lang="en-CA" baseline="0" dirty="0" err="1"/>
+              <a:t>comporte</a:t>
+            </a:r>
+            <a:r>
+              <a:rPr lang="en-CA" baseline="0" dirty="0"/>
+              <a:t> </a:t>
+            </a:r>
+            <a:r>
+              <a:rPr lang="en-CA" baseline="0" dirty="0" err="1"/>
+              <a:t>bien</a:t>
+            </a:r>
+            <a:r>
+              <a:rPr lang="en-CA" baseline="0" dirty="0"/>
+              <a:t> </a:t>
+            </a:r>
+            <a:r>
+              <a:rPr lang="en-CA" baseline="0" dirty="0" err="1"/>
+              <a:t>même</a:t>
+            </a:r>
+            <a:r>
+              <a:rPr lang="en-CA" baseline="0" dirty="0"/>
+              <a:t> </a:t>
+            </a:r>
+            <a:r>
+              <a:rPr lang="en-CA" baseline="0" dirty="0" err="1"/>
+              <a:t>sur</a:t>
+            </a:r>
+            <a:r>
+              <a:rPr lang="en-CA" baseline="0" dirty="0"/>
+              <a:t> des </a:t>
+            </a:r>
+            <a:r>
+              <a:rPr lang="en-CA" baseline="0" dirty="0" err="1"/>
+              <a:t>exemples</a:t>
+            </a:r>
+            <a:r>
+              <a:rPr lang="en-CA" baseline="0" dirty="0"/>
+              <a:t> </a:t>
+            </a:r>
+            <a:r>
+              <a:rPr lang="en-CA" baseline="0" dirty="0" err="1"/>
+              <a:t>n’appartenant</a:t>
+            </a:r>
+            <a:r>
+              <a:rPr lang="en-CA" baseline="0" dirty="0"/>
+              <a:t> pas à </a:t>
+            </a:r>
+            <a:r>
+              <a:rPr lang="en-CA" baseline="0" dirty="0" err="1"/>
+              <a:t>l’ensemble</a:t>
+            </a:r>
+            <a:r>
+              <a:rPr lang="en-CA" baseline="0" dirty="0"/>
+              <a:t> </a:t>
+            </a:r>
+            <a:r>
+              <a:rPr lang="en-CA" baseline="0" dirty="0" err="1"/>
+              <a:t>d’entraînement</a:t>
+            </a:r>
+            <a:r>
+              <a:rPr lang="en-CA" baseline="0" dirty="0"/>
+              <a:t>.</a:t>
+            </a:r>
+          </a:p>
+          <a:p>
+            <a:endParaRPr lang="en-CA" baseline="0" dirty="0"/>
+          </a:p>
+          <a:p>
+            <a:r>
+              <a:rPr lang="en-CA" dirty="0" err="1"/>
+              <a:t>Ici</a:t>
+            </a:r>
+            <a:r>
+              <a:rPr lang="en-CA" dirty="0"/>
+              <a:t>, on </a:t>
+            </a:r>
+            <a:r>
+              <a:rPr lang="en-CA" dirty="0" err="1"/>
+              <a:t>cherche</a:t>
+            </a:r>
+            <a:r>
+              <a:rPr lang="en-CA" dirty="0"/>
+              <a:t> à minimiser </a:t>
+            </a:r>
+            <a:r>
+              <a:rPr lang="en-CA" dirty="0" err="1"/>
+              <a:t>l’erreur</a:t>
+            </a:r>
+            <a:r>
+              <a:rPr lang="en-CA" dirty="0"/>
+              <a:t> </a:t>
+            </a:r>
+            <a:r>
+              <a:rPr lang="en-CA" dirty="0" err="1"/>
+              <a:t>généralisée</a:t>
+            </a:r>
+            <a:r>
+              <a:rPr lang="en-CA" dirty="0"/>
+              <a:t> (</a:t>
+            </a:r>
+            <a:r>
+              <a:rPr lang="en-CA" dirty="0" err="1"/>
+              <a:t>c.à</a:t>
+            </a:r>
+            <a:r>
+              <a:rPr lang="en-CA" dirty="0"/>
+              <a:t>-d., </a:t>
+            </a:r>
+            <a:r>
+              <a:rPr lang="en-CA" dirty="0" err="1"/>
+              <a:t>incluant</a:t>
+            </a:r>
+            <a:r>
+              <a:rPr lang="en-CA" dirty="0"/>
+              <a:t> les</a:t>
+            </a:r>
+            <a:r>
+              <a:rPr lang="en-CA" baseline="0" dirty="0"/>
+              <a:t> </a:t>
+            </a:r>
+            <a:r>
+              <a:rPr lang="en-CA" baseline="0" dirty="0" err="1"/>
+              <a:t>données</a:t>
+            </a:r>
+            <a:r>
+              <a:rPr lang="en-CA" baseline="0" dirty="0"/>
+              <a:t> à </a:t>
+            </a:r>
+            <a:r>
+              <a:rPr lang="en-CA" baseline="0" dirty="0" err="1"/>
+              <a:t>venir</a:t>
+            </a:r>
+            <a:r>
+              <a:rPr lang="en-CA" baseline="0" dirty="0"/>
+              <a:t>, pas </a:t>
+            </a:r>
+            <a:r>
+              <a:rPr lang="en-CA" baseline="0" dirty="0" err="1"/>
+              <a:t>juste</a:t>
+            </a:r>
+            <a:r>
+              <a:rPr lang="en-CA" baseline="0" dirty="0"/>
+              <a:t> les </a:t>
+            </a:r>
+            <a:r>
+              <a:rPr lang="en-CA" baseline="0" dirty="0" err="1"/>
+              <a:t>données</a:t>
+            </a:r>
+            <a:r>
+              <a:rPr lang="en-CA" baseline="0" dirty="0"/>
+              <a:t> </a:t>
+            </a:r>
+            <a:r>
+              <a:rPr lang="en-CA" baseline="0" dirty="0" err="1"/>
+              <a:t>d’entrainement</a:t>
+            </a:r>
+            <a:r>
+              <a:rPr lang="en-CA" baseline="0" dirty="0"/>
+              <a:t>).</a:t>
+            </a:r>
+            <a:endParaRPr lang="en-CA" dirty="0"/>
+          </a:p>
+          <a:p>
             <a:endParaRPr lang="en-CA" dirty="0"/>
           </a:p>
         </p:txBody>
@@ -4961,6 +5516,69 @@
           <a:bodyPr/>
           <a:lstStyle/>
           <a:p>
+            <a:r>
+              <a:rPr lang="fr-CA" dirty="0"/>
+              <a:t>Dans ce cours, nous voyons:</a:t>
+            </a:r>
+          </a:p>
+          <a:p>
+            <a:pPr lvl="1"/>
+            <a:r>
+              <a:rPr lang="en-CA" dirty="0"/>
+              <a:t>K plus </a:t>
+            </a:r>
+            <a:r>
+              <a:rPr lang="en-CA" dirty="0" err="1"/>
+              <a:t>proches</a:t>
+            </a:r>
+            <a:r>
+              <a:rPr lang="en-CA" dirty="0"/>
+              <a:t> </a:t>
+            </a:r>
+            <a:r>
+              <a:rPr lang="en-CA" dirty="0" err="1"/>
+              <a:t>voisins</a:t>
+            </a:r>
+            <a:endParaRPr lang="fr-CA" dirty="0"/>
+          </a:p>
+          <a:p>
+            <a:pPr lvl="1"/>
+            <a:r>
+              <a:rPr lang="fr-CA" dirty="0"/>
+              <a:t>Perceptron </a:t>
+            </a:r>
+          </a:p>
+          <a:p>
+            <a:pPr lvl="1"/>
+            <a:r>
+              <a:rPr lang="en-CA" dirty="0" err="1"/>
+              <a:t>Régression</a:t>
+            </a:r>
+            <a:r>
+              <a:rPr lang="en-CA" dirty="0"/>
+              <a:t> </a:t>
+            </a:r>
+            <a:r>
+              <a:rPr lang="en-CA" dirty="0" err="1"/>
+              <a:t>logistique</a:t>
+            </a:r>
+            <a:endParaRPr lang="fr-CA" dirty="0"/>
+          </a:p>
+          <a:p>
+            <a:pPr lvl="1"/>
+            <a:r>
+              <a:rPr lang="fr-CA" dirty="0"/>
+              <a:t>Réseau de neurones</a:t>
+            </a:r>
+          </a:p>
+          <a:p>
+            <a:pPr lvl="1"/>
+            <a:r>
+              <a:rPr lang="fr-CA" dirty="0"/>
+              <a:t>Arbre de décision</a:t>
+            </a:r>
+          </a:p>
+          <a:p>
             <a:endParaRPr lang="en-CA" dirty="0"/>
           </a:p>
         </p:txBody>
@@ -5045,7 +5663,7 @@
           <a:bodyPr/>
           <a:lstStyle/>
           <a:p>
-            <a:endParaRPr lang="en-CA" baseline="0" dirty="0"/>
+            <a:endParaRPr lang="en-CA" dirty="0"/>
           </a:p>
         </p:txBody>
       </p:sp>
@@ -5075,7 +5693,7 @@
     </p:spTree>
     <p:extLst>
       <p:ext uri="{BB962C8B-B14F-4D97-AF65-F5344CB8AC3E}">
-        <p14:creationId xmlns:p14="http://schemas.microsoft.com/office/powerpoint/2010/main" val="1283710887"/>
+        <p14:creationId xmlns:p14="http://schemas.microsoft.com/office/powerpoint/2010/main" val="1663102842"/>
       </p:ext>
     </p:extLst>
   </p:cSld>
@@ -5129,7 +5747,7 @@
           <a:bodyPr/>
           <a:lstStyle/>
           <a:p>
-            <a:endParaRPr lang="fr-CA"/>
+            <a:endParaRPr lang="en-CA" baseline="0" dirty="0"/>
           </a:p>
         </p:txBody>
       </p:sp>
@@ -5159,7 +5777,7 @@
     </p:spTree>
     <p:extLst>
       <p:ext uri="{BB962C8B-B14F-4D97-AF65-F5344CB8AC3E}">
-        <p14:creationId xmlns:p14="http://schemas.microsoft.com/office/powerpoint/2010/main" val="3644399767"/>
+        <p14:creationId xmlns:p14="http://schemas.microsoft.com/office/powerpoint/2010/main" val="1283710887"/>
       </p:ext>
     </p:extLst>
   </p:cSld>
@@ -5213,7 +5831,7 @@
           <a:bodyPr/>
           <a:lstStyle/>
           <a:p>
-            <a:endParaRPr lang="en-CA" baseline="0" dirty="0"/>
+            <a:endParaRPr lang="fr-CA"/>
           </a:p>
         </p:txBody>
       </p:sp>
@@ -5243,7 +5861,7 @@
     </p:spTree>
     <p:extLst>
       <p:ext uri="{BB962C8B-B14F-4D97-AF65-F5344CB8AC3E}">
-        <p14:creationId xmlns:p14="http://schemas.microsoft.com/office/powerpoint/2010/main" val="1902795364"/>
+        <p14:creationId xmlns:p14="http://schemas.microsoft.com/office/powerpoint/2010/main" val="3644399767"/>
       </p:ext>
     </p:extLst>
   </p:cSld>
@@ -5297,7 +5915,7 @@
           <a:bodyPr/>
           <a:lstStyle/>
           <a:p>
-            <a:endParaRPr lang="fr-CA"/>
+            <a:endParaRPr lang="en-CA" baseline="0" dirty="0"/>
           </a:p>
         </p:txBody>
       </p:sp>
@@ -5327,7 +5945,7 @@
     </p:spTree>
     <p:extLst>
       <p:ext uri="{BB962C8B-B14F-4D97-AF65-F5344CB8AC3E}">
-        <p14:creationId xmlns:p14="http://schemas.microsoft.com/office/powerpoint/2010/main" val="2853123187"/>
+        <p14:creationId xmlns:p14="http://schemas.microsoft.com/office/powerpoint/2010/main" val="1902795364"/>
       </p:ext>
     </p:extLst>
   </p:cSld>
@@ -5747,7 +6365,7 @@
     </p:spTree>
     <p:extLst>
       <p:ext uri="{BB962C8B-B14F-4D97-AF65-F5344CB8AC3E}">
-        <p14:creationId xmlns:p14="http://schemas.microsoft.com/office/powerpoint/2010/main" val="2406957233"/>
+        <p14:creationId xmlns:p14="http://schemas.microsoft.com/office/powerpoint/2010/main" val="3058389511"/>
       </p:ext>
     </p:extLst>
   </p:cSld>
@@ -5831,7 +6449,7 @@
     </p:spTree>
     <p:extLst>
       <p:ext uri="{BB962C8B-B14F-4D97-AF65-F5344CB8AC3E}">
-        <p14:creationId xmlns:p14="http://schemas.microsoft.com/office/powerpoint/2010/main" val="4100547699"/>
+        <p14:creationId xmlns:p14="http://schemas.microsoft.com/office/powerpoint/2010/main" val="2853123187"/>
       </p:ext>
     </p:extLst>
   </p:cSld>
@@ -5915,7 +6533,7 @@
     </p:spTree>
     <p:extLst>
       <p:ext uri="{BB962C8B-B14F-4D97-AF65-F5344CB8AC3E}">
-        <p14:creationId xmlns:p14="http://schemas.microsoft.com/office/powerpoint/2010/main" val="3058389511"/>
+        <p14:creationId xmlns:p14="http://schemas.microsoft.com/office/powerpoint/2010/main" val="2406957233"/>
       </p:ext>
     </p:extLst>
   </p:cSld>
@@ -5969,45 +6587,7 @@
           <a:bodyPr/>
           <a:lstStyle/>
           <a:p>
-            <a:r>
-              <a:rPr lang="fr-CA" dirty="0"/>
-              <a:t>Comment évaluer le succès d’un algorithme?</a:t>
-            </a:r>
-          </a:p>
-          <a:p>
-            <a:pPr lvl="1"/>
-            <a:r>
-              <a:rPr lang="fr-CA" dirty="0"/>
-              <a:t>on pourrait regarder l’erreur moyenne commise sur les exemples d’entraînement, mais cette erreur sera nécessairement optimiste</a:t>
-            </a:r>
-          </a:p>
-          <a:p>
-            <a:pPr lvl="2"/>
-            <a:r>
-              <a:rPr lang="fr-CA" dirty="0"/>
-              <a:t>     a déjà vu la bonne réponse pour ces exemples!</a:t>
-            </a:r>
-          </a:p>
-          <a:p>
-            <a:pPr lvl="2"/>
-            <a:r>
-              <a:rPr lang="fr-CA" dirty="0"/>
-              <a:t>on mesure donc seulement la capacité de l’algorithme à </a:t>
-            </a:r>
-            <a:r>
-              <a:rPr lang="fr-CA" b="1" dirty="0"/>
-              <a:t>mémoriser</a:t>
-            </a:r>
-          </a:p>
-          <a:p>
-            <a:pPr lvl="2"/>
-            <a:r>
-              <a:rPr lang="fr-CA" dirty="0"/>
-              <a:t>dans le cas 1 plus proche voisin, l’erreur sera de 0!</a:t>
-            </a:r>
-          </a:p>
-          <a:p>
-            <a:endParaRPr lang="fr-CA" dirty="0"/>
+            <a:endParaRPr lang="fr-CA"/>
           </a:p>
         </p:txBody>
       </p:sp>
@@ -6037,7 +6617,7 @@
     </p:spTree>
     <p:extLst>
       <p:ext uri="{BB962C8B-B14F-4D97-AF65-F5344CB8AC3E}">
-        <p14:creationId xmlns:p14="http://schemas.microsoft.com/office/powerpoint/2010/main" val="166337323"/>
+        <p14:creationId xmlns:p14="http://schemas.microsoft.com/office/powerpoint/2010/main" val="4100547699"/>
       </p:ext>
     </p:extLst>
   </p:cSld>
@@ -6066,6 +6646,128 @@
       </p:grpSpPr>
       <p:sp>
         <p:nvSpPr>
+          <p:cNvPr id="2" name="Slide Image Placeholder 1"/>
+          <p:cNvSpPr>
+            <a:spLocks noGrp="1" noRot="1" noChangeAspect="1"/>
+          </p:cNvSpPr>
+          <p:nvPr>
+            <p:ph type="sldImg"/>
+          </p:nvPr>
+        </p:nvSpPr>
+        <p:spPr/>
+      </p:sp>
+      <p:sp>
+        <p:nvSpPr>
+          <p:cNvPr id="3" name="Notes Placeholder 2"/>
+          <p:cNvSpPr>
+            <a:spLocks noGrp="1"/>
+          </p:cNvSpPr>
+          <p:nvPr>
+            <p:ph type="body" idx="1"/>
+          </p:nvPr>
+        </p:nvSpPr>
+        <p:spPr/>
+        <p:txBody>
+          <a:bodyPr/>
+          <a:lstStyle/>
+          <a:p>
+            <a:r>
+              <a:rPr lang="fr-CA" dirty="0"/>
+              <a:t>Comment évaluer le succès d’un algorithme?</a:t>
+            </a:r>
+          </a:p>
+          <a:p>
+            <a:pPr lvl="1"/>
+            <a:r>
+              <a:rPr lang="fr-CA" dirty="0"/>
+              <a:t>on pourrait regarder l’erreur moyenne commise sur les exemples d’entraînement, mais cette erreur sera nécessairement optimiste</a:t>
+            </a:r>
+          </a:p>
+          <a:p>
+            <a:pPr lvl="2"/>
+            <a:r>
+              <a:rPr lang="fr-CA" dirty="0"/>
+              <a:t>     a déjà vu la bonne réponse pour ces exemples!</a:t>
+            </a:r>
+          </a:p>
+          <a:p>
+            <a:pPr lvl="2"/>
+            <a:r>
+              <a:rPr lang="fr-CA" dirty="0"/>
+              <a:t>on mesure donc seulement la capacité de l’algorithme à </a:t>
+            </a:r>
+            <a:r>
+              <a:rPr lang="fr-CA" b="1" dirty="0"/>
+              <a:t>mémoriser</a:t>
+            </a:r>
+          </a:p>
+          <a:p>
+            <a:pPr lvl="2"/>
+            <a:r>
+              <a:rPr lang="fr-CA" dirty="0"/>
+              <a:t>dans le cas 1 plus proche voisin, l’erreur sera de 0!</a:t>
+            </a:r>
+          </a:p>
+          <a:p>
+            <a:endParaRPr lang="fr-CA" dirty="0"/>
+          </a:p>
+        </p:txBody>
+      </p:sp>
+      <p:sp>
+        <p:nvSpPr>
+          <p:cNvPr id="4" name="Slide Number Placeholder 3"/>
+          <p:cNvSpPr>
+            <a:spLocks noGrp="1"/>
+          </p:cNvSpPr>
+          <p:nvPr>
+            <p:ph type="sldNum" sz="quarter" idx="10"/>
+          </p:nvPr>
+        </p:nvSpPr>
+        <p:spPr/>
+        <p:txBody>
+          <a:bodyPr/>
+          <a:lstStyle/>
+          <a:p>
+            <a:fld id="{23CAEC78-AE16-A645-AA19-9BF2035CFA6B}" type="slidenum">
+              <a:rPr lang="fr-CA" smtClean="0"/>
+              <a:t>25</a:t>
+            </a:fld>
+            <a:endParaRPr lang="fr-CA"/>
+          </a:p>
+        </p:txBody>
+      </p:sp>
+    </p:spTree>
+    <p:extLst>
+      <p:ext uri="{BB962C8B-B14F-4D97-AF65-F5344CB8AC3E}">
+        <p14:creationId xmlns:p14="http://schemas.microsoft.com/office/powerpoint/2010/main" val="166337323"/>
+      </p:ext>
+    </p:extLst>
+  </p:cSld>
+  <p:clrMapOvr>
+    <a:masterClrMapping/>
+  </p:clrMapOvr>
+</p:notes>
+</file>
+
+<file path=ppt/notesSlides/notesSlide26.xml><?xml version="1.0" encoding="utf-8"?>
+<p:notes xmlns:a="http://schemas.openxmlformats.org/drawingml/2006/main" xmlns:r="http://schemas.openxmlformats.org/officeDocument/2006/relationships" xmlns:p="http://schemas.openxmlformats.org/presentationml/2006/main">
+  <p:cSld>
+    <p:spTree>
+      <p:nvGrpSpPr>
+        <p:cNvPr id="1" name=""/>
+        <p:cNvGrpSpPr/>
+        <p:nvPr/>
+      </p:nvGrpSpPr>
+      <p:grpSpPr>
+        <a:xfrm>
+          <a:off x="0" y="0"/>
+          <a:ext cx="0" cy="0"/>
+          <a:chOff x="0" y="0"/>
+          <a:chExt cx="0" cy="0"/>
+        </a:xfrm>
+      </p:grpSpPr>
+      <p:sp>
+        <p:nvSpPr>
           <p:cNvPr id="74753" name="Rectangle 2"/>
           <p:cNvSpPr>
             <a:spLocks noGrp="1" noRot="1" noChangeAspect="1" noChangeArrowheads="1" noTextEdit="1"/>
@@ -6118,7 +6820,7 @@
               </a14:hiddenLine>
             </a:ext>
             <a:ext uri="{FAA26D3D-D897-4be2-8F04-BA451C77F1D7}">
-              <ma14:placeholderFlag xmlns="" xmlns:ma14="http://schemas.microsoft.com/office/mac/drawingml/2011/main" val="1"/>
+              <ma14:placeholderFlag xmlns:ma14="http://schemas.microsoft.com/office/mac/drawingml/2011/main" xmlns="" val="1"/>
             </a:ext>
           </a:extLst>
         </p:spPr>
@@ -7131,22 +7833,15 @@
         </p:nvSpPr>
         <p:spPr/>
         <p:txBody>
-          <a:bodyPr/>
+          <a:bodyPr>
+            <a:normAutofit/>
+          </a:bodyPr>
           <a:lstStyle/>
           <a:p>
             <a:r>
-              <a:rPr lang="en-CA" dirty="0"/>
-              <a:t>Section 8.1</a:t>
-            </a:r>
-            <a:r>
-              <a:rPr lang="en-CA" baseline="0" dirty="0"/>
-              <a:t> du </a:t>
-            </a:r>
-            <a:r>
-              <a:rPr lang="en-CA" baseline="0" dirty="0" err="1"/>
-              <a:t>livre</a:t>
-            </a:r>
-            <a:endParaRPr lang="en-CA" dirty="0"/>
+              <a:rPr lang="en-CA" sz="1300" dirty="0"/>
+              <a:t>An example training set for four visual categories. In practice we may have thousands of categories and hundreds of thousands of images for each category.</a:t>
+            </a:r>
           </a:p>
         </p:txBody>
       </p:sp>
@@ -7176,7 +7871,7 @@
     </p:spTree>
     <p:extLst>
       <p:ext uri="{BB962C8B-B14F-4D97-AF65-F5344CB8AC3E}">
-        <p14:creationId xmlns:p14="http://schemas.microsoft.com/office/powerpoint/2010/main" val="624077586"/>
+        <p14:creationId xmlns:p14="http://schemas.microsoft.com/office/powerpoint/2010/main" val="1092285389"/>
       </p:ext>
     </p:extLst>
   </p:cSld>
@@ -8604,7 +9299,7 @@
               </a14:hiddenLine>
             </a:ext>
             <a:ext uri="{FAA26D3D-D897-4be2-8F04-BA451C77F1D7}">
-              <ma14:placeholderFlag xmlns="" xmlns:ma14="http://schemas.microsoft.com/office/mac/drawingml/2011/main" val="1"/>
+              <ma14:placeholderFlag xmlns:ma14="http://schemas.microsoft.com/office/mac/drawingml/2011/main" xmlns="" val="1"/>
             </a:ext>
           </a:extLst>
         </p:spPr>
@@ -8665,7 +9360,7 @@
               </a14:hiddenLine>
             </a:ext>
             <a:ext uri="{FAA26D3D-D897-4be2-8F04-BA451C77F1D7}">
-              <ma14:placeholderFlag xmlns="" xmlns:ma14="http://schemas.microsoft.com/office/mac/drawingml/2011/main" val="1"/>
+              <ma14:placeholderFlag xmlns:ma14="http://schemas.microsoft.com/office/mac/drawingml/2011/main" xmlns="" val="1"/>
             </a:ext>
           </a:extLst>
         </p:spPr>
@@ -9724,6 +10419,180 @@
       </p:grpSpPr>
       <p:sp>
         <p:nvSpPr>
+          <p:cNvPr id="2" name="Title 1"/>
+          <p:cNvSpPr>
+            <a:spLocks noGrp="1"/>
+          </p:cNvSpPr>
+          <p:nvPr>
+            <p:ph type="title"/>
+          </p:nvPr>
+        </p:nvSpPr>
+        <p:spPr>
+          <a:xfrm>
+            <a:off x="722312" y="4406900"/>
+            <a:ext cx="8193087" cy="1362075"/>
+          </a:xfrm>
+        </p:spPr>
+        <p:txBody>
+          <a:bodyPr/>
+          <a:lstStyle/>
+          <a:p>
+            <a:r>
+              <a:rPr lang="en-CA" dirty="0" err="1"/>
+              <a:t>Apprentissage</a:t>
+            </a:r>
+            <a:r>
+              <a:rPr lang="en-CA" dirty="0"/>
+              <a:t> </a:t>
+            </a:r>
+            <a:r>
+              <a:rPr lang="en-CA" dirty="0" err="1"/>
+              <a:t>supervisÉ</a:t>
+            </a:r>
+            <a:r>
+              <a:rPr lang="en-CA" dirty="0"/>
+              <a:t> : formulation du </a:t>
+            </a:r>
+            <a:r>
+              <a:rPr lang="en-CA" dirty="0" err="1"/>
+              <a:t>problème</a:t>
+            </a:r>
+            <a:endParaRPr lang="en-CA" dirty="0"/>
+          </a:p>
+        </p:txBody>
+      </p:sp>
+      <p:sp>
+        <p:nvSpPr>
+          <p:cNvPr id="3" name="Text Placeholder 2"/>
+          <p:cNvSpPr>
+            <a:spLocks noGrp="1"/>
+          </p:cNvSpPr>
+          <p:nvPr>
+            <p:ph type="body" idx="1"/>
+          </p:nvPr>
+        </p:nvSpPr>
+        <p:spPr/>
+        <p:txBody>
+          <a:bodyPr/>
+          <a:lstStyle/>
+          <a:p>
+            <a:endParaRPr lang="en-CA"/>
+          </a:p>
+        </p:txBody>
+      </p:sp>
+      <p:sp>
+        <p:nvSpPr>
+          <p:cNvPr id="4" name="Date Placeholder 3"/>
+          <p:cNvSpPr>
+            <a:spLocks noGrp="1"/>
+          </p:cNvSpPr>
+          <p:nvPr>
+            <p:ph type="dt" sz="half" idx="10"/>
+          </p:nvPr>
+        </p:nvSpPr>
+        <p:spPr/>
+        <p:txBody>
+          <a:bodyPr/>
+          <a:lstStyle/>
+          <a:p>
+            <a:pPr>
+              <a:defRPr/>
+            </a:pPr>
+            <a:r>
+              <a:rPr lang="fr-FR"/>
+              <a:t>IFT615</a:t>
+            </a:r>
+            <a:endParaRPr lang="fr-CA" dirty="0"/>
+          </a:p>
+        </p:txBody>
+      </p:sp>
+      <p:sp>
+        <p:nvSpPr>
+          <p:cNvPr id="5" name="Footer Placeholder 4"/>
+          <p:cNvSpPr>
+            <a:spLocks noGrp="1"/>
+          </p:cNvSpPr>
+          <p:nvPr>
+            <p:ph type="ftr" sz="quarter" idx="11"/>
+          </p:nvPr>
+        </p:nvSpPr>
+        <p:spPr/>
+        <p:txBody>
+          <a:bodyPr/>
+          <a:lstStyle/>
+          <a:p>
+            <a:pPr>
+              <a:defRPr/>
+            </a:pPr>
+            <a:r>
+              <a:rPr lang="de-DE"/>
+              <a:t>Hugo Larochelle et Froduald Kabanza</a:t>
+            </a:r>
+            <a:endParaRPr lang="fr-CA" dirty="0"/>
+          </a:p>
+        </p:txBody>
+      </p:sp>
+      <p:sp>
+        <p:nvSpPr>
+          <p:cNvPr id="6" name="Slide Number Placeholder 5"/>
+          <p:cNvSpPr>
+            <a:spLocks noGrp="1"/>
+          </p:cNvSpPr>
+          <p:nvPr>
+            <p:ph type="sldNum" sz="quarter" idx="12"/>
+          </p:nvPr>
+        </p:nvSpPr>
+        <p:spPr/>
+        <p:txBody>
+          <a:bodyPr/>
+          <a:lstStyle/>
+          <a:p>
+            <a:pPr>
+              <a:defRPr/>
+            </a:pPr>
+            <a:fld id="{7050D879-BF2F-3642-AEB1-951FD9604AAF}" type="slidenum">
+              <a:rPr lang="fr-CA" smtClean="0"/>
+              <a:pPr>
+                <a:defRPr/>
+              </a:pPr>
+              <a:t>10</a:t>
+            </a:fld>
+            <a:endParaRPr lang="fr-CA"/>
+          </a:p>
+        </p:txBody>
+      </p:sp>
+    </p:spTree>
+    <p:extLst>
+      <p:ext uri="{BB962C8B-B14F-4D97-AF65-F5344CB8AC3E}">
+        <p14:creationId xmlns:p14="http://schemas.microsoft.com/office/powerpoint/2010/main" val="2428490300"/>
+      </p:ext>
+    </p:extLst>
+  </p:cSld>
+  <p:clrMapOvr>
+    <a:masterClrMapping/>
+  </p:clrMapOvr>
+</p:sld>
+</file>
+
+<file path=ppt/slides/slide11.xml><?xml version="1.0" encoding="utf-8"?>
+<p:sld xmlns:a="http://schemas.openxmlformats.org/drawingml/2006/main" xmlns:r="http://schemas.openxmlformats.org/officeDocument/2006/relationships" xmlns:p="http://schemas.openxmlformats.org/presentationml/2006/main" show="0">
+  <p:cSld>
+    <p:spTree>
+      <p:nvGrpSpPr>
+        <p:cNvPr id="1" name=""/>
+        <p:cNvGrpSpPr/>
+        <p:nvPr/>
+      </p:nvGrpSpPr>
+      <p:grpSpPr>
+        <a:xfrm>
+          <a:off x="0" y="0"/>
+          <a:ext cx="0" cy="0"/>
+          <a:chOff x="0" y="0"/>
+          <a:chExt cx="0" cy="0"/>
+        </a:xfrm>
+      </p:grpSpPr>
+      <p:sp>
+        <p:nvSpPr>
           <p:cNvPr id="14" name="Espace réservé du contenu 13"/>
           <p:cNvSpPr>
             <a:spLocks noGrp="1"/>
@@ -9734,7 +10603,7 @@
         </p:nvSpPr>
         <p:spPr>
           <a:xfrm>
-            <a:off x="457200" y="1600200"/>
+            <a:off x="511175" y="1346620"/>
             <a:ext cx="8229600" cy="4949456"/>
           </a:xfrm>
         </p:spPr>
@@ -9742,18 +10611,35 @@
           <a:bodyPr/>
           <a:lstStyle/>
           <a:p>
-            <a:r>
-              <a:rPr lang="fr-CA" dirty="0"/>
-              <a:t>Un problème d’apprentissage supervisé est formulé comme suit:</a:t>
-            </a:r>
-          </a:p>
-          <a:p>
             <a:pPr marL="0" indent="0">
               <a:buNone/>
             </a:pPr>
             <a:r>
               <a:rPr lang="fr-CA" dirty="0"/>
-              <a:t>	« Étant donné un </a:t>
+              <a:t>Un problème d’apprentissage supervisé est formulé comme suit.</a:t>
+            </a:r>
+          </a:p>
+          <a:p>
+            <a:pPr marL="0" indent="0">
+              <a:buNone/>
+            </a:pPr>
+            <a:endParaRPr lang="fr-CA" dirty="0"/>
+          </a:p>
+          <a:p>
+            <a:pPr marL="0" indent="0">
+              <a:buNone/>
+            </a:pPr>
+            <a:r>
+              <a:rPr lang="fr-CA" dirty="0"/>
+              <a:t> </a:t>
+            </a:r>
+            <a:r>
+              <a:rPr lang="fr-CA" b="1" dirty="0"/>
+              <a:t>Étant donné </a:t>
+            </a:r>
+            <a:r>
+              <a:rPr lang="fr-CA" dirty="0"/>
+              <a:t>un </a:t>
             </a:r>
             <a:r>
               <a:rPr lang="fr-CA" b="1" dirty="0"/>
@@ -9785,7 +10671,25 @@
             <a:pPr marL="0" indent="0">
               <a:buNone/>
             </a:pPr>
-            <a:endParaRPr lang="fr-CA" dirty="0"/>
+            <a:r>
+              <a:rPr lang="fr-CA" dirty="0"/>
+              <a:t> où chaque        a été généré par une </a:t>
+            </a:r>
+            <a:r>
+              <a:rPr lang="fr-CA" b="1" dirty="0"/>
+              <a:t>fonction inconnue</a:t>
+            </a:r>
+            <a:r>
+              <a:rPr lang="fr-CA" dirty="0"/>
+              <a:t>                    ,</a:t>
+            </a:r>
+            <a:br>
+              <a:rPr lang="fr-CA" dirty="0"/>
+            </a:br>
+            <a:r>
+              <a:rPr lang="fr-CA" dirty="0"/>
+              <a:t>	   </a:t>
+            </a:r>
           </a:p>
           <a:p>
             <a:pPr marL="0" indent="0">
@@ -9793,45 +10697,38 @@
             </a:pPr>
             <a:r>
               <a:rPr lang="fr-CA" dirty="0"/>
-              <a:t>	   où chaque       a été généré par une </a:t>
+              <a:t> </a:t>
             </a:r>
             <a:r>
               <a:rPr lang="fr-CA" b="1" dirty="0"/>
-              <a:t>fonction inconnue</a:t>
+              <a:t>Trouve</a:t>
             </a:r>
             <a:r>
               <a:rPr lang="fr-CA" dirty="0"/>
-              <a:t>                    ,</a:t>
+              <a:t> une nouvelle fonction     (</a:t>
+            </a:r>
+            <a:r>
+              <a:rPr lang="fr-CA" b="1" dirty="0"/>
+              <a:t>modèle</a:t>
+            </a:r>
+            <a:r>
+              <a:rPr lang="fr-CA" dirty="0"/>
+              <a:t> ou </a:t>
+            </a:r>
+            <a:r>
+              <a:rPr lang="fr-CA" b="1" dirty="0"/>
+              <a:t>hypothèse</a:t>
+            </a:r>
+            <a:r>
+              <a:rPr lang="fr-CA" dirty="0"/>
+              <a:t>)</a:t>
             </a:r>
             <a:br>
               <a:rPr lang="fr-CA" dirty="0"/>
             </a:br>
             <a:r>
               <a:rPr lang="fr-CA" dirty="0"/>
-              <a:t>	   découvrir une nouvelle fonction     (</a:t>
-            </a:r>
-            <a:r>
-              <a:rPr lang="fr-CA" b="1" dirty="0"/>
-              <a:t>modèle</a:t>
-            </a:r>
-            <a:r>
-              <a:rPr lang="fr-CA" dirty="0"/>
-              <a:t> ou </a:t>
-            </a:r>
-            <a:r>
-              <a:rPr lang="fr-CA" b="1" dirty="0"/>
-              <a:t>hypothèse</a:t>
-            </a:r>
-            <a:r>
-              <a:rPr lang="fr-CA" dirty="0"/>
-              <a:t>)</a:t>
-            </a:r>
-            <a:br>
-              <a:rPr lang="fr-CA" dirty="0"/>
-            </a:br>
-            <a:r>
-              <a:rPr lang="fr-CA" dirty="0"/>
-              <a:t>           qui sera une bonne approximation de     (c’est à dire                         ) »</a:t>
+              <a:t>  qui sera une bonne approximation de     (c’est à dire                         ) »</a:t>
             </a:r>
           </a:p>
           <a:p>
@@ -9936,7 +10833,7 @@
               <a:pPr>
                 <a:defRPr/>
               </a:pPr>
-              <a:t>10</a:t>
+              <a:t>11</a:t>
             </a:fld>
             <a:endParaRPr lang="en-US"/>
           </a:p>
@@ -9958,7 +10855,7 @@
         </p:blipFill>
         <p:spPr>
           <a:xfrm>
-            <a:off x="2345920" y="3209355"/>
+            <a:off x="1871675" y="2923647"/>
             <a:ext cx="238315" cy="238315"/>
           </a:xfrm>
           <a:prstGeom prst="rect">
@@ -9982,7 +10879,7 @@
         </p:blipFill>
         <p:spPr>
           <a:xfrm>
-            <a:off x="4529286" y="3453057"/>
+            <a:off x="3757315" y="3579418"/>
             <a:ext cx="152285" cy="228428"/>
           </a:xfrm>
           <a:prstGeom prst="rect">
@@ -10006,7 +10903,7 @@
         </p:blipFill>
         <p:spPr>
           <a:xfrm>
-            <a:off x="5137593" y="3769548"/>
+            <a:off x="4638058" y="3877269"/>
             <a:ext cx="141405" cy="267099"/>
           </a:xfrm>
           <a:prstGeom prst="rect">
@@ -10030,8 +10927,8 @@
         </p:blipFill>
         <p:spPr>
           <a:xfrm>
-            <a:off x="6934338" y="2571140"/>
-            <a:ext cx="342900" cy="330200"/>
+            <a:off x="5799557" y="2499134"/>
+            <a:ext cx="251389" cy="242078"/>
           </a:xfrm>
           <a:prstGeom prst="rect">
             <a:avLst/>
@@ -10046,8 +10943,8 @@
         </p:nvSpPr>
         <p:spPr>
           <a:xfrm>
-            <a:off x="6678116" y="2530172"/>
-            <a:ext cx="159164" cy="409159"/>
+            <a:off x="5604735" y="2513087"/>
+            <a:ext cx="116687" cy="263088"/>
           </a:xfrm>
           <a:prstGeom prst="rightBrace">
             <a:avLst/>
@@ -10092,8 +10989,8 @@
         </p:blipFill>
         <p:spPr>
           <a:xfrm>
-            <a:off x="2645037" y="2596446"/>
-            <a:ext cx="3964142" cy="320948"/>
+            <a:off x="2635630" y="2521179"/>
+            <a:ext cx="2906217" cy="235295"/>
           </a:xfrm>
           <a:prstGeom prst="rect">
             <a:avLst/>
@@ -10116,7 +11013,7 @@
         </p:blipFill>
         <p:spPr>
           <a:xfrm>
-            <a:off x="6881519" y="3131544"/>
+            <a:off x="6422017" y="2887091"/>
             <a:ext cx="1048797" cy="291771"/>
           </a:xfrm>
           <a:prstGeom prst="rect">
@@ -10140,7 +11037,7 @@
         </p:blipFill>
         <p:spPr>
           <a:xfrm>
-            <a:off x="6611253" y="3771401"/>
+            <a:off x="6111279" y="3879122"/>
             <a:ext cx="1319063" cy="265246"/>
           </a:xfrm>
           <a:prstGeom prst="rect">
@@ -10156,7 +11053,7 @@
         </p:nvGrpSpPr>
         <p:grpSpPr>
           <a:xfrm>
-            <a:off x="757302" y="4527550"/>
+            <a:off x="1360127" y="4483692"/>
             <a:ext cx="6347258" cy="1562941"/>
             <a:chOff x="757302" y="4527550"/>
             <a:chExt cx="6347258" cy="1562941"/>
@@ -10556,7 +11453,7 @@
           </p:nvSpPr>
           <p:spPr bwMode="auto">
             <a:xfrm>
-              <a:off x="5042397" y="5248275"/>
+              <a:off x="5234421" y="5053186"/>
               <a:ext cx="1403350" cy="400050"/>
             </a:xfrm>
             <a:prstGeom prst="rect">
@@ -10604,7 +11501,7 @@
             <a:p>
               <a:pPr eaLnBrk="0" hangingPunct="0"/>
               <a:r>
-                <a:rPr lang="en-US" altLang="en-US" sz="2000" i="1">
+                <a:rPr lang="en-US" altLang="en-US" sz="2000" i="1" dirty="0" err="1">
                   <a:solidFill>
                     <a:schemeClr val="tx2"/>
                   </a:solidFill>
@@ -10613,7 +11510,7 @@
                 <a:t>h</a:t>
               </a:r>
               <a:r>
-                <a:rPr lang="en-US" altLang="en-US" sz="2000" i="1" baseline="-25000">
+                <a:rPr lang="en-US" altLang="en-US" sz="2000" i="1" baseline="-25000" dirty="0" err="1">
                   <a:solidFill>
                     <a:schemeClr val="tx2"/>
                   </a:solidFill>
@@ -10622,7 +11519,7 @@
                 <a:t>opt</a:t>
               </a:r>
               <a:r>
-                <a:rPr lang="en-US" altLang="en-US" sz="2000">
+                <a:rPr lang="en-US" altLang="en-US" sz="2000" dirty="0">
                   <a:solidFill>
                     <a:schemeClr val="tx2"/>
                   </a:solidFill>
@@ -10631,7 +11528,7 @@
                 <a:t>(</a:t>
               </a:r>
               <a:r>
-                <a:rPr lang="en-US" altLang="en-US" sz="2000" b="1">
+                <a:rPr lang="en-US" altLang="en-US" sz="2000" b="1" dirty="0">
                   <a:solidFill>
                     <a:schemeClr val="tx2"/>
                   </a:solidFill>
@@ -10640,7 +11537,7 @@
                 <a:t>x</a:t>
               </a:r>
               <a:r>
-                <a:rPr lang="en-US" altLang="en-US" sz="2000">
+                <a:rPr lang="en-US" altLang="en-US" sz="2000" dirty="0">
                   <a:solidFill>
                     <a:schemeClr val="tx2"/>
                   </a:solidFill>
@@ -10649,7 +11546,7 @@
                 <a:t>)</a:t>
               </a:r>
               <a:r>
-                <a:rPr lang="en-US" altLang="en-US" sz="2000" i="1">
+                <a:rPr lang="en-US" altLang="en-US" sz="2000" i="1" dirty="0">
                   <a:solidFill>
                     <a:schemeClr val="tx2"/>
                   </a:solidFill>
@@ -10658,7 +11555,7 @@
                 <a:t> </a:t>
               </a:r>
               <a:r>
-                <a:rPr lang="en-US" altLang="en-US" sz="2000">
+                <a:rPr lang="en-US" altLang="en-US" sz="2000" dirty="0">
                   <a:solidFill>
                     <a:schemeClr val="tx2"/>
                   </a:solidFill>
@@ -10668,7 +11565,7 @@
                 <a:t>  </a:t>
               </a:r>
               <a:r>
-                <a:rPr lang="en-US" altLang="en-US" sz="2000" b="1">
+                <a:rPr lang="en-US" altLang="en-US" sz="2000" b="1" dirty="0">
                   <a:solidFill>
                     <a:schemeClr val="tx2"/>
                   </a:solidFill>
@@ -10677,7 +11574,7 @@
                 </a:rPr>
                 <a:t>H</a:t>
               </a:r>
-              <a:endParaRPr lang="en-US" altLang="en-US" sz="2000" b="1">
+              <a:endParaRPr lang="en-US" altLang="en-US" sz="2000" b="1" dirty="0">
                 <a:solidFill>
                   <a:schemeClr val="tx2"/>
                 </a:solidFill>
@@ -10885,8 +11782,8 @@
 </p:sld>
 </file>
 
-<file path=ppt/slides/slide11.xml><?xml version="1.0" encoding="utf-8"?>
-<p:sld xmlns:a="http://schemas.openxmlformats.org/drawingml/2006/main" xmlns:r="http://schemas.openxmlformats.org/officeDocument/2006/relationships" xmlns:p="http://schemas.openxmlformats.org/presentationml/2006/main">
+<file path=ppt/slides/slide12.xml><?xml version="1.0" encoding="utf-8"?>
+<p:sld xmlns:a="http://schemas.openxmlformats.org/drawingml/2006/main" xmlns:r="http://schemas.openxmlformats.org/officeDocument/2006/relationships" xmlns:p="http://schemas.openxmlformats.org/presentationml/2006/main" show="0">
   <p:cSld>
     <p:spTree>
       <p:nvGrpSpPr>
@@ -10992,7 +11889,7 @@
           <a:p>
             <a:r>
               <a:rPr lang="fr-CA" dirty="0"/>
-              <a:t>Les données sont souvent bruités et disponibles en quantité limitée. Il y a donc une variation dans les données et dans les modèles (représentations).</a:t>
+              <a:t>Les données sont souvent bruitées et disponibles en quantité limitée. Il y a donc une variation dans les données et dans les modèles (représentations).</a:t>
             </a:r>
           </a:p>
           <a:p>
@@ -11109,7 +12006,7 @@
               <a:pPr>
                 <a:defRPr/>
               </a:pPr>
-              <a:t>11</a:t>
+              <a:t>12</a:t>
             </a:fld>
             <a:endParaRPr lang="en-US"/>
           </a:p>
@@ -11852,7 +12749,7 @@
 </p:sld>
 </file>
 
-<file path=ppt/slides/slide12.xml><?xml version="1.0" encoding="utf-8"?>
+<file path=ppt/slides/slide13.xml><?xml version="1.0" encoding="utf-8"?>
 <p:sld xmlns:a="http://schemas.openxmlformats.org/drawingml/2006/main" xmlns:r="http://schemas.openxmlformats.org/officeDocument/2006/relationships" xmlns:p="http://schemas.openxmlformats.org/presentationml/2006/main">
   <p:cSld>
     <p:spTree>
@@ -12063,7 +12960,7 @@
               <a:pPr>
                 <a:defRPr/>
               </a:pPr>
-              <a:t>12</a:t>
+              <a:t>13</a:t>
             </a:fld>
             <a:endParaRPr lang="en-US"/>
           </a:p>
@@ -12219,7 +13116,7 @@
         </p:blipFill>
         <p:spPr>
           <a:xfrm>
-            <a:off x="4218137" y="2740045"/>
+            <a:off x="4123987" y="2800095"/>
             <a:ext cx="1319063" cy="265246"/>
           </a:xfrm>
           <a:prstGeom prst="rect">
@@ -12293,8 +13190,8 @@
 </p:sld>
 </file>
 
-<file path=ppt/slides/slide13.xml><?xml version="1.0" encoding="utf-8"?>
-<p:sld xmlns:a="http://schemas.openxmlformats.org/drawingml/2006/main" xmlns:r="http://schemas.openxmlformats.org/officeDocument/2006/relationships" xmlns:p="http://schemas.openxmlformats.org/presentationml/2006/main">
+<file path=ppt/slides/slide14.xml><?xml version="1.0" encoding="utf-8"?>
+<p:sld xmlns:a="http://schemas.openxmlformats.org/drawingml/2006/main" xmlns:r="http://schemas.openxmlformats.org/officeDocument/2006/relationships" xmlns:p="http://schemas.openxmlformats.org/presentationml/2006/main" show="0">
   <p:cSld>
     <p:spTree>
       <p:nvGrpSpPr>
@@ -12525,7 +13422,7 @@
               <a:pPr>
                 <a:defRPr/>
               </a:pPr>
-              <a:t>13</a:t>
+              <a:t>14</a:t>
             </a:fld>
             <a:endParaRPr lang="en-US"/>
           </a:p>
@@ -12535,167 +13432,6 @@
     <p:extLst>
       <p:ext uri="{BB962C8B-B14F-4D97-AF65-F5344CB8AC3E}">
         <p14:creationId xmlns:p14="http://schemas.microsoft.com/office/powerpoint/2010/main" val="2381963916"/>
-      </p:ext>
-    </p:extLst>
-  </p:cSld>
-  <p:clrMapOvr>
-    <a:masterClrMapping/>
-  </p:clrMapOvr>
-</p:sld>
-</file>
-
-<file path=ppt/slides/slide14.xml><?xml version="1.0" encoding="utf-8"?>
-<p:sld xmlns:a="http://schemas.openxmlformats.org/drawingml/2006/main" xmlns:r="http://schemas.openxmlformats.org/officeDocument/2006/relationships" xmlns:p="http://schemas.openxmlformats.org/presentationml/2006/main">
-  <p:cSld>
-    <p:spTree>
-      <p:nvGrpSpPr>
-        <p:cNvPr id="1" name=""/>
-        <p:cNvGrpSpPr/>
-        <p:nvPr/>
-      </p:nvGrpSpPr>
-      <p:grpSpPr>
-        <a:xfrm>
-          <a:off x="0" y="0"/>
-          <a:ext cx="0" cy="0"/>
-          <a:chOff x="0" y="0"/>
-          <a:chExt cx="0" cy="0"/>
-        </a:xfrm>
-      </p:grpSpPr>
-      <p:sp>
-        <p:nvSpPr>
-          <p:cNvPr id="2" name="Title 1"/>
-          <p:cNvSpPr>
-            <a:spLocks noGrp="1"/>
-          </p:cNvSpPr>
-          <p:nvPr>
-            <p:ph type="title"/>
-          </p:nvPr>
-        </p:nvSpPr>
-        <p:spPr/>
-        <p:txBody>
-          <a:bodyPr/>
-          <a:lstStyle/>
-          <a:p>
-            <a:r>
-              <a:rPr lang="en-CA" dirty="0" err="1"/>
-              <a:t>Représentation</a:t>
-            </a:r>
-            <a:r>
-              <a:rPr lang="en-CA" dirty="0"/>
-              <a:t> des </a:t>
-            </a:r>
-            <a:r>
-              <a:rPr lang="en-CA" dirty="0" err="1"/>
-              <a:t>données</a:t>
-            </a:r>
-            <a:endParaRPr lang="en-CA" dirty="0"/>
-          </a:p>
-        </p:txBody>
-      </p:sp>
-      <p:sp>
-        <p:nvSpPr>
-          <p:cNvPr id="3" name="Text Placeholder 2"/>
-          <p:cNvSpPr>
-            <a:spLocks noGrp="1"/>
-          </p:cNvSpPr>
-          <p:nvPr>
-            <p:ph type="body" idx="1"/>
-          </p:nvPr>
-        </p:nvSpPr>
-        <p:spPr/>
-        <p:txBody>
-          <a:bodyPr/>
-          <a:lstStyle/>
-          <a:p>
-            <a:endParaRPr lang="en-CA"/>
-          </a:p>
-        </p:txBody>
-      </p:sp>
-      <p:sp>
-        <p:nvSpPr>
-          <p:cNvPr id="4" name="Date Placeholder 3"/>
-          <p:cNvSpPr>
-            <a:spLocks noGrp="1"/>
-          </p:cNvSpPr>
-          <p:nvPr>
-            <p:ph type="dt" sz="half" idx="10"/>
-          </p:nvPr>
-        </p:nvSpPr>
-        <p:spPr/>
-        <p:txBody>
-          <a:bodyPr/>
-          <a:lstStyle/>
-          <a:p>
-            <a:pPr>
-              <a:defRPr/>
-            </a:pPr>
-            <a:r>
-              <a:rPr lang="fr-FR"/>
-              <a:t>IFT615</a:t>
-            </a:r>
-            <a:endParaRPr lang="fr-CA" dirty="0"/>
-          </a:p>
-        </p:txBody>
-      </p:sp>
-      <p:sp>
-        <p:nvSpPr>
-          <p:cNvPr id="5" name="Footer Placeholder 4"/>
-          <p:cNvSpPr>
-            <a:spLocks noGrp="1"/>
-          </p:cNvSpPr>
-          <p:nvPr>
-            <p:ph type="ftr" sz="quarter" idx="11"/>
-          </p:nvPr>
-        </p:nvSpPr>
-        <p:spPr/>
-        <p:txBody>
-          <a:bodyPr/>
-          <a:lstStyle/>
-          <a:p>
-            <a:pPr>
-              <a:defRPr/>
-            </a:pPr>
-            <a:r>
-              <a:rPr lang="de-DE"/>
-              <a:t>Hugo Larochelle et Froduald Kabanza</a:t>
-            </a:r>
-            <a:endParaRPr lang="fr-CA" dirty="0"/>
-          </a:p>
-        </p:txBody>
-      </p:sp>
-      <p:sp>
-        <p:nvSpPr>
-          <p:cNvPr id="6" name="Slide Number Placeholder 5"/>
-          <p:cNvSpPr>
-            <a:spLocks noGrp="1"/>
-          </p:cNvSpPr>
-          <p:nvPr>
-            <p:ph type="sldNum" sz="quarter" idx="12"/>
-          </p:nvPr>
-        </p:nvSpPr>
-        <p:spPr/>
-        <p:txBody>
-          <a:bodyPr/>
-          <a:lstStyle/>
-          <a:p>
-            <a:pPr>
-              <a:defRPr/>
-            </a:pPr>
-            <a:fld id="{7050D879-BF2F-3642-AEB1-951FD9604AAF}" type="slidenum">
-              <a:rPr lang="fr-CA" smtClean="0"/>
-              <a:pPr>
-                <a:defRPr/>
-              </a:pPr>
-              <a:t>14</a:t>
-            </a:fld>
-            <a:endParaRPr lang="fr-CA"/>
-          </a:p>
-        </p:txBody>
-      </p:sp>
-    </p:spTree>
-    <p:extLst>
-      <p:ext uri="{BB962C8B-B14F-4D97-AF65-F5344CB8AC3E}">
-        <p14:creationId xmlns:p14="http://schemas.microsoft.com/office/powerpoint/2010/main" val="484085780"/>
       </p:ext>
     </p:extLst>
   </p:cSld>
@@ -12724,6 +13460,167 @@
       </p:grpSpPr>
       <p:sp>
         <p:nvSpPr>
+          <p:cNvPr id="2" name="Title 1"/>
+          <p:cNvSpPr>
+            <a:spLocks noGrp="1"/>
+          </p:cNvSpPr>
+          <p:nvPr>
+            <p:ph type="title"/>
+          </p:nvPr>
+        </p:nvSpPr>
+        <p:spPr/>
+        <p:txBody>
+          <a:bodyPr/>
+          <a:lstStyle/>
+          <a:p>
+            <a:r>
+              <a:rPr lang="en-CA" dirty="0" err="1"/>
+              <a:t>Représentation</a:t>
+            </a:r>
+            <a:r>
+              <a:rPr lang="en-CA" dirty="0"/>
+              <a:t> des </a:t>
+            </a:r>
+            <a:r>
+              <a:rPr lang="en-CA" dirty="0" err="1"/>
+              <a:t>données</a:t>
+            </a:r>
+            <a:endParaRPr lang="en-CA" dirty="0"/>
+          </a:p>
+        </p:txBody>
+      </p:sp>
+      <p:sp>
+        <p:nvSpPr>
+          <p:cNvPr id="3" name="Text Placeholder 2"/>
+          <p:cNvSpPr>
+            <a:spLocks noGrp="1"/>
+          </p:cNvSpPr>
+          <p:nvPr>
+            <p:ph type="body" idx="1"/>
+          </p:nvPr>
+        </p:nvSpPr>
+        <p:spPr/>
+        <p:txBody>
+          <a:bodyPr/>
+          <a:lstStyle/>
+          <a:p>
+            <a:endParaRPr lang="en-CA"/>
+          </a:p>
+        </p:txBody>
+      </p:sp>
+      <p:sp>
+        <p:nvSpPr>
+          <p:cNvPr id="4" name="Date Placeholder 3"/>
+          <p:cNvSpPr>
+            <a:spLocks noGrp="1"/>
+          </p:cNvSpPr>
+          <p:nvPr>
+            <p:ph type="dt" sz="half" idx="10"/>
+          </p:nvPr>
+        </p:nvSpPr>
+        <p:spPr/>
+        <p:txBody>
+          <a:bodyPr/>
+          <a:lstStyle/>
+          <a:p>
+            <a:pPr>
+              <a:defRPr/>
+            </a:pPr>
+            <a:r>
+              <a:rPr lang="fr-FR"/>
+              <a:t>IFT615</a:t>
+            </a:r>
+            <a:endParaRPr lang="fr-CA" dirty="0"/>
+          </a:p>
+        </p:txBody>
+      </p:sp>
+      <p:sp>
+        <p:nvSpPr>
+          <p:cNvPr id="5" name="Footer Placeholder 4"/>
+          <p:cNvSpPr>
+            <a:spLocks noGrp="1"/>
+          </p:cNvSpPr>
+          <p:nvPr>
+            <p:ph type="ftr" sz="quarter" idx="11"/>
+          </p:nvPr>
+        </p:nvSpPr>
+        <p:spPr/>
+        <p:txBody>
+          <a:bodyPr/>
+          <a:lstStyle/>
+          <a:p>
+            <a:pPr>
+              <a:defRPr/>
+            </a:pPr>
+            <a:r>
+              <a:rPr lang="de-DE"/>
+              <a:t>Hugo Larochelle et Froduald Kabanza</a:t>
+            </a:r>
+            <a:endParaRPr lang="fr-CA" dirty="0"/>
+          </a:p>
+        </p:txBody>
+      </p:sp>
+      <p:sp>
+        <p:nvSpPr>
+          <p:cNvPr id="6" name="Slide Number Placeholder 5"/>
+          <p:cNvSpPr>
+            <a:spLocks noGrp="1"/>
+          </p:cNvSpPr>
+          <p:nvPr>
+            <p:ph type="sldNum" sz="quarter" idx="12"/>
+          </p:nvPr>
+        </p:nvSpPr>
+        <p:spPr/>
+        <p:txBody>
+          <a:bodyPr/>
+          <a:lstStyle/>
+          <a:p>
+            <a:pPr>
+              <a:defRPr/>
+            </a:pPr>
+            <a:fld id="{7050D879-BF2F-3642-AEB1-951FD9604AAF}" type="slidenum">
+              <a:rPr lang="fr-CA" smtClean="0"/>
+              <a:pPr>
+                <a:defRPr/>
+              </a:pPr>
+              <a:t>15</a:t>
+            </a:fld>
+            <a:endParaRPr lang="fr-CA"/>
+          </a:p>
+        </p:txBody>
+      </p:sp>
+    </p:spTree>
+    <p:extLst>
+      <p:ext uri="{BB962C8B-B14F-4D97-AF65-F5344CB8AC3E}">
+        <p14:creationId xmlns:p14="http://schemas.microsoft.com/office/powerpoint/2010/main" val="484085780"/>
+      </p:ext>
+    </p:extLst>
+  </p:cSld>
+  <p:clrMapOvr>
+    <a:masterClrMapping/>
+  </p:clrMapOvr>
+</p:sld>
+</file>
+
+<file path=ppt/slides/slide16.xml><?xml version="1.0" encoding="utf-8"?>
+<p:sld xmlns:a="http://schemas.openxmlformats.org/drawingml/2006/main" xmlns:r="http://schemas.openxmlformats.org/officeDocument/2006/relationships" xmlns:p="http://schemas.openxmlformats.org/presentationml/2006/main">
+  <p:cSld>
+    <p:spTree>
+      <p:nvGrpSpPr>
+        <p:cNvPr id="1" name=""/>
+        <p:cNvGrpSpPr/>
+        <p:nvPr/>
+      </p:nvGrpSpPr>
+      <p:grpSpPr>
+        <a:xfrm>
+          <a:off x="0" y="0"/>
+          <a:ext cx="0" cy="0"/>
+          <a:chOff x="0" y="0"/>
+          <a:chExt cx="0" cy="0"/>
+        </a:xfrm>
+      </p:grpSpPr>
+      <p:sp>
+        <p:nvSpPr>
           <p:cNvPr id="2" name="Titre 1"/>
           <p:cNvSpPr>
             <a:spLocks noGrp="1"/>
@@ -12936,7 +13833,7 @@
               <a:pPr>
                 <a:defRPr/>
               </a:pPr>
-              <a:t>15</a:t>
+              <a:t>16</a:t>
             </a:fld>
             <a:endParaRPr lang="en-US"/>
           </a:p>
@@ -13169,171 +14066,6 @@
 </p:sld>
 </file>
 
-<file path=ppt/slides/slide16.xml><?xml version="1.0" encoding="utf-8"?>
-<p:sld xmlns:a="http://schemas.openxmlformats.org/drawingml/2006/main" xmlns:r="http://schemas.openxmlformats.org/officeDocument/2006/relationships" xmlns:p="http://schemas.openxmlformats.org/presentationml/2006/main">
-  <p:cSld>
-    <p:spTree>
-      <p:nvGrpSpPr>
-        <p:cNvPr id="1" name=""/>
-        <p:cNvGrpSpPr/>
-        <p:nvPr/>
-      </p:nvGrpSpPr>
-      <p:grpSpPr>
-        <a:xfrm>
-          <a:off x="0" y="0"/>
-          <a:ext cx="0" cy="0"/>
-          <a:chOff x="0" y="0"/>
-          <a:chExt cx="0" cy="0"/>
-        </a:xfrm>
-      </p:grpSpPr>
-      <p:sp>
-        <p:nvSpPr>
-          <p:cNvPr id="2" name="Title 1"/>
-          <p:cNvSpPr>
-            <a:spLocks noGrp="1"/>
-          </p:cNvSpPr>
-          <p:nvPr>
-            <p:ph type="title"/>
-          </p:nvPr>
-        </p:nvSpPr>
-        <p:spPr/>
-        <p:txBody>
-          <a:bodyPr/>
-          <a:lstStyle/>
-          <a:p>
-            <a:r>
-              <a:rPr lang="en-CA" dirty="0"/>
-              <a:t>K plus </a:t>
-            </a:r>
-            <a:r>
-              <a:rPr lang="en-CA" dirty="0" err="1"/>
-              <a:t>proches</a:t>
-            </a:r>
-            <a:r>
-              <a:rPr lang="en-CA" dirty="0"/>
-              <a:t> </a:t>
-            </a:r>
-            <a:r>
-              <a:rPr lang="en-CA" dirty="0" err="1"/>
-              <a:t>voisins</a:t>
-            </a:r>
-            <a:endParaRPr lang="en-CA" dirty="0"/>
-          </a:p>
-        </p:txBody>
-      </p:sp>
-      <p:sp>
-        <p:nvSpPr>
-          <p:cNvPr id="3" name="Text Placeholder 2"/>
-          <p:cNvSpPr>
-            <a:spLocks noGrp="1"/>
-          </p:cNvSpPr>
-          <p:nvPr>
-            <p:ph type="body" idx="1"/>
-          </p:nvPr>
-        </p:nvSpPr>
-        <p:spPr/>
-        <p:txBody>
-          <a:bodyPr/>
-          <a:lstStyle/>
-          <a:p>
-            <a:endParaRPr lang="en-CA"/>
-          </a:p>
-        </p:txBody>
-      </p:sp>
-      <p:sp>
-        <p:nvSpPr>
-          <p:cNvPr id="4" name="Date Placeholder 3"/>
-          <p:cNvSpPr>
-            <a:spLocks noGrp="1"/>
-          </p:cNvSpPr>
-          <p:nvPr>
-            <p:ph type="dt" sz="half" idx="10"/>
-          </p:nvPr>
-        </p:nvSpPr>
-        <p:spPr/>
-        <p:txBody>
-          <a:bodyPr/>
-          <a:lstStyle/>
-          <a:p>
-            <a:pPr>
-              <a:defRPr/>
-            </a:pPr>
-            <a:r>
-              <a:rPr lang="fr-FR"/>
-              <a:t>IFT615</a:t>
-            </a:r>
-            <a:endParaRPr lang="fr-CA" dirty="0"/>
-          </a:p>
-        </p:txBody>
-      </p:sp>
-      <p:sp>
-        <p:nvSpPr>
-          <p:cNvPr id="5" name="Footer Placeholder 4"/>
-          <p:cNvSpPr>
-            <a:spLocks noGrp="1"/>
-          </p:cNvSpPr>
-          <p:nvPr>
-            <p:ph type="ftr" sz="quarter" idx="11"/>
-          </p:nvPr>
-        </p:nvSpPr>
-        <p:spPr/>
-        <p:txBody>
-          <a:bodyPr/>
-          <a:lstStyle/>
-          <a:p>
-            <a:pPr>
-              <a:defRPr/>
-            </a:pPr>
-            <a:r>
-              <a:rPr lang="de-DE"/>
-              <a:t>Hugo Larochelle et Froduald Kabanza</a:t>
-            </a:r>
-            <a:endParaRPr lang="fr-CA" dirty="0"/>
-          </a:p>
-        </p:txBody>
-      </p:sp>
-      <p:sp>
-        <p:nvSpPr>
-          <p:cNvPr id="6" name="Slide Number Placeholder 5"/>
-          <p:cNvSpPr>
-            <a:spLocks noGrp="1"/>
-          </p:cNvSpPr>
-          <p:nvPr>
-            <p:ph type="sldNum" sz="quarter" idx="12"/>
-          </p:nvPr>
-        </p:nvSpPr>
-        <p:spPr/>
-        <p:txBody>
-          <a:bodyPr/>
-          <a:lstStyle/>
-          <a:p>
-            <a:pPr>
-              <a:defRPr/>
-            </a:pPr>
-            <a:fld id="{7050D879-BF2F-3642-AEB1-951FD9604AAF}" type="slidenum">
-              <a:rPr lang="fr-CA" smtClean="0"/>
-              <a:pPr>
-                <a:defRPr/>
-              </a:pPr>
-              <a:t>16</a:t>
-            </a:fld>
-            <a:endParaRPr lang="fr-CA"/>
-          </a:p>
-        </p:txBody>
-      </p:sp>
-    </p:spTree>
-    <p:extLst>
-      <p:ext uri="{BB962C8B-B14F-4D97-AF65-F5344CB8AC3E}">
-        <p14:creationId xmlns:p14="http://schemas.microsoft.com/office/powerpoint/2010/main" val="289569629"/>
-      </p:ext>
-    </p:extLst>
-  </p:cSld>
-  <p:clrMapOvr>
-    <a:masterClrMapping/>
-  </p:clrMapOvr>
-</p:sld>
-</file>
-
 <file path=ppt/slides/slide17.xml><?xml version="1.0" encoding="utf-8"?>
 <p:sld xmlns:a="http://schemas.openxmlformats.org/drawingml/2006/main" xmlns:r="http://schemas.openxmlformats.org/officeDocument/2006/relationships" xmlns:p="http://schemas.openxmlformats.org/presentationml/2006/main">
   <p:cSld>
@@ -13353,7 +14085,7 @@
       </p:grpSpPr>
       <p:sp>
         <p:nvSpPr>
-          <p:cNvPr id="2" name="Titre 1"/>
+          <p:cNvPr id="2" name="Title 1"/>
           <p:cNvSpPr>
             <a:spLocks noGrp="1"/>
           </p:cNvSpPr>
@@ -13367,39 +14099,33 @@
           <a:lstStyle/>
           <a:p>
             <a:r>
-              <a:rPr lang="fr-CA" noProof="0" dirty="0"/>
-              <a:t>Exemple: </a:t>
-            </a:r>
-            <a:r>
-              <a:rPr lang="fr-CA" noProof="0" dirty="0" err="1"/>
-              <a:t>classifieur</a:t>
-            </a:r>
-            <a:r>
-              <a:rPr lang="fr-CA" noProof="0" dirty="0"/>
+              <a:rPr lang="en-CA" dirty="0"/>
+              <a:t>K plus </a:t>
+            </a:r>
+            <a:r>
+              <a:rPr lang="en-CA" dirty="0" err="1"/>
+              <a:t>proches</a:t>
+            </a:r>
+            <a:r>
+              <a:rPr lang="en-CA" dirty="0"/>
               <a:t> </a:t>
             </a:r>
-            <a:br>
-              <a:rPr lang="fr-CA" noProof="0" dirty="0"/>
-            </a:br>
-            <a:r>
-              <a:rPr lang="fr-CA" i="1" noProof="0" dirty="0"/>
-              <a:t>k</a:t>
-            </a:r>
-            <a:r>
-              <a:rPr lang="fr-CA" noProof="0" dirty="0"/>
-              <a:t> plus proches voisins</a:t>
-            </a:r>
-          </a:p>
-        </p:txBody>
-      </p:sp>
-      <p:sp>
-        <p:nvSpPr>
-          <p:cNvPr id="3" name="Espace réservé du contenu 2"/>
+            <a:r>
+              <a:rPr lang="en-CA" dirty="0" err="1"/>
+              <a:t>voisins</a:t>
+            </a:r>
+            <a:endParaRPr lang="en-CA" dirty="0"/>
+          </a:p>
+        </p:txBody>
+      </p:sp>
+      <p:sp>
+        <p:nvSpPr>
+          <p:cNvPr id="3" name="Text Placeholder 2"/>
           <p:cNvSpPr>
             <a:spLocks noGrp="1"/>
           </p:cNvSpPr>
           <p:nvPr>
-            <p:ph idx="1"/>
+            <p:ph type="body" idx="1"/>
           </p:nvPr>
         </p:nvSpPr>
         <p:spPr/>
@@ -13407,99 +14133,13 @@
           <a:bodyPr/>
           <a:lstStyle/>
           <a:p>
-            <a:r>
-              <a:rPr lang="fr-CA" noProof="0" dirty="0"/>
-              <a:t>Possiblement l’algorithme d’apprentissage </a:t>
-            </a:r>
-            <a:r>
-              <a:rPr lang="fr-CA" dirty="0"/>
-              <a:t>de </a:t>
-            </a:r>
-            <a:r>
-              <a:rPr lang="fr-CA" noProof="0" dirty="0"/>
-              <a:t>classification le plus simple</a:t>
-            </a:r>
-          </a:p>
-          <a:p>
-            <a:r>
-              <a:rPr lang="fr-CA" b="1" dirty="0"/>
-              <a:t>Idée</a:t>
-            </a:r>
-            <a:r>
-              <a:rPr lang="fr-CA" dirty="0"/>
-              <a:t>: étant donnée une entrée     </a:t>
-            </a:r>
-          </a:p>
-          <a:p>
-            <a:pPr marL="800100" lvl="1" indent="-342900">
-              <a:buFont typeface="+mj-lt"/>
-              <a:buAutoNum type="arabicPeriod"/>
-            </a:pPr>
-            <a:r>
-              <a:rPr lang="fr-CA" dirty="0"/>
-              <a:t>trouver les </a:t>
-            </a:r>
-            <a:r>
-              <a:rPr lang="fr-CA" i="1" dirty="0"/>
-              <a:t>k</a:t>
-            </a:r>
-            <a:r>
-              <a:rPr lang="fr-CA" dirty="0"/>
-              <a:t> entrées         parmi les exemples d’apprentissage qui sont les plus « proches » de </a:t>
-            </a:r>
-          </a:p>
-          <a:p>
-            <a:pPr marL="800100" lvl="1" indent="-342900">
-              <a:buFont typeface="+mj-lt"/>
-              <a:buAutoNum type="arabicPeriod"/>
-            </a:pPr>
-            <a:r>
-              <a:rPr lang="fr-CA" noProof="0" dirty="0"/>
-              <a:t>faire voter chacune de ces entrées pour leur classe associée </a:t>
-            </a:r>
-          </a:p>
-          <a:p>
-            <a:pPr marL="800100" lvl="1" indent="-342900">
-              <a:buFont typeface="+mj-lt"/>
-              <a:buAutoNum type="arabicPeriod"/>
-            </a:pPr>
-            <a:r>
-              <a:rPr lang="fr-CA" dirty="0"/>
-              <a:t>retourner la classe majoritaire</a:t>
-            </a:r>
-          </a:p>
-          <a:p>
-            <a:r>
-              <a:rPr lang="fr-CA" dirty="0"/>
-              <a:t>Le succès de cet algorithme va dépendre de deux facteurs</a:t>
-            </a:r>
-          </a:p>
-          <a:p>
-            <a:pPr lvl="1"/>
-            <a:r>
-              <a:rPr lang="fr-CA" noProof="0" dirty="0"/>
-              <a:t>la quantité de données d’entraînement (plus il y en a, meilleure sera la performance)</a:t>
-            </a:r>
-          </a:p>
-          <a:p>
-            <a:pPr lvl="1"/>
-            <a:r>
-              <a:rPr lang="fr-CA" dirty="0"/>
-              <a:t>la qualité de la mesure de distance (est-ce que deux entrées jugées similaires sont de la même classe?)</a:t>
-            </a:r>
-          </a:p>
-          <a:p>
-            <a:pPr lvl="2"/>
-            <a:r>
-              <a:rPr lang="fr-CA" noProof="0" dirty="0"/>
-              <a:t>en pratique, on utilise souvent la distance Euclidienne:</a:t>
-            </a:r>
-          </a:p>
-        </p:txBody>
-      </p:sp>
-      <p:sp>
-        <p:nvSpPr>
-          <p:cNvPr id="4" name="Espace réservé de la date 3"/>
+            <a:endParaRPr lang="en-CA"/>
+          </a:p>
+        </p:txBody>
+      </p:sp>
+      <p:sp>
+        <p:nvSpPr>
+          <p:cNvPr id="4" name="Date Placeholder 3"/>
           <p:cNvSpPr>
             <a:spLocks noGrp="1"/>
           </p:cNvSpPr>
@@ -13519,13 +14159,13 @@
               <a:rPr lang="fr-FR"/>
               <a:t>IFT615</a:t>
             </a:r>
-            <a:endParaRPr lang="en-US"/>
-          </a:p>
-        </p:txBody>
-      </p:sp>
-      <p:sp>
-        <p:nvSpPr>
-          <p:cNvPr id="5" name="Espace réservé du pied de page 4"/>
+            <a:endParaRPr lang="fr-CA" dirty="0"/>
+          </a:p>
+        </p:txBody>
+      </p:sp>
+      <p:sp>
+        <p:nvSpPr>
+          <p:cNvPr id="5" name="Footer Placeholder 4"/>
           <p:cNvSpPr>
             <a:spLocks noGrp="1"/>
           </p:cNvSpPr>
@@ -13545,13 +14185,13 @@
               <a:rPr lang="de-DE"/>
               <a:t>Hugo Larochelle et Froduald Kabanza</a:t>
             </a:r>
-            <a:endParaRPr lang="en-US"/>
-          </a:p>
-        </p:txBody>
-      </p:sp>
-      <p:sp>
-        <p:nvSpPr>
-          <p:cNvPr id="6" name="Espace réservé du numéro de diapositive 5"/>
+            <a:endParaRPr lang="fr-CA" dirty="0"/>
+          </a:p>
+        </p:txBody>
+      </p:sp>
+      <p:sp>
+        <p:nvSpPr>
+          <p:cNvPr id="6" name="Slide Number Placeholder 5"/>
           <p:cNvSpPr>
             <a:spLocks noGrp="1"/>
           </p:cNvSpPr>
@@ -13567,295 +14207,21 @@
             <a:pPr>
               <a:defRPr/>
             </a:pPr>
-            <a:fld id="{BBD9A5C2-26F0-C84F-B484-A651D7D81095}" type="slidenum">
-              <a:rPr lang="en-US" smtClean="0"/>
+            <a:fld id="{7050D879-BF2F-3642-AEB1-951FD9604AAF}" type="slidenum">
+              <a:rPr lang="fr-CA" smtClean="0"/>
               <a:pPr>
                 <a:defRPr/>
               </a:pPr>
               <a:t>17</a:t>
             </a:fld>
-            <a:endParaRPr lang="en-US"/>
-          </a:p>
-        </p:txBody>
-      </p:sp>
-      <p:pic>
-        <p:nvPicPr>
-          <p:cNvPr id="7" name="Image 6"/>
-          <p:cNvPicPr>
-            <a:picLocks noChangeAspect="1"/>
-          </p:cNvPicPr>
-          <p:nvPr/>
-        </p:nvPicPr>
-        <p:blipFill>
-          <a:blip r:embed="rId3"/>
-          <a:stretch>
-            <a:fillRect/>
-          </a:stretch>
-        </p:blipFill>
-        <p:spPr>
-          <a:xfrm>
-            <a:off x="4138113" y="2112392"/>
-            <a:ext cx="190834" cy="162209"/>
-          </a:xfrm>
-          <a:prstGeom prst="rect">
-            <a:avLst/>
-          </a:prstGeom>
-        </p:spPr>
-      </p:pic>
-      <p:pic>
-        <p:nvPicPr>
-          <p:cNvPr id="13" name="Image 12"/>
-          <p:cNvPicPr>
-            <a:picLocks noChangeAspect="1"/>
-          </p:cNvPicPr>
-          <p:nvPr/>
-        </p:nvPicPr>
-        <p:blipFill>
-          <a:blip r:embed="rId3"/>
-          <a:stretch>
-            <a:fillRect/>
-          </a:stretch>
-        </p:blipFill>
-        <p:spPr>
-          <a:xfrm>
-            <a:off x="6839242" y="5692359"/>
-            <a:ext cx="190834" cy="162209"/>
-          </a:xfrm>
-          <a:prstGeom prst="rect">
-            <a:avLst/>
-          </a:prstGeom>
-        </p:spPr>
-      </p:pic>
-      <p:pic>
-        <p:nvPicPr>
-          <p:cNvPr id="10" name="Image 9"/>
-          <p:cNvPicPr>
-            <a:picLocks noChangeAspect="1"/>
-          </p:cNvPicPr>
-          <p:nvPr/>
-        </p:nvPicPr>
-        <p:blipFill>
-          <a:blip r:embed="rId4"/>
-          <a:stretch>
-            <a:fillRect/>
-          </a:stretch>
-        </p:blipFill>
-        <p:spPr>
-          <a:xfrm>
-            <a:off x="6860062" y="6012705"/>
-            <a:ext cx="156136" cy="156136"/>
-          </a:xfrm>
-          <a:prstGeom prst="rect">
-            <a:avLst/>
-          </a:prstGeom>
-        </p:spPr>
-      </p:pic>
-      <p:sp>
-        <p:nvSpPr>
-          <p:cNvPr id="14" name="ZoneTexte 13"/>
-          <p:cNvSpPr txBox="1"/>
-          <p:nvPr/>
-        </p:nvSpPr>
-        <p:spPr>
-          <a:xfrm>
-            <a:off x="7030076" y="5564271"/>
-            <a:ext cx="1114646" cy="369332"/>
-          </a:xfrm>
-          <a:prstGeom prst="rect">
-            <a:avLst/>
-          </a:prstGeom>
-          <a:noFill/>
-        </p:spPr>
-        <p:txBody>
-          <a:bodyPr wrap="none" rtlCol="0">
-            <a:spAutoFit/>
-          </a:bodyPr>
-          <a:lstStyle/>
-          <a:p>
-            <a:r>
-              <a:rPr lang="fr-CA" dirty="0">
-                <a:latin typeface="+mj-lt"/>
-              </a:rPr>
-              <a:t>=  vecteur</a:t>
-            </a:r>
-          </a:p>
-        </p:txBody>
-      </p:sp>
-      <p:sp>
-        <p:nvSpPr>
-          <p:cNvPr id="16" name="ZoneTexte 15"/>
-          <p:cNvSpPr txBox="1"/>
-          <p:nvPr/>
-        </p:nvSpPr>
-        <p:spPr>
-          <a:xfrm>
-            <a:off x="7036736" y="5872836"/>
-            <a:ext cx="1114307" cy="369332"/>
-          </a:xfrm>
-          <a:prstGeom prst="rect">
-            <a:avLst/>
-          </a:prstGeom>
-          <a:noFill/>
-        </p:spPr>
-        <p:txBody>
-          <a:bodyPr wrap="none" rtlCol="0">
-            <a:spAutoFit/>
-          </a:bodyPr>
-          <a:lstStyle/>
-          <a:p>
-            <a:r>
-              <a:rPr lang="fr-CA" dirty="0">
-                <a:latin typeface="+mj-lt"/>
-              </a:rPr>
-              <a:t>=  scalaire</a:t>
-            </a:r>
-          </a:p>
-        </p:txBody>
-      </p:sp>
-      <p:sp>
-        <p:nvSpPr>
-          <p:cNvPr id="17" name="Rectangle à coins arrondis 16"/>
-          <p:cNvSpPr/>
-          <p:nvPr/>
-        </p:nvSpPr>
-        <p:spPr>
-          <a:xfrm>
-            <a:off x="6778664" y="5564271"/>
-            <a:ext cx="2121222" cy="677897"/>
-          </a:xfrm>
-          <a:prstGeom prst="roundRect">
-            <a:avLst/>
-          </a:prstGeom>
-          <a:noFill/>
-          <a:ln w="12700" cmpd="sng">
-            <a:solidFill>
-              <a:schemeClr val="tx1"/>
-            </a:solidFill>
-          </a:ln>
-        </p:spPr>
-        <p:style>
-          <a:lnRef idx="1">
-            <a:schemeClr val="accent1"/>
-          </a:lnRef>
-          <a:fillRef idx="3">
-            <a:schemeClr val="accent1"/>
-          </a:fillRef>
-          <a:effectRef idx="2">
-            <a:schemeClr val="accent1"/>
-          </a:effectRef>
-          <a:fontRef idx="minor">
-            <a:schemeClr val="lt1"/>
-          </a:fontRef>
-        </p:style>
-        <p:txBody>
-          <a:bodyPr rtlCol="0" anchor="ctr"/>
-          <a:lstStyle/>
-          <a:p>
-            <a:pPr algn="ctr"/>
             <a:endParaRPr lang="fr-CA"/>
           </a:p>
         </p:txBody>
       </p:sp>
-      <p:pic>
-        <p:nvPicPr>
-          <p:cNvPr id="18" name="Image 17"/>
-          <p:cNvPicPr>
-            <a:picLocks noChangeAspect="1"/>
-          </p:cNvPicPr>
-          <p:nvPr/>
-        </p:nvPicPr>
-        <p:blipFill>
-          <a:blip r:embed="rId5"/>
-          <a:stretch>
-            <a:fillRect/>
-          </a:stretch>
-        </p:blipFill>
-        <p:spPr>
-          <a:xfrm>
-            <a:off x="2844315" y="5625749"/>
-            <a:ext cx="3455370" cy="781401"/>
-          </a:xfrm>
-          <a:prstGeom prst="rect">
-            <a:avLst/>
-          </a:prstGeom>
-        </p:spPr>
-      </p:pic>
-      <p:pic>
-        <p:nvPicPr>
-          <p:cNvPr id="19" name="Image 18"/>
-          <p:cNvPicPr>
-            <a:picLocks noChangeAspect="1"/>
-          </p:cNvPicPr>
-          <p:nvPr/>
-        </p:nvPicPr>
-        <p:blipFill>
-          <a:blip r:embed="rId6"/>
-          <a:stretch>
-            <a:fillRect/>
-          </a:stretch>
-        </p:blipFill>
-        <p:spPr>
-          <a:xfrm>
-            <a:off x="3369366" y="2464279"/>
-            <a:ext cx="268903" cy="199508"/>
-          </a:xfrm>
-          <a:prstGeom prst="rect">
-            <a:avLst/>
-          </a:prstGeom>
-        </p:spPr>
-      </p:pic>
-      <p:pic>
-        <p:nvPicPr>
-          <p:cNvPr id="20" name="Image 19"/>
-          <p:cNvPicPr>
-            <a:picLocks noChangeAspect="1"/>
-          </p:cNvPicPr>
-          <p:nvPr/>
-        </p:nvPicPr>
-        <p:blipFill>
-          <a:blip r:embed="rId7"/>
-          <a:stretch>
-            <a:fillRect/>
-          </a:stretch>
-        </p:blipFill>
-        <p:spPr>
-          <a:xfrm>
-            <a:off x="6953573" y="3053155"/>
-            <a:ext cx="225532" cy="216856"/>
-          </a:xfrm>
-          <a:prstGeom prst="rect">
-            <a:avLst/>
-          </a:prstGeom>
-        </p:spPr>
-      </p:pic>
-      <p:pic>
-        <p:nvPicPr>
-          <p:cNvPr id="21" name="Image 20"/>
-          <p:cNvPicPr>
-            <a:picLocks noChangeAspect="1"/>
-          </p:cNvPicPr>
-          <p:nvPr/>
-        </p:nvPicPr>
-        <p:blipFill>
-          <a:blip r:embed="rId3"/>
-          <a:stretch>
-            <a:fillRect/>
-          </a:stretch>
-        </p:blipFill>
-        <p:spPr>
-          <a:xfrm>
-            <a:off x="2814138" y="2709292"/>
-            <a:ext cx="190834" cy="162209"/>
-          </a:xfrm>
-          <a:prstGeom prst="rect">
-            <a:avLst/>
-          </a:prstGeom>
-        </p:spPr>
-      </p:pic>
     </p:spTree>
     <p:extLst>
       <p:ext uri="{BB962C8B-B14F-4D97-AF65-F5344CB8AC3E}">
-        <p14:creationId xmlns:p14="http://schemas.microsoft.com/office/powerpoint/2010/main" val="1548884957"/>
+        <p14:creationId xmlns:p14="http://schemas.microsoft.com/office/powerpoint/2010/main" val="289569629"/>
       </p:ext>
     </p:extLst>
   </p:cSld>
@@ -15675,6 +16041,1254 @@
 </file>
 
 <file path=ppt/slides/slide21.xml><?xml version="1.0" encoding="utf-8"?>
+<p:sld xmlns:a="http://schemas.openxmlformats.org/drawingml/2006/main" xmlns:r="http://schemas.openxmlformats.org/officeDocument/2006/relationships" xmlns:p="http://schemas.openxmlformats.org/presentationml/2006/main">
+  <p:cSld>
+    <p:spTree>
+      <p:nvGrpSpPr>
+        <p:cNvPr id="1" name=""/>
+        <p:cNvGrpSpPr/>
+        <p:nvPr/>
+      </p:nvGrpSpPr>
+      <p:grpSpPr>
+        <a:xfrm>
+          <a:off x="0" y="0"/>
+          <a:ext cx="0" cy="0"/>
+          <a:chOff x="0" y="0"/>
+          <a:chExt cx="0" cy="0"/>
+        </a:xfrm>
+      </p:grpSpPr>
+      <p:sp>
+        <p:nvSpPr>
+          <p:cNvPr id="2" name="Titre 1"/>
+          <p:cNvSpPr>
+            <a:spLocks noGrp="1"/>
+          </p:cNvSpPr>
+          <p:nvPr>
+            <p:ph type="title"/>
+          </p:nvPr>
+        </p:nvSpPr>
+        <p:spPr/>
+        <p:txBody>
+          <a:bodyPr/>
+          <a:lstStyle/>
+          <a:p>
+            <a:r>
+              <a:rPr lang="fr-CA" noProof="0" dirty="0"/>
+              <a:t>Illustration: 3 plus proches voisins</a:t>
+            </a:r>
+          </a:p>
+        </p:txBody>
+      </p:sp>
+      <p:sp>
+        <p:nvSpPr>
+          <p:cNvPr id="17" name="Espace réservé du contenu 16"/>
+          <p:cNvSpPr>
+            <a:spLocks noGrp="1"/>
+          </p:cNvSpPr>
+          <p:nvPr>
+            <p:ph idx="1"/>
+          </p:nvPr>
+        </p:nvSpPr>
+        <p:spPr/>
+        <p:txBody>
+          <a:bodyPr/>
+          <a:lstStyle/>
+          <a:p>
+            <a:r>
+              <a:rPr lang="fr-CA" dirty="0"/>
+              <a:t>Reconnaissance de caractère: est-ce un ‘e’ ou un ‘o’?</a:t>
+            </a:r>
+          </a:p>
+        </p:txBody>
+      </p:sp>
+      <p:sp>
+        <p:nvSpPr>
+          <p:cNvPr id="4" name="Espace réservé de la date 3"/>
+          <p:cNvSpPr>
+            <a:spLocks noGrp="1"/>
+          </p:cNvSpPr>
+          <p:nvPr>
+            <p:ph type="dt" sz="half" idx="10"/>
+          </p:nvPr>
+        </p:nvSpPr>
+        <p:spPr/>
+        <p:txBody>
+          <a:bodyPr/>
+          <a:lstStyle/>
+          <a:p>
+            <a:r>
+              <a:rPr lang="fr-FR"/>
+              <a:t>IFT615</a:t>
+            </a:r>
+            <a:endParaRPr lang="en-US"/>
+          </a:p>
+        </p:txBody>
+      </p:sp>
+      <p:sp>
+        <p:nvSpPr>
+          <p:cNvPr id="5" name="Espace réservé du pied de page 4"/>
+          <p:cNvSpPr>
+            <a:spLocks noGrp="1"/>
+          </p:cNvSpPr>
+          <p:nvPr>
+            <p:ph type="ftr" sz="quarter" idx="11"/>
+          </p:nvPr>
+        </p:nvSpPr>
+        <p:spPr/>
+        <p:txBody>
+          <a:bodyPr/>
+          <a:lstStyle/>
+          <a:p>
+            <a:r>
+              <a:rPr lang="de-DE"/>
+              <a:t>Hugo Larochelle et Froduald Kabanza</a:t>
+            </a:r>
+            <a:endParaRPr lang="en-US"/>
+          </a:p>
+        </p:txBody>
+      </p:sp>
+      <p:sp>
+        <p:nvSpPr>
+          <p:cNvPr id="6" name="Espace réservé du numéro de diapositive 5"/>
+          <p:cNvSpPr>
+            <a:spLocks noGrp="1"/>
+          </p:cNvSpPr>
+          <p:nvPr>
+            <p:ph type="sldNum" sz="quarter" idx="12"/>
+          </p:nvPr>
+        </p:nvSpPr>
+        <p:spPr/>
+        <p:txBody>
+          <a:bodyPr/>
+          <a:lstStyle/>
+          <a:p>
+            <a:fld id="{BBD9A5C2-26F0-C84F-B484-A651D7D81095}" type="slidenum">
+              <a:rPr lang="en-US" smtClean="0"/>
+              <a:pPr/>
+              <a:t>21</a:t>
+            </a:fld>
+            <a:endParaRPr lang="en-US"/>
+          </a:p>
+        </p:txBody>
+      </p:sp>
+      <p:sp>
+        <p:nvSpPr>
+          <p:cNvPr id="28" name="Accolade ouvrante 27"/>
+          <p:cNvSpPr/>
+          <p:nvPr/>
+        </p:nvSpPr>
+        <p:spPr>
+          <a:xfrm>
+            <a:off x="2856182" y="3123662"/>
+            <a:ext cx="247300" cy="3570261"/>
+          </a:xfrm>
+          <a:prstGeom prst="leftBrace">
+            <a:avLst/>
+          </a:prstGeom>
+          <a:scene3d>
+            <a:camera prst="orthographicFront">
+              <a:rot lat="0" lon="0" rev="5400000"/>
+            </a:camera>
+            <a:lightRig rig="threePt" dir="t"/>
+          </a:scene3d>
+        </p:spPr>
+        <p:style>
+          <a:lnRef idx="2">
+            <a:schemeClr val="accent1"/>
+          </a:lnRef>
+          <a:fillRef idx="0">
+            <a:schemeClr val="accent1"/>
+          </a:fillRef>
+          <a:effectRef idx="1">
+            <a:schemeClr val="accent1"/>
+          </a:effectRef>
+          <a:fontRef idx="minor">
+            <a:schemeClr val="tx1"/>
+          </a:fontRef>
+        </p:style>
+        <p:txBody>
+          <a:bodyPr rtlCol="0" anchor="ctr">
+            <a:scene3d>
+              <a:camera prst="orthographicFront">
+                <a:rot lat="0" lon="0" rev="5400000"/>
+              </a:camera>
+              <a:lightRig rig="threePt" dir="t"/>
+            </a:scene3d>
+          </a:bodyPr>
+          <a:lstStyle/>
+          <a:p>
+            <a:pPr algn="ctr"/>
+            <a:endParaRPr lang="fr-CA"/>
+          </a:p>
+        </p:txBody>
+      </p:sp>
+      <p:sp>
+        <p:nvSpPr>
+          <p:cNvPr id="29" name="Accolade ouvrante 28"/>
+          <p:cNvSpPr/>
+          <p:nvPr/>
+        </p:nvSpPr>
+        <p:spPr>
+          <a:xfrm>
+            <a:off x="6396194" y="4281913"/>
+            <a:ext cx="209242" cy="1272557"/>
+          </a:xfrm>
+          <a:prstGeom prst="leftBrace">
+            <a:avLst/>
+          </a:prstGeom>
+          <a:scene3d>
+            <a:camera prst="orthographicFront">
+              <a:rot lat="0" lon="0" rev="5400000"/>
+            </a:camera>
+            <a:lightRig rig="threePt" dir="t"/>
+          </a:scene3d>
+        </p:spPr>
+        <p:style>
+          <a:lnRef idx="2">
+            <a:schemeClr val="accent1"/>
+          </a:lnRef>
+          <a:fillRef idx="0">
+            <a:schemeClr val="accent1"/>
+          </a:fillRef>
+          <a:effectRef idx="1">
+            <a:schemeClr val="accent1"/>
+          </a:effectRef>
+          <a:fontRef idx="minor">
+            <a:schemeClr val="tx1"/>
+          </a:fontRef>
+        </p:style>
+        <p:txBody>
+          <a:bodyPr rtlCol="0" anchor="ctr">
+            <a:scene3d>
+              <a:camera prst="orthographicFront">
+                <a:rot lat="0" lon="0" rev="5400000"/>
+              </a:camera>
+              <a:lightRig rig="threePt" dir="t"/>
+            </a:scene3d>
+          </a:bodyPr>
+          <a:lstStyle/>
+          <a:p>
+            <a:pPr algn="ctr"/>
+            <a:endParaRPr lang="fr-CA"/>
+          </a:p>
+        </p:txBody>
+      </p:sp>
+      <p:sp>
+        <p:nvSpPr>
+          <p:cNvPr id="7" name="ZoneTexte 6"/>
+          <p:cNvSpPr txBox="1"/>
+          <p:nvPr/>
+        </p:nvSpPr>
+        <p:spPr>
+          <a:xfrm>
+            <a:off x="1878861" y="5128736"/>
+            <a:ext cx="2225301" cy="369332"/>
+          </a:xfrm>
+          <a:prstGeom prst="rect">
+            <a:avLst/>
+          </a:prstGeom>
+          <a:noFill/>
+        </p:spPr>
+        <p:txBody>
+          <a:bodyPr wrap="none" rtlCol="0">
+            <a:spAutoFit/>
+          </a:bodyPr>
+          <a:lstStyle/>
+          <a:p>
+            <a:r>
+              <a:rPr lang="fr-CA" dirty="0">
+                <a:latin typeface="+mj-lt"/>
+              </a:rPr>
+              <a:t>3 plus proches voisins</a:t>
+            </a:r>
+          </a:p>
+        </p:txBody>
+      </p:sp>
+      <p:sp>
+        <p:nvSpPr>
+          <p:cNvPr id="15" name="ZoneTexte 14"/>
+          <p:cNvSpPr txBox="1"/>
+          <p:nvPr/>
+        </p:nvSpPr>
+        <p:spPr>
+          <a:xfrm>
+            <a:off x="5710972" y="5122672"/>
+            <a:ext cx="1664676" cy="369332"/>
+          </a:xfrm>
+          <a:prstGeom prst="rect">
+            <a:avLst/>
+          </a:prstGeom>
+          <a:noFill/>
+        </p:spPr>
+        <p:txBody>
+          <a:bodyPr wrap="none" rtlCol="0">
+            <a:spAutoFit/>
+          </a:bodyPr>
+          <a:lstStyle/>
+          <a:p>
+            <a:r>
+              <a:rPr lang="fr-CA" dirty="0">
+                <a:latin typeface="+mj-lt"/>
+              </a:rPr>
+              <a:t>nouvelle entrée</a:t>
+            </a:r>
+          </a:p>
+        </p:txBody>
+      </p:sp>
+      <p:sp>
+        <p:nvSpPr>
+          <p:cNvPr id="13" name="ZoneTexte 12"/>
+          <p:cNvSpPr txBox="1"/>
+          <p:nvPr/>
+        </p:nvSpPr>
+        <p:spPr>
+          <a:xfrm>
+            <a:off x="7528832" y="3308328"/>
+            <a:ext cx="649036" cy="369332"/>
+          </a:xfrm>
+          <a:prstGeom prst="rect">
+            <a:avLst/>
+          </a:prstGeom>
+          <a:noFill/>
+        </p:spPr>
+        <p:txBody>
+          <a:bodyPr wrap="none" rtlCol="0">
+            <a:spAutoFit/>
+          </a:bodyPr>
+          <a:lstStyle/>
+          <a:p>
+            <a:pPr algn="ctr"/>
+            <a:r>
+              <a:rPr lang="fr-CA" b="1" dirty="0">
+                <a:solidFill>
+                  <a:srgbClr val="000090"/>
+                </a:solidFill>
+                <a:latin typeface="+mj-lt"/>
+              </a:rPr>
+              <a:t>Vrai!</a:t>
+            </a:r>
+          </a:p>
+        </p:txBody>
+      </p:sp>
+      <p:pic>
+        <p:nvPicPr>
+          <p:cNvPr id="3" name="Image 2"/>
+          <p:cNvPicPr>
+            <a:picLocks noChangeAspect="1"/>
+          </p:cNvPicPr>
+          <p:nvPr/>
+        </p:nvPicPr>
+        <p:blipFill>
+          <a:blip r:embed="rId3"/>
+          <a:stretch>
+            <a:fillRect/>
+          </a:stretch>
+        </p:blipFill>
+        <p:spPr>
+          <a:xfrm>
+            <a:off x="1321286" y="2367173"/>
+            <a:ext cx="5726603" cy="2283392"/>
+          </a:xfrm>
+          <a:prstGeom prst="rect">
+            <a:avLst/>
+          </a:prstGeom>
+        </p:spPr>
+      </p:pic>
+      <p:sp>
+        <p:nvSpPr>
+          <p:cNvPr id="20" name="Forme libre 19"/>
+          <p:cNvSpPr/>
+          <p:nvPr/>
+        </p:nvSpPr>
+        <p:spPr>
+          <a:xfrm>
+            <a:off x="298277" y="4323991"/>
+            <a:ext cx="992279" cy="1339588"/>
+          </a:xfrm>
+          <a:custGeom>
+            <a:avLst/>
+            <a:gdLst>
+              <a:gd name="connsiteX0" fmla="*/ 992279 w 992279"/>
+              <a:gd name="connsiteY0" fmla="*/ 46718 h 2054063"/>
+              <a:gd name="connsiteX1" fmla="*/ 111423 w 992279"/>
+              <a:gd name="connsiteY1" fmla="*/ 149134 h 2054063"/>
+              <a:gd name="connsiteX2" fmla="*/ 90938 w 992279"/>
+              <a:gd name="connsiteY2" fmla="*/ 1285946 h 2054063"/>
+              <a:gd name="connsiteX3" fmla="*/ 828399 w 992279"/>
+              <a:gd name="connsiteY3" fmla="*/ 2054063 h 2054063"/>
+            </a:gdLst>
+            <a:ahLst/>
+            <a:cxnLst>
+              <a:cxn ang="0">
+                <a:pos x="connsiteX0" y="connsiteY0"/>
+              </a:cxn>
+              <a:cxn ang="0">
+                <a:pos x="connsiteX1" y="connsiteY1"/>
+              </a:cxn>
+              <a:cxn ang="0">
+                <a:pos x="connsiteX2" y="connsiteY2"/>
+              </a:cxn>
+              <a:cxn ang="0">
+                <a:pos x="connsiteX3" y="connsiteY3"/>
+              </a:cxn>
+            </a:cxnLst>
+            <a:rect l="l" t="t" r="r" b="b"/>
+            <a:pathLst>
+              <a:path w="992279" h="2054063">
+                <a:moveTo>
+                  <a:pt x="992279" y="46718"/>
+                </a:moveTo>
+                <a:cubicBezTo>
+                  <a:pt x="626962" y="-5343"/>
+                  <a:pt x="261646" y="-57404"/>
+                  <a:pt x="111423" y="149134"/>
+                </a:cubicBezTo>
+                <a:cubicBezTo>
+                  <a:pt x="-38800" y="355672"/>
+                  <a:pt x="-28558" y="968458"/>
+                  <a:pt x="90938" y="1285946"/>
+                </a:cubicBezTo>
+                <a:cubicBezTo>
+                  <a:pt x="210434" y="1603434"/>
+                  <a:pt x="628670" y="1891905"/>
+                  <a:pt x="828399" y="2054063"/>
+                </a:cubicBezTo>
+              </a:path>
+            </a:pathLst>
+          </a:custGeom>
+          <a:ln>
+            <a:headEnd type="arrow"/>
+            <a:tailEnd type="none"/>
+          </a:ln>
+        </p:spPr>
+        <p:style>
+          <a:lnRef idx="2">
+            <a:schemeClr val="accent1"/>
+          </a:lnRef>
+          <a:fillRef idx="0">
+            <a:schemeClr val="accent1"/>
+          </a:fillRef>
+          <a:effectRef idx="1">
+            <a:schemeClr val="accent1"/>
+          </a:effectRef>
+          <a:fontRef idx="minor">
+            <a:schemeClr val="tx1"/>
+          </a:fontRef>
+        </p:style>
+        <p:txBody>
+          <a:bodyPr rtlCol="0" anchor="ctr"/>
+          <a:lstStyle/>
+          <a:p>
+            <a:pPr algn="ctr"/>
+            <a:endParaRPr lang="fr-CA"/>
+          </a:p>
+        </p:txBody>
+      </p:sp>
+      <p:sp>
+        <p:nvSpPr>
+          <p:cNvPr id="23" name="ZoneTexte 22"/>
+          <p:cNvSpPr txBox="1"/>
+          <p:nvPr/>
+        </p:nvSpPr>
+        <p:spPr>
+          <a:xfrm>
+            <a:off x="1092299" y="5493018"/>
+            <a:ext cx="1634582" cy="369332"/>
+          </a:xfrm>
+          <a:prstGeom prst="rect">
+            <a:avLst/>
+          </a:prstGeom>
+          <a:noFill/>
+        </p:spPr>
+        <p:txBody>
+          <a:bodyPr wrap="none" rtlCol="0">
+            <a:spAutoFit/>
+          </a:bodyPr>
+          <a:lstStyle/>
+          <a:p>
+            <a:r>
+              <a:rPr lang="fr-CA" b="1" dirty="0">
+                <a:solidFill>
+                  <a:srgbClr val="000090"/>
+                </a:solidFill>
+                <a:latin typeface="+mj-lt"/>
+              </a:rPr>
+              <a:t>nouveau voisin</a:t>
+            </a:r>
+          </a:p>
+        </p:txBody>
+      </p:sp>
+      <p:sp>
+        <p:nvSpPr>
+          <p:cNvPr id="8" name="ZoneTexte 7"/>
+          <p:cNvSpPr txBox="1"/>
+          <p:nvPr/>
+        </p:nvSpPr>
+        <p:spPr>
+          <a:xfrm>
+            <a:off x="7047889" y="1594128"/>
+            <a:ext cx="1505540" cy="923330"/>
+          </a:xfrm>
+          <a:prstGeom prst="rect">
+            <a:avLst/>
+          </a:prstGeom>
+          <a:noFill/>
+        </p:spPr>
+        <p:txBody>
+          <a:bodyPr wrap="none" rtlCol="0">
+            <a:spAutoFit/>
+          </a:bodyPr>
+          <a:lstStyle/>
+          <a:p>
+            <a:r>
+              <a:rPr lang="fr-CA" b="1" dirty="0">
+                <a:solidFill>
+                  <a:srgbClr val="000090"/>
+                </a:solidFill>
+                <a:latin typeface="+mj-lt"/>
+              </a:rPr>
+              <a:t>Si on ajoute</a:t>
+            </a:r>
+          </a:p>
+          <a:p>
+            <a:r>
+              <a:rPr lang="fr-CA" b="1" dirty="0">
+                <a:solidFill>
+                  <a:srgbClr val="000090"/>
+                </a:solidFill>
+                <a:latin typeface="+mj-lt"/>
+              </a:rPr>
+              <a:t>200 exemples </a:t>
+            </a:r>
+            <a:br>
+              <a:rPr lang="fr-CA" b="1" dirty="0">
+                <a:solidFill>
+                  <a:srgbClr val="000090"/>
+                </a:solidFill>
+                <a:latin typeface="+mj-lt"/>
+              </a:rPr>
+            </a:br>
+            <a:r>
+              <a:rPr lang="fr-CA" b="1" dirty="0">
+                <a:solidFill>
+                  <a:srgbClr val="000090"/>
+                </a:solidFill>
+                <a:latin typeface="+mj-lt"/>
+              </a:rPr>
+              <a:t>par classe... </a:t>
+            </a:r>
+          </a:p>
+        </p:txBody>
+      </p:sp>
+      <p:cxnSp>
+        <p:nvCxnSpPr>
+          <p:cNvPr id="16" name="Connecteur droit avec flèche 15"/>
+          <p:cNvCxnSpPr/>
+          <p:nvPr/>
+        </p:nvCxnSpPr>
+        <p:spPr>
+          <a:xfrm>
+            <a:off x="4826000" y="2000250"/>
+            <a:ext cx="1460500" cy="469812"/>
+          </a:xfrm>
+          <a:prstGeom prst="straightConnector1">
+            <a:avLst/>
+          </a:prstGeom>
+          <a:ln>
+            <a:tailEnd type="arrow"/>
+          </a:ln>
+        </p:spPr>
+        <p:style>
+          <a:lnRef idx="2">
+            <a:schemeClr val="accent1"/>
+          </a:lnRef>
+          <a:fillRef idx="0">
+            <a:schemeClr val="accent1"/>
+          </a:fillRef>
+          <a:effectRef idx="1">
+            <a:schemeClr val="accent1"/>
+          </a:effectRef>
+          <a:fontRef idx="minor">
+            <a:schemeClr val="tx1"/>
+          </a:fontRef>
+        </p:style>
+      </p:cxnSp>
+      <p:cxnSp>
+        <p:nvCxnSpPr>
+          <p:cNvPr id="18" name="Connecteur droit 17"/>
+          <p:cNvCxnSpPr/>
+          <p:nvPr/>
+        </p:nvCxnSpPr>
+        <p:spPr>
+          <a:xfrm flipV="1">
+            <a:off x="2016125" y="2000250"/>
+            <a:ext cx="2809875" cy="469812"/>
+          </a:xfrm>
+          <a:prstGeom prst="line">
+            <a:avLst/>
+          </a:prstGeom>
+        </p:spPr>
+        <p:style>
+          <a:lnRef idx="2">
+            <a:schemeClr val="accent1"/>
+          </a:lnRef>
+          <a:fillRef idx="0">
+            <a:schemeClr val="accent1"/>
+          </a:fillRef>
+          <a:effectRef idx="1">
+            <a:schemeClr val="accent1"/>
+          </a:effectRef>
+          <a:fontRef idx="minor">
+            <a:schemeClr val="tx1"/>
+          </a:fontRef>
+        </p:style>
+      </p:cxnSp>
+      <p:cxnSp>
+        <p:nvCxnSpPr>
+          <p:cNvPr id="19" name="Connecteur droit 18"/>
+          <p:cNvCxnSpPr/>
+          <p:nvPr/>
+        </p:nvCxnSpPr>
+        <p:spPr>
+          <a:xfrm flipV="1">
+            <a:off x="3173413" y="2000250"/>
+            <a:ext cx="1652587" cy="469813"/>
+          </a:xfrm>
+          <a:prstGeom prst="line">
+            <a:avLst/>
+          </a:prstGeom>
+        </p:spPr>
+        <p:style>
+          <a:lnRef idx="2">
+            <a:schemeClr val="accent1"/>
+          </a:lnRef>
+          <a:fillRef idx="0">
+            <a:schemeClr val="accent1"/>
+          </a:fillRef>
+          <a:effectRef idx="1">
+            <a:schemeClr val="accent1"/>
+          </a:effectRef>
+          <a:fontRef idx="minor">
+            <a:schemeClr val="tx1"/>
+          </a:fontRef>
+        </p:style>
+      </p:cxnSp>
+      <p:cxnSp>
+        <p:nvCxnSpPr>
+          <p:cNvPr id="21" name="Connecteur droit 20"/>
+          <p:cNvCxnSpPr/>
+          <p:nvPr/>
+        </p:nvCxnSpPr>
+        <p:spPr>
+          <a:xfrm flipV="1">
+            <a:off x="4318000" y="2000252"/>
+            <a:ext cx="508000" cy="469810"/>
+          </a:xfrm>
+          <a:prstGeom prst="line">
+            <a:avLst/>
+          </a:prstGeom>
+        </p:spPr>
+        <p:style>
+          <a:lnRef idx="2">
+            <a:schemeClr val="accent1"/>
+          </a:lnRef>
+          <a:fillRef idx="0">
+            <a:schemeClr val="accent1"/>
+          </a:fillRef>
+          <a:effectRef idx="1">
+            <a:schemeClr val="accent1"/>
+          </a:effectRef>
+          <a:fontRef idx="minor">
+            <a:schemeClr val="tx1"/>
+          </a:fontRef>
+        </p:style>
+      </p:cxnSp>
+      <p:sp>
+        <p:nvSpPr>
+          <p:cNvPr id="22" name="ZoneTexte 21"/>
+          <p:cNvSpPr txBox="1"/>
+          <p:nvPr/>
+        </p:nvSpPr>
+        <p:spPr>
+          <a:xfrm rot="1056970">
+            <a:off x="4887808" y="1884960"/>
+            <a:ext cx="1226230" cy="646331"/>
+          </a:xfrm>
+          <a:prstGeom prst="rect">
+            <a:avLst/>
+          </a:prstGeom>
+          <a:noFill/>
+        </p:spPr>
+        <p:txBody>
+          <a:bodyPr wrap="none" rtlCol="0">
+            <a:spAutoFit/>
+          </a:bodyPr>
+          <a:lstStyle/>
+          <a:p>
+            <a:pPr algn="ctr"/>
+            <a:r>
+              <a:rPr lang="fr-CA" dirty="0">
+                <a:latin typeface="+mj-lt"/>
+              </a:rPr>
+              <a:t>vote</a:t>
+            </a:r>
+          </a:p>
+          <a:p>
+            <a:pPr algn="ctr"/>
+            <a:r>
+              <a:rPr lang="fr-CA" dirty="0">
+                <a:latin typeface="+mj-lt"/>
+              </a:rPr>
+              <a:t>majoritaire</a:t>
+            </a:r>
+          </a:p>
+        </p:txBody>
+      </p:sp>
+    </p:spTree>
+    <p:extLst>
+      <p:ext uri="{BB962C8B-B14F-4D97-AF65-F5344CB8AC3E}">
+        <p14:creationId xmlns:p14="http://schemas.microsoft.com/office/powerpoint/2010/main" val="2206116280"/>
+      </p:ext>
+    </p:extLst>
+  </p:cSld>
+  <p:clrMapOvr>
+    <a:masterClrMapping/>
+  </p:clrMapOvr>
+</p:sld>
+</file>
+
+<file path=ppt/slides/slide22.xml><?xml version="1.0" encoding="utf-8"?>
+<p:sld xmlns:a="http://schemas.openxmlformats.org/drawingml/2006/main" xmlns:r="http://schemas.openxmlformats.org/officeDocument/2006/relationships" xmlns:p="http://schemas.openxmlformats.org/presentationml/2006/main">
+  <p:cSld>
+    <p:spTree>
+      <p:nvGrpSpPr>
+        <p:cNvPr id="1" name=""/>
+        <p:cNvGrpSpPr/>
+        <p:nvPr/>
+      </p:nvGrpSpPr>
+      <p:grpSpPr>
+        <a:xfrm>
+          <a:off x="0" y="0"/>
+          <a:ext cx="0" cy="0"/>
+          <a:chOff x="0" y="0"/>
+          <a:chExt cx="0" cy="0"/>
+        </a:xfrm>
+      </p:grpSpPr>
+      <p:sp>
+        <p:nvSpPr>
+          <p:cNvPr id="2" name="Titre 1"/>
+          <p:cNvSpPr>
+            <a:spLocks noGrp="1"/>
+          </p:cNvSpPr>
+          <p:nvPr>
+            <p:ph type="title"/>
+          </p:nvPr>
+        </p:nvSpPr>
+        <p:spPr/>
+        <p:txBody>
+          <a:bodyPr/>
+          <a:lstStyle/>
+          <a:p>
+            <a:r>
+              <a:rPr lang="fr-CA" noProof="0" dirty="0"/>
+              <a:t>Exemple: </a:t>
+            </a:r>
+            <a:r>
+              <a:rPr lang="fr-CA" noProof="0" dirty="0" err="1"/>
+              <a:t>classifieur</a:t>
+            </a:r>
+            <a:r>
+              <a:rPr lang="fr-CA" noProof="0" dirty="0"/>
+              <a:t> </a:t>
+            </a:r>
+            <a:br>
+              <a:rPr lang="fr-CA" noProof="0" dirty="0"/>
+            </a:br>
+            <a:r>
+              <a:rPr lang="fr-CA" i="1" noProof="0" dirty="0"/>
+              <a:t>k</a:t>
+            </a:r>
+            <a:r>
+              <a:rPr lang="fr-CA" noProof="0" dirty="0"/>
+              <a:t> plus proches voisins</a:t>
+            </a:r>
+          </a:p>
+        </p:txBody>
+      </p:sp>
+      <p:sp>
+        <p:nvSpPr>
+          <p:cNvPr id="3" name="Espace réservé du contenu 2"/>
+          <p:cNvSpPr>
+            <a:spLocks noGrp="1"/>
+          </p:cNvSpPr>
+          <p:nvPr>
+            <p:ph idx="1"/>
+          </p:nvPr>
+        </p:nvSpPr>
+        <p:spPr/>
+        <p:txBody>
+          <a:bodyPr/>
+          <a:lstStyle/>
+          <a:p>
+            <a:r>
+              <a:rPr lang="fr-CA" noProof="0" dirty="0"/>
+              <a:t>Possiblement l’algorithme d’apprentissage </a:t>
+            </a:r>
+            <a:r>
+              <a:rPr lang="fr-CA" dirty="0"/>
+              <a:t>de </a:t>
+            </a:r>
+            <a:r>
+              <a:rPr lang="fr-CA" noProof="0" dirty="0"/>
+              <a:t>classification le plus simple</a:t>
+            </a:r>
+          </a:p>
+          <a:p>
+            <a:r>
+              <a:rPr lang="fr-CA" b="1" dirty="0"/>
+              <a:t>Idée</a:t>
+            </a:r>
+            <a:r>
+              <a:rPr lang="fr-CA" dirty="0"/>
+              <a:t>: étant donnée une entrée     </a:t>
+            </a:r>
+          </a:p>
+          <a:p>
+            <a:pPr marL="800100" lvl="1" indent="-342900">
+              <a:buFont typeface="+mj-lt"/>
+              <a:buAutoNum type="arabicPeriod"/>
+            </a:pPr>
+            <a:r>
+              <a:rPr lang="fr-CA" dirty="0"/>
+              <a:t>trouver les </a:t>
+            </a:r>
+            <a:r>
+              <a:rPr lang="fr-CA" i="1" dirty="0"/>
+              <a:t>k</a:t>
+            </a:r>
+            <a:r>
+              <a:rPr lang="fr-CA" dirty="0"/>
+              <a:t> entrées         parmi les exemples d’apprentissage qui sont les plus « proches » de </a:t>
+            </a:r>
+          </a:p>
+          <a:p>
+            <a:pPr marL="800100" lvl="1" indent="-342900">
+              <a:buFont typeface="+mj-lt"/>
+              <a:buAutoNum type="arabicPeriod"/>
+            </a:pPr>
+            <a:r>
+              <a:rPr lang="fr-CA" noProof="0" dirty="0"/>
+              <a:t>faire voter chacune de ces entrées pour leur classe associée </a:t>
+            </a:r>
+          </a:p>
+          <a:p>
+            <a:pPr marL="800100" lvl="1" indent="-342900">
+              <a:buFont typeface="+mj-lt"/>
+              <a:buAutoNum type="arabicPeriod"/>
+            </a:pPr>
+            <a:r>
+              <a:rPr lang="fr-CA" dirty="0"/>
+              <a:t>retourner la classe majoritaire</a:t>
+            </a:r>
+          </a:p>
+          <a:p>
+            <a:r>
+              <a:rPr lang="fr-CA" dirty="0"/>
+              <a:t>Le succès de cet algorithme va dépendre de deux facteurs</a:t>
+            </a:r>
+          </a:p>
+          <a:p>
+            <a:pPr lvl="1"/>
+            <a:r>
+              <a:rPr lang="fr-CA" noProof="0" dirty="0"/>
+              <a:t>la quantité de données d’entraînement (plus il y en a, meilleure sera la performance)</a:t>
+            </a:r>
+          </a:p>
+          <a:p>
+            <a:pPr lvl="1"/>
+            <a:r>
+              <a:rPr lang="fr-CA" dirty="0"/>
+              <a:t>la qualité de la mesure de distance (est-ce que deux entrées jugées similaires sont de la même classe?)</a:t>
+            </a:r>
+          </a:p>
+          <a:p>
+            <a:pPr lvl="2"/>
+            <a:r>
+              <a:rPr lang="fr-CA" noProof="0" dirty="0"/>
+              <a:t>en pratique, on utilise souvent la distance Euclidienne:</a:t>
+            </a:r>
+          </a:p>
+        </p:txBody>
+      </p:sp>
+      <p:sp>
+        <p:nvSpPr>
+          <p:cNvPr id="4" name="Espace réservé de la date 3"/>
+          <p:cNvSpPr>
+            <a:spLocks noGrp="1"/>
+          </p:cNvSpPr>
+          <p:nvPr>
+            <p:ph type="dt" sz="half" idx="10"/>
+          </p:nvPr>
+        </p:nvSpPr>
+        <p:spPr/>
+        <p:txBody>
+          <a:bodyPr/>
+          <a:lstStyle/>
+          <a:p>
+            <a:pPr>
+              <a:defRPr/>
+            </a:pPr>
+            <a:r>
+              <a:rPr lang="fr-FR"/>
+              <a:t>IFT615</a:t>
+            </a:r>
+            <a:endParaRPr lang="en-US"/>
+          </a:p>
+        </p:txBody>
+      </p:sp>
+      <p:sp>
+        <p:nvSpPr>
+          <p:cNvPr id="5" name="Espace réservé du pied de page 4"/>
+          <p:cNvSpPr>
+            <a:spLocks noGrp="1"/>
+          </p:cNvSpPr>
+          <p:nvPr>
+            <p:ph type="ftr" sz="quarter" idx="11"/>
+          </p:nvPr>
+        </p:nvSpPr>
+        <p:spPr/>
+        <p:txBody>
+          <a:bodyPr/>
+          <a:lstStyle/>
+          <a:p>
+            <a:pPr>
+              <a:defRPr/>
+            </a:pPr>
+            <a:r>
+              <a:rPr lang="de-DE"/>
+              <a:t>Hugo Larochelle et Froduald Kabanza</a:t>
+            </a:r>
+            <a:endParaRPr lang="en-US"/>
+          </a:p>
+        </p:txBody>
+      </p:sp>
+      <p:sp>
+        <p:nvSpPr>
+          <p:cNvPr id="6" name="Espace réservé du numéro de diapositive 5"/>
+          <p:cNvSpPr>
+            <a:spLocks noGrp="1"/>
+          </p:cNvSpPr>
+          <p:nvPr>
+            <p:ph type="sldNum" sz="quarter" idx="12"/>
+          </p:nvPr>
+        </p:nvSpPr>
+        <p:spPr/>
+        <p:txBody>
+          <a:bodyPr/>
+          <a:lstStyle/>
+          <a:p>
+            <a:pPr>
+              <a:defRPr/>
+            </a:pPr>
+            <a:fld id="{BBD9A5C2-26F0-C84F-B484-A651D7D81095}" type="slidenum">
+              <a:rPr lang="en-US" smtClean="0"/>
+              <a:pPr>
+                <a:defRPr/>
+              </a:pPr>
+              <a:t>22</a:t>
+            </a:fld>
+            <a:endParaRPr lang="en-US"/>
+          </a:p>
+        </p:txBody>
+      </p:sp>
+      <p:pic>
+        <p:nvPicPr>
+          <p:cNvPr id="7" name="Image 6"/>
+          <p:cNvPicPr>
+            <a:picLocks noChangeAspect="1"/>
+          </p:cNvPicPr>
+          <p:nvPr/>
+        </p:nvPicPr>
+        <p:blipFill>
+          <a:blip r:embed="rId3"/>
+          <a:stretch>
+            <a:fillRect/>
+          </a:stretch>
+        </p:blipFill>
+        <p:spPr>
+          <a:xfrm>
+            <a:off x="4138113" y="2112392"/>
+            <a:ext cx="190834" cy="162209"/>
+          </a:xfrm>
+          <a:prstGeom prst="rect">
+            <a:avLst/>
+          </a:prstGeom>
+        </p:spPr>
+      </p:pic>
+      <p:pic>
+        <p:nvPicPr>
+          <p:cNvPr id="13" name="Image 12"/>
+          <p:cNvPicPr>
+            <a:picLocks noChangeAspect="1"/>
+          </p:cNvPicPr>
+          <p:nvPr/>
+        </p:nvPicPr>
+        <p:blipFill>
+          <a:blip r:embed="rId3"/>
+          <a:stretch>
+            <a:fillRect/>
+          </a:stretch>
+        </p:blipFill>
+        <p:spPr>
+          <a:xfrm>
+            <a:off x="6839242" y="5692359"/>
+            <a:ext cx="190834" cy="162209"/>
+          </a:xfrm>
+          <a:prstGeom prst="rect">
+            <a:avLst/>
+          </a:prstGeom>
+        </p:spPr>
+      </p:pic>
+      <p:pic>
+        <p:nvPicPr>
+          <p:cNvPr id="10" name="Image 9"/>
+          <p:cNvPicPr>
+            <a:picLocks noChangeAspect="1"/>
+          </p:cNvPicPr>
+          <p:nvPr/>
+        </p:nvPicPr>
+        <p:blipFill>
+          <a:blip r:embed="rId4"/>
+          <a:stretch>
+            <a:fillRect/>
+          </a:stretch>
+        </p:blipFill>
+        <p:spPr>
+          <a:xfrm>
+            <a:off x="6860062" y="6012705"/>
+            <a:ext cx="156136" cy="156136"/>
+          </a:xfrm>
+          <a:prstGeom prst="rect">
+            <a:avLst/>
+          </a:prstGeom>
+        </p:spPr>
+      </p:pic>
+      <p:sp>
+        <p:nvSpPr>
+          <p:cNvPr id="14" name="ZoneTexte 13"/>
+          <p:cNvSpPr txBox="1"/>
+          <p:nvPr/>
+        </p:nvSpPr>
+        <p:spPr>
+          <a:xfrm>
+            <a:off x="7030076" y="5564271"/>
+            <a:ext cx="1114646" cy="369332"/>
+          </a:xfrm>
+          <a:prstGeom prst="rect">
+            <a:avLst/>
+          </a:prstGeom>
+          <a:noFill/>
+        </p:spPr>
+        <p:txBody>
+          <a:bodyPr wrap="none" rtlCol="0">
+            <a:spAutoFit/>
+          </a:bodyPr>
+          <a:lstStyle/>
+          <a:p>
+            <a:r>
+              <a:rPr lang="fr-CA" dirty="0">
+                <a:latin typeface="+mj-lt"/>
+              </a:rPr>
+              <a:t>=  vecteur</a:t>
+            </a:r>
+          </a:p>
+        </p:txBody>
+      </p:sp>
+      <p:sp>
+        <p:nvSpPr>
+          <p:cNvPr id="16" name="ZoneTexte 15"/>
+          <p:cNvSpPr txBox="1"/>
+          <p:nvPr/>
+        </p:nvSpPr>
+        <p:spPr>
+          <a:xfrm>
+            <a:off x="7036736" y="5872836"/>
+            <a:ext cx="1114307" cy="369332"/>
+          </a:xfrm>
+          <a:prstGeom prst="rect">
+            <a:avLst/>
+          </a:prstGeom>
+          <a:noFill/>
+        </p:spPr>
+        <p:txBody>
+          <a:bodyPr wrap="none" rtlCol="0">
+            <a:spAutoFit/>
+          </a:bodyPr>
+          <a:lstStyle/>
+          <a:p>
+            <a:r>
+              <a:rPr lang="fr-CA" dirty="0">
+                <a:latin typeface="+mj-lt"/>
+              </a:rPr>
+              <a:t>=  scalaire</a:t>
+            </a:r>
+          </a:p>
+        </p:txBody>
+      </p:sp>
+      <p:sp>
+        <p:nvSpPr>
+          <p:cNvPr id="17" name="Rectangle à coins arrondis 16"/>
+          <p:cNvSpPr/>
+          <p:nvPr/>
+        </p:nvSpPr>
+        <p:spPr>
+          <a:xfrm>
+            <a:off x="6778664" y="5564271"/>
+            <a:ext cx="2121222" cy="677897"/>
+          </a:xfrm>
+          <a:prstGeom prst="roundRect">
+            <a:avLst/>
+          </a:prstGeom>
+          <a:noFill/>
+          <a:ln w="12700" cmpd="sng">
+            <a:solidFill>
+              <a:schemeClr val="tx1"/>
+            </a:solidFill>
+          </a:ln>
+        </p:spPr>
+        <p:style>
+          <a:lnRef idx="1">
+            <a:schemeClr val="accent1"/>
+          </a:lnRef>
+          <a:fillRef idx="3">
+            <a:schemeClr val="accent1"/>
+          </a:fillRef>
+          <a:effectRef idx="2">
+            <a:schemeClr val="accent1"/>
+          </a:effectRef>
+          <a:fontRef idx="minor">
+            <a:schemeClr val="lt1"/>
+          </a:fontRef>
+        </p:style>
+        <p:txBody>
+          <a:bodyPr rtlCol="0" anchor="ctr"/>
+          <a:lstStyle/>
+          <a:p>
+            <a:pPr algn="ctr"/>
+            <a:endParaRPr lang="fr-CA"/>
+          </a:p>
+        </p:txBody>
+      </p:sp>
+      <p:pic>
+        <p:nvPicPr>
+          <p:cNvPr id="18" name="Image 17"/>
+          <p:cNvPicPr>
+            <a:picLocks noChangeAspect="1"/>
+          </p:cNvPicPr>
+          <p:nvPr/>
+        </p:nvPicPr>
+        <p:blipFill>
+          <a:blip r:embed="rId5"/>
+          <a:stretch>
+            <a:fillRect/>
+          </a:stretch>
+        </p:blipFill>
+        <p:spPr>
+          <a:xfrm>
+            <a:off x="2844315" y="5625749"/>
+            <a:ext cx="3455370" cy="781401"/>
+          </a:xfrm>
+          <a:prstGeom prst="rect">
+            <a:avLst/>
+          </a:prstGeom>
+        </p:spPr>
+      </p:pic>
+      <p:pic>
+        <p:nvPicPr>
+          <p:cNvPr id="19" name="Image 18"/>
+          <p:cNvPicPr>
+            <a:picLocks noChangeAspect="1"/>
+          </p:cNvPicPr>
+          <p:nvPr/>
+        </p:nvPicPr>
+        <p:blipFill>
+          <a:blip r:embed="rId6"/>
+          <a:stretch>
+            <a:fillRect/>
+          </a:stretch>
+        </p:blipFill>
+        <p:spPr>
+          <a:xfrm>
+            <a:off x="3369366" y="2464279"/>
+            <a:ext cx="268903" cy="199508"/>
+          </a:xfrm>
+          <a:prstGeom prst="rect">
+            <a:avLst/>
+          </a:prstGeom>
+        </p:spPr>
+      </p:pic>
+      <p:pic>
+        <p:nvPicPr>
+          <p:cNvPr id="20" name="Image 19"/>
+          <p:cNvPicPr>
+            <a:picLocks noChangeAspect="1"/>
+          </p:cNvPicPr>
+          <p:nvPr/>
+        </p:nvPicPr>
+        <p:blipFill>
+          <a:blip r:embed="rId7"/>
+          <a:stretch>
+            <a:fillRect/>
+          </a:stretch>
+        </p:blipFill>
+        <p:spPr>
+          <a:xfrm>
+            <a:off x="6953573" y="3053155"/>
+            <a:ext cx="225532" cy="216856"/>
+          </a:xfrm>
+          <a:prstGeom prst="rect">
+            <a:avLst/>
+          </a:prstGeom>
+        </p:spPr>
+      </p:pic>
+      <p:pic>
+        <p:nvPicPr>
+          <p:cNvPr id="21" name="Image 20"/>
+          <p:cNvPicPr>
+            <a:picLocks noChangeAspect="1"/>
+          </p:cNvPicPr>
+          <p:nvPr/>
+        </p:nvPicPr>
+        <p:blipFill>
+          <a:blip r:embed="rId3"/>
+          <a:stretch>
+            <a:fillRect/>
+          </a:stretch>
+        </p:blipFill>
+        <p:spPr>
+          <a:xfrm>
+            <a:off x="2814138" y="2709292"/>
+            <a:ext cx="190834" cy="162209"/>
+          </a:xfrm>
+          <a:prstGeom prst="rect">
+            <a:avLst/>
+          </a:prstGeom>
+        </p:spPr>
+      </p:pic>
+    </p:spTree>
+    <p:extLst>
+      <p:ext uri="{BB962C8B-B14F-4D97-AF65-F5344CB8AC3E}">
+        <p14:creationId xmlns:p14="http://schemas.microsoft.com/office/powerpoint/2010/main" val="1548884957"/>
+      </p:ext>
+    </p:extLst>
+  </p:cSld>
+  <p:clrMapOvr>
+    <a:masterClrMapping/>
+  </p:clrMapOvr>
+</p:sld>
+</file>
+
+<file path=ppt/slides/slide23.xml><?xml version="1.0" encoding="utf-8"?>
 <p:sld xmlns:a="http://schemas.openxmlformats.org/drawingml/2006/main" xmlns:r="http://schemas.openxmlformats.org/officeDocument/2006/relationships" xmlns:p="http://schemas.openxmlformats.org/presentationml/2006/main" show="0">
   <p:cSld>
     <p:spTree>
@@ -15912,7 +17526,7 @@
               <a:pPr>
                 <a:defRPr/>
               </a:pPr>
-              <a:t>21</a:t>
+              <a:t>23</a:t>
             </a:fld>
             <a:endParaRPr lang="en-US"/>
           </a:p>
@@ -16209,7 +17823,7 @@
 </p:sld>
 </file>
 
-<file path=ppt/slides/slide22.xml><?xml version="1.0" encoding="utf-8"?>
+<file path=ppt/slides/slide24.xml><?xml version="1.0" encoding="utf-8"?>
 <p:sld xmlns:a="http://schemas.openxmlformats.org/drawingml/2006/main" xmlns:r="http://schemas.openxmlformats.org/officeDocument/2006/relationships" xmlns:p="http://schemas.openxmlformats.org/presentationml/2006/main" show="0">
   <p:cSld>
     <p:spTree>
@@ -16299,7 +17913,10 @@
             </a:r>
           </a:p>
           <a:p>
-            <a:pPr lvl="2"/>
+            <a:pPr lvl="2">
+              <a:buFont typeface="Wingdings" panose="05000000000000000000" pitchFamily="2" charset="2"/>
+              <a:buChar char="Ø"/>
+            </a:pPr>
             <a:r>
               <a:rPr lang="fr-CA" dirty="0"/>
               <a:t>ex.: l’être humain qui a étiqueté les images de caractères</a:t>
@@ -16455,7 +18072,7 @@
               <a:pPr>
                 <a:defRPr/>
               </a:pPr>
-              <a:t>22</a:t>
+              <a:t>24</a:t>
             </a:fld>
             <a:endParaRPr lang="en-US"/>
           </a:p>
@@ -16714,8 +18331,8 @@
 </p:sld>
 </file>
 
-<file path=ppt/slides/slide23.xml><?xml version="1.0" encoding="utf-8"?>
-<p:sld xmlns:a="http://schemas.openxmlformats.org/drawingml/2006/main" xmlns:r="http://schemas.openxmlformats.org/officeDocument/2006/relationships" xmlns:p="http://schemas.openxmlformats.org/presentationml/2006/main">
+<file path=ppt/slides/slide25.xml><?xml version="1.0" encoding="utf-8"?>
+<p:sld xmlns:a="http://schemas.openxmlformats.org/drawingml/2006/main" xmlns:r="http://schemas.openxmlformats.org/officeDocument/2006/relationships" xmlns:p="http://schemas.openxmlformats.org/presentationml/2006/main" show="0">
   <p:cSld>
     <p:spTree>
       <p:nvGrpSpPr>
@@ -16733,723 +18350,6 @@
       </p:grpSpPr>
       <p:sp>
         <p:nvSpPr>
-          <p:cNvPr id="2" name="Titre 1"/>
-          <p:cNvSpPr>
-            <a:spLocks noGrp="1"/>
-          </p:cNvSpPr>
-          <p:nvPr>
-            <p:ph type="title"/>
-          </p:nvPr>
-        </p:nvSpPr>
-        <p:spPr/>
-        <p:txBody>
-          <a:bodyPr/>
-          <a:lstStyle/>
-          <a:p>
-            <a:r>
-              <a:rPr lang="fr-CA" noProof="0" dirty="0"/>
-              <a:t>Illustration: 3 plus proches voisins</a:t>
-            </a:r>
-          </a:p>
-        </p:txBody>
-      </p:sp>
-      <p:sp>
-        <p:nvSpPr>
-          <p:cNvPr id="17" name="Espace réservé du contenu 16"/>
-          <p:cNvSpPr>
-            <a:spLocks noGrp="1"/>
-          </p:cNvSpPr>
-          <p:nvPr>
-            <p:ph idx="1"/>
-          </p:nvPr>
-        </p:nvSpPr>
-        <p:spPr/>
-        <p:txBody>
-          <a:bodyPr/>
-          <a:lstStyle/>
-          <a:p>
-            <a:r>
-              <a:rPr lang="fr-CA" dirty="0"/>
-              <a:t>Reconnaissance de caractère: est-ce un ‘e’ ou un ‘o’?</a:t>
-            </a:r>
-          </a:p>
-        </p:txBody>
-      </p:sp>
-      <p:sp>
-        <p:nvSpPr>
-          <p:cNvPr id="4" name="Espace réservé de la date 3"/>
-          <p:cNvSpPr>
-            <a:spLocks noGrp="1"/>
-          </p:cNvSpPr>
-          <p:nvPr>
-            <p:ph type="dt" sz="half" idx="10"/>
-          </p:nvPr>
-        </p:nvSpPr>
-        <p:spPr/>
-        <p:txBody>
-          <a:bodyPr/>
-          <a:lstStyle/>
-          <a:p>
-            <a:r>
-              <a:rPr lang="fr-FR"/>
-              <a:t>IFT615</a:t>
-            </a:r>
-            <a:endParaRPr lang="en-US"/>
-          </a:p>
-        </p:txBody>
-      </p:sp>
-      <p:sp>
-        <p:nvSpPr>
-          <p:cNvPr id="5" name="Espace réservé du pied de page 4"/>
-          <p:cNvSpPr>
-            <a:spLocks noGrp="1"/>
-          </p:cNvSpPr>
-          <p:nvPr>
-            <p:ph type="ftr" sz="quarter" idx="11"/>
-          </p:nvPr>
-        </p:nvSpPr>
-        <p:spPr/>
-        <p:txBody>
-          <a:bodyPr/>
-          <a:lstStyle/>
-          <a:p>
-            <a:r>
-              <a:rPr lang="de-DE"/>
-              <a:t>Hugo Larochelle et Froduald Kabanza</a:t>
-            </a:r>
-            <a:endParaRPr lang="en-US"/>
-          </a:p>
-        </p:txBody>
-      </p:sp>
-      <p:sp>
-        <p:nvSpPr>
-          <p:cNvPr id="6" name="Espace réservé du numéro de diapositive 5"/>
-          <p:cNvSpPr>
-            <a:spLocks noGrp="1"/>
-          </p:cNvSpPr>
-          <p:nvPr>
-            <p:ph type="sldNum" sz="quarter" idx="12"/>
-          </p:nvPr>
-        </p:nvSpPr>
-        <p:spPr/>
-        <p:txBody>
-          <a:bodyPr/>
-          <a:lstStyle/>
-          <a:p>
-            <a:fld id="{BBD9A5C2-26F0-C84F-B484-A651D7D81095}" type="slidenum">
-              <a:rPr lang="en-US" smtClean="0"/>
-              <a:pPr/>
-              <a:t>23</a:t>
-            </a:fld>
-            <a:endParaRPr lang="en-US"/>
-          </a:p>
-        </p:txBody>
-      </p:sp>
-      <p:sp>
-        <p:nvSpPr>
-          <p:cNvPr id="28" name="Accolade ouvrante 27"/>
-          <p:cNvSpPr/>
-          <p:nvPr/>
-        </p:nvSpPr>
-        <p:spPr>
-          <a:xfrm>
-            <a:off x="2856182" y="3123662"/>
-            <a:ext cx="247300" cy="3570261"/>
-          </a:xfrm>
-          <a:prstGeom prst="leftBrace">
-            <a:avLst/>
-          </a:prstGeom>
-          <a:scene3d>
-            <a:camera prst="orthographicFront">
-              <a:rot lat="0" lon="0" rev="5400000"/>
-            </a:camera>
-            <a:lightRig rig="threePt" dir="t"/>
-          </a:scene3d>
-        </p:spPr>
-        <p:style>
-          <a:lnRef idx="2">
-            <a:schemeClr val="accent1"/>
-          </a:lnRef>
-          <a:fillRef idx="0">
-            <a:schemeClr val="accent1"/>
-          </a:fillRef>
-          <a:effectRef idx="1">
-            <a:schemeClr val="accent1"/>
-          </a:effectRef>
-          <a:fontRef idx="minor">
-            <a:schemeClr val="tx1"/>
-          </a:fontRef>
-        </p:style>
-        <p:txBody>
-          <a:bodyPr rtlCol="0" anchor="ctr">
-            <a:scene3d>
-              <a:camera prst="orthographicFront">
-                <a:rot lat="0" lon="0" rev="5400000"/>
-              </a:camera>
-              <a:lightRig rig="threePt" dir="t"/>
-            </a:scene3d>
-          </a:bodyPr>
-          <a:lstStyle/>
-          <a:p>
-            <a:pPr algn="ctr"/>
-            <a:endParaRPr lang="fr-CA"/>
-          </a:p>
-        </p:txBody>
-      </p:sp>
-      <p:sp>
-        <p:nvSpPr>
-          <p:cNvPr id="29" name="Accolade ouvrante 28"/>
-          <p:cNvSpPr/>
-          <p:nvPr/>
-        </p:nvSpPr>
-        <p:spPr>
-          <a:xfrm>
-            <a:off x="6396194" y="4281913"/>
-            <a:ext cx="209242" cy="1272557"/>
-          </a:xfrm>
-          <a:prstGeom prst="leftBrace">
-            <a:avLst/>
-          </a:prstGeom>
-          <a:scene3d>
-            <a:camera prst="orthographicFront">
-              <a:rot lat="0" lon="0" rev="5400000"/>
-            </a:camera>
-            <a:lightRig rig="threePt" dir="t"/>
-          </a:scene3d>
-        </p:spPr>
-        <p:style>
-          <a:lnRef idx="2">
-            <a:schemeClr val="accent1"/>
-          </a:lnRef>
-          <a:fillRef idx="0">
-            <a:schemeClr val="accent1"/>
-          </a:fillRef>
-          <a:effectRef idx="1">
-            <a:schemeClr val="accent1"/>
-          </a:effectRef>
-          <a:fontRef idx="minor">
-            <a:schemeClr val="tx1"/>
-          </a:fontRef>
-        </p:style>
-        <p:txBody>
-          <a:bodyPr rtlCol="0" anchor="ctr">
-            <a:scene3d>
-              <a:camera prst="orthographicFront">
-                <a:rot lat="0" lon="0" rev="5400000"/>
-              </a:camera>
-              <a:lightRig rig="threePt" dir="t"/>
-            </a:scene3d>
-          </a:bodyPr>
-          <a:lstStyle/>
-          <a:p>
-            <a:pPr algn="ctr"/>
-            <a:endParaRPr lang="fr-CA"/>
-          </a:p>
-        </p:txBody>
-      </p:sp>
-      <p:sp>
-        <p:nvSpPr>
-          <p:cNvPr id="7" name="ZoneTexte 6"/>
-          <p:cNvSpPr txBox="1"/>
-          <p:nvPr/>
-        </p:nvSpPr>
-        <p:spPr>
-          <a:xfrm>
-            <a:off x="1878861" y="5128736"/>
-            <a:ext cx="2225301" cy="369332"/>
-          </a:xfrm>
-          <a:prstGeom prst="rect">
-            <a:avLst/>
-          </a:prstGeom>
-          <a:noFill/>
-        </p:spPr>
-        <p:txBody>
-          <a:bodyPr wrap="none" rtlCol="0">
-            <a:spAutoFit/>
-          </a:bodyPr>
-          <a:lstStyle/>
-          <a:p>
-            <a:r>
-              <a:rPr lang="fr-CA" dirty="0">
-                <a:latin typeface="+mj-lt"/>
-              </a:rPr>
-              <a:t>3 plus proches voisins</a:t>
-            </a:r>
-          </a:p>
-        </p:txBody>
-      </p:sp>
-      <p:sp>
-        <p:nvSpPr>
-          <p:cNvPr id="15" name="ZoneTexte 14"/>
-          <p:cNvSpPr txBox="1"/>
-          <p:nvPr/>
-        </p:nvSpPr>
-        <p:spPr>
-          <a:xfrm>
-            <a:off x="5710972" y="5122672"/>
-            <a:ext cx="1664676" cy="369332"/>
-          </a:xfrm>
-          <a:prstGeom prst="rect">
-            <a:avLst/>
-          </a:prstGeom>
-          <a:noFill/>
-        </p:spPr>
-        <p:txBody>
-          <a:bodyPr wrap="none" rtlCol="0">
-            <a:spAutoFit/>
-          </a:bodyPr>
-          <a:lstStyle/>
-          <a:p>
-            <a:r>
-              <a:rPr lang="fr-CA" dirty="0">
-                <a:latin typeface="+mj-lt"/>
-              </a:rPr>
-              <a:t>nouvelle entrée</a:t>
-            </a:r>
-          </a:p>
-        </p:txBody>
-      </p:sp>
-      <p:sp>
-        <p:nvSpPr>
-          <p:cNvPr id="13" name="ZoneTexte 12"/>
-          <p:cNvSpPr txBox="1"/>
-          <p:nvPr/>
-        </p:nvSpPr>
-        <p:spPr>
-          <a:xfrm>
-            <a:off x="7528832" y="3308328"/>
-            <a:ext cx="649036" cy="369332"/>
-          </a:xfrm>
-          <a:prstGeom prst="rect">
-            <a:avLst/>
-          </a:prstGeom>
-          <a:noFill/>
-        </p:spPr>
-        <p:txBody>
-          <a:bodyPr wrap="none" rtlCol="0">
-            <a:spAutoFit/>
-          </a:bodyPr>
-          <a:lstStyle/>
-          <a:p>
-            <a:pPr algn="ctr"/>
-            <a:r>
-              <a:rPr lang="fr-CA" b="1" dirty="0">
-                <a:solidFill>
-                  <a:srgbClr val="000090"/>
-                </a:solidFill>
-                <a:latin typeface="+mj-lt"/>
-              </a:rPr>
-              <a:t>Vrai!</a:t>
-            </a:r>
-          </a:p>
-        </p:txBody>
-      </p:sp>
-      <p:pic>
-        <p:nvPicPr>
-          <p:cNvPr id="3" name="Image 2"/>
-          <p:cNvPicPr>
-            <a:picLocks noChangeAspect="1"/>
-          </p:cNvPicPr>
-          <p:nvPr/>
-        </p:nvPicPr>
-        <p:blipFill>
-          <a:blip r:embed="rId3"/>
-          <a:stretch>
-            <a:fillRect/>
-          </a:stretch>
-        </p:blipFill>
-        <p:spPr>
-          <a:xfrm>
-            <a:off x="1321286" y="2367173"/>
-            <a:ext cx="5726603" cy="2283392"/>
-          </a:xfrm>
-          <a:prstGeom prst="rect">
-            <a:avLst/>
-          </a:prstGeom>
-        </p:spPr>
-      </p:pic>
-      <p:sp>
-        <p:nvSpPr>
-          <p:cNvPr id="20" name="Forme libre 19"/>
-          <p:cNvSpPr/>
-          <p:nvPr/>
-        </p:nvSpPr>
-        <p:spPr>
-          <a:xfrm>
-            <a:off x="298277" y="4323991"/>
-            <a:ext cx="992279" cy="1339588"/>
-          </a:xfrm>
-          <a:custGeom>
-            <a:avLst/>
-            <a:gdLst>
-              <a:gd name="connsiteX0" fmla="*/ 992279 w 992279"/>
-              <a:gd name="connsiteY0" fmla="*/ 46718 h 2054063"/>
-              <a:gd name="connsiteX1" fmla="*/ 111423 w 992279"/>
-              <a:gd name="connsiteY1" fmla="*/ 149134 h 2054063"/>
-              <a:gd name="connsiteX2" fmla="*/ 90938 w 992279"/>
-              <a:gd name="connsiteY2" fmla="*/ 1285946 h 2054063"/>
-              <a:gd name="connsiteX3" fmla="*/ 828399 w 992279"/>
-              <a:gd name="connsiteY3" fmla="*/ 2054063 h 2054063"/>
-            </a:gdLst>
-            <a:ahLst/>
-            <a:cxnLst>
-              <a:cxn ang="0">
-                <a:pos x="connsiteX0" y="connsiteY0"/>
-              </a:cxn>
-              <a:cxn ang="0">
-                <a:pos x="connsiteX1" y="connsiteY1"/>
-              </a:cxn>
-              <a:cxn ang="0">
-                <a:pos x="connsiteX2" y="connsiteY2"/>
-              </a:cxn>
-              <a:cxn ang="0">
-                <a:pos x="connsiteX3" y="connsiteY3"/>
-              </a:cxn>
-            </a:cxnLst>
-            <a:rect l="l" t="t" r="r" b="b"/>
-            <a:pathLst>
-              <a:path w="992279" h="2054063">
-                <a:moveTo>
-                  <a:pt x="992279" y="46718"/>
-                </a:moveTo>
-                <a:cubicBezTo>
-                  <a:pt x="626962" y="-5343"/>
-                  <a:pt x="261646" y="-57404"/>
-                  <a:pt x="111423" y="149134"/>
-                </a:cubicBezTo>
-                <a:cubicBezTo>
-                  <a:pt x="-38800" y="355672"/>
-                  <a:pt x="-28558" y="968458"/>
-                  <a:pt x="90938" y="1285946"/>
-                </a:cubicBezTo>
-                <a:cubicBezTo>
-                  <a:pt x="210434" y="1603434"/>
-                  <a:pt x="628670" y="1891905"/>
-                  <a:pt x="828399" y="2054063"/>
-                </a:cubicBezTo>
-              </a:path>
-            </a:pathLst>
-          </a:custGeom>
-          <a:ln>
-            <a:headEnd type="arrow"/>
-            <a:tailEnd type="none"/>
-          </a:ln>
-        </p:spPr>
-        <p:style>
-          <a:lnRef idx="2">
-            <a:schemeClr val="accent1"/>
-          </a:lnRef>
-          <a:fillRef idx="0">
-            <a:schemeClr val="accent1"/>
-          </a:fillRef>
-          <a:effectRef idx="1">
-            <a:schemeClr val="accent1"/>
-          </a:effectRef>
-          <a:fontRef idx="minor">
-            <a:schemeClr val="tx1"/>
-          </a:fontRef>
-        </p:style>
-        <p:txBody>
-          <a:bodyPr rtlCol="0" anchor="ctr"/>
-          <a:lstStyle/>
-          <a:p>
-            <a:pPr algn="ctr"/>
-            <a:endParaRPr lang="fr-CA"/>
-          </a:p>
-        </p:txBody>
-      </p:sp>
-      <p:sp>
-        <p:nvSpPr>
-          <p:cNvPr id="23" name="ZoneTexte 22"/>
-          <p:cNvSpPr txBox="1"/>
-          <p:nvPr/>
-        </p:nvSpPr>
-        <p:spPr>
-          <a:xfrm>
-            <a:off x="1092299" y="5493018"/>
-            <a:ext cx="1634582" cy="369332"/>
-          </a:xfrm>
-          <a:prstGeom prst="rect">
-            <a:avLst/>
-          </a:prstGeom>
-          <a:noFill/>
-        </p:spPr>
-        <p:txBody>
-          <a:bodyPr wrap="none" rtlCol="0">
-            <a:spAutoFit/>
-          </a:bodyPr>
-          <a:lstStyle/>
-          <a:p>
-            <a:r>
-              <a:rPr lang="fr-CA" b="1" dirty="0">
-                <a:solidFill>
-                  <a:srgbClr val="000090"/>
-                </a:solidFill>
-                <a:latin typeface="+mj-lt"/>
-              </a:rPr>
-              <a:t>nouveau voisin</a:t>
-            </a:r>
-          </a:p>
-        </p:txBody>
-      </p:sp>
-      <p:sp>
-        <p:nvSpPr>
-          <p:cNvPr id="8" name="ZoneTexte 7"/>
-          <p:cNvSpPr txBox="1"/>
-          <p:nvPr/>
-        </p:nvSpPr>
-        <p:spPr>
-          <a:xfrm>
-            <a:off x="7047889" y="1594128"/>
-            <a:ext cx="1505540" cy="923330"/>
-          </a:xfrm>
-          <a:prstGeom prst="rect">
-            <a:avLst/>
-          </a:prstGeom>
-          <a:noFill/>
-        </p:spPr>
-        <p:txBody>
-          <a:bodyPr wrap="none" rtlCol="0">
-            <a:spAutoFit/>
-          </a:bodyPr>
-          <a:lstStyle/>
-          <a:p>
-            <a:r>
-              <a:rPr lang="fr-CA" b="1" dirty="0">
-                <a:solidFill>
-                  <a:srgbClr val="000090"/>
-                </a:solidFill>
-                <a:latin typeface="+mj-lt"/>
-              </a:rPr>
-              <a:t>Si on ajoute</a:t>
-            </a:r>
-          </a:p>
-          <a:p>
-            <a:r>
-              <a:rPr lang="fr-CA" b="1" dirty="0">
-                <a:solidFill>
-                  <a:srgbClr val="000090"/>
-                </a:solidFill>
-                <a:latin typeface="+mj-lt"/>
-              </a:rPr>
-              <a:t>200 exemples </a:t>
-            </a:r>
-            <a:br>
-              <a:rPr lang="fr-CA" b="1" dirty="0">
-                <a:solidFill>
-                  <a:srgbClr val="000090"/>
-                </a:solidFill>
-                <a:latin typeface="+mj-lt"/>
-              </a:rPr>
-            </a:br>
-            <a:r>
-              <a:rPr lang="fr-CA" b="1" dirty="0">
-                <a:solidFill>
-                  <a:srgbClr val="000090"/>
-                </a:solidFill>
-                <a:latin typeface="+mj-lt"/>
-              </a:rPr>
-              <a:t>par classe... </a:t>
-            </a:r>
-          </a:p>
-        </p:txBody>
-      </p:sp>
-      <p:cxnSp>
-        <p:nvCxnSpPr>
-          <p:cNvPr id="16" name="Connecteur droit avec flèche 15"/>
-          <p:cNvCxnSpPr/>
-          <p:nvPr/>
-        </p:nvCxnSpPr>
-        <p:spPr>
-          <a:xfrm>
-            <a:off x="4826000" y="2000250"/>
-            <a:ext cx="1460500" cy="469812"/>
-          </a:xfrm>
-          <a:prstGeom prst="straightConnector1">
-            <a:avLst/>
-          </a:prstGeom>
-          <a:ln>
-            <a:tailEnd type="arrow"/>
-          </a:ln>
-        </p:spPr>
-        <p:style>
-          <a:lnRef idx="2">
-            <a:schemeClr val="accent1"/>
-          </a:lnRef>
-          <a:fillRef idx="0">
-            <a:schemeClr val="accent1"/>
-          </a:fillRef>
-          <a:effectRef idx="1">
-            <a:schemeClr val="accent1"/>
-          </a:effectRef>
-          <a:fontRef idx="minor">
-            <a:schemeClr val="tx1"/>
-          </a:fontRef>
-        </p:style>
-      </p:cxnSp>
-      <p:cxnSp>
-        <p:nvCxnSpPr>
-          <p:cNvPr id="18" name="Connecteur droit 17"/>
-          <p:cNvCxnSpPr/>
-          <p:nvPr/>
-        </p:nvCxnSpPr>
-        <p:spPr>
-          <a:xfrm flipV="1">
-            <a:off x="2016125" y="2000250"/>
-            <a:ext cx="2809875" cy="469812"/>
-          </a:xfrm>
-          <a:prstGeom prst="line">
-            <a:avLst/>
-          </a:prstGeom>
-        </p:spPr>
-        <p:style>
-          <a:lnRef idx="2">
-            <a:schemeClr val="accent1"/>
-          </a:lnRef>
-          <a:fillRef idx="0">
-            <a:schemeClr val="accent1"/>
-          </a:fillRef>
-          <a:effectRef idx="1">
-            <a:schemeClr val="accent1"/>
-          </a:effectRef>
-          <a:fontRef idx="minor">
-            <a:schemeClr val="tx1"/>
-          </a:fontRef>
-        </p:style>
-      </p:cxnSp>
-      <p:cxnSp>
-        <p:nvCxnSpPr>
-          <p:cNvPr id="19" name="Connecteur droit 18"/>
-          <p:cNvCxnSpPr/>
-          <p:nvPr/>
-        </p:nvCxnSpPr>
-        <p:spPr>
-          <a:xfrm flipV="1">
-            <a:off x="3173413" y="2000250"/>
-            <a:ext cx="1652587" cy="469813"/>
-          </a:xfrm>
-          <a:prstGeom prst="line">
-            <a:avLst/>
-          </a:prstGeom>
-        </p:spPr>
-        <p:style>
-          <a:lnRef idx="2">
-            <a:schemeClr val="accent1"/>
-          </a:lnRef>
-          <a:fillRef idx="0">
-            <a:schemeClr val="accent1"/>
-          </a:fillRef>
-          <a:effectRef idx="1">
-            <a:schemeClr val="accent1"/>
-          </a:effectRef>
-          <a:fontRef idx="minor">
-            <a:schemeClr val="tx1"/>
-          </a:fontRef>
-        </p:style>
-      </p:cxnSp>
-      <p:cxnSp>
-        <p:nvCxnSpPr>
-          <p:cNvPr id="21" name="Connecteur droit 20"/>
-          <p:cNvCxnSpPr/>
-          <p:nvPr/>
-        </p:nvCxnSpPr>
-        <p:spPr>
-          <a:xfrm flipV="1">
-            <a:off x="4318000" y="2000252"/>
-            <a:ext cx="508000" cy="469810"/>
-          </a:xfrm>
-          <a:prstGeom prst="line">
-            <a:avLst/>
-          </a:prstGeom>
-        </p:spPr>
-        <p:style>
-          <a:lnRef idx="2">
-            <a:schemeClr val="accent1"/>
-          </a:lnRef>
-          <a:fillRef idx="0">
-            <a:schemeClr val="accent1"/>
-          </a:fillRef>
-          <a:effectRef idx="1">
-            <a:schemeClr val="accent1"/>
-          </a:effectRef>
-          <a:fontRef idx="minor">
-            <a:schemeClr val="tx1"/>
-          </a:fontRef>
-        </p:style>
-      </p:cxnSp>
-      <p:sp>
-        <p:nvSpPr>
-          <p:cNvPr id="22" name="ZoneTexte 21"/>
-          <p:cNvSpPr txBox="1"/>
-          <p:nvPr/>
-        </p:nvSpPr>
-        <p:spPr>
-          <a:xfrm rot="1056970">
-            <a:off x="4887808" y="1884960"/>
-            <a:ext cx="1226230" cy="646331"/>
-          </a:xfrm>
-          <a:prstGeom prst="rect">
-            <a:avLst/>
-          </a:prstGeom>
-          <a:noFill/>
-        </p:spPr>
-        <p:txBody>
-          <a:bodyPr wrap="none" rtlCol="0">
-            <a:spAutoFit/>
-          </a:bodyPr>
-          <a:lstStyle/>
-          <a:p>
-            <a:pPr algn="ctr"/>
-            <a:r>
-              <a:rPr lang="fr-CA" dirty="0">
-                <a:latin typeface="+mj-lt"/>
-              </a:rPr>
-              <a:t>vote</a:t>
-            </a:r>
-          </a:p>
-          <a:p>
-            <a:pPr algn="ctr"/>
-            <a:r>
-              <a:rPr lang="fr-CA" dirty="0">
-                <a:latin typeface="+mj-lt"/>
-              </a:rPr>
-              <a:t>majoritaire</a:t>
-            </a:r>
-          </a:p>
-        </p:txBody>
-      </p:sp>
-    </p:spTree>
-    <p:extLst>
-      <p:ext uri="{BB962C8B-B14F-4D97-AF65-F5344CB8AC3E}">
-        <p14:creationId xmlns:p14="http://schemas.microsoft.com/office/powerpoint/2010/main" val="2206116280"/>
-      </p:ext>
-    </p:extLst>
-  </p:cSld>
-  <p:clrMapOvr>
-    <a:masterClrMapping/>
-  </p:clrMapOvr>
-</p:sld>
-</file>
-
-<file path=ppt/slides/slide24.xml><?xml version="1.0" encoding="utf-8"?>
-<p:sld xmlns:a="http://schemas.openxmlformats.org/drawingml/2006/main" xmlns:r="http://schemas.openxmlformats.org/officeDocument/2006/relationships" xmlns:p="http://schemas.openxmlformats.org/presentationml/2006/main">
-  <p:cSld>
-    <p:spTree>
-      <p:nvGrpSpPr>
-        <p:cNvPr id="1" name=""/>
-        <p:cNvGrpSpPr/>
-        <p:nvPr/>
-      </p:nvGrpSpPr>
-      <p:grpSpPr>
-        <a:xfrm>
-          <a:off x="0" y="0"/>
-          <a:ext cx="0" cy="0"/>
-          <a:chOff x="0" y="0"/>
-          <a:chExt cx="0" cy="0"/>
-        </a:xfrm>
-      </p:grpSpPr>
-      <p:sp>
-        <p:nvSpPr>
           <p:cNvPr id="9" name="Espace réservé du contenu 8"/>
           <p:cNvSpPr>
             <a:spLocks noGrp="1"/>
@@ -17542,11 +18442,18 @@
             <a:pPr lvl="1"/>
             <a:r>
               <a:rPr lang="fr-CA" dirty="0"/>
-              <a:t>on l’appel l’</a:t>
+              <a:t>on l’appelle l’</a:t>
             </a:r>
             <a:r>
               <a:rPr lang="fr-CA" b="1" dirty="0"/>
               <a:t>ensemble de test</a:t>
+            </a:r>
+          </a:p>
+          <a:p>
+            <a:pPr lvl="1"/>
+            <a:r>
+              <a:rPr lang="fr-CA" dirty="0"/>
+              <a:t>on y reviendra de façon plus approfondie plus tard</a:t>
             </a:r>
           </a:p>
           <a:p>
@@ -17661,7 +18568,7 @@
               <a:pPr>
                 <a:defRPr/>
               </a:pPr>
-              <a:t>24</a:t>
+              <a:t>25</a:t>
             </a:fld>
             <a:endParaRPr lang="en-US"/>
           </a:p>
@@ -17704,7 +18611,7 @@
 </p:sld>
 </file>
 
-<file path=ppt/slides/slide25.xml><?xml version="1.0" encoding="utf-8"?>
+<file path=ppt/slides/slide26.xml><?xml version="1.0" encoding="utf-8"?>
 <p:sld xmlns:a="http://schemas.openxmlformats.org/drawingml/2006/main" xmlns:r="http://schemas.openxmlformats.org/officeDocument/2006/relationships" xmlns:p="http://schemas.openxmlformats.org/presentationml/2006/main">
   <p:cSld>
     <p:spTree>
@@ -17776,14 +18683,14 @@
           <a:noFill/>
           <a:extLst>
             <a:ext uri="{909E8E84-426E-40dd-AFC4-6F175D3DCCD1}">
-              <a14:hiddenFill xmlns="" xmlns:a14="http://schemas.microsoft.com/office/drawing/2010/main">
+              <a14:hiddenFill xmlns:a14="http://schemas.microsoft.com/office/drawing/2010/main" xmlns="">
                 <a:solidFill>
                   <a:srgbClr val="FFFFFF"/>
                 </a:solidFill>
               </a14:hiddenFill>
             </a:ext>
             <a:ext uri="{91240B29-F687-4f45-9708-019B960494DF}">
-              <a14:hiddenLine xmlns="" xmlns:a14="http://schemas.microsoft.com/office/drawing/2010/main" w="9525">
+              <a14:hiddenLine xmlns:a14="http://schemas.microsoft.com/office/drawing/2010/main" xmlns="" w="9525">
                 <a:solidFill>
                   <a:srgbClr val="000000"/>
                 </a:solidFill>
@@ -17943,14 +18850,14 @@
           <a:noFill/>
           <a:extLst>
             <a:ext uri="{909E8E84-426E-40dd-AFC4-6F175D3DCCD1}">
-              <a14:hiddenFill xmlns="" xmlns:a14="http://schemas.microsoft.com/office/drawing/2010/main">
+              <a14:hiddenFill xmlns:a14="http://schemas.microsoft.com/office/drawing/2010/main" xmlns="">
                 <a:solidFill>
                   <a:srgbClr val="FFFFFF"/>
                 </a:solidFill>
               </a14:hiddenFill>
             </a:ext>
             <a:ext uri="{91240B29-F687-4f45-9708-019B960494DF}">
-              <a14:hiddenLine xmlns="" xmlns:a14="http://schemas.microsoft.com/office/drawing/2010/main" w="9525">
+              <a14:hiddenLine xmlns:a14="http://schemas.microsoft.com/office/drawing/2010/main" xmlns="" w="9525">
                 <a:solidFill>
                   <a:srgbClr val="000000"/>
                 </a:solidFill>
@@ -18115,14 +19022,14 @@
           <a:noFill/>
           <a:extLst>
             <a:ext uri="{909E8E84-426E-40dd-AFC4-6F175D3DCCD1}">
-              <a14:hiddenFill xmlns="" xmlns:a14="http://schemas.microsoft.com/office/drawing/2010/main">
+              <a14:hiddenFill xmlns:a14="http://schemas.microsoft.com/office/drawing/2010/main" xmlns="">
                 <a:solidFill>
                   <a:srgbClr val="FFFFFF"/>
                 </a:solidFill>
               </a14:hiddenFill>
             </a:ext>
             <a:ext uri="{91240B29-F687-4f45-9708-019B960494DF}">
-              <a14:hiddenLine xmlns="" xmlns:a14="http://schemas.microsoft.com/office/drawing/2010/main" w="9525">
+              <a14:hiddenLine xmlns:a14="http://schemas.microsoft.com/office/drawing/2010/main" xmlns="" w="9525">
                 <a:solidFill>
                   <a:srgbClr val="000000"/>
                 </a:solidFill>
@@ -18264,7 +19171,7 @@
                 <a:cs typeface="ＭＳ Ｐゴシック" charset="0"/>
               </a:rPr>
               <a:pPr eaLnBrk="1" hangingPunct="1"/>
-              <a:t>25</a:t>
+              <a:t>26</a:t>
             </a:fld>
             <a:endParaRPr lang="fr-CA" sz="1400">
               <a:latin typeface="Calibri" charset="0"/>
@@ -18296,14 +19203,14 @@
           </a:ln>
           <a:extLst>
             <a:ext uri="{909E8E84-426E-40dd-AFC4-6F175D3DCCD1}">
-              <a14:hiddenFill xmlns="" xmlns:a14="http://schemas.microsoft.com/office/drawing/2010/main">
+              <a14:hiddenFill xmlns:a14="http://schemas.microsoft.com/office/drawing/2010/main" xmlns="">
                 <a:solidFill>
                   <a:srgbClr val="FFFFFF"/>
                 </a:solidFill>
               </a14:hiddenFill>
             </a:ext>
             <a:ext uri="{91240B29-F687-4f45-9708-019B960494DF}">
-              <a14:hiddenLine xmlns="" xmlns:a14="http://schemas.microsoft.com/office/drawing/2010/main" w="9525">
+              <a14:hiddenLine xmlns:a14="http://schemas.microsoft.com/office/drawing/2010/main" xmlns="" w="9525">
                 <a:solidFill>
                   <a:srgbClr val="000000"/>
                 </a:solidFill>
@@ -18352,14 +19259,14 @@
           </a:ln>
           <a:extLst>
             <a:ext uri="{909E8E84-426E-40dd-AFC4-6F175D3DCCD1}">
-              <a14:hiddenFill xmlns="" xmlns:a14="http://schemas.microsoft.com/office/drawing/2010/main">
+              <a14:hiddenFill xmlns:a14="http://schemas.microsoft.com/office/drawing/2010/main" xmlns="">
                 <a:solidFill>
                   <a:srgbClr val="FFFFFF"/>
                 </a:solidFill>
               </a14:hiddenFill>
             </a:ext>
             <a:ext uri="{91240B29-F687-4f45-9708-019B960494DF}">
-              <a14:hiddenLine xmlns="" xmlns:a14="http://schemas.microsoft.com/office/drawing/2010/main" w="9525">
+              <a14:hiddenLine xmlns:a14="http://schemas.microsoft.com/office/drawing/2010/main" xmlns="" w="9525">
                 <a:solidFill>
                   <a:srgbClr val="000000"/>
                 </a:solidFill>
@@ -18408,14 +19315,14 @@
           </a:ln>
           <a:extLst>
             <a:ext uri="{909E8E84-426E-40dd-AFC4-6F175D3DCCD1}">
-              <a14:hiddenFill xmlns="" xmlns:a14="http://schemas.microsoft.com/office/drawing/2010/main">
+              <a14:hiddenFill xmlns:a14="http://schemas.microsoft.com/office/drawing/2010/main" xmlns="">
                 <a:solidFill>
                   <a:srgbClr val="FFFFFF"/>
                 </a:solidFill>
               </a14:hiddenFill>
             </a:ext>
             <a:ext uri="{91240B29-F687-4f45-9708-019B960494DF}">
-              <a14:hiddenLine xmlns="" xmlns:a14="http://schemas.microsoft.com/office/drawing/2010/main" w="9525">
+              <a14:hiddenLine xmlns:a14="http://schemas.microsoft.com/office/drawing/2010/main" xmlns="" w="9525">
                 <a:solidFill>
                   <a:srgbClr val="000000"/>
                 </a:solidFill>
@@ -18464,14 +19371,14 @@
           </a:ln>
           <a:extLst>
             <a:ext uri="{909E8E84-426E-40dd-AFC4-6F175D3DCCD1}">
-              <a14:hiddenFill xmlns="" xmlns:a14="http://schemas.microsoft.com/office/drawing/2010/main">
+              <a14:hiddenFill xmlns:a14="http://schemas.microsoft.com/office/drawing/2010/main" xmlns="">
                 <a:solidFill>
                   <a:srgbClr val="FFFFFF"/>
                 </a:solidFill>
               </a14:hiddenFill>
             </a:ext>
             <a:ext uri="{91240B29-F687-4f45-9708-019B960494DF}">
-              <a14:hiddenLine xmlns="" xmlns:a14="http://schemas.microsoft.com/office/drawing/2010/main" w="9525">
+              <a14:hiddenLine xmlns:a14="http://schemas.microsoft.com/office/drawing/2010/main" xmlns="" w="9525">
                 <a:solidFill>
                   <a:srgbClr val="000000"/>
                 </a:solidFill>
@@ -18821,7 +19728,7 @@
 </p:sld>
 </file>
 
-<file path=ppt/slides/slide26.xml><?xml version="1.0" encoding="utf-8"?>
+<file path=ppt/slides/slide27.xml><?xml version="1.0" encoding="utf-8"?>
 <p:sld xmlns:a="http://schemas.openxmlformats.org/drawingml/2006/main" xmlns:r="http://schemas.openxmlformats.org/officeDocument/2006/relationships" xmlns:p="http://schemas.openxmlformats.org/presentationml/2006/main">
   <p:cSld>
     <p:spTree>
@@ -19451,7 +20358,7 @@
                 <a:cs typeface="ＭＳ Ｐゴシック" charset="0"/>
               </a:rPr>
               <a:pPr eaLnBrk="1" hangingPunct="1"/>
-              <a:t>26</a:t>
+              <a:t>27</a:t>
             </a:fld>
             <a:endParaRPr lang="en-US" sz="1400">
               <a:latin typeface="Calibri" charset="0"/>
@@ -21355,7 +22262,7 @@
         </p:nvCxnSpPr>
         <p:spPr>
           <a:xfrm>
-            <a:off x="3785193" y="2254992"/>
+            <a:off x="3837667" y="1962928"/>
             <a:ext cx="407266" cy="0"/>
           </a:xfrm>
           <a:prstGeom prst="straightConnector1">
@@ -21435,7 +22342,7 @@
         </p:nvSpPr>
         <p:spPr>
           <a:xfrm>
-            <a:off x="4560454" y="1446843"/>
+            <a:off x="4391911" y="1529022"/>
             <a:ext cx="1694843" cy="914400"/>
           </a:xfrm>
           <a:prstGeom prst="rect">
@@ -21553,7 +22460,7 @@
         </p:nvCxnSpPr>
         <p:spPr>
           <a:xfrm>
-            <a:off x="6357414" y="2197607"/>
+            <a:off x="6195290" y="1993997"/>
             <a:ext cx="459661" cy="0"/>
           </a:xfrm>
           <a:prstGeom prst="straightConnector1">
@@ -21595,7 +22502,7 @@
         <p:spPr>
           <a:xfrm>
             <a:off x="5736890" y="3755175"/>
-            <a:ext cx="739734" cy="3003"/>
+            <a:ext cx="518407" cy="3003"/>
           </a:xfrm>
           <a:prstGeom prst="straightConnector1">
             <a:avLst/>
@@ -21633,8 +22540,8 @@
         </p:nvSpPr>
         <p:spPr>
           <a:xfrm>
-            <a:off x="7123933" y="1366740"/>
-            <a:ext cx="1289050" cy="914400"/>
+            <a:off x="6919392" y="1302822"/>
+            <a:ext cx="1480141" cy="1152838"/>
           </a:xfrm>
           <a:prstGeom prst="rect">
             <a:avLst/>
@@ -21660,6 +22567,18 @@
           <a:bodyPr rtlCol="0" anchor="ctr"/>
           <a:lstStyle/>
           <a:p>
+            <a:pPr>
+              <a:buClr>
+                <a:schemeClr val="bg1"/>
+              </a:buClr>
+            </a:pPr>
+            <a:r>
+              <a:rPr lang="en-US" b="1" dirty="0" err="1"/>
+              <a:t>Classifieur</a:t>
+            </a:r>
+            <a:endParaRPr lang="en-US" b="1" dirty="0"/>
+          </a:p>
+          <a:p>
             <a:pPr marL="285750" indent="-285750">
               <a:buClr>
                 <a:schemeClr val="bg1"/>
@@ -21715,8 +22634,8 @@
         </p:nvSpPr>
         <p:spPr>
           <a:xfrm>
-            <a:off x="6533570" y="3297975"/>
-            <a:ext cx="2404368" cy="914400"/>
+            <a:off x="6654951" y="3297975"/>
+            <a:ext cx="2319117" cy="914400"/>
           </a:xfrm>
           <a:prstGeom prst="rect">
             <a:avLst/>
@@ -24078,7 +24997,7 @@
 </file>
 
 <file path=ppt/slides/slide6.xml><?xml version="1.0" encoding="utf-8"?>
-<p:sld xmlns:a="http://schemas.openxmlformats.org/drawingml/2006/main" xmlns:r="http://schemas.openxmlformats.org/officeDocument/2006/relationships" xmlns:p="http://schemas.openxmlformats.org/presentationml/2006/main">
+<p:sld xmlns:a="http://schemas.openxmlformats.org/drawingml/2006/main" xmlns:r="http://schemas.openxmlformats.org/officeDocument/2006/relationships" xmlns:p="http://schemas.openxmlformats.org/presentationml/2006/main" show="0">
   <p:cSld>
     <p:spTree>
       <p:nvGrpSpPr>
@@ -24280,7 +25199,7 @@
 </file>
 
 <file path=ppt/slides/slide7.xml><?xml version="1.0" encoding="utf-8"?>
-<p:sld xmlns:a="http://schemas.openxmlformats.org/drawingml/2006/main" xmlns:r="http://schemas.openxmlformats.org/officeDocument/2006/relationships" xmlns:p="http://schemas.openxmlformats.org/presentationml/2006/main">
+<p:sld xmlns:a="http://schemas.openxmlformats.org/drawingml/2006/main" xmlns:r="http://schemas.openxmlformats.org/officeDocument/2006/relationships" xmlns:p="http://schemas.openxmlformats.org/presentationml/2006/main" show="0">
   <p:cSld>
     <p:spTree>
       <p:nvGrpSpPr>
@@ -24399,7 +25318,15 @@
             </a:r>
             <a:r>
               <a:rPr lang="fr-CA" dirty="0"/>
-              <a:t>: On utilise les données d’entrainement pour apprendre à quoi ressemble chacune des classe. </a:t>
+              <a:t>: On utilise les données d’entrainement pour apprendre à quoi ressemble chacune des </a:t>
+            </a:r>
+            <a:r>
+              <a:rPr lang="fr-CA" dirty="0" err="1"/>
+              <a:t>classeS</a:t>
+            </a:r>
+            <a:r>
+              <a:rPr lang="fr-CA" dirty="0"/>
+              <a:t>. </a:t>
             </a:r>
             <a:r>
               <a:rPr lang="fr-CA" dirty="0" err="1"/>
@@ -24595,7 +25522,7 @@
           <a:p>
             <a:r>
               <a:rPr lang="fr-CA" dirty="0"/>
-              <a:t>Motivation – Classification d’images</a:t>
+              <a:t>Exemple 1 – Classification d’images</a:t>
             </a:r>
           </a:p>
         </p:txBody>
@@ -24782,7 +25709,7 @@
       </p:grpSpPr>
       <p:sp>
         <p:nvSpPr>
-          <p:cNvPr id="2" name="Title 1"/>
+          <p:cNvPr id="2" name="Titre 1"/>
           <p:cNvSpPr>
             <a:spLocks noGrp="1"/>
           </p:cNvSpPr>
@@ -24790,62 +25717,21 @@
             <p:ph type="title"/>
           </p:nvPr>
         </p:nvSpPr>
-        <p:spPr>
-          <a:xfrm>
-            <a:off x="722312" y="4406900"/>
-            <a:ext cx="8193087" cy="1362075"/>
-          </a:xfrm>
-        </p:spPr>
+        <p:spPr/>
         <p:txBody>
           <a:bodyPr/>
           <a:lstStyle/>
           <a:p>
             <a:r>
-              <a:rPr lang="en-CA" dirty="0" err="1"/>
-              <a:t>Apprentissage</a:t>
-            </a:r>
-            <a:r>
-              <a:rPr lang="en-CA" dirty="0"/>
-              <a:t> </a:t>
-            </a:r>
-            <a:r>
-              <a:rPr lang="en-CA" dirty="0" err="1"/>
-              <a:t>supervisÉ</a:t>
-            </a:r>
-            <a:r>
-              <a:rPr lang="en-CA" dirty="0"/>
-              <a:t> : formulation du </a:t>
-            </a:r>
-            <a:r>
-              <a:rPr lang="en-CA" dirty="0" err="1"/>
-              <a:t>problème</a:t>
-            </a:r>
-            <a:endParaRPr lang="en-CA" dirty="0"/>
-          </a:p>
-        </p:txBody>
-      </p:sp>
-      <p:sp>
-        <p:nvSpPr>
-          <p:cNvPr id="3" name="Text Placeholder 2"/>
-          <p:cNvSpPr>
-            <a:spLocks noGrp="1"/>
-          </p:cNvSpPr>
-          <p:nvPr>
-            <p:ph type="body" idx="1"/>
-          </p:nvPr>
-        </p:nvSpPr>
-        <p:spPr/>
-        <p:txBody>
-          <a:bodyPr/>
-          <a:lstStyle/>
-          <a:p>
-            <a:endParaRPr lang="en-CA"/>
-          </a:p>
-        </p:txBody>
-      </p:sp>
-      <p:sp>
-        <p:nvSpPr>
-          <p:cNvPr id="4" name="Date Placeholder 3"/>
+              <a:rPr lang="fr-CA" dirty="0"/>
+              <a:t>Exemple 2 – Reconnaissance de  caractères</a:t>
+            </a:r>
+          </a:p>
+        </p:txBody>
+      </p:sp>
+      <p:sp>
+        <p:nvSpPr>
+          <p:cNvPr id="4" name="Espace réservé de la date 3"/>
           <p:cNvSpPr>
             <a:spLocks noGrp="1"/>
           </p:cNvSpPr>
@@ -24865,13 +25751,13 @@
               <a:rPr lang="fr-FR"/>
               <a:t>IFT615</a:t>
             </a:r>
-            <a:endParaRPr lang="fr-CA" dirty="0"/>
-          </a:p>
-        </p:txBody>
-      </p:sp>
-      <p:sp>
-        <p:nvSpPr>
-          <p:cNvPr id="5" name="Footer Placeholder 4"/>
+            <a:endParaRPr lang="en-US"/>
+          </a:p>
+        </p:txBody>
+      </p:sp>
+      <p:sp>
+        <p:nvSpPr>
+          <p:cNvPr id="5" name="Espace réservé du pied de page 4"/>
           <p:cNvSpPr>
             <a:spLocks noGrp="1"/>
           </p:cNvSpPr>
@@ -24891,13 +25777,13 @@
               <a:rPr lang="de-DE"/>
               <a:t>Hugo Larochelle et Froduald Kabanza</a:t>
             </a:r>
-            <a:endParaRPr lang="fr-CA" dirty="0"/>
-          </a:p>
-        </p:txBody>
-      </p:sp>
-      <p:sp>
-        <p:nvSpPr>
-          <p:cNvPr id="6" name="Slide Number Placeholder 5"/>
+            <a:endParaRPr lang="en-US" dirty="0"/>
+          </a:p>
+        </p:txBody>
+      </p:sp>
+      <p:sp>
+        <p:nvSpPr>
+          <p:cNvPr id="6" name="Espace réservé du numéro de diapositive 5"/>
           <p:cNvSpPr>
             <a:spLocks noGrp="1"/>
           </p:cNvSpPr>
@@ -24913,13 +25799,311 @@
             <a:pPr>
               <a:defRPr/>
             </a:pPr>
-            <a:fld id="{7050D879-BF2F-3642-AEB1-951FD9604AAF}" type="slidenum">
-              <a:rPr lang="fr-CA" smtClean="0"/>
+            <a:fld id="{BBD9A5C2-26F0-C84F-B484-A651D7D81095}" type="slidenum">
+              <a:rPr lang="en-US" smtClean="0"/>
               <a:pPr>
                 <a:defRPr/>
               </a:pPr>
               <a:t>9</a:t>
             </a:fld>
+            <a:endParaRPr lang="en-US"/>
+          </a:p>
+        </p:txBody>
+      </p:sp>
+      <p:sp>
+        <p:nvSpPr>
+          <p:cNvPr id="3" name="Espace réservé du contenu 16">
+            <a:extLst>
+              <a:ext uri="{FF2B5EF4-FFF2-40B4-BE49-F238E27FC236}">
+                <a16:creationId xmlns:a16="http://schemas.microsoft.com/office/drawing/2014/main" id="{8B0BEFD6-8581-E761-5591-E7FAF0A1D454}"/>
+              </a:ext>
+            </a:extLst>
+          </p:cNvPr>
+          <p:cNvSpPr>
+            <a:spLocks noGrp="1"/>
+          </p:cNvSpPr>
+          <p:nvPr>
+            <p:ph idx="1"/>
+          </p:nvPr>
+        </p:nvSpPr>
+        <p:spPr>
+          <a:xfrm>
+            <a:off x="457200" y="1600200"/>
+            <a:ext cx="8229600" cy="4525963"/>
+          </a:xfrm>
+        </p:spPr>
+        <p:txBody>
+          <a:bodyPr/>
+          <a:lstStyle/>
+          <a:p>
+            <a:r>
+              <a:rPr lang="fr-CA" dirty="0"/>
+              <a:t>Reconnaissance de caractères manuscrits</a:t>
+            </a:r>
+          </a:p>
+        </p:txBody>
+      </p:sp>
+      <p:pic>
+        <p:nvPicPr>
+          <p:cNvPr id="8" name="Image 23">
+            <a:extLst>
+              <a:ext uri="{FF2B5EF4-FFF2-40B4-BE49-F238E27FC236}">
+                <a16:creationId xmlns:a16="http://schemas.microsoft.com/office/drawing/2014/main" id="{41A43DA9-4C45-6D14-D715-275A031551EB}"/>
+              </a:ext>
+            </a:extLst>
+          </p:cNvPr>
+          <p:cNvPicPr>
+            <a:picLocks noChangeAspect="1"/>
+          </p:cNvPicPr>
+          <p:nvPr/>
+        </p:nvPicPr>
+        <p:blipFill>
+          <a:blip r:embed="rId3"/>
+          <a:stretch>
+            <a:fillRect/>
+          </a:stretch>
+        </p:blipFill>
+        <p:spPr>
+          <a:xfrm>
+            <a:off x="457200" y="3044464"/>
+            <a:ext cx="8211932" cy="1896170"/>
+          </a:xfrm>
+          <a:prstGeom prst="rect">
+            <a:avLst/>
+          </a:prstGeom>
+        </p:spPr>
+      </p:pic>
+      <p:sp>
+        <p:nvSpPr>
+          <p:cNvPr id="9" name="ZoneTexte 24">
+            <a:extLst>
+              <a:ext uri="{FF2B5EF4-FFF2-40B4-BE49-F238E27FC236}">
+                <a16:creationId xmlns:a16="http://schemas.microsoft.com/office/drawing/2014/main" id="{218FDAFC-F4C9-F05C-6EC3-551F2D8A447E}"/>
+              </a:ext>
+            </a:extLst>
+          </p:cNvPr>
+          <p:cNvSpPr txBox="1"/>
+          <p:nvPr/>
+        </p:nvSpPr>
+        <p:spPr>
+          <a:xfrm>
+            <a:off x="2534997" y="2318541"/>
+            <a:ext cx="4138573" cy="738664"/>
+          </a:xfrm>
+          <a:prstGeom prst="rect">
+            <a:avLst/>
+          </a:prstGeom>
+          <a:noFill/>
+        </p:spPr>
+        <p:txBody>
+          <a:bodyPr wrap="none" rtlCol="0">
+            <a:spAutoFit/>
+          </a:bodyPr>
+          <a:lstStyle/>
+          <a:p>
+            <a:pPr algn="ctr"/>
+            <a:r>
+              <a:rPr lang="fr-CA" sz="2400" b="1" dirty="0">
+                <a:latin typeface="+mj-lt"/>
+              </a:rPr>
+              <a:t>Ensemble d’entraînement</a:t>
+            </a:r>
+          </a:p>
+          <a:p>
+            <a:pPr algn="ctr"/>
+            <a:r>
+              <a:rPr lang="fr-CA" dirty="0">
+                <a:latin typeface="+mj-lt"/>
+              </a:rPr>
+              <a:t>(100 exemples d’apprentissage par classe)</a:t>
+            </a:r>
+          </a:p>
+        </p:txBody>
+      </p:sp>
+      <p:sp>
+        <p:nvSpPr>
+          <p:cNvPr id="10" name="ZoneTexte 25">
+            <a:extLst>
+              <a:ext uri="{FF2B5EF4-FFF2-40B4-BE49-F238E27FC236}">
+                <a16:creationId xmlns:a16="http://schemas.microsoft.com/office/drawing/2014/main" id="{F7CC0943-A5CF-BADB-7A56-BDBF9DD2BDC4}"/>
+              </a:ext>
+            </a:extLst>
+          </p:cNvPr>
+          <p:cNvSpPr txBox="1"/>
+          <p:nvPr/>
+        </p:nvSpPr>
+        <p:spPr>
+          <a:xfrm>
+            <a:off x="1993316" y="5226853"/>
+            <a:ext cx="1048935" cy="369332"/>
+          </a:xfrm>
+          <a:prstGeom prst="rect">
+            <a:avLst/>
+          </a:prstGeom>
+          <a:noFill/>
+        </p:spPr>
+        <p:txBody>
+          <a:bodyPr wrap="none" rtlCol="0">
+            <a:spAutoFit/>
+          </a:bodyPr>
+          <a:lstStyle/>
+          <a:p>
+            <a:r>
+              <a:rPr lang="fr-CA" dirty="0">
+                <a:latin typeface="+mj-lt"/>
+              </a:rPr>
+              <a:t>Classe ‘e’</a:t>
+            </a:r>
+          </a:p>
+        </p:txBody>
+      </p:sp>
+      <p:sp>
+        <p:nvSpPr>
+          <p:cNvPr id="11" name="ZoneTexte 26">
+            <a:extLst>
+              <a:ext uri="{FF2B5EF4-FFF2-40B4-BE49-F238E27FC236}">
+                <a16:creationId xmlns:a16="http://schemas.microsoft.com/office/drawing/2014/main" id="{32D55CFC-4C86-6818-05E3-AAB429AA150A}"/>
+              </a:ext>
+            </a:extLst>
+          </p:cNvPr>
+          <p:cNvSpPr txBox="1"/>
+          <p:nvPr/>
+        </p:nvSpPr>
+        <p:spPr>
+          <a:xfrm>
+            <a:off x="6100243" y="5226853"/>
+            <a:ext cx="1055810" cy="369332"/>
+          </a:xfrm>
+          <a:prstGeom prst="rect">
+            <a:avLst/>
+          </a:prstGeom>
+          <a:noFill/>
+        </p:spPr>
+        <p:txBody>
+          <a:bodyPr wrap="none" rtlCol="0">
+            <a:spAutoFit/>
+          </a:bodyPr>
+          <a:lstStyle/>
+          <a:p>
+            <a:r>
+              <a:rPr lang="fr-CA" dirty="0">
+                <a:latin typeface="+mj-lt"/>
+              </a:rPr>
+              <a:t>Classe ‘o’</a:t>
+            </a:r>
+          </a:p>
+        </p:txBody>
+      </p:sp>
+      <p:sp>
+        <p:nvSpPr>
+          <p:cNvPr id="12" name="Accolade ouvrante 27">
+            <a:extLst>
+              <a:ext uri="{FF2B5EF4-FFF2-40B4-BE49-F238E27FC236}">
+                <a16:creationId xmlns:a16="http://schemas.microsoft.com/office/drawing/2014/main" id="{39326534-F365-7847-AE61-B9A73DAE4F86}"/>
+              </a:ext>
+            </a:extLst>
+          </p:cNvPr>
+          <p:cNvSpPr/>
+          <p:nvPr/>
+        </p:nvSpPr>
+        <p:spPr>
+          <a:xfrm>
+            <a:off x="2357669" y="3148574"/>
+            <a:ext cx="286503" cy="3893573"/>
+          </a:xfrm>
+          <a:prstGeom prst="leftBrace">
+            <a:avLst/>
+          </a:prstGeom>
+          <a:scene3d>
+            <a:camera prst="orthographicFront">
+              <a:rot lat="0" lon="0" rev="5400000"/>
+            </a:camera>
+            <a:lightRig rig="threePt" dir="t"/>
+          </a:scene3d>
+        </p:spPr>
+        <p:style>
+          <a:lnRef idx="2">
+            <a:schemeClr val="accent1"/>
+          </a:lnRef>
+          <a:fillRef idx="0">
+            <a:schemeClr val="accent1"/>
+          </a:fillRef>
+          <a:effectRef idx="1">
+            <a:schemeClr val="accent1"/>
+          </a:effectRef>
+          <a:fontRef idx="minor">
+            <a:schemeClr val="tx1"/>
+          </a:fontRef>
+        </p:style>
+        <p:txBody>
+          <a:bodyPr rtlCol="0" anchor="ctr">
+            <a:scene3d>
+              <a:camera prst="orthographicFront">
+                <a:rot lat="0" lon="0" rev="5400000"/>
+              </a:camera>
+              <a:lightRig rig="threePt" dir="t"/>
+            </a:scene3d>
+          </a:bodyPr>
+          <a:lstStyle/>
+          <a:p>
+            <a:pPr algn="ctr"/>
+            <a:endParaRPr lang="fr-CA"/>
+          </a:p>
+        </p:txBody>
+      </p:sp>
+      <p:sp>
+        <p:nvSpPr>
+          <p:cNvPr id="13" name="Accolade ouvrante 28">
+            <a:extLst>
+              <a:ext uri="{FF2B5EF4-FFF2-40B4-BE49-F238E27FC236}">
+                <a16:creationId xmlns:a16="http://schemas.microsoft.com/office/drawing/2014/main" id="{C7A2AE9C-D954-E9A9-54EB-965C9DED13EA}"/>
+              </a:ext>
+            </a:extLst>
+          </p:cNvPr>
+          <p:cNvSpPr/>
+          <p:nvPr/>
+        </p:nvSpPr>
+        <p:spPr>
+          <a:xfrm>
+            <a:off x="6509844" y="3155220"/>
+            <a:ext cx="286503" cy="3893573"/>
+          </a:xfrm>
+          <a:prstGeom prst="leftBrace">
+            <a:avLst/>
+          </a:prstGeom>
+          <a:scene3d>
+            <a:camera prst="orthographicFront">
+              <a:rot lat="0" lon="0" rev="5400000"/>
+            </a:camera>
+            <a:lightRig rig="threePt" dir="t"/>
+          </a:scene3d>
+        </p:spPr>
+        <p:style>
+          <a:lnRef idx="2">
+            <a:schemeClr val="accent1"/>
+          </a:lnRef>
+          <a:fillRef idx="0">
+            <a:schemeClr val="accent1"/>
+          </a:fillRef>
+          <a:effectRef idx="1">
+            <a:schemeClr val="accent1"/>
+          </a:effectRef>
+          <a:fontRef idx="minor">
+            <a:schemeClr val="tx1"/>
+          </a:fontRef>
+        </p:style>
+        <p:txBody>
+          <a:bodyPr rtlCol="0" anchor="ctr">
+            <a:scene3d>
+              <a:camera prst="orthographicFront">
+                <a:rot lat="0" lon="0" rev="5400000"/>
+              </a:camera>
+              <a:lightRig rig="threePt" dir="t"/>
+            </a:scene3d>
+          </a:bodyPr>
+          <a:lstStyle/>
+          <a:p>
+            <a:pPr algn="ctr"/>
             <a:endParaRPr lang="fr-CA"/>
           </a:p>
         </p:txBody>
@@ -24927,7 +26111,7 @@
     </p:spTree>
     <p:extLst>
       <p:ext uri="{BB962C8B-B14F-4D97-AF65-F5344CB8AC3E}">
-        <p14:creationId xmlns:p14="http://schemas.microsoft.com/office/powerpoint/2010/main" val="2428490300"/>
+        <p14:creationId xmlns:p14="http://schemas.microsoft.com/office/powerpoint/2010/main" val="2343792075"/>
       </p:ext>
     </p:extLst>
   </p:cSld>
@@ -25892,8 +27076,19 @@
 </file>
 
 <file path=customXml/item1.xml><?xml version="1.0" encoding="utf-8"?>
-<ct:contentTypeSchema xmlns:ct="http://schemas.microsoft.com/office/2006/metadata/contentType" xmlns:ma="http://schemas.microsoft.com/office/2006/metadata/properties/metaAttributes" ct:_="" ma:_="" ma:contentTypeName="Document" ma:contentTypeID="0x01010081A5D1C58639CC438A0985A5163AD7E3" ma:contentTypeVersion="16" ma:contentTypeDescription="Crée un document." ma:contentTypeScope="" ma:versionID="adde1713dad0237bebe5b7f0a48ecfba">
-  <xsd:schema xmlns:xsd="http://www.w3.org/2001/XMLSchema" xmlns:xs="http://www.w3.org/2001/XMLSchema" xmlns:p="http://schemas.microsoft.com/office/2006/metadata/properties" xmlns:ns2="be95ad7f-f2d3-4ad5-827d-a3392f6d419f" xmlns:ns3="461e6b72-1c26-445f-8625-322369705492" targetNamespace="http://schemas.microsoft.com/office/2006/metadata/properties" ma:root="true" ma:fieldsID="34d9627e19b6e0ed2eb421ed6e1fb46a" ns2:_="" ns3:_="">
+<p:properties xmlns:p="http://schemas.microsoft.com/office/2006/metadata/properties" xmlns:xsi="http://www.w3.org/2001/XMLSchema-instance" xmlns:pc="http://schemas.microsoft.com/office/infopath/2007/PartnerControls">
+  <documentManagement>
+    <lcf76f155ced4ddcb4097134ff3c332f xmlns="be95ad7f-f2d3-4ad5-827d-a3392f6d419f">
+      <Terms xmlns="http://schemas.microsoft.com/office/infopath/2007/PartnerControls"/>
+    </lcf76f155ced4ddcb4097134ff3c332f>
+    <TaxCatchAll xmlns="461e6b72-1c26-445f-8625-322369705492" xsi:nil="true"/>
+  </documentManagement>
+</p:properties>
+</file>
+
+<file path=customXml/item2.xml><?xml version="1.0" encoding="utf-8"?>
+<ct:contentTypeSchema xmlns:ct="http://schemas.microsoft.com/office/2006/metadata/contentType" xmlns:ma="http://schemas.microsoft.com/office/2006/metadata/properties/metaAttributes" ct:_="" ma:_="" ma:contentTypeName="Document" ma:contentTypeID="0x01010081A5D1C58639CC438A0985A5163AD7E3" ma:contentTypeVersion="17" ma:contentTypeDescription="Crée un document." ma:contentTypeScope="" ma:versionID="7795556d6530b0b9480380495134c4db">
+  <xsd:schema xmlns:xsd="http://www.w3.org/2001/XMLSchema" xmlns:xs="http://www.w3.org/2001/XMLSchema" xmlns:p="http://schemas.microsoft.com/office/2006/metadata/properties" xmlns:ns2="be95ad7f-f2d3-4ad5-827d-a3392f6d419f" xmlns:ns3="461e6b72-1c26-445f-8625-322369705492" targetNamespace="http://schemas.microsoft.com/office/2006/metadata/properties" ma:root="true" ma:fieldsID="9d9b2d3b47b01b6398608d65909208f7" ns2:_="" ns3:_="">
     <xsd:import namespace="be95ad7f-f2d3-4ad5-827d-a3392f6d419f"/>
     <xsd:import namespace="461e6b72-1c26-445f-8625-322369705492"/>
     <xsd:element name="properties">
@@ -25916,6 +27111,7 @@
                 <xsd:element ref="ns2:lcf76f155ced4ddcb4097134ff3c332f" minOccurs="0"/>
                 <xsd:element ref="ns3:TaxCatchAll" minOccurs="0"/>
                 <xsd:element ref="ns2:MediaServiceLocation" minOccurs="0"/>
+                <xsd:element ref="ns2:MediaServiceObjectDetectorVersions" minOccurs="0"/>
               </xsd:all>
             </xsd:complexType>
           </xsd:element>
@@ -25983,6 +27179,11 @@
       </xsd:complexType>
     </xsd:element>
     <xsd:element name="MediaServiceLocation" ma:index="22" nillable="true" ma:displayName="Location" ma:internalName="MediaServiceLocation" ma:readOnly="true">
+      <xsd:simpleType>
+        <xsd:restriction base="dms:Text"/>
+      </xsd:simpleType>
+    </xsd:element>
+    <xsd:element name="MediaServiceObjectDetectorVersions" ma:index="23" nillable="true" ma:displayName="MediaServiceObjectDetectorVersions" ma:hidden="true" ma:indexed="true" ma:internalName="MediaServiceObjectDetectorVersions" ma:readOnly="true">
       <xsd:simpleType>
         <xsd:restriction base="dms:Text"/>
       </xsd:simpleType>
@@ -26128,17 +27329,6 @@
 </ct:contentTypeSchema>
 </file>
 
-<file path=customXml/item2.xml><?xml version="1.0" encoding="utf-8"?>
-<p:properties xmlns:p="http://schemas.microsoft.com/office/2006/metadata/properties" xmlns:xsi="http://www.w3.org/2001/XMLSchema-instance" xmlns:pc="http://schemas.microsoft.com/office/infopath/2007/PartnerControls">
-  <documentManagement>
-    <lcf76f155ced4ddcb4097134ff3c332f xmlns="be95ad7f-f2d3-4ad5-827d-a3392f6d419f">
-      <Terms xmlns="http://schemas.microsoft.com/office/infopath/2007/PartnerControls"/>
-    </lcf76f155ced4ddcb4097134ff3c332f>
-    <TaxCatchAll xmlns="461e6b72-1c26-445f-8625-322369705492" xsi:nil="true"/>
-  </documentManagement>
-</p:properties>
-</file>
-
 <file path=customXml/item3.xml><?xml version="1.0" encoding="utf-8"?>
 <?mso-contentType ?>
 <FormTemplates xmlns="http://schemas.microsoft.com/sharepoint/v3/contenttype/forms">
@@ -26149,7 +27339,24 @@
 </file>
 
 <file path=customXml/itemProps1.xml><?xml version="1.0" encoding="utf-8"?>
-<ds:datastoreItem xmlns:ds="http://schemas.openxmlformats.org/officeDocument/2006/customXml" ds:itemID="{3F35DFF9-D67F-41E0-9BF1-98A6C89DCC46}">
+<ds:datastoreItem xmlns:ds="http://schemas.openxmlformats.org/officeDocument/2006/customXml" ds:itemID="{92761995-0805-481C-9F56-7903233CFB6A}">
+  <ds:schemaRefs>
+    <ds:schemaRef ds:uri="http://purl.org/dc/elements/1.1/"/>
+    <ds:schemaRef ds:uri="http://schemas.microsoft.com/office/2006/metadata/properties"/>
+    <ds:schemaRef ds:uri="http://www.w3.org/XML/1998/namespace"/>
+    <ds:schemaRef ds:uri="http://schemas.openxmlformats.org/package/2006/metadata/core-properties"/>
+    <ds:schemaRef ds:uri="http://purl.org/dc/terms/"/>
+    <ds:schemaRef ds:uri="http://purl.org/dc/dcmitype/"/>
+    <ds:schemaRef ds:uri="http://schemas.microsoft.com/office/2006/documentManagement/types"/>
+    <ds:schemaRef ds:uri="http://schemas.microsoft.com/office/infopath/2007/PartnerControls"/>
+    <ds:schemaRef ds:uri="be95ad7f-f2d3-4ad5-827d-a3392f6d419f"/>
+    <ds:schemaRef ds:uri="461e6b72-1c26-445f-8625-322369705492"/>
+  </ds:schemaRefs>
+</ds:datastoreItem>
+</file>
+
+<file path=customXml/itemProps2.xml><?xml version="1.0" encoding="utf-8"?>
+<ds:datastoreItem xmlns:ds="http://schemas.openxmlformats.org/officeDocument/2006/customXml" ds:itemID="{182AEB3D-8BEB-4D82-A667-B4CFB86D068F}">
   <ds:schemaRefs>
     <ds:schemaRef ds:uri="http://schemas.microsoft.com/office/2006/metadata/contentType"/>
     <ds:schemaRef ds:uri="http://schemas.microsoft.com/office/2006/metadata/properties/metaAttributes"/>
@@ -26167,23 +27374,6 @@
 </ds:datastoreItem>
 </file>
 
-<file path=customXml/itemProps2.xml><?xml version="1.0" encoding="utf-8"?>
-<ds:datastoreItem xmlns:ds="http://schemas.openxmlformats.org/officeDocument/2006/customXml" ds:itemID="{92761995-0805-481C-9F56-7903233CFB6A}">
-  <ds:schemaRefs>
-    <ds:schemaRef ds:uri="http://purl.org/dc/elements/1.1/"/>
-    <ds:schemaRef ds:uri="http://schemas.microsoft.com/office/2006/metadata/properties"/>
-    <ds:schemaRef ds:uri="http://www.w3.org/XML/1998/namespace"/>
-    <ds:schemaRef ds:uri="http://schemas.openxmlformats.org/package/2006/metadata/core-properties"/>
-    <ds:schemaRef ds:uri="http://purl.org/dc/terms/"/>
-    <ds:schemaRef ds:uri="http://purl.org/dc/dcmitype/"/>
-    <ds:schemaRef ds:uri="http://schemas.microsoft.com/office/2006/documentManagement/types"/>
-    <ds:schemaRef ds:uri="http://schemas.microsoft.com/office/infopath/2007/PartnerControls"/>
-    <ds:schemaRef ds:uri="be95ad7f-f2d3-4ad5-827d-a3392f6d419f"/>
-    <ds:schemaRef ds:uri="461e6b72-1c26-445f-8625-322369705492"/>
-  </ds:schemaRefs>
-</ds:datastoreItem>
-</file>
-
 <file path=customXml/itemProps3.xml><?xml version="1.0" encoding="utf-8"?>
 <ds:datastoreItem xmlns:ds="http://schemas.openxmlformats.org/officeDocument/2006/customXml" ds:itemID="{82A3A9FA-B6DA-49AF-AC07-798E93FF609B}">
   <ds:schemaRefs>
